--- a/presentation.pptx
+++ b/presentation.pptx
@@ -6,14 +6,28 @@
     <p:sldMasterId id="2147483916" r:id="rId5"/>
   </p:sldMasterIdLst>
   <p:notesMasterIdLst>
-    <p:notesMasterId r:id="rId11"/>
+    <p:notesMasterId r:id="rId25"/>
   </p:notesMasterIdLst>
   <p:sldIdLst>
     <p:sldId id="429" r:id="rId6"/>
     <p:sldId id="434" r:id="rId7"/>
     <p:sldId id="435" r:id="rId8"/>
-    <p:sldId id="436" r:id="rId9"/>
-    <p:sldId id="437" r:id="rId10"/>
+    <p:sldId id="446" r:id="rId9"/>
+    <p:sldId id="436" r:id="rId10"/>
+    <p:sldId id="437" r:id="rId11"/>
+    <p:sldId id="438" r:id="rId12"/>
+    <p:sldId id="440" r:id="rId13"/>
+    <p:sldId id="439" r:id="rId14"/>
+    <p:sldId id="441" r:id="rId15"/>
+    <p:sldId id="444" r:id="rId16"/>
+    <p:sldId id="445" r:id="rId17"/>
+    <p:sldId id="449" r:id="rId18"/>
+    <p:sldId id="442" r:id="rId19"/>
+    <p:sldId id="450" r:id="rId20"/>
+    <p:sldId id="448" r:id="rId21"/>
+    <p:sldId id="452" r:id="rId22"/>
+    <p:sldId id="443" r:id="rId23"/>
+    <p:sldId id="447" r:id="rId24"/>
   </p:sldIdLst>
   <p:sldSz cx="9144000" cy="5715000" type="screen16x10"/>
   <p:notesSz cx="6858000" cy="9144000"/>
@@ -308,7 +322,7 @@
               <a:pPr>
                 <a:defRPr/>
               </a:pPr>
-              <a:t>10/19/2020</a:t>
+              <a:t>10/27/2020</a:t>
             </a:fld>
             <a:endParaRPr lang="en-US"/>
           </a:p>
@@ -648,6 +662,1726 @@
     </a:lvl9pPr>
   </p:notesStyle>
 </p:notesMaster>
+</file>
+
+<file path=ppt/notesSlides/notesSlide1.xml><?xml version="1.0" encoding="utf-8"?>
+<p:notes xmlns:a="http://schemas.openxmlformats.org/drawingml/2006/main" xmlns:r="http://schemas.openxmlformats.org/officeDocument/2006/relationships" xmlns:p="http://schemas.openxmlformats.org/presentationml/2006/main">
+  <p:cSld>
+    <p:spTree>
+      <p:nvGrpSpPr>
+        <p:cNvPr id="1" name=""/>
+        <p:cNvGrpSpPr/>
+        <p:nvPr/>
+      </p:nvGrpSpPr>
+      <p:grpSpPr>
+        <a:xfrm>
+          <a:off x="0" y="0"/>
+          <a:ext cx="0" cy="0"/>
+          <a:chOff x="0" y="0"/>
+          <a:chExt cx="0" cy="0"/>
+        </a:xfrm>
+      </p:grpSpPr>
+      <p:sp>
+        <p:nvSpPr>
+          <p:cNvPr id="2" name="Slide Image Placeholder 1"/>
+          <p:cNvSpPr>
+            <a:spLocks noGrp="1" noRot="1" noChangeAspect="1"/>
+          </p:cNvSpPr>
+          <p:nvPr>
+            <p:ph type="sldImg"/>
+          </p:nvPr>
+        </p:nvSpPr>
+        <p:spPr/>
+      </p:sp>
+      <p:sp>
+        <p:nvSpPr>
+          <p:cNvPr id="3" name="Notes Placeholder 2"/>
+          <p:cNvSpPr>
+            <a:spLocks noGrp="1"/>
+          </p:cNvSpPr>
+          <p:nvPr>
+            <p:ph type="body" idx="1"/>
+          </p:nvPr>
+        </p:nvSpPr>
+        <p:spPr/>
+        <p:txBody>
+          <a:bodyPr/>
+          <a:lstStyle/>
+          <a:p>
+            <a:endParaRPr lang="en-US" dirty="0"/>
+          </a:p>
+        </p:txBody>
+      </p:sp>
+      <p:sp>
+        <p:nvSpPr>
+          <p:cNvPr id="4" name="Slide Number Placeholder 3"/>
+          <p:cNvSpPr>
+            <a:spLocks noGrp="1"/>
+          </p:cNvSpPr>
+          <p:nvPr>
+            <p:ph type="sldNum" sz="quarter" idx="5"/>
+          </p:nvPr>
+        </p:nvSpPr>
+        <p:spPr/>
+        <p:txBody>
+          <a:bodyPr/>
+          <a:lstStyle/>
+          <a:p>
+            <a:pPr>
+              <a:defRPr/>
+            </a:pPr>
+            <a:fld id="{2DF6BF13-8483-4113-8C5F-F85F74A57E2A}" type="slidenum">
+              <a:rPr lang="en-US" smtClean="0"/>
+              <a:pPr>
+                <a:defRPr/>
+              </a:pPr>
+              <a:t>1</a:t>
+            </a:fld>
+            <a:endParaRPr lang="en-US"/>
+          </a:p>
+        </p:txBody>
+      </p:sp>
+    </p:spTree>
+    <p:extLst>
+      <p:ext uri="{BB962C8B-B14F-4D97-AF65-F5344CB8AC3E}">
+        <p14:creationId xmlns:p14="http://schemas.microsoft.com/office/powerpoint/2010/main" val="553369369"/>
+      </p:ext>
+    </p:extLst>
+  </p:cSld>
+  <p:clrMapOvr>
+    <a:masterClrMapping/>
+  </p:clrMapOvr>
+</p:notes>
+</file>
+
+<file path=ppt/notesSlides/notesSlide10.xml><?xml version="1.0" encoding="utf-8"?>
+<p:notes xmlns:a="http://schemas.openxmlformats.org/drawingml/2006/main" xmlns:r="http://schemas.openxmlformats.org/officeDocument/2006/relationships" xmlns:p="http://schemas.openxmlformats.org/presentationml/2006/main">
+  <p:cSld>
+    <p:spTree>
+      <p:nvGrpSpPr>
+        <p:cNvPr id="1" name=""/>
+        <p:cNvGrpSpPr/>
+        <p:nvPr/>
+      </p:nvGrpSpPr>
+      <p:grpSpPr>
+        <a:xfrm>
+          <a:off x="0" y="0"/>
+          <a:ext cx="0" cy="0"/>
+          <a:chOff x="0" y="0"/>
+          <a:chExt cx="0" cy="0"/>
+        </a:xfrm>
+      </p:grpSpPr>
+      <p:sp>
+        <p:nvSpPr>
+          <p:cNvPr id="2" name="Slide Image Placeholder 1"/>
+          <p:cNvSpPr>
+            <a:spLocks noGrp="1" noRot="1" noChangeAspect="1"/>
+          </p:cNvSpPr>
+          <p:nvPr>
+            <p:ph type="sldImg"/>
+          </p:nvPr>
+        </p:nvSpPr>
+        <p:spPr/>
+      </p:sp>
+      <p:sp>
+        <p:nvSpPr>
+          <p:cNvPr id="3" name="Notes Placeholder 2"/>
+          <p:cNvSpPr>
+            <a:spLocks noGrp="1"/>
+          </p:cNvSpPr>
+          <p:nvPr>
+            <p:ph type="body" idx="1"/>
+          </p:nvPr>
+        </p:nvSpPr>
+        <p:spPr/>
+        <p:txBody>
+          <a:bodyPr/>
+          <a:lstStyle/>
+          <a:p>
+            <a:endParaRPr lang="en-US" dirty="0"/>
+          </a:p>
+        </p:txBody>
+      </p:sp>
+      <p:sp>
+        <p:nvSpPr>
+          <p:cNvPr id="4" name="Slide Number Placeholder 3"/>
+          <p:cNvSpPr>
+            <a:spLocks noGrp="1"/>
+          </p:cNvSpPr>
+          <p:nvPr>
+            <p:ph type="sldNum" sz="quarter" idx="5"/>
+          </p:nvPr>
+        </p:nvSpPr>
+        <p:spPr/>
+        <p:txBody>
+          <a:bodyPr/>
+          <a:lstStyle/>
+          <a:p>
+            <a:pPr>
+              <a:defRPr/>
+            </a:pPr>
+            <a:fld id="{2DF6BF13-8483-4113-8C5F-F85F74A57E2A}" type="slidenum">
+              <a:rPr lang="en-US" smtClean="0"/>
+              <a:pPr>
+                <a:defRPr/>
+              </a:pPr>
+              <a:t>15</a:t>
+            </a:fld>
+            <a:endParaRPr lang="en-US"/>
+          </a:p>
+        </p:txBody>
+      </p:sp>
+    </p:spTree>
+    <p:extLst>
+      <p:ext uri="{BB962C8B-B14F-4D97-AF65-F5344CB8AC3E}">
+        <p14:creationId xmlns:p14="http://schemas.microsoft.com/office/powerpoint/2010/main" val="680447144"/>
+      </p:ext>
+    </p:extLst>
+  </p:cSld>
+  <p:clrMapOvr>
+    <a:masterClrMapping/>
+  </p:clrMapOvr>
+</p:notes>
+</file>
+
+<file path=ppt/notesSlides/notesSlide11.xml><?xml version="1.0" encoding="utf-8"?>
+<p:notes xmlns:a="http://schemas.openxmlformats.org/drawingml/2006/main" xmlns:r="http://schemas.openxmlformats.org/officeDocument/2006/relationships" xmlns:p="http://schemas.openxmlformats.org/presentationml/2006/main">
+  <p:cSld>
+    <p:spTree>
+      <p:nvGrpSpPr>
+        <p:cNvPr id="1" name=""/>
+        <p:cNvGrpSpPr/>
+        <p:nvPr/>
+      </p:nvGrpSpPr>
+      <p:grpSpPr>
+        <a:xfrm>
+          <a:off x="0" y="0"/>
+          <a:ext cx="0" cy="0"/>
+          <a:chOff x="0" y="0"/>
+          <a:chExt cx="0" cy="0"/>
+        </a:xfrm>
+      </p:grpSpPr>
+      <p:sp>
+        <p:nvSpPr>
+          <p:cNvPr id="2" name="Slide Image Placeholder 1"/>
+          <p:cNvSpPr>
+            <a:spLocks noGrp="1" noRot="1" noChangeAspect="1"/>
+          </p:cNvSpPr>
+          <p:nvPr>
+            <p:ph type="sldImg"/>
+          </p:nvPr>
+        </p:nvSpPr>
+        <p:spPr/>
+      </p:sp>
+      <p:sp>
+        <p:nvSpPr>
+          <p:cNvPr id="3" name="Notes Placeholder 2"/>
+          <p:cNvSpPr>
+            <a:spLocks noGrp="1"/>
+          </p:cNvSpPr>
+          <p:nvPr>
+            <p:ph type="body" idx="1"/>
+          </p:nvPr>
+        </p:nvSpPr>
+        <p:spPr/>
+        <p:txBody>
+          <a:bodyPr/>
+          <a:lstStyle/>
+          <a:p>
+            <a:r>
+              <a:rPr lang="en-US" dirty="0"/>
+              <a:t>Look at docker compose logs after making a request to show the headers and “Request is https: true/false”</a:t>
+            </a:r>
+          </a:p>
+          <a:p>
+            <a:endParaRPr lang="en-US" dirty="0"/>
+          </a:p>
+          <a:p>
+            <a:r>
+              <a:rPr lang="en-US" dirty="0"/>
+              <a:t>Files to note:</a:t>
+            </a:r>
+          </a:p>
+          <a:p>
+            <a:r>
+              <a:rPr lang="en-US" sz="1200" kern="1200" dirty="0" err="1">
+                <a:solidFill>
+                  <a:schemeClr val="tx1"/>
+                </a:solidFill>
+                <a:latin typeface="+mn-lt"/>
+                <a:ea typeface="+mn-ea"/>
+                <a:cs typeface="+mn-cs"/>
+              </a:rPr>
+              <a:t>PreForwardedHeadersLogHeadersMiddleware.cs</a:t>
+            </a:r>
+            <a:endParaRPr lang="en-US" sz="1200" kern="1200" dirty="0">
+              <a:solidFill>
+                <a:schemeClr val="tx1"/>
+              </a:solidFill>
+              <a:latin typeface="+mn-lt"/>
+              <a:ea typeface="+mn-ea"/>
+              <a:cs typeface="+mn-cs"/>
+            </a:endParaRPr>
+          </a:p>
+          <a:p>
+            <a:r>
+              <a:rPr lang="en-US" sz="1200" kern="1200" dirty="0" err="1">
+                <a:solidFill>
+                  <a:schemeClr val="tx1"/>
+                </a:solidFill>
+                <a:latin typeface="+mn-lt"/>
+                <a:ea typeface="+mn-ea"/>
+                <a:cs typeface="+mn-cs"/>
+              </a:rPr>
+              <a:t>PostForwardedHeadersLogHeadersMiddleware.cs</a:t>
+            </a:r>
+            <a:endParaRPr lang="en-US" dirty="0"/>
+          </a:p>
+          <a:p>
+            <a:r>
+              <a:rPr lang="en-US" sz="1200" kern="1200" dirty="0" err="1">
+                <a:solidFill>
+                  <a:schemeClr val="tx1"/>
+                </a:solidFill>
+                <a:latin typeface="+mn-lt"/>
+                <a:ea typeface="+mn-ea"/>
+                <a:cs typeface="+mn-cs"/>
+              </a:rPr>
+              <a:t>LogResponseHeadersMiddleware.cs</a:t>
+            </a:r>
+            <a:endParaRPr lang="en-US" sz="1200" kern="1200" dirty="0">
+              <a:solidFill>
+                <a:schemeClr val="tx1"/>
+              </a:solidFill>
+              <a:latin typeface="+mn-lt"/>
+              <a:ea typeface="+mn-ea"/>
+              <a:cs typeface="+mn-cs"/>
+            </a:endParaRPr>
+          </a:p>
+        </p:txBody>
+      </p:sp>
+      <p:sp>
+        <p:nvSpPr>
+          <p:cNvPr id="4" name="Slide Number Placeholder 3"/>
+          <p:cNvSpPr>
+            <a:spLocks noGrp="1"/>
+          </p:cNvSpPr>
+          <p:nvPr>
+            <p:ph type="sldNum" sz="quarter" idx="5"/>
+          </p:nvPr>
+        </p:nvSpPr>
+        <p:spPr/>
+        <p:txBody>
+          <a:bodyPr/>
+          <a:lstStyle/>
+          <a:p>
+            <a:pPr>
+              <a:defRPr/>
+            </a:pPr>
+            <a:fld id="{2DF6BF13-8483-4113-8C5F-F85F74A57E2A}" type="slidenum">
+              <a:rPr lang="en-US" smtClean="0"/>
+              <a:pPr>
+                <a:defRPr/>
+              </a:pPr>
+              <a:t>16</a:t>
+            </a:fld>
+            <a:endParaRPr lang="en-US"/>
+          </a:p>
+        </p:txBody>
+      </p:sp>
+    </p:spTree>
+    <p:extLst>
+      <p:ext uri="{BB962C8B-B14F-4D97-AF65-F5344CB8AC3E}">
+        <p14:creationId xmlns:p14="http://schemas.microsoft.com/office/powerpoint/2010/main" val="19258249"/>
+      </p:ext>
+    </p:extLst>
+  </p:cSld>
+  <p:clrMapOvr>
+    <a:masterClrMapping/>
+  </p:clrMapOvr>
+</p:notes>
+</file>
+
+<file path=ppt/notesSlides/notesSlide12.xml><?xml version="1.0" encoding="utf-8"?>
+<p:notes xmlns:a="http://schemas.openxmlformats.org/drawingml/2006/main" xmlns:r="http://schemas.openxmlformats.org/officeDocument/2006/relationships" xmlns:p="http://schemas.openxmlformats.org/presentationml/2006/main">
+  <p:cSld>
+    <p:spTree>
+      <p:nvGrpSpPr>
+        <p:cNvPr id="1" name=""/>
+        <p:cNvGrpSpPr/>
+        <p:nvPr/>
+      </p:nvGrpSpPr>
+      <p:grpSpPr>
+        <a:xfrm>
+          <a:off x="0" y="0"/>
+          <a:ext cx="0" cy="0"/>
+          <a:chOff x="0" y="0"/>
+          <a:chExt cx="0" cy="0"/>
+        </a:xfrm>
+      </p:grpSpPr>
+      <p:sp>
+        <p:nvSpPr>
+          <p:cNvPr id="2" name="Slide Image Placeholder 1"/>
+          <p:cNvSpPr>
+            <a:spLocks noGrp="1" noRot="1" noChangeAspect="1"/>
+          </p:cNvSpPr>
+          <p:nvPr>
+            <p:ph type="sldImg"/>
+          </p:nvPr>
+        </p:nvSpPr>
+        <p:spPr/>
+      </p:sp>
+      <p:sp>
+        <p:nvSpPr>
+          <p:cNvPr id="3" name="Notes Placeholder 2"/>
+          <p:cNvSpPr>
+            <a:spLocks noGrp="1"/>
+          </p:cNvSpPr>
+          <p:nvPr>
+            <p:ph type="body" idx="1"/>
+          </p:nvPr>
+        </p:nvSpPr>
+        <p:spPr/>
+        <p:txBody>
+          <a:bodyPr/>
+          <a:lstStyle/>
+          <a:p>
+            <a:endParaRPr lang="en-US" dirty="0"/>
+          </a:p>
+        </p:txBody>
+      </p:sp>
+      <p:sp>
+        <p:nvSpPr>
+          <p:cNvPr id="4" name="Slide Number Placeholder 3"/>
+          <p:cNvSpPr>
+            <a:spLocks noGrp="1"/>
+          </p:cNvSpPr>
+          <p:nvPr>
+            <p:ph type="sldNum" sz="quarter" idx="5"/>
+          </p:nvPr>
+        </p:nvSpPr>
+        <p:spPr/>
+        <p:txBody>
+          <a:bodyPr/>
+          <a:lstStyle/>
+          <a:p>
+            <a:pPr>
+              <a:defRPr/>
+            </a:pPr>
+            <a:fld id="{2DF6BF13-8483-4113-8C5F-F85F74A57E2A}" type="slidenum">
+              <a:rPr lang="en-US" smtClean="0"/>
+              <a:pPr>
+                <a:defRPr/>
+              </a:pPr>
+              <a:t>17</a:t>
+            </a:fld>
+            <a:endParaRPr lang="en-US"/>
+          </a:p>
+        </p:txBody>
+      </p:sp>
+    </p:spTree>
+    <p:extLst>
+      <p:ext uri="{BB962C8B-B14F-4D97-AF65-F5344CB8AC3E}">
+        <p14:creationId xmlns:p14="http://schemas.microsoft.com/office/powerpoint/2010/main" val="4234914175"/>
+      </p:ext>
+    </p:extLst>
+  </p:cSld>
+  <p:clrMapOvr>
+    <a:masterClrMapping/>
+  </p:clrMapOvr>
+</p:notes>
+</file>
+
+<file path=ppt/notesSlides/notesSlide13.xml><?xml version="1.0" encoding="utf-8"?>
+<p:notes xmlns:a="http://schemas.openxmlformats.org/drawingml/2006/main" xmlns:r="http://schemas.openxmlformats.org/officeDocument/2006/relationships" xmlns:p="http://schemas.openxmlformats.org/presentationml/2006/main">
+  <p:cSld>
+    <p:spTree>
+      <p:nvGrpSpPr>
+        <p:cNvPr id="1" name=""/>
+        <p:cNvGrpSpPr/>
+        <p:nvPr/>
+      </p:nvGrpSpPr>
+      <p:grpSpPr>
+        <a:xfrm>
+          <a:off x="0" y="0"/>
+          <a:ext cx="0" cy="0"/>
+          <a:chOff x="0" y="0"/>
+          <a:chExt cx="0" cy="0"/>
+        </a:xfrm>
+      </p:grpSpPr>
+      <p:sp>
+        <p:nvSpPr>
+          <p:cNvPr id="2" name="Slide Image Placeholder 1"/>
+          <p:cNvSpPr>
+            <a:spLocks noGrp="1" noRot="1" noChangeAspect="1"/>
+          </p:cNvSpPr>
+          <p:nvPr>
+            <p:ph type="sldImg"/>
+          </p:nvPr>
+        </p:nvSpPr>
+        <p:spPr/>
+      </p:sp>
+      <p:sp>
+        <p:nvSpPr>
+          <p:cNvPr id="3" name="Notes Placeholder 2"/>
+          <p:cNvSpPr>
+            <a:spLocks noGrp="1"/>
+          </p:cNvSpPr>
+          <p:nvPr>
+            <p:ph type="body" idx="1"/>
+          </p:nvPr>
+        </p:nvSpPr>
+        <p:spPr/>
+        <p:txBody>
+          <a:bodyPr/>
+          <a:lstStyle/>
+          <a:p>
+            <a:endParaRPr lang="en-US" dirty="0"/>
+          </a:p>
+        </p:txBody>
+      </p:sp>
+      <p:sp>
+        <p:nvSpPr>
+          <p:cNvPr id="4" name="Slide Number Placeholder 3"/>
+          <p:cNvSpPr>
+            <a:spLocks noGrp="1"/>
+          </p:cNvSpPr>
+          <p:nvPr>
+            <p:ph type="sldNum" sz="quarter" idx="5"/>
+          </p:nvPr>
+        </p:nvSpPr>
+        <p:spPr/>
+        <p:txBody>
+          <a:bodyPr/>
+          <a:lstStyle/>
+          <a:p>
+            <a:pPr>
+              <a:defRPr/>
+            </a:pPr>
+            <a:fld id="{2DF6BF13-8483-4113-8C5F-F85F74A57E2A}" type="slidenum">
+              <a:rPr lang="en-US" smtClean="0"/>
+              <a:pPr>
+                <a:defRPr/>
+              </a:pPr>
+              <a:t>18</a:t>
+            </a:fld>
+            <a:endParaRPr lang="en-US"/>
+          </a:p>
+        </p:txBody>
+      </p:sp>
+    </p:spTree>
+    <p:extLst>
+      <p:ext uri="{BB962C8B-B14F-4D97-AF65-F5344CB8AC3E}">
+        <p14:creationId xmlns:p14="http://schemas.microsoft.com/office/powerpoint/2010/main" val="1833222099"/>
+      </p:ext>
+    </p:extLst>
+  </p:cSld>
+  <p:clrMapOvr>
+    <a:masterClrMapping/>
+  </p:clrMapOvr>
+</p:notes>
+</file>
+
+<file path=ppt/notesSlides/notesSlide14.xml><?xml version="1.0" encoding="utf-8"?>
+<p:notes xmlns:a="http://schemas.openxmlformats.org/drawingml/2006/main" xmlns:r="http://schemas.openxmlformats.org/officeDocument/2006/relationships" xmlns:p="http://schemas.openxmlformats.org/presentationml/2006/main">
+  <p:cSld>
+    <p:spTree>
+      <p:nvGrpSpPr>
+        <p:cNvPr id="1" name=""/>
+        <p:cNvGrpSpPr/>
+        <p:nvPr/>
+      </p:nvGrpSpPr>
+      <p:grpSpPr>
+        <a:xfrm>
+          <a:off x="0" y="0"/>
+          <a:ext cx="0" cy="0"/>
+          <a:chOff x="0" y="0"/>
+          <a:chExt cx="0" cy="0"/>
+        </a:xfrm>
+      </p:grpSpPr>
+      <p:sp>
+        <p:nvSpPr>
+          <p:cNvPr id="2" name="Slide Image Placeholder 1"/>
+          <p:cNvSpPr>
+            <a:spLocks noGrp="1" noRot="1" noChangeAspect="1"/>
+          </p:cNvSpPr>
+          <p:nvPr>
+            <p:ph type="sldImg"/>
+          </p:nvPr>
+        </p:nvSpPr>
+        <p:spPr/>
+      </p:sp>
+      <p:sp>
+        <p:nvSpPr>
+          <p:cNvPr id="3" name="Notes Placeholder 2"/>
+          <p:cNvSpPr>
+            <a:spLocks noGrp="1"/>
+          </p:cNvSpPr>
+          <p:nvPr>
+            <p:ph type="body" idx="1"/>
+          </p:nvPr>
+        </p:nvSpPr>
+        <p:spPr/>
+        <p:txBody>
+          <a:bodyPr/>
+          <a:lstStyle/>
+          <a:p>
+            <a:endParaRPr lang="en-US" dirty="0"/>
+          </a:p>
+        </p:txBody>
+      </p:sp>
+      <p:sp>
+        <p:nvSpPr>
+          <p:cNvPr id="4" name="Slide Number Placeholder 3"/>
+          <p:cNvSpPr>
+            <a:spLocks noGrp="1"/>
+          </p:cNvSpPr>
+          <p:nvPr>
+            <p:ph type="sldNum" sz="quarter" idx="5"/>
+          </p:nvPr>
+        </p:nvSpPr>
+        <p:spPr/>
+        <p:txBody>
+          <a:bodyPr/>
+          <a:lstStyle/>
+          <a:p>
+            <a:pPr>
+              <a:defRPr/>
+            </a:pPr>
+            <a:fld id="{2DF6BF13-8483-4113-8C5F-F85F74A57E2A}" type="slidenum">
+              <a:rPr lang="en-US" smtClean="0"/>
+              <a:pPr>
+                <a:defRPr/>
+              </a:pPr>
+              <a:t>19</a:t>
+            </a:fld>
+            <a:endParaRPr lang="en-US"/>
+          </a:p>
+        </p:txBody>
+      </p:sp>
+    </p:spTree>
+    <p:extLst>
+      <p:ext uri="{BB962C8B-B14F-4D97-AF65-F5344CB8AC3E}">
+        <p14:creationId xmlns:p14="http://schemas.microsoft.com/office/powerpoint/2010/main" val="2618536480"/>
+      </p:ext>
+    </p:extLst>
+  </p:cSld>
+  <p:clrMapOvr>
+    <a:masterClrMapping/>
+  </p:clrMapOvr>
+</p:notes>
+</file>
+
+<file path=ppt/notesSlides/notesSlide2.xml><?xml version="1.0" encoding="utf-8"?>
+<p:notes xmlns:a="http://schemas.openxmlformats.org/drawingml/2006/main" xmlns:r="http://schemas.openxmlformats.org/officeDocument/2006/relationships" xmlns:p="http://schemas.openxmlformats.org/presentationml/2006/main">
+  <p:cSld>
+    <p:spTree>
+      <p:nvGrpSpPr>
+        <p:cNvPr id="1" name=""/>
+        <p:cNvGrpSpPr/>
+        <p:nvPr/>
+      </p:nvGrpSpPr>
+      <p:grpSpPr>
+        <a:xfrm>
+          <a:off x="0" y="0"/>
+          <a:ext cx="0" cy="0"/>
+          <a:chOff x="0" y="0"/>
+          <a:chExt cx="0" cy="0"/>
+        </a:xfrm>
+      </p:grpSpPr>
+      <p:sp>
+        <p:nvSpPr>
+          <p:cNvPr id="2" name="Slide Image Placeholder 1"/>
+          <p:cNvSpPr>
+            <a:spLocks noGrp="1" noRot="1" noChangeAspect="1"/>
+          </p:cNvSpPr>
+          <p:nvPr>
+            <p:ph type="sldImg"/>
+          </p:nvPr>
+        </p:nvSpPr>
+        <p:spPr/>
+      </p:sp>
+      <p:sp>
+        <p:nvSpPr>
+          <p:cNvPr id="3" name="Notes Placeholder 2"/>
+          <p:cNvSpPr>
+            <a:spLocks noGrp="1"/>
+          </p:cNvSpPr>
+          <p:nvPr>
+            <p:ph type="body" idx="1"/>
+          </p:nvPr>
+        </p:nvSpPr>
+        <p:spPr/>
+        <p:txBody>
+          <a:bodyPr/>
+          <a:lstStyle/>
+          <a:p>
+            <a:endParaRPr lang="en-US" dirty="0"/>
+          </a:p>
+        </p:txBody>
+      </p:sp>
+      <p:sp>
+        <p:nvSpPr>
+          <p:cNvPr id="4" name="Slide Number Placeholder 3"/>
+          <p:cNvSpPr>
+            <a:spLocks noGrp="1"/>
+          </p:cNvSpPr>
+          <p:nvPr>
+            <p:ph type="sldNum" sz="quarter" idx="5"/>
+          </p:nvPr>
+        </p:nvSpPr>
+        <p:spPr/>
+        <p:txBody>
+          <a:bodyPr/>
+          <a:lstStyle/>
+          <a:p>
+            <a:pPr>
+              <a:defRPr/>
+            </a:pPr>
+            <a:fld id="{2DF6BF13-8483-4113-8C5F-F85F74A57E2A}" type="slidenum">
+              <a:rPr lang="en-US" smtClean="0"/>
+              <a:pPr>
+                <a:defRPr/>
+              </a:pPr>
+              <a:t>7</a:t>
+            </a:fld>
+            <a:endParaRPr lang="en-US"/>
+          </a:p>
+        </p:txBody>
+      </p:sp>
+    </p:spTree>
+    <p:extLst>
+      <p:ext uri="{BB962C8B-B14F-4D97-AF65-F5344CB8AC3E}">
+        <p14:creationId xmlns:p14="http://schemas.microsoft.com/office/powerpoint/2010/main" val="2508184155"/>
+      </p:ext>
+    </p:extLst>
+  </p:cSld>
+  <p:clrMapOvr>
+    <a:masterClrMapping/>
+  </p:clrMapOvr>
+</p:notes>
+</file>
+
+<file path=ppt/notesSlides/notesSlide3.xml><?xml version="1.0" encoding="utf-8"?>
+<p:notes xmlns:a="http://schemas.openxmlformats.org/drawingml/2006/main" xmlns:r="http://schemas.openxmlformats.org/officeDocument/2006/relationships" xmlns:p="http://schemas.openxmlformats.org/presentationml/2006/main">
+  <p:cSld>
+    <p:spTree>
+      <p:nvGrpSpPr>
+        <p:cNvPr id="1" name=""/>
+        <p:cNvGrpSpPr/>
+        <p:nvPr/>
+      </p:nvGrpSpPr>
+      <p:grpSpPr>
+        <a:xfrm>
+          <a:off x="0" y="0"/>
+          <a:ext cx="0" cy="0"/>
+          <a:chOff x="0" y="0"/>
+          <a:chExt cx="0" cy="0"/>
+        </a:xfrm>
+      </p:grpSpPr>
+      <p:sp>
+        <p:nvSpPr>
+          <p:cNvPr id="2" name="Slide Image Placeholder 1"/>
+          <p:cNvSpPr>
+            <a:spLocks noGrp="1" noRot="1" noChangeAspect="1"/>
+          </p:cNvSpPr>
+          <p:nvPr>
+            <p:ph type="sldImg"/>
+          </p:nvPr>
+        </p:nvSpPr>
+        <p:spPr/>
+      </p:sp>
+      <p:sp>
+        <p:nvSpPr>
+          <p:cNvPr id="3" name="Notes Placeholder 2"/>
+          <p:cNvSpPr>
+            <a:spLocks noGrp="1"/>
+          </p:cNvSpPr>
+          <p:nvPr>
+            <p:ph type="body" idx="1"/>
+          </p:nvPr>
+        </p:nvSpPr>
+        <p:spPr/>
+        <p:txBody>
+          <a:bodyPr/>
+          <a:lstStyle/>
+          <a:p>
+            <a:r>
+              <a:rPr lang="en-US" dirty="0"/>
+              <a:t>Turn on postman certificate validation: Settings -&gt; SSL certificate validation</a:t>
+            </a:r>
+          </a:p>
+          <a:p>
+            <a:r>
+              <a:rPr lang="en-US" dirty="0"/>
+              <a:t>Checkout request headers in logs</a:t>
+            </a:r>
+          </a:p>
+          <a:p>
+            <a:endParaRPr lang="en-US" dirty="0"/>
+          </a:p>
+          <a:p>
+            <a:endParaRPr lang="en-US" dirty="0"/>
+          </a:p>
+          <a:p>
+            <a:r>
+              <a:rPr lang="en-US" dirty="0"/>
+              <a:t>Files to note:</a:t>
+            </a:r>
+          </a:p>
+          <a:p>
+            <a:r>
+              <a:rPr lang="en-US" dirty="0" err="1"/>
+              <a:t>Nginx.conf</a:t>
+            </a:r>
+            <a:endParaRPr lang="en-US" dirty="0"/>
+          </a:p>
+          <a:p>
+            <a:r>
+              <a:rPr lang="en-US" dirty="0"/>
+              <a:t>Docker-</a:t>
+            </a:r>
+            <a:r>
+              <a:rPr lang="en-US" dirty="0" err="1"/>
+              <a:t>compose.yml</a:t>
+            </a:r>
+            <a:endParaRPr lang="en-US" dirty="0"/>
+          </a:p>
+          <a:p>
+            <a:pPr marL="0" marR="0" lvl="0" indent="0" algn="l" defTabSz="914400" rtl="0" eaLnBrk="0" fontAlgn="base" latinLnBrk="0" hangingPunct="0">
+              <a:lnSpc>
+                <a:spcPct val="100000"/>
+              </a:lnSpc>
+              <a:spcBef>
+                <a:spcPct val="30000"/>
+              </a:spcBef>
+              <a:spcAft>
+                <a:spcPct val="0"/>
+              </a:spcAft>
+              <a:buClrTx/>
+              <a:buSzTx/>
+              <a:buFontTx/>
+              <a:buNone/>
+              <a:tabLst/>
+              <a:defRPr/>
+            </a:pPr>
+            <a:r>
+              <a:rPr lang="en-US" dirty="0"/>
+              <a:t>Docker-</a:t>
+            </a:r>
+            <a:r>
+              <a:rPr lang="en-US" dirty="0" err="1"/>
+              <a:t>compose.override.yml</a:t>
+            </a:r>
+            <a:endParaRPr lang="en-US" dirty="0"/>
+          </a:p>
+          <a:p>
+            <a:pPr marL="0" marR="0" lvl="0" indent="0" algn="l" defTabSz="914400" rtl="0" eaLnBrk="0" fontAlgn="base" latinLnBrk="0" hangingPunct="0">
+              <a:lnSpc>
+                <a:spcPct val="100000"/>
+              </a:lnSpc>
+              <a:spcBef>
+                <a:spcPct val="30000"/>
+              </a:spcBef>
+              <a:spcAft>
+                <a:spcPct val="0"/>
+              </a:spcAft>
+              <a:buClrTx/>
+              <a:buSzTx/>
+              <a:buFontTx/>
+              <a:buNone/>
+              <a:tabLst/>
+              <a:defRPr/>
+            </a:pPr>
+            <a:r>
+              <a:rPr lang="en-US" dirty="0" err="1"/>
+              <a:t>Dockerfile</a:t>
+            </a:r>
+            <a:endParaRPr lang="en-US" dirty="0"/>
+          </a:p>
+        </p:txBody>
+      </p:sp>
+      <p:sp>
+        <p:nvSpPr>
+          <p:cNvPr id="4" name="Slide Number Placeholder 3"/>
+          <p:cNvSpPr>
+            <a:spLocks noGrp="1"/>
+          </p:cNvSpPr>
+          <p:nvPr>
+            <p:ph type="sldNum" sz="quarter" idx="5"/>
+          </p:nvPr>
+        </p:nvSpPr>
+        <p:spPr/>
+        <p:txBody>
+          <a:bodyPr/>
+          <a:lstStyle/>
+          <a:p>
+            <a:pPr>
+              <a:defRPr/>
+            </a:pPr>
+            <a:fld id="{2DF6BF13-8483-4113-8C5F-F85F74A57E2A}" type="slidenum">
+              <a:rPr lang="en-US" smtClean="0"/>
+              <a:pPr>
+                <a:defRPr/>
+              </a:pPr>
+              <a:t>8</a:t>
+            </a:fld>
+            <a:endParaRPr lang="en-US"/>
+          </a:p>
+        </p:txBody>
+      </p:sp>
+    </p:spTree>
+    <p:extLst>
+      <p:ext uri="{BB962C8B-B14F-4D97-AF65-F5344CB8AC3E}">
+        <p14:creationId xmlns:p14="http://schemas.microsoft.com/office/powerpoint/2010/main" val="1094230955"/>
+      </p:ext>
+    </p:extLst>
+  </p:cSld>
+  <p:clrMapOvr>
+    <a:masterClrMapping/>
+  </p:clrMapOvr>
+</p:notes>
+</file>
+
+<file path=ppt/notesSlides/notesSlide4.xml><?xml version="1.0" encoding="utf-8"?>
+<p:notes xmlns:a="http://schemas.openxmlformats.org/drawingml/2006/main" xmlns:r="http://schemas.openxmlformats.org/officeDocument/2006/relationships" xmlns:p="http://schemas.openxmlformats.org/presentationml/2006/main">
+  <p:cSld>
+    <p:spTree>
+      <p:nvGrpSpPr>
+        <p:cNvPr id="1" name=""/>
+        <p:cNvGrpSpPr/>
+        <p:nvPr/>
+      </p:nvGrpSpPr>
+      <p:grpSpPr>
+        <a:xfrm>
+          <a:off x="0" y="0"/>
+          <a:ext cx="0" cy="0"/>
+          <a:chOff x="0" y="0"/>
+          <a:chExt cx="0" cy="0"/>
+        </a:xfrm>
+      </p:grpSpPr>
+      <p:sp>
+        <p:nvSpPr>
+          <p:cNvPr id="2" name="Slide Image Placeholder 1"/>
+          <p:cNvSpPr>
+            <a:spLocks noGrp="1" noRot="1" noChangeAspect="1"/>
+          </p:cNvSpPr>
+          <p:nvPr>
+            <p:ph type="sldImg"/>
+          </p:nvPr>
+        </p:nvSpPr>
+        <p:spPr/>
+      </p:sp>
+      <p:sp>
+        <p:nvSpPr>
+          <p:cNvPr id="3" name="Notes Placeholder 2"/>
+          <p:cNvSpPr>
+            <a:spLocks noGrp="1"/>
+          </p:cNvSpPr>
+          <p:nvPr>
+            <p:ph type="body" idx="1"/>
+          </p:nvPr>
+        </p:nvSpPr>
+        <p:spPr/>
+        <p:txBody>
+          <a:bodyPr/>
+          <a:lstStyle/>
+          <a:p>
+            <a:endParaRPr lang="en-US" dirty="0"/>
+          </a:p>
+        </p:txBody>
+      </p:sp>
+      <p:sp>
+        <p:nvSpPr>
+          <p:cNvPr id="4" name="Slide Number Placeholder 3"/>
+          <p:cNvSpPr>
+            <a:spLocks noGrp="1"/>
+          </p:cNvSpPr>
+          <p:nvPr>
+            <p:ph type="sldNum" sz="quarter" idx="5"/>
+          </p:nvPr>
+        </p:nvSpPr>
+        <p:spPr/>
+        <p:txBody>
+          <a:bodyPr/>
+          <a:lstStyle/>
+          <a:p>
+            <a:pPr>
+              <a:defRPr/>
+            </a:pPr>
+            <a:fld id="{2DF6BF13-8483-4113-8C5F-F85F74A57E2A}" type="slidenum">
+              <a:rPr lang="en-US" smtClean="0"/>
+              <a:pPr>
+                <a:defRPr/>
+              </a:pPr>
+              <a:t>9</a:t>
+            </a:fld>
+            <a:endParaRPr lang="en-US"/>
+          </a:p>
+        </p:txBody>
+      </p:sp>
+    </p:spTree>
+    <p:extLst>
+      <p:ext uri="{BB962C8B-B14F-4D97-AF65-F5344CB8AC3E}">
+        <p14:creationId xmlns:p14="http://schemas.microsoft.com/office/powerpoint/2010/main" val="876362365"/>
+      </p:ext>
+    </p:extLst>
+  </p:cSld>
+  <p:clrMapOvr>
+    <a:masterClrMapping/>
+  </p:clrMapOvr>
+</p:notes>
+</file>
+
+<file path=ppt/notesSlides/notesSlide5.xml><?xml version="1.0" encoding="utf-8"?>
+<p:notes xmlns:a="http://schemas.openxmlformats.org/drawingml/2006/main" xmlns:r="http://schemas.openxmlformats.org/officeDocument/2006/relationships" xmlns:p="http://schemas.openxmlformats.org/presentationml/2006/main">
+  <p:cSld>
+    <p:spTree>
+      <p:nvGrpSpPr>
+        <p:cNvPr id="1" name=""/>
+        <p:cNvGrpSpPr/>
+        <p:nvPr/>
+      </p:nvGrpSpPr>
+      <p:grpSpPr>
+        <a:xfrm>
+          <a:off x="0" y="0"/>
+          <a:ext cx="0" cy="0"/>
+          <a:chOff x="0" y="0"/>
+          <a:chExt cx="0" cy="0"/>
+        </a:xfrm>
+      </p:grpSpPr>
+      <p:sp>
+        <p:nvSpPr>
+          <p:cNvPr id="2" name="Slide Image Placeholder 1"/>
+          <p:cNvSpPr>
+            <a:spLocks noGrp="1" noRot="1" noChangeAspect="1"/>
+          </p:cNvSpPr>
+          <p:nvPr>
+            <p:ph type="sldImg"/>
+          </p:nvPr>
+        </p:nvSpPr>
+        <p:spPr/>
+      </p:sp>
+      <p:sp>
+        <p:nvSpPr>
+          <p:cNvPr id="3" name="Notes Placeholder 2"/>
+          <p:cNvSpPr>
+            <a:spLocks noGrp="1"/>
+          </p:cNvSpPr>
+          <p:nvPr>
+            <p:ph type="body" idx="1"/>
+          </p:nvPr>
+        </p:nvSpPr>
+        <p:spPr/>
+        <p:txBody>
+          <a:bodyPr/>
+          <a:lstStyle/>
+          <a:p>
+            <a:r>
+              <a:rPr lang="en-US" dirty="0"/>
+              <a:t>Ensure that 2/</a:t>
+            </a:r>
+            <a:r>
+              <a:rPr lang="en-US" dirty="0" err="1"/>
+              <a:t>nginx</a:t>
+            </a:r>
+            <a:r>
+              <a:rPr lang="en-US" dirty="0"/>
+              <a:t>-shared/self-signed/cert.crt is imported in postman -&gt; settings -&gt; certificates -&gt; CA Certificates as the PEM file.</a:t>
+            </a:r>
+          </a:p>
+          <a:p>
+            <a:r>
+              <a:rPr lang="en-US" dirty="0"/>
+              <a:t>Remember to run docker-compose build between demos</a:t>
+            </a:r>
+          </a:p>
+          <a:p>
+            <a:r>
+              <a:rPr lang="en-US" dirty="0"/>
+              <a:t>Checkout request headers in logs</a:t>
+            </a:r>
+          </a:p>
+          <a:p>
+            <a:endParaRPr lang="en-US" dirty="0"/>
+          </a:p>
+          <a:p>
+            <a:endParaRPr lang="en-US" dirty="0"/>
+          </a:p>
+          <a:p>
+            <a:r>
+              <a:rPr lang="en-US" dirty="0"/>
+              <a:t>Files to note:</a:t>
+            </a:r>
+          </a:p>
+          <a:p>
+            <a:r>
+              <a:rPr lang="en-US" dirty="0" err="1"/>
+              <a:t>Nginx.conf</a:t>
+            </a:r>
+            <a:endParaRPr lang="en-US" dirty="0"/>
+          </a:p>
+          <a:p>
+            <a:r>
+              <a:rPr lang="en-US" dirty="0"/>
+              <a:t>Docker-</a:t>
+            </a:r>
+            <a:r>
+              <a:rPr lang="en-US" dirty="0" err="1"/>
+              <a:t>compose.yml</a:t>
+            </a:r>
+            <a:endParaRPr lang="en-US" dirty="0"/>
+          </a:p>
+          <a:p>
+            <a:pPr marL="0" marR="0" lvl="0" indent="0" algn="l" defTabSz="914400" rtl="0" eaLnBrk="0" fontAlgn="base" latinLnBrk="0" hangingPunct="0">
+              <a:lnSpc>
+                <a:spcPct val="100000"/>
+              </a:lnSpc>
+              <a:spcBef>
+                <a:spcPct val="30000"/>
+              </a:spcBef>
+              <a:spcAft>
+                <a:spcPct val="0"/>
+              </a:spcAft>
+              <a:buClrTx/>
+              <a:buSzTx/>
+              <a:buFontTx/>
+              <a:buNone/>
+              <a:tabLst/>
+              <a:defRPr/>
+            </a:pPr>
+            <a:r>
+              <a:rPr lang="en-US" dirty="0"/>
+              <a:t>Docker-</a:t>
+            </a:r>
+            <a:r>
+              <a:rPr lang="en-US" dirty="0" err="1"/>
+              <a:t>compose.override.yml</a:t>
+            </a:r>
+            <a:endParaRPr lang="en-US" dirty="0"/>
+          </a:p>
+          <a:p>
+            <a:pPr marL="0" marR="0" lvl="0" indent="0" algn="l" defTabSz="914400" rtl="0" eaLnBrk="0" fontAlgn="base" latinLnBrk="0" hangingPunct="0">
+              <a:lnSpc>
+                <a:spcPct val="100000"/>
+              </a:lnSpc>
+              <a:spcBef>
+                <a:spcPct val="30000"/>
+              </a:spcBef>
+              <a:spcAft>
+                <a:spcPct val="0"/>
+              </a:spcAft>
+              <a:buClrTx/>
+              <a:buSzTx/>
+              <a:buFontTx/>
+              <a:buNone/>
+              <a:tabLst/>
+              <a:defRPr/>
+            </a:pPr>
+            <a:r>
+              <a:rPr lang="en-US" dirty="0" err="1"/>
+              <a:t>Dockerfile</a:t>
+            </a:r>
+            <a:endParaRPr lang="en-US" dirty="0"/>
+          </a:p>
+          <a:p>
+            <a:pPr marL="0" marR="0" lvl="0" indent="0" algn="l" defTabSz="914400" rtl="0" eaLnBrk="0" fontAlgn="base" latinLnBrk="0" hangingPunct="0">
+              <a:lnSpc>
+                <a:spcPct val="100000"/>
+              </a:lnSpc>
+              <a:spcBef>
+                <a:spcPct val="30000"/>
+              </a:spcBef>
+              <a:spcAft>
+                <a:spcPct val="0"/>
+              </a:spcAft>
+              <a:buClrTx/>
+              <a:buSzTx/>
+              <a:buFontTx/>
+              <a:buNone/>
+              <a:tabLst/>
+              <a:defRPr/>
+            </a:pPr>
+            <a:endParaRPr lang="en-US" dirty="0"/>
+          </a:p>
+          <a:p>
+            <a:pPr marL="0" marR="0" lvl="0" indent="0" algn="l" defTabSz="914400" rtl="0" eaLnBrk="0" fontAlgn="base" latinLnBrk="0" hangingPunct="0">
+              <a:lnSpc>
+                <a:spcPct val="100000"/>
+              </a:lnSpc>
+              <a:spcBef>
+                <a:spcPct val="30000"/>
+              </a:spcBef>
+              <a:spcAft>
+                <a:spcPct val="0"/>
+              </a:spcAft>
+              <a:buClrTx/>
+              <a:buSzTx/>
+              <a:buFontTx/>
+              <a:buNone/>
+              <a:tabLst/>
+              <a:defRPr/>
+            </a:pPr>
+            <a:r>
+              <a:rPr lang="en-US" dirty="0"/>
+              <a:t>Certificate related files in </a:t>
+            </a:r>
+            <a:r>
+              <a:rPr lang="en-US" dirty="0" err="1"/>
+              <a:t>nginx</a:t>
+            </a:r>
+            <a:r>
+              <a:rPr lang="en-US" dirty="0"/>
+              <a:t>-shared/self-signed/</a:t>
+            </a:r>
+          </a:p>
+        </p:txBody>
+      </p:sp>
+      <p:sp>
+        <p:nvSpPr>
+          <p:cNvPr id="4" name="Slide Number Placeholder 3"/>
+          <p:cNvSpPr>
+            <a:spLocks noGrp="1"/>
+          </p:cNvSpPr>
+          <p:nvPr>
+            <p:ph type="sldNum" sz="quarter" idx="5"/>
+          </p:nvPr>
+        </p:nvSpPr>
+        <p:spPr/>
+        <p:txBody>
+          <a:bodyPr/>
+          <a:lstStyle/>
+          <a:p>
+            <a:pPr>
+              <a:defRPr/>
+            </a:pPr>
+            <a:fld id="{2DF6BF13-8483-4113-8C5F-F85F74A57E2A}" type="slidenum">
+              <a:rPr lang="en-US" smtClean="0"/>
+              <a:pPr>
+                <a:defRPr/>
+              </a:pPr>
+              <a:t>10</a:t>
+            </a:fld>
+            <a:endParaRPr lang="en-US"/>
+          </a:p>
+        </p:txBody>
+      </p:sp>
+    </p:spTree>
+    <p:extLst>
+      <p:ext uri="{BB962C8B-B14F-4D97-AF65-F5344CB8AC3E}">
+        <p14:creationId xmlns:p14="http://schemas.microsoft.com/office/powerpoint/2010/main" val="84658679"/>
+      </p:ext>
+    </p:extLst>
+  </p:cSld>
+  <p:clrMapOvr>
+    <a:masterClrMapping/>
+  </p:clrMapOvr>
+</p:notes>
+</file>
+
+<file path=ppt/notesSlides/notesSlide6.xml><?xml version="1.0" encoding="utf-8"?>
+<p:notes xmlns:a="http://schemas.openxmlformats.org/drawingml/2006/main" xmlns:r="http://schemas.openxmlformats.org/officeDocument/2006/relationships" xmlns:p="http://schemas.openxmlformats.org/presentationml/2006/main">
+  <p:cSld>
+    <p:spTree>
+      <p:nvGrpSpPr>
+        <p:cNvPr id="1" name=""/>
+        <p:cNvGrpSpPr/>
+        <p:nvPr/>
+      </p:nvGrpSpPr>
+      <p:grpSpPr>
+        <a:xfrm>
+          <a:off x="0" y="0"/>
+          <a:ext cx="0" cy="0"/>
+          <a:chOff x="0" y="0"/>
+          <a:chExt cx="0" cy="0"/>
+        </a:xfrm>
+      </p:grpSpPr>
+      <p:sp>
+        <p:nvSpPr>
+          <p:cNvPr id="2" name="Slide Image Placeholder 1"/>
+          <p:cNvSpPr>
+            <a:spLocks noGrp="1" noRot="1" noChangeAspect="1"/>
+          </p:cNvSpPr>
+          <p:nvPr>
+            <p:ph type="sldImg"/>
+          </p:nvPr>
+        </p:nvSpPr>
+        <p:spPr/>
+      </p:sp>
+      <p:sp>
+        <p:nvSpPr>
+          <p:cNvPr id="3" name="Notes Placeholder 2"/>
+          <p:cNvSpPr>
+            <a:spLocks noGrp="1"/>
+          </p:cNvSpPr>
+          <p:nvPr>
+            <p:ph type="body" idx="1"/>
+          </p:nvPr>
+        </p:nvSpPr>
+        <p:spPr/>
+        <p:txBody>
+          <a:bodyPr/>
+          <a:lstStyle/>
+          <a:p>
+            <a:endParaRPr lang="en-US" dirty="0"/>
+          </a:p>
+        </p:txBody>
+      </p:sp>
+      <p:sp>
+        <p:nvSpPr>
+          <p:cNvPr id="4" name="Slide Number Placeholder 3"/>
+          <p:cNvSpPr>
+            <a:spLocks noGrp="1"/>
+          </p:cNvSpPr>
+          <p:nvPr>
+            <p:ph type="sldNum" sz="quarter" idx="5"/>
+          </p:nvPr>
+        </p:nvSpPr>
+        <p:spPr/>
+        <p:txBody>
+          <a:bodyPr/>
+          <a:lstStyle/>
+          <a:p>
+            <a:pPr>
+              <a:defRPr/>
+            </a:pPr>
+            <a:fld id="{2DF6BF13-8483-4113-8C5F-F85F74A57E2A}" type="slidenum">
+              <a:rPr lang="en-US" smtClean="0"/>
+              <a:pPr>
+                <a:defRPr/>
+              </a:pPr>
+              <a:t>11</a:t>
+            </a:fld>
+            <a:endParaRPr lang="en-US"/>
+          </a:p>
+        </p:txBody>
+      </p:sp>
+    </p:spTree>
+    <p:extLst>
+      <p:ext uri="{BB962C8B-B14F-4D97-AF65-F5344CB8AC3E}">
+        <p14:creationId xmlns:p14="http://schemas.microsoft.com/office/powerpoint/2010/main" val="1274564720"/>
+      </p:ext>
+    </p:extLst>
+  </p:cSld>
+  <p:clrMapOvr>
+    <a:masterClrMapping/>
+  </p:clrMapOvr>
+</p:notes>
+</file>
+
+<file path=ppt/notesSlides/notesSlide7.xml><?xml version="1.0" encoding="utf-8"?>
+<p:notes xmlns:a="http://schemas.openxmlformats.org/drawingml/2006/main" xmlns:r="http://schemas.openxmlformats.org/officeDocument/2006/relationships" xmlns:p="http://schemas.openxmlformats.org/presentationml/2006/main">
+  <p:cSld>
+    <p:spTree>
+      <p:nvGrpSpPr>
+        <p:cNvPr id="1" name=""/>
+        <p:cNvGrpSpPr/>
+        <p:nvPr/>
+      </p:nvGrpSpPr>
+      <p:grpSpPr>
+        <a:xfrm>
+          <a:off x="0" y="0"/>
+          <a:ext cx="0" cy="0"/>
+          <a:chOff x="0" y="0"/>
+          <a:chExt cx="0" cy="0"/>
+        </a:xfrm>
+      </p:grpSpPr>
+      <p:sp>
+        <p:nvSpPr>
+          <p:cNvPr id="2" name="Slide Image Placeholder 1"/>
+          <p:cNvSpPr>
+            <a:spLocks noGrp="1" noRot="1" noChangeAspect="1"/>
+          </p:cNvSpPr>
+          <p:nvPr>
+            <p:ph type="sldImg"/>
+          </p:nvPr>
+        </p:nvSpPr>
+        <p:spPr/>
+      </p:sp>
+      <p:sp>
+        <p:nvSpPr>
+          <p:cNvPr id="3" name="Notes Placeholder 2"/>
+          <p:cNvSpPr>
+            <a:spLocks noGrp="1"/>
+          </p:cNvSpPr>
+          <p:nvPr>
+            <p:ph type="body" idx="1"/>
+          </p:nvPr>
+        </p:nvSpPr>
+        <p:spPr/>
+        <p:txBody>
+          <a:bodyPr/>
+          <a:lstStyle/>
+          <a:p>
+            <a:r>
+              <a:rPr lang="en-US" dirty="0"/>
+              <a:t>Ensure that 3/ca/intermediate/certs/ca-chain.crt is imported in postman -&gt; settings -&gt; certificates -&gt; CA Certificates as the PEM file.</a:t>
+            </a:r>
+          </a:p>
+          <a:p>
+            <a:r>
+              <a:rPr lang="en-US" dirty="0"/>
+              <a:t>Remember to run docker-compose build between demos</a:t>
+            </a:r>
+          </a:p>
+          <a:p>
+            <a:r>
+              <a:rPr lang="en-US" dirty="0"/>
+              <a:t>Checkout request headers in logs</a:t>
+            </a:r>
+          </a:p>
+          <a:p>
+            <a:endParaRPr lang="en-US" dirty="0"/>
+          </a:p>
+          <a:p>
+            <a:r>
+              <a:rPr lang="en-US" dirty="0"/>
+              <a:t>Files to note:</a:t>
+            </a:r>
+          </a:p>
+          <a:p>
+            <a:r>
+              <a:rPr lang="en-US" dirty="0" err="1"/>
+              <a:t>Nginx.conf</a:t>
+            </a:r>
+            <a:endParaRPr lang="en-US" dirty="0"/>
+          </a:p>
+          <a:p>
+            <a:r>
+              <a:rPr lang="en-US" dirty="0"/>
+              <a:t>Docker-</a:t>
+            </a:r>
+            <a:r>
+              <a:rPr lang="en-US" dirty="0" err="1"/>
+              <a:t>compose.yml</a:t>
+            </a:r>
+            <a:endParaRPr lang="en-US" dirty="0"/>
+          </a:p>
+          <a:p>
+            <a:pPr marL="0" marR="0" lvl="0" indent="0" algn="l" defTabSz="914400" rtl="0" eaLnBrk="0" fontAlgn="base" latinLnBrk="0" hangingPunct="0">
+              <a:lnSpc>
+                <a:spcPct val="100000"/>
+              </a:lnSpc>
+              <a:spcBef>
+                <a:spcPct val="30000"/>
+              </a:spcBef>
+              <a:spcAft>
+                <a:spcPct val="0"/>
+              </a:spcAft>
+              <a:buClrTx/>
+              <a:buSzTx/>
+              <a:buFontTx/>
+              <a:buNone/>
+              <a:tabLst/>
+              <a:defRPr/>
+            </a:pPr>
+            <a:r>
+              <a:rPr lang="en-US" dirty="0"/>
+              <a:t>Docker-</a:t>
+            </a:r>
+            <a:r>
+              <a:rPr lang="en-US" dirty="0" err="1"/>
+              <a:t>compose.override.yml</a:t>
+            </a:r>
+            <a:endParaRPr lang="en-US" dirty="0"/>
+          </a:p>
+          <a:p>
+            <a:pPr marL="0" marR="0" lvl="0" indent="0" algn="l" defTabSz="914400" rtl="0" eaLnBrk="0" fontAlgn="base" latinLnBrk="0" hangingPunct="0">
+              <a:lnSpc>
+                <a:spcPct val="100000"/>
+              </a:lnSpc>
+              <a:spcBef>
+                <a:spcPct val="30000"/>
+              </a:spcBef>
+              <a:spcAft>
+                <a:spcPct val="0"/>
+              </a:spcAft>
+              <a:buClrTx/>
+              <a:buSzTx/>
+              <a:buFontTx/>
+              <a:buNone/>
+              <a:tabLst/>
+              <a:defRPr/>
+            </a:pPr>
+            <a:r>
+              <a:rPr lang="en-US" dirty="0" err="1"/>
+              <a:t>Dockerfile</a:t>
+            </a:r>
+            <a:endParaRPr lang="en-US" dirty="0"/>
+          </a:p>
+          <a:p>
+            <a:pPr marL="0" marR="0" lvl="0" indent="0" algn="l" defTabSz="914400" rtl="0" eaLnBrk="0" fontAlgn="base" latinLnBrk="0" hangingPunct="0">
+              <a:lnSpc>
+                <a:spcPct val="100000"/>
+              </a:lnSpc>
+              <a:spcBef>
+                <a:spcPct val="30000"/>
+              </a:spcBef>
+              <a:spcAft>
+                <a:spcPct val="0"/>
+              </a:spcAft>
+              <a:buClrTx/>
+              <a:buSzTx/>
+              <a:buFontTx/>
+              <a:buNone/>
+              <a:tabLst/>
+              <a:defRPr/>
+            </a:pPr>
+            <a:endParaRPr lang="en-US" dirty="0"/>
+          </a:p>
+          <a:p>
+            <a:pPr marL="0" marR="0" lvl="0" indent="0" algn="l" defTabSz="914400" rtl="0" eaLnBrk="0" fontAlgn="base" latinLnBrk="0" hangingPunct="0">
+              <a:lnSpc>
+                <a:spcPct val="100000"/>
+              </a:lnSpc>
+              <a:spcBef>
+                <a:spcPct val="30000"/>
+              </a:spcBef>
+              <a:spcAft>
+                <a:spcPct val="0"/>
+              </a:spcAft>
+              <a:buClrTx/>
+              <a:buSzTx/>
+              <a:buFontTx/>
+              <a:buNone/>
+              <a:tabLst/>
+              <a:defRPr/>
+            </a:pPr>
+            <a:r>
+              <a:rPr lang="en-US" dirty="0"/>
+              <a:t>Certificate related files in </a:t>
+            </a:r>
+            <a:r>
+              <a:rPr lang="en-US" dirty="0" err="1"/>
+              <a:t>nginx</a:t>
+            </a:r>
+            <a:r>
+              <a:rPr lang="en-US" dirty="0"/>
+              <a:t>-shared/self-signed/</a:t>
+            </a:r>
+          </a:p>
+        </p:txBody>
+      </p:sp>
+      <p:sp>
+        <p:nvSpPr>
+          <p:cNvPr id="4" name="Slide Number Placeholder 3"/>
+          <p:cNvSpPr>
+            <a:spLocks noGrp="1"/>
+          </p:cNvSpPr>
+          <p:nvPr>
+            <p:ph type="sldNum" sz="quarter" idx="5"/>
+          </p:nvPr>
+        </p:nvSpPr>
+        <p:spPr/>
+        <p:txBody>
+          <a:bodyPr/>
+          <a:lstStyle/>
+          <a:p>
+            <a:pPr>
+              <a:defRPr/>
+            </a:pPr>
+            <a:fld id="{2DF6BF13-8483-4113-8C5F-F85F74A57E2A}" type="slidenum">
+              <a:rPr lang="en-US" smtClean="0"/>
+              <a:pPr>
+                <a:defRPr/>
+              </a:pPr>
+              <a:t>12</a:t>
+            </a:fld>
+            <a:endParaRPr lang="en-US"/>
+          </a:p>
+        </p:txBody>
+      </p:sp>
+    </p:spTree>
+    <p:extLst>
+      <p:ext uri="{BB962C8B-B14F-4D97-AF65-F5344CB8AC3E}">
+        <p14:creationId xmlns:p14="http://schemas.microsoft.com/office/powerpoint/2010/main" val="3690893501"/>
+      </p:ext>
+    </p:extLst>
+  </p:cSld>
+  <p:clrMapOvr>
+    <a:masterClrMapping/>
+  </p:clrMapOvr>
+</p:notes>
+</file>
+
+<file path=ppt/notesSlides/notesSlide8.xml><?xml version="1.0" encoding="utf-8"?>
+<p:notes xmlns:a="http://schemas.openxmlformats.org/drawingml/2006/main" xmlns:r="http://schemas.openxmlformats.org/officeDocument/2006/relationships" xmlns:p="http://schemas.openxmlformats.org/presentationml/2006/main">
+  <p:cSld>
+    <p:spTree>
+      <p:nvGrpSpPr>
+        <p:cNvPr id="1" name=""/>
+        <p:cNvGrpSpPr/>
+        <p:nvPr/>
+      </p:nvGrpSpPr>
+      <p:grpSpPr>
+        <a:xfrm>
+          <a:off x="0" y="0"/>
+          <a:ext cx="0" cy="0"/>
+          <a:chOff x="0" y="0"/>
+          <a:chExt cx="0" cy="0"/>
+        </a:xfrm>
+      </p:grpSpPr>
+      <p:sp>
+        <p:nvSpPr>
+          <p:cNvPr id="2" name="Slide Image Placeholder 1"/>
+          <p:cNvSpPr>
+            <a:spLocks noGrp="1" noRot="1" noChangeAspect="1"/>
+          </p:cNvSpPr>
+          <p:nvPr>
+            <p:ph type="sldImg"/>
+          </p:nvPr>
+        </p:nvSpPr>
+        <p:spPr/>
+      </p:sp>
+      <p:sp>
+        <p:nvSpPr>
+          <p:cNvPr id="3" name="Notes Placeholder 2"/>
+          <p:cNvSpPr>
+            <a:spLocks noGrp="1"/>
+          </p:cNvSpPr>
+          <p:nvPr>
+            <p:ph type="body" idx="1"/>
+          </p:nvPr>
+        </p:nvSpPr>
+        <p:spPr/>
+        <p:txBody>
+          <a:bodyPr/>
+          <a:lstStyle/>
+          <a:p>
+            <a:endParaRPr lang="en-US" dirty="0"/>
+          </a:p>
+        </p:txBody>
+      </p:sp>
+      <p:sp>
+        <p:nvSpPr>
+          <p:cNvPr id="4" name="Slide Number Placeholder 3"/>
+          <p:cNvSpPr>
+            <a:spLocks noGrp="1"/>
+          </p:cNvSpPr>
+          <p:nvPr>
+            <p:ph type="sldNum" sz="quarter" idx="5"/>
+          </p:nvPr>
+        </p:nvSpPr>
+        <p:spPr/>
+        <p:txBody>
+          <a:bodyPr/>
+          <a:lstStyle/>
+          <a:p>
+            <a:pPr>
+              <a:defRPr/>
+            </a:pPr>
+            <a:fld id="{2DF6BF13-8483-4113-8C5F-F85F74A57E2A}" type="slidenum">
+              <a:rPr lang="en-US" smtClean="0"/>
+              <a:pPr>
+                <a:defRPr/>
+              </a:pPr>
+              <a:t>13</a:t>
+            </a:fld>
+            <a:endParaRPr lang="en-US"/>
+          </a:p>
+        </p:txBody>
+      </p:sp>
+    </p:spTree>
+    <p:extLst>
+      <p:ext uri="{BB962C8B-B14F-4D97-AF65-F5344CB8AC3E}">
+        <p14:creationId xmlns:p14="http://schemas.microsoft.com/office/powerpoint/2010/main" val="1746474587"/>
+      </p:ext>
+    </p:extLst>
+  </p:cSld>
+  <p:clrMapOvr>
+    <a:masterClrMapping/>
+  </p:clrMapOvr>
+</p:notes>
+</file>
+
+<file path=ppt/notesSlides/notesSlide9.xml><?xml version="1.0" encoding="utf-8"?>
+<p:notes xmlns:a="http://schemas.openxmlformats.org/drawingml/2006/main" xmlns:r="http://schemas.openxmlformats.org/officeDocument/2006/relationships" xmlns:p="http://schemas.openxmlformats.org/presentationml/2006/main">
+  <p:cSld>
+    <p:spTree>
+      <p:nvGrpSpPr>
+        <p:cNvPr id="1" name=""/>
+        <p:cNvGrpSpPr/>
+        <p:nvPr/>
+      </p:nvGrpSpPr>
+      <p:grpSpPr>
+        <a:xfrm>
+          <a:off x="0" y="0"/>
+          <a:ext cx="0" cy="0"/>
+          <a:chOff x="0" y="0"/>
+          <a:chExt cx="0" cy="0"/>
+        </a:xfrm>
+      </p:grpSpPr>
+      <p:sp>
+        <p:nvSpPr>
+          <p:cNvPr id="2" name="Slide Image Placeholder 1"/>
+          <p:cNvSpPr>
+            <a:spLocks noGrp="1" noRot="1" noChangeAspect="1"/>
+          </p:cNvSpPr>
+          <p:nvPr>
+            <p:ph type="sldImg"/>
+          </p:nvPr>
+        </p:nvSpPr>
+        <p:spPr/>
+      </p:sp>
+      <p:sp>
+        <p:nvSpPr>
+          <p:cNvPr id="3" name="Notes Placeholder 2"/>
+          <p:cNvSpPr>
+            <a:spLocks noGrp="1"/>
+          </p:cNvSpPr>
+          <p:nvPr>
+            <p:ph type="body" idx="1"/>
+          </p:nvPr>
+        </p:nvSpPr>
+        <p:spPr/>
+        <p:txBody>
+          <a:bodyPr/>
+          <a:lstStyle/>
+          <a:p>
+            <a:endParaRPr lang="en-US" dirty="0"/>
+          </a:p>
+        </p:txBody>
+      </p:sp>
+      <p:sp>
+        <p:nvSpPr>
+          <p:cNvPr id="4" name="Slide Number Placeholder 3"/>
+          <p:cNvSpPr>
+            <a:spLocks noGrp="1"/>
+          </p:cNvSpPr>
+          <p:nvPr>
+            <p:ph type="sldNum" sz="quarter" idx="5"/>
+          </p:nvPr>
+        </p:nvSpPr>
+        <p:spPr/>
+        <p:txBody>
+          <a:bodyPr/>
+          <a:lstStyle/>
+          <a:p>
+            <a:pPr>
+              <a:defRPr/>
+            </a:pPr>
+            <a:fld id="{2DF6BF13-8483-4113-8C5F-F85F74A57E2A}" type="slidenum">
+              <a:rPr lang="en-US" smtClean="0"/>
+              <a:pPr>
+                <a:defRPr/>
+              </a:pPr>
+              <a:t>14</a:t>
+            </a:fld>
+            <a:endParaRPr lang="en-US"/>
+          </a:p>
+        </p:txBody>
+      </p:sp>
+    </p:spTree>
+    <p:extLst>
+      <p:ext uri="{BB962C8B-B14F-4D97-AF65-F5344CB8AC3E}">
+        <p14:creationId xmlns:p14="http://schemas.microsoft.com/office/powerpoint/2010/main" val="1051368322"/>
+      </p:ext>
+    </p:extLst>
+  </p:cSld>
+  <p:clrMapOvr>
+    <a:masterClrMapping/>
+  </p:clrMapOvr>
+</p:notes>
 </file>
 
 <file path=ppt/slideLayouts/slideLayout1.xml><?xml version="1.0" encoding="utf-8"?>
@@ -14219,7 +15953,7 @@
           <a:p>
             <a:fld id="{3E350A0E-3E15-4018-945F-D3DF8A2A0836}" type="datetimeFigureOut">
               <a:rPr lang="en-CA" smtClean="0"/>
-              <a:t>2020-10-19</a:t>
+              <a:t>2020-10-27</a:t>
             </a:fld>
             <a:endParaRPr lang="en-CA"/>
           </a:p>
@@ -14419,7 +16153,7 @@
           <a:p>
             <a:fld id="{3E350A0E-3E15-4018-945F-D3DF8A2A0836}" type="datetimeFigureOut">
               <a:rPr lang="en-CA" smtClean="0"/>
-              <a:t>2020-10-19</a:t>
+              <a:t>2020-10-27</a:t>
             </a:fld>
             <a:endParaRPr lang="en-CA"/>
           </a:p>
@@ -14695,7 +16429,7 @@
           <a:p>
             <a:fld id="{3E350A0E-3E15-4018-945F-D3DF8A2A0836}" type="datetimeFigureOut">
               <a:rPr lang="en-CA" smtClean="0"/>
-              <a:t>2020-10-19</a:t>
+              <a:t>2020-10-27</a:t>
             </a:fld>
             <a:endParaRPr lang="en-CA"/>
           </a:p>
@@ -14963,7 +16697,7 @@
           <a:p>
             <a:fld id="{3E350A0E-3E15-4018-945F-D3DF8A2A0836}" type="datetimeFigureOut">
               <a:rPr lang="en-CA" smtClean="0"/>
-              <a:t>2020-10-19</a:t>
+              <a:t>2020-10-27</a:t>
             </a:fld>
             <a:endParaRPr lang="en-CA"/>
           </a:p>
@@ -15378,7 +17112,7 @@
           <a:p>
             <a:fld id="{3E350A0E-3E15-4018-945F-D3DF8A2A0836}" type="datetimeFigureOut">
               <a:rPr lang="en-CA" smtClean="0"/>
-              <a:t>2020-10-19</a:t>
+              <a:t>2020-10-27</a:t>
             </a:fld>
             <a:endParaRPr lang="en-CA"/>
           </a:p>
@@ -15520,7 +17254,7 @@
           <a:p>
             <a:fld id="{3E350A0E-3E15-4018-945F-D3DF8A2A0836}" type="datetimeFigureOut">
               <a:rPr lang="en-CA" smtClean="0"/>
-              <a:t>2020-10-19</a:t>
+              <a:t>2020-10-27</a:t>
             </a:fld>
             <a:endParaRPr lang="en-CA"/>
           </a:p>
@@ -15633,7 +17367,7 @@
           <a:p>
             <a:fld id="{3E350A0E-3E15-4018-945F-D3DF8A2A0836}" type="datetimeFigureOut">
               <a:rPr lang="en-CA" smtClean="0"/>
-              <a:t>2020-10-19</a:t>
+              <a:t>2020-10-27</a:t>
             </a:fld>
             <a:endParaRPr lang="en-CA"/>
           </a:p>
@@ -16629,7 +18363,7 @@
           <a:p>
             <a:fld id="{3E350A0E-3E15-4018-945F-D3DF8A2A0836}" type="datetimeFigureOut">
               <a:rPr lang="en-CA" smtClean="0"/>
-              <a:t>2020-10-19</a:t>
+              <a:t>2020-10-27</a:t>
             </a:fld>
             <a:endParaRPr lang="en-CA"/>
           </a:p>
@@ -16918,7 +18652,7 @@
           <a:p>
             <a:fld id="{3E350A0E-3E15-4018-945F-D3DF8A2A0836}" type="datetimeFigureOut">
               <a:rPr lang="en-CA" smtClean="0"/>
-              <a:t>2020-10-19</a:t>
+              <a:t>2020-10-27</a:t>
             </a:fld>
             <a:endParaRPr lang="en-CA"/>
           </a:p>
@@ -17118,7 +18852,7 @@
           <a:p>
             <a:fld id="{3E350A0E-3E15-4018-945F-D3DF8A2A0836}" type="datetimeFigureOut">
               <a:rPr lang="en-CA" smtClean="0"/>
-              <a:t>2020-10-19</a:t>
+              <a:t>2020-10-27</a:t>
             </a:fld>
             <a:endParaRPr lang="en-CA"/>
           </a:p>
@@ -17328,7 +19062,7 @@
           <a:p>
             <a:fld id="{3E350A0E-3E15-4018-945F-D3DF8A2A0836}" type="datetimeFigureOut">
               <a:rPr lang="en-CA" smtClean="0"/>
-              <a:t>2020-10-19</a:t>
+              <a:t>2020-10-27</a:t>
             </a:fld>
             <a:endParaRPr lang="en-CA"/>
           </a:p>
@@ -25949,7 +27683,7 @@
           <a:p>
             <a:fld id="{3E350A0E-3E15-4018-945F-D3DF8A2A0836}" type="datetimeFigureOut">
               <a:rPr lang="en-CA" smtClean="0"/>
-              <a:t>2020-10-19</a:t>
+              <a:t>2020-10-27</a:t>
             </a:fld>
             <a:endParaRPr lang="en-CA"/>
           </a:p>
@@ -26396,7 +28130,7 @@
           <a:p>
             <a:r>
               <a:rPr lang="en-US" sz="2200" dirty="0"/>
-              <a:t>Service HTTPS communication in Docker</a:t>
+              <a:t>Service communication over HTTPS in Docker</a:t>
             </a:r>
           </a:p>
         </p:txBody>
@@ -26415,8 +28149,8 @@
         </p:nvSpPr>
         <p:spPr>
           <a:xfrm>
-            <a:off x="6670765" y="5193454"/>
-            <a:ext cx="1724297" cy="369332"/>
+            <a:off x="7023691" y="5079316"/>
+            <a:ext cx="1724297" cy="646331"/>
           </a:xfrm>
           <a:prstGeom prst="rect">
             <a:avLst/>
@@ -26435,7 +28169,7 @@
             </a:r>
             <a:r>
               <a:rPr lang="en-US" dirty="0"/>
-              <a:t> Guild</a:t>
+              <a:t> Guild 11/3/2020</a:t>
             </a:r>
           </a:p>
         </p:txBody>
@@ -26450,6 +28184,3384 @@
   <p:clrMapOvr>
     <a:masterClrMapping/>
   </p:clrMapOvr>
+  <p:transition spd="slow">
+    <p:push dir="u"/>
+  </p:transition>
+</p:sld>
+</file>
+
+<file path=ppt/slides/slide10.xml><?xml version="1.0" encoding="utf-8"?>
+<p:sld xmlns:a="http://schemas.openxmlformats.org/drawingml/2006/main" xmlns:r="http://schemas.openxmlformats.org/officeDocument/2006/relationships" xmlns:p="http://schemas.openxmlformats.org/presentationml/2006/main">
+  <p:cSld>
+    <p:spTree>
+      <p:nvGrpSpPr>
+        <p:cNvPr id="1" name=""/>
+        <p:cNvGrpSpPr/>
+        <p:nvPr/>
+      </p:nvGrpSpPr>
+      <p:grpSpPr>
+        <a:xfrm>
+          <a:off x="0" y="0"/>
+          <a:ext cx="0" cy="0"/>
+          <a:chOff x="0" y="0"/>
+          <a:chExt cx="0" cy="0"/>
+        </a:xfrm>
+      </p:grpSpPr>
+      <p:sp>
+        <p:nvSpPr>
+          <p:cNvPr id="6" name="Title 2">
+            <a:extLst>
+              <a:ext uri="{FF2B5EF4-FFF2-40B4-BE49-F238E27FC236}">
+                <a16:creationId xmlns:a16="http://schemas.microsoft.com/office/drawing/2014/main" id="{1197155A-0D4A-1C4F-9B36-DF485A991274}"/>
+              </a:ext>
+            </a:extLst>
+          </p:cNvPr>
+          <p:cNvSpPr txBox="1">
+            <a:spLocks/>
+          </p:cNvSpPr>
+          <p:nvPr/>
+        </p:nvSpPr>
+        <p:spPr>
+          <a:xfrm>
+            <a:off x="2983229" y="22860"/>
+            <a:ext cx="6063399" cy="366470"/>
+          </a:xfrm>
+          <a:prstGeom prst="rect">
+            <a:avLst/>
+          </a:prstGeom>
+        </p:spPr>
+        <p:txBody>
+          <a:bodyPr/>
+          <a:lstStyle>
+            <a:lvl1pPr algn="l" defTabSz="685800" rtl="0" eaLnBrk="1" fontAlgn="base" hangingPunct="1">
+              <a:lnSpc>
+                <a:spcPct val="90000"/>
+              </a:lnSpc>
+              <a:spcBef>
+                <a:spcPct val="0"/>
+              </a:spcBef>
+              <a:spcAft>
+                <a:spcPct val="0"/>
+              </a:spcAft>
+              <a:defRPr sz="3300" kern="1200">
+                <a:solidFill>
+                  <a:srgbClr val="101C32"/>
+                </a:solidFill>
+                <a:latin typeface="+mn-lt"/>
+                <a:ea typeface="+mj-ea"/>
+                <a:cs typeface="+mj-cs"/>
+              </a:defRPr>
+            </a:lvl1pPr>
+            <a:lvl2pPr algn="l" defTabSz="685800" rtl="0" eaLnBrk="1" fontAlgn="base" hangingPunct="1">
+              <a:lnSpc>
+                <a:spcPct val="90000"/>
+              </a:lnSpc>
+              <a:spcBef>
+                <a:spcPct val="0"/>
+              </a:spcBef>
+              <a:spcAft>
+                <a:spcPct val="0"/>
+              </a:spcAft>
+              <a:defRPr sz="3300">
+                <a:solidFill>
+                  <a:srgbClr val="101C32"/>
+                </a:solidFill>
+                <a:latin typeface="Arial" panose="020B0604020202020204" pitchFamily="34" charset="0"/>
+              </a:defRPr>
+            </a:lvl2pPr>
+            <a:lvl3pPr algn="l" defTabSz="685800" rtl="0" eaLnBrk="1" fontAlgn="base" hangingPunct="1">
+              <a:lnSpc>
+                <a:spcPct val="90000"/>
+              </a:lnSpc>
+              <a:spcBef>
+                <a:spcPct val="0"/>
+              </a:spcBef>
+              <a:spcAft>
+                <a:spcPct val="0"/>
+              </a:spcAft>
+              <a:defRPr sz="3300">
+                <a:solidFill>
+                  <a:srgbClr val="101C32"/>
+                </a:solidFill>
+                <a:latin typeface="Arial" panose="020B0604020202020204" pitchFamily="34" charset="0"/>
+              </a:defRPr>
+            </a:lvl3pPr>
+            <a:lvl4pPr algn="l" defTabSz="685800" rtl="0" eaLnBrk="1" fontAlgn="base" hangingPunct="1">
+              <a:lnSpc>
+                <a:spcPct val="90000"/>
+              </a:lnSpc>
+              <a:spcBef>
+                <a:spcPct val="0"/>
+              </a:spcBef>
+              <a:spcAft>
+                <a:spcPct val="0"/>
+              </a:spcAft>
+              <a:defRPr sz="3300">
+                <a:solidFill>
+                  <a:srgbClr val="101C32"/>
+                </a:solidFill>
+                <a:latin typeface="Arial" panose="020B0604020202020204" pitchFamily="34" charset="0"/>
+              </a:defRPr>
+            </a:lvl4pPr>
+            <a:lvl5pPr algn="l" defTabSz="685800" rtl="0" eaLnBrk="1" fontAlgn="base" hangingPunct="1">
+              <a:lnSpc>
+                <a:spcPct val="90000"/>
+              </a:lnSpc>
+              <a:spcBef>
+                <a:spcPct val="0"/>
+              </a:spcBef>
+              <a:spcAft>
+                <a:spcPct val="0"/>
+              </a:spcAft>
+              <a:defRPr sz="3300">
+                <a:solidFill>
+                  <a:srgbClr val="101C32"/>
+                </a:solidFill>
+                <a:latin typeface="Arial" panose="020B0604020202020204" pitchFamily="34" charset="0"/>
+              </a:defRPr>
+            </a:lvl5pPr>
+            <a:lvl6pPr marL="457200" algn="l" defTabSz="685800" rtl="0" eaLnBrk="1" fontAlgn="base" hangingPunct="1">
+              <a:lnSpc>
+                <a:spcPct val="90000"/>
+              </a:lnSpc>
+              <a:spcBef>
+                <a:spcPct val="0"/>
+              </a:spcBef>
+              <a:spcAft>
+                <a:spcPct val="0"/>
+              </a:spcAft>
+              <a:defRPr sz="3300">
+                <a:solidFill>
+                  <a:srgbClr val="101C32"/>
+                </a:solidFill>
+                <a:latin typeface="Arial" panose="020B0604020202020204" pitchFamily="34" charset="0"/>
+              </a:defRPr>
+            </a:lvl6pPr>
+            <a:lvl7pPr marL="914400" algn="l" defTabSz="685800" rtl="0" eaLnBrk="1" fontAlgn="base" hangingPunct="1">
+              <a:lnSpc>
+                <a:spcPct val="90000"/>
+              </a:lnSpc>
+              <a:spcBef>
+                <a:spcPct val="0"/>
+              </a:spcBef>
+              <a:spcAft>
+                <a:spcPct val="0"/>
+              </a:spcAft>
+              <a:defRPr sz="3300">
+                <a:solidFill>
+                  <a:srgbClr val="101C32"/>
+                </a:solidFill>
+                <a:latin typeface="Arial" panose="020B0604020202020204" pitchFamily="34" charset="0"/>
+              </a:defRPr>
+            </a:lvl7pPr>
+            <a:lvl8pPr marL="1371600" algn="l" defTabSz="685800" rtl="0" eaLnBrk="1" fontAlgn="base" hangingPunct="1">
+              <a:lnSpc>
+                <a:spcPct val="90000"/>
+              </a:lnSpc>
+              <a:spcBef>
+                <a:spcPct val="0"/>
+              </a:spcBef>
+              <a:spcAft>
+                <a:spcPct val="0"/>
+              </a:spcAft>
+              <a:defRPr sz="3300">
+                <a:solidFill>
+                  <a:srgbClr val="101C32"/>
+                </a:solidFill>
+                <a:latin typeface="Arial" panose="020B0604020202020204" pitchFamily="34" charset="0"/>
+              </a:defRPr>
+            </a:lvl8pPr>
+            <a:lvl9pPr marL="1828800" algn="l" defTabSz="685800" rtl="0" eaLnBrk="1" fontAlgn="base" hangingPunct="1">
+              <a:lnSpc>
+                <a:spcPct val="90000"/>
+              </a:lnSpc>
+              <a:spcBef>
+                <a:spcPct val="0"/>
+              </a:spcBef>
+              <a:spcAft>
+                <a:spcPct val="0"/>
+              </a:spcAft>
+              <a:defRPr sz="3300">
+                <a:solidFill>
+                  <a:srgbClr val="101C32"/>
+                </a:solidFill>
+                <a:latin typeface="Arial" panose="020B0604020202020204" pitchFamily="34" charset="0"/>
+              </a:defRPr>
+            </a:lvl9pPr>
+          </a:lstStyle>
+          <a:p>
+            <a:pPr algn="r"/>
+            <a:r>
+              <a:rPr lang="en-US" sz="2000" dirty="0">
+                <a:solidFill>
+                  <a:schemeClr val="bg1"/>
+                </a:solidFill>
+              </a:rPr>
+              <a:t>The Solution</a:t>
+            </a:r>
+            <a:endParaRPr lang="en-US" sz="1800" dirty="0">
+              <a:solidFill>
+                <a:schemeClr val="bg1"/>
+              </a:solidFill>
+            </a:endParaRPr>
+          </a:p>
+        </p:txBody>
+      </p:sp>
+      <p:sp>
+        <p:nvSpPr>
+          <p:cNvPr id="4" name="TextBox 3">
+            <a:extLst>
+              <a:ext uri="{FF2B5EF4-FFF2-40B4-BE49-F238E27FC236}">
+                <a16:creationId xmlns:a16="http://schemas.microsoft.com/office/drawing/2014/main" id="{351E314F-7837-8F40-BE70-413121A53EC8}"/>
+              </a:ext>
+            </a:extLst>
+          </p:cNvPr>
+          <p:cNvSpPr txBox="1"/>
+          <p:nvPr/>
+        </p:nvSpPr>
+        <p:spPr>
+          <a:xfrm>
+            <a:off x="3778823" y="2672834"/>
+            <a:ext cx="1586354" cy="369332"/>
+          </a:xfrm>
+          <a:prstGeom prst="rect">
+            <a:avLst/>
+          </a:prstGeom>
+          <a:noFill/>
+        </p:spPr>
+        <p:txBody>
+          <a:bodyPr wrap="square" rtlCol="0">
+            <a:spAutoFit/>
+          </a:bodyPr>
+          <a:lstStyle/>
+          <a:p>
+            <a:r>
+              <a:rPr lang="en-US" dirty="0"/>
+              <a:t>Step 2 Demo</a:t>
+            </a:r>
+          </a:p>
+        </p:txBody>
+      </p:sp>
+    </p:spTree>
+    <p:extLst>
+      <p:ext uri="{BB962C8B-B14F-4D97-AF65-F5344CB8AC3E}">
+        <p14:creationId xmlns:p14="http://schemas.microsoft.com/office/powerpoint/2010/main" val="1552069171"/>
+      </p:ext>
+    </p:extLst>
+  </p:cSld>
+  <p:clrMapOvr>
+    <a:masterClrMapping/>
+  </p:clrMapOvr>
+  <p:transition spd="slow">
+    <p:push dir="u"/>
+  </p:transition>
+</p:sld>
+</file>
+
+<file path=ppt/slides/slide11.xml><?xml version="1.0" encoding="utf-8"?>
+<p:sld xmlns:a="http://schemas.openxmlformats.org/drawingml/2006/main" xmlns:r="http://schemas.openxmlformats.org/officeDocument/2006/relationships" xmlns:p="http://schemas.openxmlformats.org/presentationml/2006/main">
+  <p:cSld>
+    <p:spTree>
+      <p:nvGrpSpPr>
+        <p:cNvPr id="1" name=""/>
+        <p:cNvGrpSpPr/>
+        <p:nvPr/>
+      </p:nvGrpSpPr>
+      <p:grpSpPr>
+        <a:xfrm>
+          <a:off x="0" y="0"/>
+          <a:ext cx="0" cy="0"/>
+          <a:chOff x="0" y="0"/>
+          <a:chExt cx="0" cy="0"/>
+        </a:xfrm>
+      </p:grpSpPr>
+      <p:sp>
+        <p:nvSpPr>
+          <p:cNvPr id="6" name="Title 2">
+            <a:extLst>
+              <a:ext uri="{FF2B5EF4-FFF2-40B4-BE49-F238E27FC236}">
+                <a16:creationId xmlns:a16="http://schemas.microsoft.com/office/drawing/2014/main" id="{1197155A-0D4A-1C4F-9B36-DF485A991274}"/>
+              </a:ext>
+            </a:extLst>
+          </p:cNvPr>
+          <p:cNvSpPr txBox="1">
+            <a:spLocks/>
+          </p:cNvSpPr>
+          <p:nvPr/>
+        </p:nvSpPr>
+        <p:spPr>
+          <a:xfrm>
+            <a:off x="2983229" y="22860"/>
+            <a:ext cx="6063399" cy="366470"/>
+          </a:xfrm>
+          <a:prstGeom prst="rect">
+            <a:avLst/>
+          </a:prstGeom>
+        </p:spPr>
+        <p:txBody>
+          <a:bodyPr/>
+          <a:lstStyle>
+            <a:lvl1pPr algn="l" defTabSz="685800" rtl="0" eaLnBrk="1" fontAlgn="base" hangingPunct="1">
+              <a:lnSpc>
+                <a:spcPct val="90000"/>
+              </a:lnSpc>
+              <a:spcBef>
+                <a:spcPct val="0"/>
+              </a:spcBef>
+              <a:spcAft>
+                <a:spcPct val="0"/>
+              </a:spcAft>
+              <a:defRPr sz="3300" kern="1200">
+                <a:solidFill>
+                  <a:srgbClr val="101C32"/>
+                </a:solidFill>
+                <a:latin typeface="+mn-lt"/>
+                <a:ea typeface="+mj-ea"/>
+                <a:cs typeface="+mj-cs"/>
+              </a:defRPr>
+            </a:lvl1pPr>
+            <a:lvl2pPr algn="l" defTabSz="685800" rtl="0" eaLnBrk="1" fontAlgn="base" hangingPunct="1">
+              <a:lnSpc>
+                <a:spcPct val="90000"/>
+              </a:lnSpc>
+              <a:spcBef>
+                <a:spcPct val="0"/>
+              </a:spcBef>
+              <a:spcAft>
+                <a:spcPct val="0"/>
+              </a:spcAft>
+              <a:defRPr sz="3300">
+                <a:solidFill>
+                  <a:srgbClr val="101C32"/>
+                </a:solidFill>
+                <a:latin typeface="Arial" panose="020B0604020202020204" pitchFamily="34" charset="0"/>
+              </a:defRPr>
+            </a:lvl2pPr>
+            <a:lvl3pPr algn="l" defTabSz="685800" rtl="0" eaLnBrk="1" fontAlgn="base" hangingPunct="1">
+              <a:lnSpc>
+                <a:spcPct val="90000"/>
+              </a:lnSpc>
+              <a:spcBef>
+                <a:spcPct val="0"/>
+              </a:spcBef>
+              <a:spcAft>
+                <a:spcPct val="0"/>
+              </a:spcAft>
+              <a:defRPr sz="3300">
+                <a:solidFill>
+                  <a:srgbClr val="101C32"/>
+                </a:solidFill>
+                <a:latin typeface="Arial" panose="020B0604020202020204" pitchFamily="34" charset="0"/>
+              </a:defRPr>
+            </a:lvl3pPr>
+            <a:lvl4pPr algn="l" defTabSz="685800" rtl="0" eaLnBrk="1" fontAlgn="base" hangingPunct="1">
+              <a:lnSpc>
+                <a:spcPct val="90000"/>
+              </a:lnSpc>
+              <a:spcBef>
+                <a:spcPct val="0"/>
+              </a:spcBef>
+              <a:spcAft>
+                <a:spcPct val="0"/>
+              </a:spcAft>
+              <a:defRPr sz="3300">
+                <a:solidFill>
+                  <a:srgbClr val="101C32"/>
+                </a:solidFill>
+                <a:latin typeface="Arial" panose="020B0604020202020204" pitchFamily="34" charset="0"/>
+              </a:defRPr>
+            </a:lvl4pPr>
+            <a:lvl5pPr algn="l" defTabSz="685800" rtl="0" eaLnBrk="1" fontAlgn="base" hangingPunct="1">
+              <a:lnSpc>
+                <a:spcPct val="90000"/>
+              </a:lnSpc>
+              <a:spcBef>
+                <a:spcPct val="0"/>
+              </a:spcBef>
+              <a:spcAft>
+                <a:spcPct val="0"/>
+              </a:spcAft>
+              <a:defRPr sz="3300">
+                <a:solidFill>
+                  <a:srgbClr val="101C32"/>
+                </a:solidFill>
+                <a:latin typeface="Arial" panose="020B0604020202020204" pitchFamily="34" charset="0"/>
+              </a:defRPr>
+            </a:lvl5pPr>
+            <a:lvl6pPr marL="457200" algn="l" defTabSz="685800" rtl="0" eaLnBrk="1" fontAlgn="base" hangingPunct="1">
+              <a:lnSpc>
+                <a:spcPct val="90000"/>
+              </a:lnSpc>
+              <a:spcBef>
+                <a:spcPct val="0"/>
+              </a:spcBef>
+              <a:spcAft>
+                <a:spcPct val="0"/>
+              </a:spcAft>
+              <a:defRPr sz="3300">
+                <a:solidFill>
+                  <a:srgbClr val="101C32"/>
+                </a:solidFill>
+                <a:latin typeface="Arial" panose="020B0604020202020204" pitchFamily="34" charset="0"/>
+              </a:defRPr>
+            </a:lvl6pPr>
+            <a:lvl7pPr marL="914400" algn="l" defTabSz="685800" rtl="0" eaLnBrk="1" fontAlgn="base" hangingPunct="1">
+              <a:lnSpc>
+                <a:spcPct val="90000"/>
+              </a:lnSpc>
+              <a:spcBef>
+                <a:spcPct val="0"/>
+              </a:spcBef>
+              <a:spcAft>
+                <a:spcPct val="0"/>
+              </a:spcAft>
+              <a:defRPr sz="3300">
+                <a:solidFill>
+                  <a:srgbClr val="101C32"/>
+                </a:solidFill>
+                <a:latin typeface="Arial" panose="020B0604020202020204" pitchFamily="34" charset="0"/>
+              </a:defRPr>
+            </a:lvl7pPr>
+            <a:lvl8pPr marL="1371600" algn="l" defTabSz="685800" rtl="0" eaLnBrk="1" fontAlgn="base" hangingPunct="1">
+              <a:lnSpc>
+                <a:spcPct val="90000"/>
+              </a:lnSpc>
+              <a:spcBef>
+                <a:spcPct val="0"/>
+              </a:spcBef>
+              <a:spcAft>
+                <a:spcPct val="0"/>
+              </a:spcAft>
+              <a:defRPr sz="3300">
+                <a:solidFill>
+                  <a:srgbClr val="101C32"/>
+                </a:solidFill>
+                <a:latin typeface="Arial" panose="020B0604020202020204" pitchFamily="34" charset="0"/>
+              </a:defRPr>
+            </a:lvl8pPr>
+            <a:lvl9pPr marL="1828800" algn="l" defTabSz="685800" rtl="0" eaLnBrk="1" fontAlgn="base" hangingPunct="1">
+              <a:lnSpc>
+                <a:spcPct val="90000"/>
+              </a:lnSpc>
+              <a:spcBef>
+                <a:spcPct val="0"/>
+              </a:spcBef>
+              <a:spcAft>
+                <a:spcPct val="0"/>
+              </a:spcAft>
+              <a:defRPr sz="3300">
+                <a:solidFill>
+                  <a:srgbClr val="101C32"/>
+                </a:solidFill>
+                <a:latin typeface="Arial" panose="020B0604020202020204" pitchFamily="34" charset="0"/>
+              </a:defRPr>
+            </a:lvl9pPr>
+          </a:lstStyle>
+          <a:p>
+            <a:pPr algn="r"/>
+            <a:r>
+              <a:rPr lang="en-US" sz="2000" dirty="0">
+                <a:solidFill>
+                  <a:schemeClr val="bg1"/>
+                </a:solidFill>
+              </a:rPr>
+              <a:t>The Solution</a:t>
+            </a:r>
+            <a:endParaRPr lang="en-US" sz="1800" dirty="0">
+              <a:solidFill>
+                <a:schemeClr val="bg1"/>
+              </a:solidFill>
+            </a:endParaRPr>
+          </a:p>
+        </p:txBody>
+      </p:sp>
+      <p:sp>
+        <p:nvSpPr>
+          <p:cNvPr id="4" name="TextBox 3">
+            <a:extLst>
+              <a:ext uri="{FF2B5EF4-FFF2-40B4-BE49-F238E27FC236}">
+                <a16:creationId xmlns:a16="http://schemas.microsoft.com/office/drawing/2014/main" id="{351E314F-7837-8F40-BE70-413121A53EC8}"/>
+              </a:ext>
+            </a:extLst>
+          </p:cNvPr>
+          <p:cNvSpPr txBox="1"/>
+          <p:nvPr/>
+        </p:nvSpPr>
+        <p:spPr>
+          <a:xfrm>
+            <a:off x="314295" y="593701"/>
+            <a:ext cx="2934232" cy="3139321"/>
+          </a:xfrm>
+          <a:prstGeom prst="rect">
+            <a:avLst/>
+          </a:prstGeom>
+          <a:noFill/>
+        </p:spPr>
+        <p:txBody>
+          <a:bodyPr wrap="square" rtlCol="0">
+            <a:spAutoFit/>
+          </a:bodyPr>
+          <a:lstStyle/>
+          <a:p>
+            <a:r>
+              <a:rPr lang="en-US" b="1" dirty="0"/>
+              <a:t>Step 2 POC Recap</a:t>
+            </a:r>
+          </a:p>
+          <a:p>
+            <a:endParaRPr lang="en-US" b="1" dirty="0"/>
+          </a:p>
+          <a:p>
+            <a:endParaRPr lang="en-US" b="1" dirty="0"/>
+          </a:p>
+          <a:p>
+            <a:r>
+              <a:rPr lang="en-US" dirty="0"/>
+              <a:t>Postman should communicate with Service 1 over HTTPS.</a:t>
+            </a:r>
+          </a:p>
+          <a:p>
+            <a:endParaRPr lang="en-US" dirty="0"/>
+          </a:p>
+          <a:p>
+            <a:r>
+              <a:rPr lang="en-US" dirty="0"/>
+              <a:t>Service 1 should communicate with Service 2 over HTTPS.</a:t>
+            </a:r>
+          </a:p>
+          <a:p>
+            <a:endParaRPr lang="en-US" b="1" dirty="0"/>
+          </a:p>
+        </p:txBody>
+      </p:sp>
+      <p:pic>
+        <p:nvPicPr>
+          <p:cNvPr id="3" name="Graphic 2" descr="Checkmark">
+            <a:extLst>
+              <a:ext uri="{FF2B5EF4-FFF2-40B4-BE49-F238E27FC236}">
+                <a16:creationId xmlns:a16="http://schemas.microsoft.com/office/drawing/2014/main" id="{4B6276FB-FA9D-4058-A25D-CDB7F832288D}"/>
+              </a:ext>
+            </a:extLst>
+          </p:cNvPr>
+          <p:cNvPicPr>
+            <a:picLocks noChangeAspect="1"/>
+          </p:cNvPicPr>
+          <p:nvPr/>
+        </p:nvPicPr>
+        <p:blipFill>
+          <a:blip r:embed="rId3">
+            <a:extLst>
+              <a:ext uri="{96DAC541-7B7A-43D3-8B79-37D633B846F1}">
+                <asvg:svgBlip xmlns:asvg="http://schemas.microsoft.com/office/drawing/2016/SVG/main" r:embed="rId4"/>
+              </a:ext>
+            </a:extLst>
+          </a:blip>
+          <a:stretch>
+            <a:fillRect/>
+          </a:stretch>
+        </p:blipFill>
+        <p:spPr>
+          <a:xfrm>
+            <a:off x="2024279" y="1941241"/>
+            <a:ext cx="444239" cy="444239"/>
+          </a:xfrm>
+          <a:prstGeom prst="rect">
+            <a:avLst/>
+          </a:prstGeom>
+        </p:spPr>
+      </p:pic>
+      <p:pic>
+        <p:nvPicPr>
+          <p:cNvPr id="7" name="Graphic 6" descr="Close">
+            <a:extLst>
+              <a:ext uri="{FF2B5EF4-FFF2-40B4-BE49-F238E27FC236}">
+                <a16:creationId xmlns:a16="http://schemas.microsoft.com/office/drawing/2014/main" id="{76058AE8-B832-4CE8-BA07-260638E73815}"/>
+              </a:ext>
+            </a:extLst>
+          </p:cNvPr>
+          <p:cNvPicPr>
+            <a:picLocks noChangeAspect="1"/>
+          </p:cNvPicPr>
+          <p:nvPr/>
+        </p:nvPicPr>
+        <p:blipFill>
+          <a:blip r:embed="rId5">
+            <a:extLst>
+              <a:ext uri="{96DAC541-7B7A-43D3-8B79-37D633B846F1}">
+                <asvg:svgBlip xmlns:asvg="http://schemas.microsoft.com/office/drawing/2016/SVG/main" r:embed="rId6"/>
+              </a:ext>
+            </a:extLst>
+          </a:blip>
+          <a:stretch>
+            <a:fillRect/>
+          </a:stretch>
+        </p:blipFill>
+        <p:spPr>
+          <a:xfrm>
+            <a:off x="1994781" y="3072063"/>
+            <a:ext cx="503237" cy="503237"/>
+          </a:xfrm>
+          <a:prstGeom prst="rect">
+            <a:avLst/>
+          </a:prstGeom>
+        </p:spPr>
+      </p:pic>
+      <p:pic>
+        <p:nvPicPr>
+          <p:cNvPr id="11" name="Picture 10" descr="Diagram&#10;&#10;Description automatically generated">
+            <a:extLst>
+              <a:ext uri="{FF2B5EF4-FFF2-40B4-BE49-F238E27FC236}">
+                <a16:creationId xmlns:a16="http://schemas.microsoft.com/office/drawing/2014/main" id="{8B3D153A-9FF7-4324-BC17-B3802A21D5A2}"/>
+              </a:ext>
+            </a:extLst>
+          </p:cNvPr>
+          <p:cNvPicPr>
+            <a:picLocks noChangeAspect="1"/>
+          </p:cNvPicPr>
+          <p:nvPr/>
+        </p:nvPicPr>
+        <p:blipFill>
+          <a:blip r:embed="rId7"/>
+          <a:stretch>
+            <a:fillRect/>
+          </a:stretch>
+        </p:blipFill>
+        <p:spPr>
+          <a:xfrm>
+            <a:off x="3095169" y="788489"/>
+            <a:ext cx="6063399" cy="4926511"/>
+          </a:xfrm>
+          <a:prstGeom prst="rect">
+            <a:avLst/>
+          </a:prstGeom>
+        </p:spPr>
+      </p:pic>
+    </p:spTree>
+    <p:extLst>
+      <p:ext uri="{BB962C8B-B14F-4D97-AF65-F5344CB8AC3E}">
+        <p14:creationId xmlns:p14="http://schemas.microsoft.com/office/powerpoint/2010/main" val="1371004241"/>
+      </p:ext>
+    </p:extLst>
+  </p:cSld>
+  <p:clrMapOvr>
+    <a:masterClrMapping/>
+  </p:clrMapOvr>
+  <p:transition spd="slow">
+    <p:push dir="u"/>
+  </p:transition>
+</p:sld>
+</file>
+
+<file path=ppt/slides/slide12.xml><?xml version="1.0" encoding="utf-8"?>
+<p:sld xmlns:a="http://schemas.openxmlformats.org/drawingml/2006/main" xmlns:r="http://schemas.openxmlformats.org/officeDocument/2006/relationships" xmlns:p="http://schemas.openxmlformats.org/presentationml/2006/main">
+  <p:cSld>
+    <p:spTree>
+      <p:nvGrpSpPr>
+        <p:cNvPr id="1" name=""/>
+        <p:cNvGrpSpPr/>
+        <p:nvPr/>
+      </p:nvGrpSpPr>
+      <p:grpSpPr>
+        <a:xfrm>
+          <a:off x="0" y="0"/>
+          <a:ext cx="0" cy="0"/>
+          <a:chOff x="0" y="0"/>
+          <a:chExt cx="0" cy="0"/>
+        </a:xfrm>
+      </p:grpSpPr>
+      <p:sp>
+        <p:nvSpPr>
+          <p:cNvPr id="6" name="Title 2">
+            <a:extLst>
+              <a:ext uri="{FF2B5EF4-FFF2-40B4-BE49-F238E27FC236}">
+                <a16:creationId xmlns:a16="http://schemas.microsoft.com/office/drawing/2014/main" id="{1197155A-0D4A-1C4F-9B36-DF485A991274}"/>
+              </a:ext>
+            </a:extLst>
+          </p:cNvPr>
+          <p:cNvSpPr txBox="1">
+            <a:spLocks/>
+          </p:cNvSpPr>
+          <p:nvPr/>
+        </p:nvSpPr>
+        <p:spPr>
+          <a:xfrm>
+            <a:off x="2983229" y="22860"/>
+            <a:ext cx="6063399" cy="366470"/>
+          </a:xfrm>
+          <a:prstGeom prst="rect">
+            <a:avLst/>
+          </a:prstGeom>
+        </p:spPr>
+        <p:txBody>
+          <a:bodyPr/>
+          <a:lstStyle>
+            <a:lvl1pPr algn="l" defTabSz="685800" rtl="0" eaLnBrk="1" fontAlgn="base" hangingPunct="1">
+              <a:lnSpc>
+                <a:spcPct val="90000"/>
+              </a:lnSpc>
+              <a:spcBef>
+                <a:spcPct val="0"/>
+              </a:spcBef>
+              <a:spcAft>
+                <a:spcPct val="0"/>
+              </a:spcAft>
+              <a:defRPr sz="3300" kern="1200">
+                <a:solidFill>
+                  <a:srgbClr val="101C32"/>
+                </a:solidFill>
+                <a:latin typeface="+mn-lt"/>
+                <a:ea typeface="+mj-ea"/>
+                <a:cs typeface="+mj-cs"/>
+              </a:defRPr>
+            </a:lvl1pPr>
+            <a:lvl2pPr algn="l" defTabSz="685800" rtl="0" eaLnBrk="1" fontAlgn="base" hangingPunct="1">
+              <a:lnSpc>
+                <a:spcPct val="90000"/>
+              </a:lnSpc>
+              <a:spcBef>
+                <a:spcPct val="0"/>
+              </a:spcBef>
+              <a:spcAft>
+                <a:spcPct val="0"/>
+              </a:spcAft>
+              <a:defRPr sz="3300">
+                <a:solidFill>
+                  <a:srgbClr val="101C32"/>
+                </a:solidFill>
+                <a:latin typeface="Arial" panose="020B0604020202020204" pitchFamily="34" charset="0"/>
+              </a:defRPr>
+            </a:lvl2pPr>
+            <a:lvl3pPr algn="l" defTabSz="685800" rtl="0" eaLnBrk="1" fontAlgn="base" hangingPunct="1">
+              <a:lnSpc>
+                <a:spcPct val="90000"/>
+              </a:lnSpc>
+              <a:spcBef>
+                <a:spcPct val="0"/>
+              </a:spcBef>
+              <a:spcAft>
+                <a:spcPct val="0"/>
+              </a:spcAft>
+              <a:defRPr sz="3300">
+                <a:solidFill>
+                  <a:srgbClr val="101C32"/>
+                </a:solidFill>
+                <a:latin typeface="Arial" panose="020B0604020202020204" pitchFamily="34" charset="0"/>
+              </a:defRPr>
+            </a:lvl3pPr>
+            <a:lvl4pPr algn="l" defTabSz="685800" rtl="0" eaLnBrk="1" fontAlgn="base" hangingPunct="1">
+              <a:lnSpc>
+                <a:spcPct val="90000"/>
+              </a:lnSpc>
+              <a:spcBef>
+                <a:spcPct val="0"/>
+              </a:spcBef>
+              <a:spcAft>
+                <a:spcPct val="0"/>
+              </a:spcAft>
+              <a:defRPr sz="3300">
+                <a:solidFill>
+                  <a:srgbClr val="101C32"/>
+                </a:solidFill>
+                <a:latin typeface="Arial" panose="020B0604020202020204" pitchFamily="34" charset="0"/>
+              </a:defRPr>
+            </a:lvl4pPr>
+            <a:lvl5pPr algn="l" defTabSz="685800" rtl="0" eaLnBrk="1" fontAlgn="base" hangingPunct="1">
+              <a:lnSpc>
+                <a:spcPct val="90000"/>
+              </a:lnSpc>
+              <a:spcBef>
+                <a:spcPct val="0"/>
+              </a:spcBef>
+              <a:spcAft>
+                <a:spcPct val="0"/>
+              </a:spcAft>
+              <a:defRPr sz="3300">
+                <a:solidFill>
+                  <a:srgbClr val="101C32"/>
+                </a:solidFill>
+                <a:latin typeface="Arial" panose="020B0604020202020204" pitchFamily="34" charset="0"/>
+              </a:defRPr>
+            </a:lvl5pPr>
+            <a:lvl6pPr marL="457200" algn="l" defTabSz="685800" rtl="0" eaLnBrk="1" fontAlgn="base" hangingPunct="1">
+              <a:lnSpc>
+                <a:spcPct val="90000"/>
+              </a:lnSpc>
+              <a:spcBef>
+                <a:spcPct val="0"/>
+              </a:spcBef>
+              <a:spcAft>
+                <a:spcPct val="0"/>
+              </a:spcAft>
+              <a:defRPr sz="3300">
+                <a:solidFill>
+                  <a:srgbClr val="101C32"/>
+                </a:solidFill>
+                <a:latin typeface="Arial" panose="020B0604020202020204" pitchFamily="34" charset="0"/>
+              </a:defRPr>
+            </a:lvl6pPr>
+            <a:lvl7pPr marL="914400" algn="l" defTabSz="685800" rtl="0" eaLnBrk="1" fontAlgn="base" hangingPunct="1">
+              <a:lnSpc>
+                <a:spcPct val="90000"/>
+              </a:lnSpc>
+              <a:spcBef>
+                <a:spcPct val="0"/>
+              </a:spcBef>
+              <a:spcAft>
+                <a:spcPct val="0"/>
+              </a:spcAft>
+              <a:defRPr sz="3300">
+                <a:solidFill>
+                  <a:srgbClr val="101C32"/>
+                </a:solidFill>
+                <a:latin typeface="Arial" panose="020B0604020202020204" pitchFamily="34" charset="0"/>
+              </a:defRPr>
+            </a:lvl7pPr>
+            <a:lvl8pPr marL="1371600" algn="l" defTabSz="685800" rtl="0" eaLnBrk="1" fontAlgn="base" hangingPunct="1">
+              <a:lnSpc>
+                <a:spcPct val="90000"/>
+              </a:lnSpc>
+              <a:spcBef>
+                <a:spcPct val="0"/>
+              </a:spcBef>
+              <a:spcAft>
+                <a:spcPct val="0"/>
+              </a:spcAft>
+              <a:defRPr sz="3300">
+                <a:solidFill>
+                  <a:srgbClr val="101C32"/>
+                </a:solidFill>
+                <a:latin typeface="Arial" panose="020B0604020202020204" pitchFamily="34" charset="0"/>
+              </a:defRPr>
+            </a:lvl8pPr>
+            <a:lvl9pPr marL="1828800" algn="l" defTabSz="685800" rtl="0" eaLnBrk="1" fontAlgn="base" hangingPunct="1">
+              <a:lnSpc>
+                <a:spcPct val="90000"/>
+              </a:lnSpc>
+              <a:spcBef>
+                <a:spcPct val="0"/>
+              </a:spcBef>
+              <a:spcAft>
+                <a:spcPct val="0"/>
+              </a:spcAft>
+              <a:defRPr sz="3300">
+                <a:solidFill>
+                  <a:srgbClr val="101C32"/>
+                </a:solidFill>
+                <a:latin typeface="Arial" panose="020B0604020202020204" pitchFamily="34" charset="0"/>
+              </a:defRPr>
+            </a:lvl9pPr>
+          </a:lstStyle>
+          <a:p>
+            <a:pPr algn="r"/>
+            <a:r>
+              <a:rPr lang="en-US" sz="2000" dirty="0">
+                <a:solidFill>
+                  <a:schemeClr val="bg1"/>
+                </a:solidFill>
+              </a:rPr>
+              <a:t>The Solution</a:t>
+            </a:r>
+            <a:endParaRPr lang="en-US" sz="1800" dirty="0">
+              <a:solidFill>
+                <a:schemeClr val="bg1"/>
+              </a:solidFill>
+            </a:endParaRPr>
+          </a:p>
+        </p:txBody>
+      </p:sp>
+      <p:sp>
+        <p:nvSpPr>
+          <p:cNvPr id="4" name="TextBox 3">
+            <a:extLst>
+              <a:ext uri="{FF2B5EF4-FFF2-40B4-BE49-F238E27FC236}">
+                <a16:creationId xmlns:a16="http://schemas.microsoft.com/office/drawing/2014/main" id="{351E314F-7837-8F40-BE70-413121A53EC8}"/>
+              </a:ext>
+            </a:extLst>
+          </p:cNvPr>
+          <p:cNvSpPr txBox="1"/>
+          <p:nvPr/>
+        </p:nvSpPr>
+        <p:spPr>
+          <a:xfrm>
+            <a:off x="3778823" y="2672834"/>
+            <a:ext cx="1586354" cy="369332"/>
+          </a:xfrm>
+          <a:prstGeom prst="rect">
+            <a:avLst/>
+          </a:prstGeom>
+          <a:noFill/>
+        </p:spPr>
+        <p:txBody>
+          <a:bodyPr wrap="square" rtlCol="0">
+            <a:spAutoFit/>
+          </a:bodyPr>
+          <a:lstStyle/>
+          <a:p>
+            <a:r>
+              <a:rPr lang="en-US" dirty="0"/>
+              <a:t>Step 3 Demo</a:t>
+            </a:r>
+          </a:p>
+        </p:txBody>
+      </p:sp>
+    </p:spTree>
+    <p:extLst>
+      <p:ext uri="{BB962C8B-B14F-4D97-AF65-F5344CB8AC3E}">
+        <p14:creationId xmlns:p14="http://schemas.microsoft.com/office/powerpoint/2010/main" val="452815401"/>
+      </p:ext>
+    </p:extLst>
+  </p:cSld>
+  <p:clrMapOvr>
+    <a:masterClrMapping/>
+  </p:clrMapOvr>
+  <p:transition spd="slow">
+    <p:push dir="u"/>
+  </p:transition>
+</p:sld>
+</file>
+
+<file path=ppt/slides/slide13.xml><?xml version="1.0" encoding="utf-8"?>
+<p:sld xmlns:a="http://schemas.openxmlformats.org/drawingml/2006/main" xmlns:r="http://schemas.openxmlformats.org/officeDocument/2006/relationships" xmlns:p="http://schemas.openxmlformats.org/presentationml/2006/main">
+  <p:cSld>
+    <p:spTree>
+      <p:nvGrpSpPr>
+        <p:cNvPr id="1" name=""/>
+        <p:cNvGrpSpPr/>
+        <p:nvPr/>
+      </p:nvGrpSpPr>
+      <p:grpSpPr>
+        <a:xfrm>
+          <a:off x="0" y="0"/>
+          <a:ext cx="0" cy="0"/>
+          <a:chOff x="0" y="0"/>
+          <a:chExt cx="0" cy="0"/>
+        </a:xfrm>
+      </p:grpSpPr>
+      <p:sp>
+        <p:nvSpPr>
+          <p:cNvPr id="6" name="Title 2">
+            <a:extLst>
+              <a:ext uri="{FF2B5EF4-FFF2-40B4-BE49-F238E27FC236}">
+                <a16:creationId xmlns:a16="http://schemas.microsoft.com/office/drawing/2014/main" id="{1197155A-0D4A-1C4F-9B36-DF485A991274}"/>
+              </a:ext>
+            </a:extLst>
+          </p:cNvPr>
+          <p:cNvSpPr txBox="1">
+            <a:spLocks/>
+          </p:cNvSpPr>
+          <p:nvPr/>
+        </p:nvSpPr>
+        <p:spPr>
+          <a:xfrm>
+            <a:off x="2983229" y="22860"/>
+            <a:ext cx="6063399" cy="366470"/>
+          </a:xfrm>
+          <a:prstGeom prst="rect">
+            <a:avLst/>
+          </a:prstGeom>
+        </p:spPr>
+        <p:txBody>
+          <a:bodyPr/>
+          <a:lstStyle>
+            <a:lvl1pPr algn="l" defTabSz="685800" rtl="0" eaLnBrk="1" fontAlgn="base" hangingPunct="1">
+              <a:lnSpc>
+                <a:spcPct val="90000"/>
+              </a:lnSpc>
+              <a:spcBef>
+                <a:spcPct val="0"/>
+              </a:spcBef>
+              <a:spcAft>
+                <a:spcPct val="0"/>
+              </a:spcAft>
+              <a:defRPr sz="3300" kern="1200">
+                <a:solidFill>
+                  <a:srgbClr val="101C32"/>
+                </a:solidFill>
+                <a:latin typeface="+mn-lt"/>
+                <a:ea typeface="+mj-ea"/>
+                <a:cs typeface="+mj-cs"/>
+              </a:defRPr>
+            </a:lvl1pPr>
+            <a:lvl2pPr algn="l" defTabSz="685800" rtl="0" eaLnBrk="1" fontAlgn="base" hangingPunct="1">
+              <a:lnSpc>
+                <a:spcPct val="90000"/>
+              </a:lnSpc>
+              <a:spcBef>
+                <a:spcPct val="0"/>
+              </a:spcBef>
+              <a:spcAft>
+                <a:spcPct val="0"/>
+              </a:spcAft>
+              <a:defRPr sz="3300">
+                <a:solidFill>
+                  <a:srgbClr val="101C32"/>
+                </a:solidFill>
+                <a:latin typeface="Arial" panose="020B0604020202020204" pitchFamily="34" charset="0"/>
+              </a:defRPr>
+            </a:lvl2pPr>
+            <a:lvl3pPr algn="l" defTabSz="685800" rtl="0" eaLnBrk="1" fontAlgn="base" hangingPunct="1">
+              <a:lnSpc>
+                <a:spcPct val="90000"/>
+              </a:lnSpc>
+              <a:spcBef>
+                <a:spcPct val="0"/>
+              </a:spcBef>
+              <a:spcAft>
+                <a:spcPct val="0"/>
+              </a:spcAft>
+              <a:defRPr sz="3300">
+                <a:solidFill>
+                  <a:srgbClr val="101C32"/>
+                </a:solidFill>
+                <a:latin typeface="Arial" panose="020B0604020202020204" pitchFamily="34" charset="0"/>
+              </a:defRPr>
+            </a:lvl3pPr>
+            <a:lvl4pPr algn="l" defTabSz="685800" rtl="0" eaLnBrk="1" fontAlgn="base" hangingPunct="1">
+              <a:lnSpc>
+                <a:spcPct val="90000"/>
+              </a:lnSpc>
+              <a:spcBef>
+                <a:spcPct val="0"/>
+              </a:spcBef>
+              <a:spcAft>
+                <a:spcPct val="0"/>
+              </a:spcAft>
+              <a:defRPr sz="3300">
+                <a:solidFill>
+                  <a:srgbClr val="101C32"/>
+                </a:solidFill>
+                <a:latin typeface="Arial" panose="020B0604020202020204" pitchFamily="34" charset="0"/>
+              </a:defRPr>
+            </a:lvl4pPr>
+            <a:lvl5pPr algn="l" defTabSz="685800" rtl="0" eaLnBrk="1" fontAlgn="base" hangingPunct="1">
+              <a:lnSpc>
+                <a:spcPct val="90000"/>
+              </a:lnSpc>
+              <a:spcBef>
+                <a:spcPct val="0"/>
+              </a:spcBef>
+              <a:spcAft>
+                <a:spcPct val="0"/>
+              </a:spcAft>
+              <a:defRPr sz="3300">
+                <a:solidFill>
+                  <a:srgbClr val="101C32"/>
+                </a:solidFill>
+                <a:latin typeface="Arial" panose="020B0604020202020204" pitchFamily="34" charset="0"/>
+              </a:defRPr>
+            </a:lvl5pPr>
+            <a:lvl6pPr marL="457200" algn="l" defTabSz="685800" rtl="0" eaLnBrk="1" fontAlgn="base" hangingPunct="1">
+              <a:lnSpc>
+                <a:spcPct val="90000"/>
+              </a:lnSpc>
+              <a:spcBef>
+                <a:spcPct val="0"/>
+              </a:spcBef>
+              <a:spcAft>
+                <a:spcPct val="0"/>
+              </a:spcAft>
+              <a:defRPr sz="3300">
+                <a:solidFill>
+                  <a:srgbClr val="101C32"/>
+                </a:solidFill>
+                <a:latin typeface="Arial" panose="020B0604020202020204" pitchFamily="34" charset="0"/>
+              </a:defRPr>
+            </a:lvl6pPr>
+            <a:lvl7pPr marL="914400" algn="l" defTabSz="685800" rtl="0" eaLnBrk="1" fontAlgn="base" hangingPunct="1">
+              <a:lnSpc>
+                <a:spcPct val="90000"/>
+              </a:lnSpc>
+              <a:spcBef>
+                <a:spcPct val="0"/>
+              </a:spcBef>
+              <a:spcAft>
+                <a:spcPct val="0"/>
+              </a:spcAft>
+              <a:defRPr sz="3300">
+                <a:solidFill>
+                  <a:srgbClr val="101C32"/>
+                </a:solidFill>
+                <a:latin typeface="Arial" panose="020B0604020202020204" pitchFamily="34" charset="0"/>
+              </a:defRPr>
+            </a:lvl7pPr>
+            <a:lvl8pPr marL="1371600" algn="l" defTabSz="685800" rtl="0" eaLnBrk="1" fontAlgn="base" hangingPunct="1">
+              <a:lnSpc>
+                <a:spcPct val="90000"/>
+              </a:lnSpc>
+              <a:spcBef>
+                <a:spcPct val="0"/>
+              </a:spcBef>
+              <a:spcAft>
+                <a:spcPct val="0"/>
+              </a:spcAft>
+              <a:defRPr sz="3300">
+                <a:solidFill>
+                  <a:srgbClr val="101C32"/>
+                </a:solidFill>
+                <a:latin typeface="Arial" panose="020B0604020202020204" pitchFamily="34" charset="0"/>
+              </a:defRPr>
+            </a:lvl8pPr>
+            <a:lvl9pPr marL="1828800" algn="l" defTabSz="685800" rtl="0" eaLnBrk="1" fontAlgn="base" hangingPunct="1">
+              <a:lnSpc>
+                <a:spcPct val="90000"/>
+              </a:lnSpc>
+              <a:spcBef>
+                <a:spcPct val="0"/>
+              </a:spcBef>
+              <a:spcAft>
+                <a:spcPct val="0"/>
+              </a:spcAft>
+              <a:defRPr sz="3300">
+                <a:solidFill>
+                  <a:srgbClr val="101C32"/>
+                </a:solidFill>
+                <a:latin typeface="Arial" panose="020B0604020202020204" pitchFamily="34" charset="0"/>
+              </a:defRPr>
+            </a:lvl9pPr>
+          </a:lstStyle>
+          <a:p>
+            <a:pPr algn="r"/>
+            <a:r>
+              <a:rPr lang="en-US" sz="2000" dirty="0">
+                <a:solidFill>
+                  <a:schemeClr val="bg1"/>
+                </a:solidFill>
+              </a:rPr>
+              <a:t>The Solution</a:t>
+            </a:r>
+            <a:endParaRPr lang="en-US" sz="1800" dirty="0">
+              <a:solidFill>
+                <a:schemeClr val="bg1"/>
+              </a:solidFill>
+            </a:endParaRPr>
+          </a:p>
+        </p:txBody>
+      </p:sp>
+      <p:sp>
+        <p:nvSpPr>
+          <p:cNvPr id="4" name="TextBox 3">
+            <a:extLst>
+              <a:ext uri="{FF2B5EF4-FFF2-40B4-BE49-F238E27FC236}">
+                <a16:creationId xmlns:a16="http://schemas.microsoft.com/office/drawing/2014/main" id="{351E314F-7837-8F40-BE70-413121A53EC8}"/>
+              </a:ext>
+            </a:extLst>
+          </p:cNvPr>
+          <p:cNvSpPr txBox="1"/>
+          <p:nvPr/>
+        </p:nvSpPr>
+        <p:spPr>
+          <a:xfrm>
+            <a:off x="314294" y="593701"/>
+            <a:ext cx="2910169" cy="3139321"/>
+          </a:xfrm>
+          <a:prstGeom prst="rect">
+            <a:avLst/>
+          </a:prstGeom>
+          <a:noFill/>
+        </p:spPr>
+        <p:txBody>
+          <a:bodyPr wrap="square" rtlCol="0">
+            <a:spAutoFit/>
+          </a:bodyPr>
+          <a:lstStyle/>
+          <a:p>
+            <a:r>
+              <a:rPr lang="en-US" b="1" dirty="0"/>
+              <a:t>Step 3 POC Recap</a:t>
+            </a:r>
+          </a:p>
+          <a:p>
+            <a:endParaRPr lang="en-US" b="1" dirty="0"/>
+          </a:p>
+          <a:p>
+            <a:endParaRPr lang="en-US" b="1" dirty="0"/>
+          </a:p>
+          <a:p>
+            <a:r>
+              <a:rPr lang="en-US" dirty="0"/>
+              <a:t>Postman should communicate with Service 1 over HTTPS.</a:t>
+            </a:r>
+          </a:p>
+          <a:p>
+            <a:endParaRPr lang="en-US" dirty="0"/>
+          </a:p>
+          <a:p>
+            <a:r>
+              <a:rPr lang="en-US" dirty="0"/>
+              <a:t>Service 1 should communicate with Service 2 over HTTPS.</a:t>
+            </a:r>
+          </a:p>
+          <a:p>
+            <a:endParaRPr lang="en-US" b="1" dirty="0"/>
+          </a:p>
+        </p:txBody>
+      </p:sp>
+      <p:pic>
+        <p:nvPicPr>
+          <p:cNvPr id="5" name="Picture 4" descr="Diagram&#10;&#10;Description automatically generated">
+            <a:extLst>
+              <a:ext uri="{FF2B5EF4-FFF2-40B4-BE49-F238E27FC236}">
+                <a16:creationId xmlns:a16="http://schemas.microsoft.com/office/drawing/2014/main" id="{03AF2563-F6A1-4D50-B437-3C015A03ED6D}"/>
+              </a:ext>
+            </a:extLst>
+          </p:cNvPr>
+          <p:cNvPicPr>
+            <a:picLocks noChangeAspect="1"/>
+          </p:cNvPicPr>
+          <p:nvPr/>
+        </p:nvPicPr>
+        <p:blipFill>
+          <a:blip r:embed="rId3"/>
+          <a:stretch>
+            <a:fillRect/>
+          </a:stretch>
+        </p:blipFill>
+        <p:spPr>
+          <a:xfrm>
+            <a:off x="3013092" y="866274"/>
+            <a:ext cx="5939527" cy="4825866"/>
+          </a:xfrm>
+          <a:prstGeom prst="rect">
+            <a:avLst/>
+          </a:prstGeom>
+        </p:spPr>
+      </p:pic>
+      <p:pic>
+        <p:nvPicPr>
+          <p:cNvPr id="9" name="Graphic 8" descr="Checkmark">
+            <a:extLst>
+              <a:ext uri="{FF2B5EF4-FFF2-40B4-BE49-F238E27FC236}">
+                <a16:creationId xmlns:a16="http://schemas.microsoft.com/office/drawing/2014/main" id="{4B65DF61-C5F8-4759-8CB9-417D42C573B6}"/>
+              </a:ext>
+            </a:extLst>
+          </p:cNvPr>
+          <p:cNvPicPr>
+            <a:picLocks noChangeAspect="1"/>
+          </p:cNvPicPr>
+          <p:nvPr/>
+        </p:nvPicPr>
+        <p:blipFill>
+          <a:blip r:embed="rId4">
+            <a:extLst>
+              <a:ext uri="{96DAC541-7B7A-43D3-8B79-37D633B846F1}">
+                <asvg:svgBlip xmlns:asvg="http://schemas.microsoft.com/office/drawing/2016/SVG/main" r:embed="rId5"/>
+              </a:ext>
+            </a:extLst>
+          </a:blip>
+          <a:stretch>
+            <a:fillRect/>
+          </a:stretch>
+        </p:blipFill>
+        <p:spPr>
+          <a:xfrm>
+            <a:off x="2016258" y="1941241"/>
+            <a:ext cx="444239" cy="444239"/>
+          </a:xfrm>
+          <a:prstGeom prst="rect">
+            <a:avLst/>
+          </a:prstGeom>
+        </p:spPr>
+      </p:pic>
+      <p:pic>
+        <p:nvPicPr>
+          <p:cNvPr id="10" name="Graphic 9" descr="Checkmark">
+            <a:extLst>
+              <a:ext uri="{FF2B5EF4-FFF2-40B4-BE49-F238E27FC236}">
+                <a16:creationId xmlns:a16="http://schemas.microsoft.com/office/drawing/2014/main" id="{24FD92F0-2D86-4F7B-9C66-080C7FEBD45B}"/>
+              </a:ext>
+            </a:extLst>
+          </p:cNvPr>
+          <p:cNvPicPr>
+            <a:picLocks noChangeAspect="1"/>
+          </p:cNvPicPr>
+          <p:nvPr/>
+        </p:nvPicPr>
+        <p:blipFill>
+          <a:blip r:embed="rId4">
+            <a:extLst>
+              <a:ext uri="{96DAC541-7B7A-43D3-8B79-37D633B846F1}">
+                <asvg:svgBlip xmlns:asvg="http://schemas.microsoft.com/office/drawing/2016/SVG/main" r:embed="rId5"/>
+              </a:ext>
+            </a:extLst>
+          </a:blip>
+          <a:stretch>
+            <a:fillRect/>
+          </a:stretch>
+        </p:blipFill>
+        <p:spPr>
+          <a:xfrm>
+            <a:off x="2016258" y="3057087"/>
+            <a:ext cx="444239" cy="444239"/>
+          </a:xfrm>
+          <a:prstGeom prst="rect">
+            <a:avLst/>
+          </a:prstGeom>
+        </p:spPr>
+      </p:pic>
+    </p:spTree>
+    <p:extLst>
+      <p:ext uri="{BB962C8B-B14F-4D97-AF65-F5344CB8AC3E}">
+        <p14:creationId xmlns:p14="http://schemas.microsoft.com/office/powerpoint/2010/main" val="2644416749"/>
+      </p:ext>
+    </p:extLst>
+  </p:cSld>
+  <p:clrMapOvr>
+    <a:masterClrMapping/>
+  </p:clrMapOvr>
+  <p:transition spd="slow">
+    <p:push dir="u"/>
+  </p:transition>
+</p:sld>
+</file>
+
+<file path=ppt/slides/slide14.xml><?xml version="1.0" encoding="utf-8"?>
+<p:sld xmlns:a="http://schemas.openxmlformats.org/drawingml/2006/main" xmlns:r="http://schemas.openxmlformats.org/officeDocument/2006/relationships" xmlns:p="http://schemas.openxmlformats.org/presentationml/2006/main">
+  <p:cSld>
+    <p:spTree>
+      <p:nvGrpSpPr>
+        <p:cNvPr id="1" name=""/>
+        <p:cNvGrpSpPr/>
+        <p:nvPr/>
+      </p:nvGrpSpPr>
+      <p:grpSpPr>
+        <a:xfrm>
+          <a:off x="0" y="0"/>
+          <a:ext cx="0" cy="0"/>
+          <a:chOff x="0" y="0"/>
+          <a:chExt cx="0" cy="0"/>
+        </a:xfrm>
+      </p:grpSpPr>
+      <p:sp>
+        <p:nvSpPr>
+          <p:cNvPr id="6" name="Title 2">
+            <a:extLst>
+              <a:ext uri="{FF2B5EF4-FFF2-40B4-BE49-F238E27FC236}">
+                <a16:creationId xmlns:a16="http://schemas.microsoft.com/office/drawing/2014/main" id="{1197155A-0D4A-1C4F-9B36-DF485A991274}"/>
+              </a:ext>
+            </a:extLst>
+          </p:cNvPr>
+          <p:cNvSpPr txBox="1">
+            <a:spLocks/>
+          </p:cNvSpPr>
+          <p:nvPr/>
+        </p:nvSpPr>
+        <p:spPr>
+          <a:xfrm>
+            <a:off x="2983229" y="22860"/>
+            <a:ext cx="6063399" cy="366470"/>
+          </a:xfrm>
+          <a:prstGeom prst="rect">
+            <a:avLst/>
+          </a:prstGeom>
+        </p:spPr>
+        <p:txBody>
+          <a:bodyPr/>
+          <a:lstStyle>
+            <a:lvl1pPr algn="l" defTabSz="685800" rtl="0" eaLnBrk="1" fontAlgn="base" hangingPunct="1">
+              <a:lnSpc>
+                <a:spcPct val="90000"/>
+              </a:lnSpc>
+              <a:spcBef>
+                <a:spcPct val="0"/>
+              </a:spcBef>
+              <a:spcAft>
+                <a:spcPct val="0"/>
+              </a:spcAft>
+              <a:defRPr sz="3300" kern="1200">
+                <a:solidFill>
+                  <a:srgbClr val="101C32"/>
+                </a:solidFill>
+                <a:latin typeface="+mn-lt"/>
+                <a:ea typeface="+mj-ea"/>
+                <a:cs typeface="+mj-cs"/>
+              </a:defRPr>
+            </a:lvl1pPr>
+            <a:lvl2pPr algn="l" defTabSz="685800" rtl="0" eaLnBrk="1" fontAlgn="base" hangingPunct="1">
+              <a:lnSpc>
+                <a:spcPct val="90000"/>
+              </a:lnSpc>
+              <a:spcBef>
+                <a:spcPct val="0"/>
+              </a:spcBef>
+              <a:spcAft>
+                <a:spcPct val="0"/>
+              </a:spcAft>
+              <a:defRPr sz="3300">
+                <a:solidFill>
+                  <a:srgbClr val="101C32"/>
+                </a:solidFill>
+                <a:latin typeface="Arial" panose="020B0604020202020204" pitchFamily="34" charset="0"/>
+              </a:defRPr>
+            </a:lvl2pPr>
+            <a:lvl3pPr algn="l" defTabSz="685800" rtl="0" eaLnBrk="1" fontAlgn="base" hangingPunct="1">
+              <a:lnSpc>
+                <a:spcPct val="90000"/>
+              </a:lnSpc>
+              <a:spcBef>
+                <a:spcPct val="0"/>
+              </a:spcBef>
+              <a:spcAft>
+                <a:spcPct val="0"/>
+              </a:spcAft>
+              <a:defRPr sz="3300">
+                <a:solidFill>
+                  <a:srgbClr val="101C32"/>
+                </a:solidFill>
+                <a:latin typeface="Arial" panose="020B0604020202020204" pitchFamily="34" charset="0"/>
+              </a:defRPr>
+            </a:lvl3pPr>
+            <a:lvl4pPr algn="l" defTabSz="685800" rtl="0" eaLnBrk="1" fontAlgn="base" hangingPunct="1">
+              <a:lnSpc>
+                <a:spcPct val="90000"/>
+              </a:lnSpc>
+              <a:spcBef>
+                <a:spcPct val="0"/>
+              </a:spcBef>
+              <a:spcAft>
+                <a:spcPct val="0"/>
+              </a:spcAft>
+              <a:defRPr sz="3300">
+                <a:solidFill>
+                  <a:srgbClr val="101C32"/>
+                </a:solidFill>
+                <a:latin typeface="Arial" panose="020B0604020202020204" pitchFamily="34" charset="0"/>
+              </a:defRPr>
+            </a:lvl4pPr>
+            <a:lvl5pPr algn="l" defTabSz="685800" rtl="0" eaLnBrk="1" fontAlgn="base" hangingPunct="1">
+              <a:lnSpc>
+                <a:spcPct val="90000"/>
+              </a:lnSpc>
+              <a:spcBef>
+                <a:spcPct val="0"/>
+              </a:spcBef>
+              <a:spcAft>
+                <a:spcPct val="0"/>
+              </a:spcAft>
+              <a:defRPr sz="3300">
+                <a:solidFill>
+                  <a:srgbClr val="101C32"/>
+                </a:solidFill>
+                <a:latin typeface="Arial" panose="020B0604020202020204" pitchFamily="34" charset="0"/>
+              </a:defRPr>
+            </a:lvl5pPr>
+            <a:lvl6pPr marL="457200" algn="l" defTabSz="685800" rtl="0" eaLnBrk="1" fontAlgn="base" hangingPunct="1">
+              <a:lnSpc>
+                <a:spcPct val="90000"/>
+              </a:lnSpc>
+              <a:spcBef>
+                <a:spcPct val="0"/>
+              </a:spcBef>
+              <a:spcAft>
+                <a:spcPct val="0"/>
+              </a:spcAft>
+              <a:defRPr sz="3300">
+                <a:solidFill>
+                  <a:srgbClr val="101C32"/>
+                </a:solidFill>
+                <a:latin typeface="Arial" panose="020B0604020202020204" pitchFamily="34" charset="0"/>
+              </a:defRPr>
+            </a:lvl6pPr>
+            <a:lvl7pPr marL="914400" algn="l" defTabSz="685800" rtl="0" eaLnBrk="1" fontAlgn="base" hangingPunct="1">
+              <a:lnSpc>
+                <a:spcPct val="90000"/>
+              </a:lnSpc>
+              <a:spcBef>
+                <a:spcPct val="0"/>
+              </a:spcBef>
+              <a:spcAft>
+                <a:spcPct val="0"/>
+              </a:spcAft>
+              <a:defRPr sz="3300">
+                <a:solidFill>
+                  <a:srgbClr val="101C32"/>
+                </a:solidFill>
+                <a:latin typeface="Arial" panose="020B0604020202020204" pitchFamily="34" charset="0"/>
+              </a:defRPr>
+            </a:lvl7pPr>
+            <a:lvl8pPr marL="1371600" algn="l" defTabSz="685800" rtl="0" eaLnBrk="1" fontAlgn="base" hangingPunct="1">
+              <a:lnSpc>
+                <a:spcPct val="90000"/>
+              </a:lnSpc>
+              <a:spcBef>
+                <a:spcPct val="0"/>
+              </a:spcBef>
+              <a:spcAft>
+                <a:spcPct val="0"/>
+              </a:spcAft>
+              <a:defRPr sz="3300">
+                <a:solidFill>
+                  <a:srgbClr val="101C32"/>
+                </a:solidFill>
+                <a:latin typeface="Arial" panose="020B0604020202020204" pitchFamily="34" charset="0"/>
+              </a:defRPr>
+            </a:lvl8pPr>
+            <a:lvl9pPr marL="1828800" algn="l" defTabSz="685800" rtl="0" eaLnBrk="1" fontAlgn="base" hangingPunct="1">
+              <a:lnSpc>
+                <a:spcPct val="90000"/>
+              </a:lnSpc>
+              <a:spcBef>
+                <a:spcPct val="0"/>
+              </a:spcBef>
+              <a:spcAft>
+                <a:spcPct val="0"/>
+              </a:spcAft>
+              <a:defRPr sz="3300">
+                <a:solidFill>
+                  <a:srgbClr val="101C32"/>
+                </a:solidFill>
+                <a:latin typeface="Arial" panose="020B0604020202020204" pitchFamily="34" charset="0"/>
+              </a:defRPr>
+            </a:lvl9pPr>
+          </a:lstStyle>
+          <a:p>
+            <a:pPr algn="r"/>
+            <a:r>
+              <a:rPr lang="en-US" sz="2000" dirty="0">
+                <a:solidFill>
+                  <a:schemeClr val="bg1"/>
+                </a:solidFill>
+              </a:rPr>
+              <a:t>The Recap</a:t>
+            </a:r>
+            <a:endParaRPr lang="en-US" sz="1800" dirty="0">
+              <a:solidFill>
+                <a:schemeClr val="bg1"/>
+              </a:solidFill>
+            </a:endParaRPr>
+          </a:p>
+        </p:txBody>
+      </p:sp>
+      <p:sp>
+        <p:nvSpPr>
+          <p:cNvPr id="4" name="TextBox 3">
+            <a:extLst>
+              <a:ext uri="{FF2B5EF4-FFF2-40B4-BE49-F238E27FC236}">
+                <a16:creationId xmlns:a16="http://schemas.microsoft.com/office/drawing/2014/main" id="{351E314F-7837-8F40-BE70-413121A53EC8}"/>
+              </a:ext>
+            </a:extLst>
+          </p:cNvPr>
+          <p:cNvSpPr txBox="1"/>
+          <p:nvPr/>
+        </p:nvSpPr>
+        <p:spPr>
+          <a:xfrm>
+            <a:off x="314294" y="593701"/>
+            <a:ext cx="2525159" cy="2585323"/>
+          </a:xfrm>
+          <a:prstGeom prst="rect">
+            <a:avLst/>
+          </a:prstGeom>
+          <a:noFill/>
+        </p:spPr>
+        <p:txBody>
+          <a:bodyPr wrap="square" rtlCol="0">
+            <a:spAutoFit/>
+          </a:bodyPr>
+          <a:lstStyle/>
+          <a:p>
+            <a:r>
+              <a:rPr lang="en-US" b="1" dirty="0"/>
+              <a:t>Step 3 POC Recap</a:t>
+            </a:r>
+          </a:p>
+          <a:p>
+            <a:endParaRPr lang="en-US" b="1" dirty="0"/>
+          </a:p>
+          <a:p>
+            <a:endParaRPr lang="en-US" dirty="0"/>
+          </a:p>
+          <a:p>
+            <a:endParaRPr lang="en-US" dirty="0"/>
+          </a:p>
+          <a:p>
+            <a:endParaRPr lang="en-US" dirty="0"/>
+          </a:p>
+          <a:p>
+            <a:endParaRPr lang="en-US" dirty="0"/>
+          </a:p>
+          <a:p>
+            <a:endParaRPr lang="en-US" dirty="0"/>
+          </a:p>
+          <a:p>
+            <a:endParaRPr lang="en-US" dirty="0"/>
+          </a:p>
+          <a:p>
+            <a:r>
+              <a:rPr lang="en-US" dirty="0"/>
+              <a:t>What I learned:</a:t>
+            </a:r>
+          </a:p>
+        </p:txBody>
+      </p:sp>
+      <p:pic>
+        <p:nvPicPr>
+          <p:cNvPr id="7" name="Picture 6" descr="A person holding a sign posing for the camera&#10;&#10;Description automatically generated">
+            <a:extLst>
+              <a:ext uri="{FF2B5EF4-FFF2-40B4-BE49-F238E27FC236}">
+                <a16:creationId xmlns:a16="http://schemas.microsoft.com/office/drawing/2014/main" id="{6FCE826D-B1F2-4752-996A-F827818DBC0F}"/>
+              </a:ext>
+            </a:extLst>
+          </p:cNvPr>
+          <p:cNvPicPr>
+            <a:picLocks noChangeAspect="1"/>
+          </p:cNvPicPr>
+          <p:nvPr/>
+        </p:nvPicPr>
+        <p:blipFill>
+          <a:blip r:embed="rId3"/>
+          <a:stretch>
+            <a:fillRect/>
+          </a:stretch>
+        </p:blipFill>
+        <p:spPr>
+          <a:xfrm>
+            <a:off x="2983229" y="588339"/>
+            <a:ext cx="6063399" cy="5017165"/>
+          </a:xfrm>
+          <a:prstGeom prst="rect">
+            <a:avLst/>
+          </a:prstGeom>
+        </p:spPr>
+      </p:pic>
+    </p:spTree>
+    <p:extLst>
+      <p:ext uri="{BB962C8B-B14F-4D97-AF65-F5344CB8AC3E}">
+        <p14:creationId xmlns:p14="http://schemas.microsoft.com/office/powerpoint/2010/main" val="1581238087"/>
+      </p:ext>
+    </p:extLst>
+  </p:cSld>
+  <p:clrMapOvr>
+    <a:masterClrMapping/>
+  </p:clrMapOvr>
+  <p:transition spd="slow">
+    <p:push dir="u"/>
+  </p:transition>
+  <p:timing>
+    <p:tnLst>
+      <p:par>
+        <p:cTn id="1" dur="indefinite" restart="never" nodeType="tmRoot">
+          <p:childTnLst>
+            <p:seq concurrent="1" nextAc="seek">
+              <p:cTn id="2" dur="indefinite" nodeType="mainSeq">
+                <p:childTnLst>
+                  <p:par>
+                    <p:cTn id="3" fill="hold">
+                      <p:stCondLst>
+                        <p:cond delay="indefinite"/>
+                      </p:stCondLst>
+                      <p:childTnLst>
+                        <p:par>
+                          <p:cTn id="4" fill="hold">
+                            <p:stCondLst>
+                              <p:cond delay="0"/>
+                            </p:stCondLst>
+                            <p:childTnLst>
+                              <p:par>
+                                <p:cTn id="5" presetID="1" presetClass="entr" presetSubtype="0" fill="hold" nodeType="clickEffect">
+                                  <p:stCondLst>
+                                    <p:cond delay="0"/>
+                                  </p:stCondLst>
+                                  <p:childTnLst>
+                                    <p:set>
+                                      <p:cBhvr>
+                                        <p:cTn id="6" dur="1" fill="hold">
+                                          <p:stCondLst>
+                                            <p:cond delay="0"/>
+                                          </p:stCondLst>
+                                        </p:cTn>
+                                        <p:tgtEl>
+                                          <p:spTgt spid="7"/>
+                                        </p:tgtEl>
+                                        <p:attrNameLst>
+                                          <p:attrName>style.visibility</p:attrName>
+                                        </p:attrNameLst>
+                                      </p:cBhvr>
+                                      <p:to>
+                                        <p:strVal val="visible"/>
+                                      </p:to>
+                                    </p:set>
+                                  </p:childTnLst>
+                                </p:cTn>
+                              </p:par>
+                            </p:childTnLst>
+                          </p:cTn>
+                        </p:par>
+                      </p:childTnLst>
+                    </p:cTn>
+                  </p:par>
+                </p:childTnLst>
+              </p:cTn>
+              <p:prevCondLst>
+                <p:cond evt="onPrev" delay="0">
+                  <p:tgtEl>
+                    <p:sldTgt/>
+                  </p:tgtEl>
+                </p:cond>
+              </p:prevCondLst>
+              <p:nextCondLst>
+                <p:cond evt="onNext" delay="0">
+                  <p:tgtEl>
+                    <p:sldTgt/>
+                  </p:tgtEl>
+                </p:cond>
+              </p:nextCondLst>
+            </p:seq>
+          </p:childTnLst>
+        </p:cTn>
+      </p:par>
+    </p:tnLst>
+  </p:timing>
+</p:sld>
+</file>
+
+<file path=ppt/slides/slide15.xml><?xml version="1.0" encoding="utf-8"?>
+<p:sld xmlns:a="http://schemas.openxmlformats.org/drawingml/2006/main" xmlns:r="http://schemas.openxmlformats.org/officeDocument/2006/relationships" xmlns:p="http://schemas.openxmlformats.org/presentationml/2006/main">
+  <p:cSld>
+    <p:spTree>
+      <p:nvGrpSpPr>
+        <p:cNvPr id="1" name=""/>
+        <p:cNvGrpSpPr/>
+        <p:nvPr/>
+      </p:nvGrpSpPr>
+      <p:grpSpPr>
+        <a:xfrm>
+          <a:off x="0" y="0"/>
+          <a:ext cx="0" cy="0"/>
+          <a:chOff x="0" y="0"/>
+          <a:chExt cx="0" cy="0"/>
+        </a:xfrm>
+      </p:grpSpPr>
+      <p:sp>
+        <p:nvSpPr>
+          <p:cNvPr id="6" name="Title 2">
+            <a:extLst>
+              <a:ext uri="{FF2B5EF4-FFF2-40B4-BE49-F238E27FC236}">
+                <a16:creationId xmlns:a16="http://schemas.microsoft.com/office/drawing/2014/main" id="{1197155A-0D4A-1C4F-9B36-DF485A991274}"/>
+              </a:ext>
+            </a:extLst>
+          </p:cNvPr>
+          <p:cNvSpPr txBox="1">
+            <a:spLocks/>
+          </p:cNvSpPr>
+          <p:nvPr/>
+        </p:nvSpPr>
+        <p:spPr>
+          <a:xfrm>
+            <a:off x="2983229" y="22860"/>
+            <a:ext cx="6063399" cy="366470"/>
+          </a:xfrm>
+          <a:prstGeom prst="rect">
+            <a:avLst/>
+          </a:prstGeom>
+        </p:spPr>
+        <p:txBody>
+          <a:bodyPr/>
+          <a:lstStyle>
+            <a:lvl1pPr algn="l" defTabSz="685800" rtl="0" eaLnBrk="1" fontAlgn="base" hangingPunct="1">
+              <a:lnSpc>
+                <a:spcPct val="90000"/>
+              </a:lnSpc>
+              <a:spcBef>
+                <a:spcPct val="0"/>
+              </a:spcBef>
+              <a:spcAft>
+                <a:spcPct val="0"/>
+              </a:spcAft>
+              <a:defRPr sz="3300" kern="1200">
+                <a:solidFill>
+                  <a:srgbClr val="101C32"/>
+                </a:solidFill>
+                <a:latin typeface="+mn-lt"/>
+                <a:ea typeface="+mj-ea"/>
+                <a:cs typeface="+mj-cs"/>
+              </a:defRPr>
+            </a:lvl1pPr>
+            <a:lvl2pPr algn="l" defTabSz="685800" rtl="0" eaLnBrk="1" fontAlgn="base" hangingPunct="1">
+              <a:lnSpc>
+                <a:spcPct val="90000"/>
+              </a:lnSpc>
+              <a:spcBef>
+                <a:spcPct val="0"/>
+              </a:spcBef>
+              <a:spcAft>
+                <a:spcPct val="0"/>
+              </a:spcAft>
+              <a:defRPr sz="3300">
+                <a:solidFill>
+                  <a:srgbClr val="101C32"/>
+                </a:solidFill>
+                <a:latin typeface="Arial" panose="020B0604020202020204" pitchFamily="34" charset="0"/>
+              </a:defRPr>
+            </a:lvl2pPr>
+            <a:lvl3pPr algn="l" defTabSz="685800" rtl="0" eaLnBrk="1" fontAlgn="base" hangingPunct="1">
+              <a:lnSpc>
+                <a:spcPct val="90000"/>
+              </a:lnSpc>
+              <a:spcBef>
+                <a:spcPct val="0"/>
+              </a:spcBef>
+              <a:spcAft>
+                <a:spcPct val="0"/>
+              </a:spcAft>
+              <a:defRPr sz="3300">
+                <a:solidFill>
+                  <a:srgbClr val="101C32"/>
+                </a:solidFill>
+                <a:latin typeface="Arial" panose="020B0604020202020204" pitchFamily="34" charset="0"/>
+              </a:defRPr>
+            </a:lvl3pPr>
+            <a:lvl4pPr algn="l" defTabSz="685800" rtl="0" eaLnBrk="1" fontAlgn="base" hangingPunct="1">
+              <a:lnSpc>
+                <a:spcPct val="90000"/>
+              </a:lnSpc>
+              <a:spcBef>
+                <a:spcPct val="0"/>
+              </a:spcBef>
+              <a:spcAft>
+                <a:spcPct val="0"/>
+              </a:spcAft>
+              <a:defRPr sz="3300">
+                <a:solidFill>
+                  <a:srgbClr val="101C32"/>
+                </a:solidFill>
+                <a:latin typeface="Arial" panose="020B0604020202020204" pitchFamily="34" charset="0"/>
+              </a:defRPr>
+            </a:lvl4pPr>
+            <a:lvl5pPr algn="l" defTabSz="685800" rtl="0" eaLnBrk="1" fontAlgn="base" hangingPunct="1">
+              <a:lnSpc>
+                <a:spcPct val="90000"/>
+              </a:lnSpc>
+              <a:spcBef>
+                <a:spcPct val="0"/>
+              </a:spcBef>
+              <a:spcAft>
+                <a:spcPct val="0"/>
+              </a:spcAft>
+              <a:defRPr sz="3300">
+                <a:solidFill>
+                  <a:srgbClr val="101C32"/>
+                </a:solidFill>
+                <a:latin typeface="Arial" panose="020B0604020202020204" pitchFamily="34" charset="0"/>
+              </a:defRPr>
+            </a:lvl5pPr>
+            <a:lvl6pPr marL="457200" algn="l" defTabSz="685800" rtl="0" eaLnBrk="1" fontAlgn="base" hangingPunct="1">
+              <a:lnSpc>
+                <a:spcPct val="90000"/>
+              </a:lnSpc>
+              <a:spcBef>
+                <a:spcPct val="0"/>
+              </a:spcBef>
+              <a:spcAft>
+                <a:spcPct val="0"/>
+              </a:spcAft>
+              <a:defRPr sz="3300">
+                <a:solidFill>
+                  <a:srgbClr val="101C32"/>
+                </a:solidFill>
+                <a:latin typeface="Arial" panose="020B0604020202020204" pitchFamily="34" charset="0"/>
+              </a:defRPr>
+            </a:lvl6pPr>
+            <a:lvl7pPr marL="914400" algn="l" defTabSz="685800" rtl="0" eaLnBrk="1" fontAlgn="base" hangingPunct="1">
+              <a:lnSpc>
+                <a:spcPct val="90000"/>
+              </a:lnSpc>
+              <a:spcBef>
+                <a:spcPct val="0"/>
+              </a:spcBef>
+              <a:spcAft>
+                <a:spcPct val="0"/>
+              </a:spcAft>
+              <a:defRPr sz="3300">
+                <a:solidFill>
+                  <a:srgbClr val="101C32"/>
+                </a:solidFill>
+                <a:latin typeface="Arial" panose="020B0604020202020204" pitchFamily="34" charset="0"/>
+              </a:defRPr>
+            </a:lvl7pPr>
+            <a:lvl8pPr marL="1371600" algn="l" defTabSz="685800" rtl="0" eaLnBrk="1" fontAlgn="base" hangingPunct="1">
+              <a:lnSpc>
+                <a:spcPct val="90000"/>
+              </a:lnSpc>
+              <a:spcBef>
+                <a:spcPct val="0"/>
+              </a:spcBef>
+              <a:spcAft>
+                <a:spcPct val="0"/>
+              </a:spcAft>
+              <a:defRPr sz="3300">
+                <a:solidFill>
+                  <a:srgbClr val="101C32"/>
+                </a:solidFill>
+                <a:latin typeface="Arial" panose="020B0604020202020204" pitchFamily="34" charset="0"/>
+              </a:defRPr>
+            </a:lvl8pPr>
+            <a:lvl9pPr marL="1828800" algn="l" defTabSz="685800" rtl="0" eaLnBrk="1" fontAlgn="base" hangingPunct="1">
+              <a:lnSpc>
+                <a:spcPct val="90000"/>
+              </a:lnSpc>
+              <a:spcBef>
+                <a:spcPct val="0"/>
+              </a:spcBef>
+              <a:spcAft>
+                <a:spcPct val="0"/>
+              </a:spcAft>
+              <a:defRPr sz="3300">
+                <a:solidFill>
+                  <a:srgbClr val="101C32"/>
+                </a:solidFill>
+                <a:latin typeface="Arial" panose="020B0604020202020204" pitchFamily="34" charset="0"/>
+              </a:defRPr>
+            </a:lvl9pPr>
+          </a:lstStyle>
+          <a:p>
+            <a:pPr algn="r"/>
+            <a:r>
+              <a:rPr lang="en-US" sz="2000" dirty="0">
+                <a:solidFill>
+                  <a:schemeClr val="bg1"/>
+                </a:solidFill>
+              </a:rPr>
+              <a:t>The Solution</a:t>
+            </a:r>
+            <a:endParaRPr lang="en-US" sz="1800" dirty="0">
+              <a:solidFill>
+                <a:schemeClr val="bg1"/>
+              </a:solidFill>
+            </a:endParaRPr>
+          </a:p>
+        </p:txBody>
+      </p:sp>
+      <p:sp>
+        <p:nvSpPr>
+          <p:cNvPr id="4" name="TextBox 3">
+            <a:extLst>
+              <a:ext uri="{FF2B5EF4-FFF2-40B4-BE49-F238E27FC236}">
+                <a16:creationId xmlns:a16="http://schemas.microsoft.com/office/drawing/2014/main" id="{351E314F-7837-8F40-BE70-413121A53EC8}"/>
+              </a:ext>
+            </a:extLst>
+          </p:cNvPr>
+          <p:cNvSpPr txBox="1"/>
+          <p:nvPr/>
+        </p:nvSpPr>
+        <p:spPr>
+          <a:xfrm>
+            <a:off x="314294" y="593701"/>
+            <a:ext cx="8515409" cy="2585323"/>
+          </a:xfrm>
+          <a:prstGeom prst="rect">
+            <a:avLst/>
+          </a:prstGeom>
+          <a:noFill/>
+        </p:spPr>
+        <p:txBody>
+          <a:bodyPr wrap="square" rtlCol="0">
+            <a:spAutoFit/>
+          </a:bodyPr>
+          <a:lstStyle/>
+          <a:p>
+            <a:r>
+              <a:rPr lang="en-US" b="1" dirty="0"/>
+              <a:t>Step 4 of proof of concept</a:t>
+            </a:r>
+          </a:p>
+          <a:p>
+            <a:endParaRPr lang="en-US" b="1" dirty="0"/>
+          </a:p>
+          <a:p>
+            <a:endParaRPr lang="en-US" b="1" dirty="0"/>
+          </a:p>
+          <a:p>
+            <a:r>
+              <a:rPr lang="en-US" dirty="0"/>
+              <a:t>Postman should communicate with Service 1 over HTTPS.</a:t>
+            </a:r>
+          </a:p>
+          <a:p>
+            <a:endParaRPr lang="en-US" dirty="0"/>
+          </a:p>
+          <a:p>
+            <a:r>
+              <a:rPr lang="en-US" dirty="0"/>
+              <a:t>Service 1 should communicate with Service 2 over HTTPS.</a:t>
+            </a:r>
+          </a:p>
+          <a:p>
+            <a:endParaRPr lang="en-US" dirty="0"/>
+          </a:p>
+          <a:p>
+            <a:r>
+              <a:rPr lang="en-US" dirty="0"/>
+              <a:t>HSTS should now work.</a:t>
+            </a:r>
+          </a:p>
+          <a:p>
+            <a:endParaRPr lang="en-US" b="1" dirty="0"/>
+          </a:p>
+        </p:txBody>
+      </p:sp>
+      <p:pic>
+        <p:nvPicPr>
+          <p:cNvPr id="3" name="Graphic 2" descr="Checkmark">
+            <a:extLst>
+              <a:ext uri="{FF2B5EF4-FFF2-40B4-BE49-F238E27FC236}">
+                <a16:creationId xmlns:a16="http://schemas.microsoft.com/office/drawing/2014/main" id="{4B6276FB-FA9D-4058-A25D-CDB7F832288D}"/>
+              </a:ext>
+            </a:extLst>
+          </p:cNvPr>
+          <p:cNvPicPr>
+            <a:picLocks noChangeAspect="1"/>
+          </p:cNvPicPr>
+          <p:nvPr/>
+        </p:nvPicPr>
+        <p:blipFill>
+          <a:blip r:embed="rId3">
+            <a:extLst>
+              <a:ext uri="{96DAC541-7B7A-43D3-8B79-37D633B846F1}">
+                <asvg:svgBlip xmlns:asvg="http://schemas.microsoft.com/office/drawing/2016/SVG/main" r:embed="rId4"/>
+              </a:ext>
+            </a:extLst>
+          </a:blip>
+          <a:stretch>
+            <a:fillRect/>
+          </a:stretch>
+        </p:blipFill>
+        <p:spPr>
+          <a:xfrm>
+            <a:off x="6489511" y="1228299"/>
+            <a:ext cx="571498" cy="571498"/>
+          </a:xfrm>
+          <a:prstGeom prst="rect">
+            <a:avLst/>
+          </a:prstGeom>
+        </p:spPr>
+      </p:pic>
+      <p:pic>
+        <p:nvPicPr>
+          <p:cNvPr id="8" name="Graphic 7" descr="Checkmark">
+            <a:extLst>
+              <a:ext uri="{FF2B5EF4-FFF2-40B4-BE49-F238E27FC236}">
+                <a16:creationId xmlns:a16="http://schemas.microsoft.com/office/drawing/2014/main" id="{9AB7C87C-CA49-4226-8AF4-1C7A70E64EAB}"/>
+              </a:ext>
+            </a:extLst>
+          </p:cNvPr>
+          <p:cNvPicPr>
+            <a:picLocks noChangeAspect="1"/>
+          </p:cNvPicPr>
+          <p:nvPr/>
+        </p:nvPicPr>
+        <p:blipFill>
+          <a:blip r:embed="rId3">
+            <a:extLst>
+              <a:ext uri="{96DAC541-7B7A-43D3-8B79-37D633B846F1}">
+                <asvg:svgBlip xmlns:asvg="http://schemas.microsoft.com/office/drawing/2016/SVG/main" r:embed="rId5"/>
+              </a:ext>
+            </a:extLst>
+          </a:blip>
+          <a:stretch>
+            <a:fillRect/>
+          </a:stretch>
+        </p:blipFill>
+        <p:spPr>
+          <a:xfrm>
+            <a:off x="6489511" y="1799797"/>
+            <a:ext cx="571498" cy="571498"/>
+          </a:xfrm>
+          <a:prstGeom prst="rect">
+            <a:avLst/>
+          </a:prstGeom>
+        </p:spPr>
+      </p:pic>
+    </p:spTree>
+    <p:extLst>
+      <p:ext uri="{BB962C8B-B14F-4D97-AF65-F5344CB8AC3E}">
+        <p14:creationId xmlns:p14="http://schemas.microsoft.com/office/powerpoint/2010/main" val="3982839058"/>
+      </p:ext>
+    </p:extLst>
+  </p:cSld>
+  <p:clrMapOvr>
+    <a:masterClrMapping/>
+  </p:clrMapOvr>
+  <p:transition spd="slow">
+    <p:push dir="u"/>
+  </p:transition>
+</p:sld>
+</file>
+
+<file path=ppt/slides/slide16.xml><?xml version="1.0" encoding="utf-8"?>
+<p:sld xmlns:a="http://schemas.openxmlformats.org/drawingml/2006/main" xmlns:r="http://schemas.openxmlformats.org/officeDocument/2006/relationships" xmlns:p="http://schemas.openxmlformats.org/presentationml/2006/main">
+  <p:cSld>
+    <p:spTree>
+      <p:nvGrpSpPr>
+        <p:cNvPr id="1" name=""/>
+        <p:cNvGrpSpPr/>
+        <p:nvPr/>
+      </p:nvGrpSpPr>
+      <p:grpSpPr>
+        <a:xfrm>
+          <a:off x="0" y="0"/>
+          <a:ext cx="0" cy="0"/>
+          <a:chOff x="0" y="0"/>
+          <a:chExt cx="0" cy="0"/>
+        </a:xfrm>
+      </p:grpSpPr>
+      <p:sp>
+        <p:nvSpPr>
+          <p:cNvPr id="6" name="Title 2">
+            <a:extLst>
+              <a:ext uri="{FF2B5EF4-FFF2-40B4-BE49-F238E27FC236}">
+                <a16:creationId xmlns:a16="http://schemas.microsoft.com/office/drawing/2014/main" id="{1197155A-0D4A-1C4F-9B36-DF485A991274}"/>
+              </a:ext>
+            </a:extLst>
+          </p:cNvPr>
+          <p:cNvSpPr txBox="1">
+            <a:spLocks/>
+          </p:cNvSpPr>
+          <p:nvPr/>
+        </p:nvSpPr>
+        <p:spPr>
+          <a:xfrm>
+            <a:off x="2983229" y="22860"/>
+            <a:ext cx="6063399" cy="366470"/>
+          </a:xfrm>
+          <a:prstGeom prst="rect">
+            <a:avLst/>
+          </a:prstGeom>
+        </p:spPr>
+        <p:txBody>
+          <a:bodyPr/>
+          <a:lstStyle>
+            <a:lvl1pPr algn="l" defTabSz="685800" rtl="0" eaLnBrk="1" fontAlgn="base" hangingPunct="1">
+              <a:lnSpc>
+                <a:spcPct val="90000"/>
+              </a:lnSpc>
+              <a:spcBef>
+                <a:spcPct val="0"/>
+              </a:spcBef>
+              <a:spcAft>
+                <a:spcPct val="0"/>
+              </a:spcAft>
+              <a:defRPr sz="3300" kern="1200">
+                <a:solidFill>
+                  <a:srgbClr val="101C32"/>
+                </a:solidFill>
+                <a:latin typeface="+mn-lt"/>
+                <a:ea typeface="+mj-ea"/>
+                <a:cs typeface="+mj-cs"/>
+              </a:defRPr>
+            </a:lvl1pPr>
+            <a:lvl2pPr algn="l" defTabSz="685800" rtl="0" eaLnBrk="1" fontAlgn="base" hangingPunct="1">
+              <a:lnSpc>
+                <a:spcPct val="90000"/>
+              </a:lnSpc>
+              <a:spcBef>
+                <a:spcPct val="0"/>
+              </a:spcBef>
+              <a:spcAft>
+                <a:spcPct val="0"/>
+              </a:spcAft>
+              <a:defRPr sz="3300">
+                <a:solidFill>
+                  <a:srgbClr val="101C32"/>
+                </a:solidFill>
+                <a:latin typeface="Arial" panose="020B0604020202020204" pitchFamily="34" charset="0"/>
+              </a:defRPr>
+            </a:lvl2pPr>
+            <a:lvl3pPr algn="l" defTabSz="685800" rtl="0" eaLnBrk="1" fontAlgn="base" hangingPunct="1">
+              <a:lnSpc>
+                <a:spcPct val="90000"/>
+              </a:lnSpc>
+              <a:spcBef>
+                <a:spcPct val="0"/>
+              </a:spcBef>
+              <a:spcAft>
+                <a:spcPct val="0"/>
+              </a:spcAft>
+              <a:defRPr sz="3300">
+                <a:solidFill>
+                  <a:srgbClr val="101C32"/>
+                </a:solidFill>
+                <a:latin typeface="Arial" panose="020B0604020202020204" pitchFamily="34" charset="0"/>
+              </a:defRPr>
+            </a:lvl3pPr>
+            <a:lvl4pPr algn="l" defTabSz="685800" rtl="0" eaLnBrk="1" fontAlgn="base" hangingPunct="1">
+              <a:lnSpc>
+                <a:spcPct val="90000"/>
+              </a:lnSpc>
+              <a:spcBef>
+                <a:spcPct val="0"/>
+              </a:spcBef>
+              <a:spcAft>
+                <a:spcPct val="0"/>
+              </a:spcAft>
+              <a:defRPr sz="3300">
+                <a:solidFill>
+                  <a:srgbClr val="101C32"/>
+                </a:solidFill>
+                <a:latin typeface="Arial" panose="020B0604020202020204" pitchFamily="34" charset="0"/>
+              </a:defRPr>
+            </a:lvl4pPr>
+            <a:lvl5pPr algn="l" defTabSz="685800" rtl="0" eaLnBrk="1" fontAlgn="base" hangingPunct="1">
+              <a:lnSpc>
+                <a:spcPct val="90000"/>
+              </a:lnSpc>
+              <a:spcBef>
+                <a:spcPct val="0"/>
+              </a:spcBef>
+              <a:spcAft>
+                <a:spcPct val="0"/>
+              </a:spcAft>
+              <a:defRPr sz="3300">
+                <a:solidFill>
+                  <a:srgbClr val="101C32"/>
+                </a:solidFill>
+                <a:latin typeface="Arial" panose="020B0604020202020204" pitchFamily="34" charset="0"/>
+              </a:defRPr>
+            </a:lvl5pPr>
+            <a:lvl6pPr marL="457200" algn="l" defTabSz="685800" rtl="0" eaLnBrk="1" fontAlgn="base" hangingPunct="1">
+              <a:lnSpc>
+                <a:spcPct val="90000"/>
+              </a:lnSpc>
+              <a:spcBef>
+                <a:spcPct val="0"/>
+              </a:spcBef>
+              <a:spcAft>
+                <a:spcPct val="0"/>
+              </a:spcAft>
+              <a:defRPr sz="3300">
+                <a:solidFill>
+                  <a:srgbClr val="101C32"/>
+                </a:solidFill>
+                <a:latin typeface="Arial" panose="020B0604020202020204" pitchFamily="34" charset="0"/>
+              </a:defRPr>
+            </a:lvl6pPr>
+            <a:lvl7pPr marL="914400" algn="l" defTabSz="685800" rtl="0" eaLnBrk="1" fontAlgn="base" hangingPunct="1">
+              <a:lnSpc>
+                <a:spcPct val="90000"/>
+              </a:lnSpc>
+              <a:spcBef>
+                <a:spcPct val="0"/>
+              </a:spcBef>
+              <a:spcAft>
+                <a:spcPct val="0"/>
+              </a:spcAft>
+              <a:defRPr sz="3300">
+                <a:solidFill>
+                  <a:srgbClr val="101C32"/>
+                </a:solidFill>
+                <a:latin typeface="Arial" panose="020B0604020202020204" pitchFamily="34" charset="0"/>
+              </a:defRPr>
+            </a:lvl7pPr>
+            <a:lvl8pPr marL="1371600" algn="l" defTabSz="685800" rtl="0" eaLnBrk="1" fontAlgn="base" hangingPunct="1">
+              <a:lnSpc>
+                <a:spcPct val="90000"/>
+              </a:lnSpc>
+              <a:spcBef>
+                <a:spcPct val="0"/>
+              </a:spcBef>
+              <a:spcAft>
+                <a:spcPct val="0"/>
+              </a:spcAft>
+              <a:defRPr sz="3300">
+                <a:solidFill>
+                  <a:srgbClr val="101C32"/>
+                </a:solidFill>
+                <a:latin typeface="Arial" panose="020B0604020202020204" pitchFamily="34" charset="0"/>
+              </a:defRPr>
+            </a:lvl8pPr>
+            <a:lvl9pPr marL="1828800" algn="l" defTabSz="685800" rtl="0" eaLnBrk="1" fontAlgn="base" hangingPunct="1">
+              <a:lnSpc>
+                <a:spcPct val="90000"/>
+              </a:lnSpc>
+              <a:spcBef>
+                <a:spcPct val="0"/>
+              </a:spcBef>
+              <a:spcAft>
+                <a:spcPct val="0"/>
+              </a:spcAft>
+              <a:defRPr sz="3300">
+                <a:solidFill>
+                  <a:srgbClr val="101C32"/>
+                </a:solidFill>
+                <a:latin typeface="Arial" panose="020B0604020202020204" pitchFamily="34" charset="0"/>
+              </a:defRPr>
+            </a:lvl9pPr>
+          </a:lstStyle>
+          <a:p>
+            <a:pPr algn="r"/>
+            <a:r>
+              <a:rPr lang="en-US" sz="2000" dirty="0">
+                <a:solidFill>
+                  <a:schemeClr val="bg1"/>
+                </a:solidFill>
+              </a:rPr>
+              <a:t>The Solution</a:t>
+            </a:r>
+            <a:endParaRPr lang="en-US" sz="1800" dirty="0">
+              <a:solidFill>
+                <a:schemeClr val="bg1"/>
+              </a:solidFill>
+            </a:endParaRPr>
+          </a:p>
+        </p:txBody>
+      </p:sp>
+      <p:sp>
+        <p:nvSpPr>
+          <p:cNvPr id="4" name="TextBox 3">
+            <a:extLst>
+              <a:ext uri="{FF2B5EF4-FFF2-40B4-BE49-F238E27FC236}">
+                <a16:creationId xmlns:a16="http://schemas.microsoft.com/office/drawing/2014/main" id="{351E314F-7837-8F40-BE70-413121A53EC8}"/>
+              </a:ext>
+            </a:extLst>
+          </p:cNvPr>
+          <p:cNvSpPr txBox="1"/>
+          <p:nvPr/>
+        </p:nvSpPr>
+        <p:spPr>
+          <a:xfrm>
+            <a:off x="3778823" y="2672834"/>
+            <a:ext cx="1586354" cy="369332"/>
+          </a:xfrm>
+          <a:prstGeom prst="rect">
+            <a:avLst/>
+          </a:prstGeom>
+          <a:noFill/>
+        </p:spPr>
+        <p:txBody>
+          <a:bodyPr wrap="square" rtlCol="0">
+            <a:spAutoFit/>
+          </a:bodyPr>
+          <a:lstStyle/>
+          <a:p>
+            <a:r>
+              <a:rPr lang="en-US" dirty="0"/>
+              <a:t>Step 4 Demo</a:t>
+            </a:r>
+          </a:p>
+        </p:txBody>
+      </p:sp>
+    </p:spTree>
+    <p:extLst>
+      <p:ext uri="{BB962C8B-B14F-4D97-AF65-F5344CB8AC3E}">
+        <p14:creationId xmlns:p14="http://schemas.microsoft.com/office/powerpoint/2010/main" val="2999798555"/>
+      </p:ext>
+    </p:extLst>
+  </p:cSld>
+  <p:clrMapOvr>
+    <a:masterClrMapping/>
+  </p:clrMapOvr>
+  <p:transition spd="slow">
+    <p:push dir="u"/>
+  </p:transition>
+</p:sld>
+</file>
+
+<file path=ppt/slides/slide17.xml><?xml version="1.0" encoding="utf-8"?>
+<p:sld xmlns:a="http://schemas.openxmlformats.org/drawingml/2006/main" xmlns:r="http://schemas.openxmlformats.org/officeDocument/2006/relationships" xmlns:p="http://schemas.openxmlformats.org/presentationml/2006/main">
+  <p:cSld>
+    <p:spTree>
+      <p:nvGrpSpPr>
+        <p:cNvPr id="1" name=""/>
+        <p:cNvGrpSpPr/>
+        <p:nvPr/>
+      </p:nvGrpSpPr>
+      <p:grpSpPr>
+        <a:xfrm>
+          <a:off x="0" y="0"/>
+          <a:ext cx="0" cy="0"/>
+          <a:chOff x="0" y="0"/>
+          <a:chExt cx="0" cy="0"/>
+        </a:xfrm>
+      </p:grpSpPr>
+      <p:sp>
+        <p:nvSpPr>
+          <p:cNvPr id="6" name="Title 2">
+            <a:extLst>
+              <a:ext uri="{FF2B5EF4-FFF2-40B4-BE49-F238E27FC236}">
+                <a16:creationId xmlns:a16="http://schemas.microsoft.com/office/drawing/2014/main" id="{1197155A-0D4A-1C4F-9B36-DF485A991274}"/>
+              </a:ext>
+            </a:extLst>
+          </p:cNvPr>
+          <p:cNvSpPr txBox="1">
+            <a:spLocks/>
+          </p:cNvSpPr>
+          <p:nvPr/>
+        </p:nvSpPr>
+        <p:spPr>
+          <a:xfrm>
+            <a:off x="2983229" y="22860"/>
+            <a:ext cx="6063399" cy="366470"/>
+          </a:xfrm>
+          <a:prstGeom prst="rect">
+            <a:avLst/>
+          </a:prstGeom>
+        </p:spPr>
+        <p:txBody>
+          <a:bodyPr/>
+          <a:lstStyle>
+            <a:lvl1pPr algn="l" defTabSz="685800" rtl="0" eaLnBrk="1" fontAlgn="base" hangingPunct="1">
+              <a:lnSpc>
+                <a:spcPct val="90000"/>
+              </a:lnSpc>
+              <a:spcBef>
+                <a:spcPct val="0"/>
+              </a:spcBef>
+              <a:spcAft>
+                <a:spcPct val="0"/>
+              </a:spcAft>
+              <a:defRPr sz="3300" kern="1200">
+                <a:solidFill>
+                  <a:srgbClr val="101C32"/>
+                </a:solidFill>
+                <a:latin typeface="+mn-lt"/>
+                <a:ea typeface="+mj-ea"/>
+                <a:cs typeface="+mj-cs"/>
+              </a:defRPr>
+            </a:lvl1pPr>
+            <a:lvl2pPr algn="l" defTabSz="685800" rtl="0" eaLnBrk="1" fontAlgn="base" hangingPunct="1">
+              <a:lnSpc>
+                <a:spcPct val="90000"/>
+              </a:lnSpc>
+              <a:spcBef>
+                <a:spcPct val="0"/>
+              </a:spcBef>
+              <a:spcAft>
+                <a:spcPct val="0"/>
+              </a:spcAft>
+              <a:defRPr sz="3300">
+                <a:solidFill>
+                  <a:srgbClr val="101C32"/>
+                </a:solidFill>
+                <a:latin typeface="Arial" panose="020B0604020202020204" pitchFamily="34" charset="0"/>
+              </a:defRPr>
+            </a:lvl2pPr>
+            <a:lvl3pPr algn="l" defTabSz="685800" rtl="0" eaLnBrk="1" fontAlgn="base" hangingPunct="1">
+              <a:lnSpc>
+                <a:spcPct val="90000"/>
+              </a:lnSpc>
+              <a:spcBef>
+                <a:spcPct val="0"/>
+              </a:spcBef>
+              <a:spcAft>
+                <a:spcPct val="0"/>
+              </a:spcAft>
+              <a:defRPr sz="3300">
+                <a:solidFill>
+                  <a:srgbClr val="101C32"/>
+                </a:solidFill>
+                <a:latin typeface="Arial" panose="020B0604020202020204" pitchFamily="34" charset="0"/>
+              </a:defRPr>
+            </a:lvl3pPr>
+            <a:lvl4pPr algn="l" defTabSz="685800" rtl="0" eaLnBrk="1" fontAlgn="base" hangingPunct="1">
+              <a:lnSpc>
+                <a:spcPct val="90000"/>
+              </a:lnSpc>
+              <a:spcBef>
+                <a:spcPct val="0"/>
+              </a:spcBef>
+              <a:spcAft>
+                <a:spcPct val="0"/>
+              </a:spcAft>
+              <a:defRPr sz="3300">
+                <a:solidFill>
+                  <a:srgbClr val="101C32"/>
+                </a:solidFill>
+                <a:latin typeface="Arial" panose="020B0604020202020204" pitchFamily="34" charset="0"/>
+              </a:defRPr>
+            </a:lvl4pPr>
+            <a:lvl5pPr algn="l" defTabSz="685800" rtl="0" eaLnBrk="1" fontAlgn="base" hangingPunct="1">
+              <a:lnSpc>
+                <a:spcPct val="90000"/>
+              </a:lnSpc>
+              <a:spcBef>
+                <a:spcPct val="0"/>
+              </a:spcBef>
+              <a:spcAft>
+                <a:spcPct val="0"/>
+              </a:spcAft>
+              <a:defRPr sz="3300">
+                <a:solidFill>
+                  <a:srgbClr val="101C32"/>
+                </a:solidFill>
+                <a:latin typeface="Arial" panose="020B0604020202020204" pitchFamily="34" charset="0"/>
+              </a:defRPr>
+            </a:lvl5pPr>
+            <a:lvl6pPr marL="457200" algn="l" defTabSz="685800" rtl="0" eaLnBrk="1" fontAlgn="base" hangingPunct="1">
+              <a:lnSpc>
+                <a:spcPct val="90000"/>
+              </a:lnSpc>
+              <a:spcBef>
+                <a:spcPct val="0"/>
+              </a:spcBef>
+              <a:spcAft>
+                <a:spcPct val="0"/>
+              </a:spcAft>
+              <a:defRPr sz="3300">
+                <a:solidFill>
+                  <a:srgbClr val="101C32"/>
+                </a:solidFill>
+                <a:latin typeface="Arial" panose="020B0604020202020204" pitchFamily="34" charset="0"/>
+              </a:defRPr>
+            </a:lvl6pPr>
+            <a:lvl7pPr marL="914400" algn="l" defTabSz="685800" rtl="0" eaLnBrk="1" fontAlgn="base" hangingPunct="1">
+              <a:lnSpc>
+                <a:spcPct val="90000"/>
+              </a:lnSpc>
+              <a:spcBef>
+                <a:spcPct val="0"/>
+              </a:spcBef>
+              <a:spcAft>
+                <a:spcPct val="0"/>
+              </a:spcAft>
+              <a:defRPr sz="3300">
+                <a:solidFill>
+                  <a:srgbClr val="101C32"/>
+                </a:solidFill>
+                <a:latin typeface="Arial" panose="020B0604020202020204" pitchFamily="34" charset="0"/>
+              </a:defRPr>
+            </a:lvl7pPr>
+            <a:lvl8pPr marL="1371600" algn="l" defTabSz="685800" rtl="0" eaLnBrk="1" fontAlgn="base" hangingPunct="1">
+              <a:lnSpc>
+                <a:spcPct val="90000"/>
+              </a:lnSpc>
+              <a:spcBef>
+                <a:spcPct val="0"/>
+              </a:spcBef>
+              <a:spcAft>
+                <a:spcPct val="0"/>
+              </a:spcAft>
+              <a:defRPr sz="3300">
+                <a:solidFill>
+                  <a:srgbClr val="101C32"/>
+                </a:solidFill>
+                <a:latin typeface="Arial" panose="020B0604020202020204" pitchFamily="34" charset="0"/>
+              </a:defRPr>
+            </a:lvl8pPr>
+            <a:lvl9pPr marL="1828800" algn="l" defTabSz="685800" rtl="0" eaLnBrk="1" fontAlgn="base" hangingPunct="1">
+              <a:lnSpc>
+                <a:spcPct val="90000"/>
+              </a:lnSpc>
+              <a:spcBef>
+                <a:spcPct val="0"/>
+              </a:spcBef>
+              <a:spcAft>
+                <a:spcPct val="0"/>
+              </a:spcAft>
+              <a:defRPr sz="3300">
+                <a:solidFill>
+                  <a:srgbClr val="101C32"/>
+                </a:solidFill>
+                <a:latin typeface="Arial" panose="020B0604020202020204" pitchFamily="34" charset="0"/>
+              </a:defRPr>
+            </a:lvl9pPr>
+          </a:lstStyle>
+          <a:p>
+            <a:pPr algn="r"/>
+            <a:r>
+              <a:rPr lang="en-US" sz="2000" dirty="0">
+                <a:solidFill>
+                  <a:schemeClr val="bg1"/>
+                </a:solidFill>
+              </a:rPr>
+              <a:t>The Solution</a:t>
+            </a:r>
+            <a:endParaRPr lang="en-US" sz="1800" dirty="0">
+              <a:solidFill>
+                <a:schemeClr val="bg1"/>
+              </a:solidFill>
+            </a:endParaRPr>
+          </a:p>
+        </p:txBody>
+      </p:sp>
+      <p:sp>
+        <p:nvSpPr>
+          <p:cNvPr id="4" name="TextBox 3">
+            <a:extLst>
+              <a:ext uri="{FF2B5EF4-FFF2-40B4-BE49-F238E27FC236}">
+                <a16:creationId xmlns:a16="http://schemas.microsoft.com/office/drawing/2014/main" id="{351E314F-7837-8F40-BE70-413121A53EC8}"/>
+              </a:ext>
+            </a:extLst>
+          </p:cNvPr>
+          <p:cNvSpPr txBox="1"/>
+          <p:nvPr/>
+        </p:nvSpPr>
+        <p:spPr>
+          <a:xfrm>
+            <a:off x="314294" y="593701"/>
+            <a:ext cx="8515409" cy="2585323"/>
+          </a:xfrm>
+          <a:prstGeom prst="rect">
+            <a:avLst/>
+          </a:prstGeom>
+          <a:noFill/>
+        </p:spPr>
+        <p:txBody>
+          <a:bodyPr wrap="square" rtlCol="0">
+            <a:spAutoFit/>
+          </a:bodyPr>
+          <a:lstStyle/>
+          <a:p>
+            <a:r>
+              <a:rPr lang="en-US" b="1" dirty="0"/>
+              <a:t>Step 4 of proof of concept</a:t>
+            </a:r>
+          </a:p>
+          <a:p>
+            <a:endParaRPr lang="en-US" b="1" dirty="0"/>
+          </a:p>
+          <a:p>
+            <a:endParaRPr lang="en-US" b="1" dirty="0"/>
+          </a:p>
+          <a:p>
+            <a:r>
+              <a:rPr lang="en-US" dirty="0"/>
+              <a:t>Postman should communicate with Service 1 over HTTPS.</a:t>
+            </a:r>
+          </a:p>
+          <a:p>
+            <a:endParaRPr lang="en-US" dirty="0"/>
+          </a:p>
+          <a:p>
+            <a:r>
+              <a:rPr lang="en-US" dirty="0"/>
+              <a:t>Service 1 should communicate with Service 2 over HTTPS.</a:t>
+            </a:r>
+          </a:p>
+          <a:p>
+            <a:endParaRPr lang="en-US" dirty="0"/>
+          </a:p>
+          <a:p>
+            <a:r>
+              <a:rPr lang="en-US" dirty="0"/>
+              <a:t>HSTS should now work.</a:t>
+            </a:r>
+          </a:p>
+          <a:p>
+            <a:endParaRPr lang="en-US" b="1" dirty="0"/>
+          </a:p>
+        </p:txBody>
+      </p:sp>
+      <p:pic>
+        <p:nvPicPr>
+          <p:cNvPr id="3" name="Graphic 2" descr="Checkmark">
+            <a:extLst>
+              <a:ext uri="{FF2B5EF4-FFF2-40B4-BE49-F238E27FC236}">
+                <a16:creationId xmlns:a16="http://schemas.microsoft.com/office/drawing/2014/main" id="{4B6276FB-FA9D-4058-A25D-CDB7F832288D}"/>
+              </a:ext>
+            </a:extLst>
+          </p:cNvPr>
+          <p:cNvPicPr>
+            <a:picLocks noChangeAspect="1"/>
+          </p:cNvPicPr>
+          <p:nvPr/>
+        </p:nvPicPr>
+        <p:blipFill>
+          <a:blip r:embed="rId3">
+            <a:extLst>
+              <a:ext uri="{96DAC541-7B7A-43D3-8B79-37D633B846F1}">
+                <asvg:svgBlip xmlns:asvg="http://schemas.microsoft.com/office/drawing/2016/SVG/main" r:embed="rId4"/>
+              </a:ext>
+            </a:extLst>
+          </a:blip>
+          <a:stretch>
+            <a:fillRect/>
+          </a:stretch>
+        </p:blipFill>
+        <p:spPr>
+          <a:xfrm>
+            <a:off x="6489511" y="1228299"/>
+            <a:ext cx="571498" cy="571498"/>
+          </a:xfrm>
+          <a:prstGeom prst="rect">
+            <a:avLst/>
+          </a:prstGeom>
+        </p:spPr>
+      </p:pic>
+      <p:pic>
+        <p:nvPicPr>
+          <p:cNvPr id="8" name="Graphic 7" descr="Checkmark">
+            <a:extLst>
+              <a:ext uri="{FF2B5EF4-FFF2-40B4-BE49-F238E27FC236}">
+                <a16:creationId xmlns:a16="http://schemas.microsoft.com/office/drawing/2014/main" id="{9AB7C87C-CA49-4226-8AF4-1C7A70E64EAB}"/>
+              </a:ext>
+            </a:extLst>
+          </p:cNvPr>
+          <p:cNvPicPr>
+            <a:picLocks noChangeAspect="1"/>
+          </p:cNvPicPr>
+          <p:nvPr/>
+        </p:nvPicPr>
+        <p:blipFill>
+          <a:blip r:embed="rId3">
+            <a:extLst>
+              <a:ext uri="{96DAC541-7B7A-43D3-8B79-37D633B846F1}">
+                <asvg:svgBlip xmlns:asvg="http://schemas.microsoft.com/office/drawing/2016/SVG/main" r:embed="rId5"/>
+              </a:ext>
+            </a:extLst>
+          </a:blip>
+          <a:stretch>
+            <a:fillRect/>
+          </a:stretch>
+        </p:blipFill>
+        <p:spPr>
+          <a:xfrm>
+            <a:off x="6489511" y="1799797"/>
+            <a:ext cx="571498" cy="571498"/>
+          </a:xfrm>
+          <a:prstGeom prst="rect">
+            <a:avLst/>
+          </a:prstGeom>
+        </p:spPr>
+      </p:pic>
+      <p:pic>
+        <p:nvPicPr>
+          <p:cNvPr id="7" name="Graphic 6" descr="Checkmark">
+            <a:extLst>
+              <a:ext uri="{FF2B5EF4-FFF2-40B4-BE49-F238E27FC236}">
+                <a16:creationId xmlns:a16="http://schemas.microsoft.com/office/drawing/2014/main" id="{AAF3D441-B87A-48F5-A742-8C81E4F90E65}"/>
+              </a:ext>
+            </a:extLst>
+          </p:cNvPr>
+          <p:cNvPicPr>
+            <a:picLocks noChangeAspect="1"/>
+          </p:cNvPicPr>
+          <p:nvPr/>
+        </p:nvPicPr>
+        <p:blipFill>
+          <a:blip r:embed="rId3">
+            <a:extLst>
+              <a:ext uri="{96DAC541-7B7A-43D3-8B79-37D633B846F1}">
+                <asvg:svgBlip xmlns:asvg="http://schemas.microsoft.com/office/drawing/2016/SVG/main" r:embed="rId5"/>
+              </a:ext>
+            </a:extLst>
+          </a:blip>
+          <a:stretch>
+            <a:fillRect/>
+          </a:stretch>
+        </p:blipFill>
+        <p:spPr>
+          <a:xfrm>
+            <a:off x="2983229" y="2371295"/>
+            <a:ext cx="571498" cy="571498"/>
+          </a:xfrm>
+          <a:prstGeom prst="rect">
+            <a:avLst/>
+          </a:prstGeom>
+        </p:spPr>
+      </p:pic>
+    </p:spTree>
+    <p:extLst>
+      <p:ext uri="{BB962C8B-B14F-4D97-AF65-F5344CB8AC3E}">
+        <p14:creationId xmlns:p14="http://schemas.microsoft.com/office/powerpoint/2010/main" val="2708909933"/>
+      </p:ext>
+    </p:extLst>
+  </p:cSld>
+  <p:clrMapOvr>
+    <a:masterClrMapping/>
+  </p:clrMapOvr>
+  <p:transition spd="slow">
+    <p:push dir="u"/>
+  </p:transition>
+</p:sld>
+</file>
+
+<file path=ppt/slides/slide18.xml><?xml version="1.0" encoding="utf-8"?>
+<p:sld xmlns:a="http://schemas.openxmlformats.org/drawingml/2006/main" xmlns:r="http://schemas.openxmlformats.org/officeDocument/2006/relationships" xmlns:p="http://schemas.openxmlformats.org/presentationml/2006/main">
+  <p:cSld>
+    <p:spTree>
+      <p:nvGrpSpPr>
+        <p:cNvPr id="1" name=""/>
+        <p:cNvGrpSpPr/>
+        <p:nvPr/>
+      </p:nvGrpSpPr>
+      <p:grpSpPr>
+        <a:xfrm>
+          <a:off x="0" y="0"/>
+          <a:ext cx="0" cy="0"/>
+          <a:chOff x="0" y="0"/>
+          <a:chExt cx="0" cy="0"/>
+        </a:xfrm>
+      </p:grpSpPr>
+      <p:sp>
+        <p:nvSpPr>
+          <p:cNvPr id="6" name="Title 2">
+            <a:extLst>
+              <a:ext uri="{FF2B5EF4-FFF2-40B4-BE49-F238E27FC236}">
+                <a16:creationId xmlns:a16="http://schemas.microsoft.com/office/drawing/2014/main" id="{1197155A-0D4A-1C4F-9B36-DF485A991274}"/>
+              </a:ext>
+            </a:extLst>
+          </p:cNvPr>
+          <p:cNvSpPr txBox="1">
+            <a:spLocks/>
+          </p:cNvSpPr>
+          <p:nvPr/>
+        </p:nvSpPr>
+        <p:spPr>
+          <a:xfrm>
+            <a:off x="2983229" y="22860"/>
+            <a:ext cx="6063399" cy="366470"/>
+          </a:xfrm>
+          <a:prstGeom prst="rect">
+            <a:avLst/>
+          </a:prstGeom>
+        </p:spPr>
+        <p:txBody>
+          <a:bodyPr/>
+          <a:lstStyle>
+            <a:lvl1pPr algn="l" defTabSz="685800" rtl="0" eaLnBrk="1" fontAlgn="base" hangingPunct="1">
+              <a:lnSpc>
+                <a:spcPct val="90000"/>
+              </a:lnSpc>
+              <a:spcBef>
+                <a:spcPct val="0"/>
+              </a:spcBef>
+              <a:spcAft>
+                <a:spcPct val="0"/>
+              </a:spcAft>
+              <a:defRPr sz="3300" kern="1200">
+                <a:solidFill>
+                  <a:srgbClr val="101C32"/>
+                </a:solidFill>
+                <a:latin typeface="+mn-lt"/>
+                <a:ea typeface="+mj-ea"/>
+                <a:cs typeface="+mj-cs"/>
+              </a:defRPr>
+            </a:lvl1pPr>
+            <a:lvl2pPr algn="l" defTabSz="685800" rtl="0" eaLnBrk="1" fontAlgn="base" hangingPunct="1">
+              <a:lnSpc>
+                <a:spcPct val="90000"/>
+              </a:lnSpc>
+              <a:spcBef>
+                <a:spcPct val="0"/>
+              </a:spcBef>
+              <a:spcAft>
+                <a:spcPct val="0"/>
+              </a:spcAft>
+              <a:defRPr sz="3300">
+                <a:solidFill>
+                  <a:srgbClr val="101C32"/>
+                </a:solidFill>
+                <a:latin typeface="Arial" panose="020B0604020202020204" pitchFamily="34" charset="0"/>
+              </a:defRPr>
+            </a:lvl2pPr>
+            <a:lvl3pPr algn="l" defTabSz="685800" rtl="0" eaLnBrk="1" fontAlgn="base" hangingPunct="1">
+              <a:lnSpc>
+                <a:spcPct val="90000"/>
+              </a:lnSpc>
+              <a:spcBef>
+                <a:spcPct val="0"/>
+              </a:spcBef>
+              <a:spcAft>
+                <a:spcPct val="0"/>
+              </a:spcAft>
+              <a:defRPr sz="3300">
+                <a:solidFill>
+                  <a:srgbClr val="101C32"/>
+                </a:solidFill>
+                <a:latin typeface="Arial" panose="020B0604020202020204" pitchFamily="34" charset="0"/>
+              </a:defRPr>
+            </a:lvl3pPr>
+            <a:lvl4pPr algn="l" defTabSz="685800" rtl="0" eaLnBrk="1" fontAlgn="base" hangingPunct="1">
+              <a:lnSpc>
+                <a:spcPct val="90000"/>
+              </a:lnSpc>
+              <a:spcBef>
+                <a:spcPct val="0"/>
+              </a:spcBef>
+              <a:spcAft>
+                <a:spcPct val="0"/>
+              </a:spcAft>
+              <a:defRPr sz="3300">
+                <a:solidFill>
+                  <a:srgbClr val="101C32"/>
+                </a:solidFill>
+                <a:latin typeface="Arial" panose="020B0604020202020204" pitchFamily="34" charset="0"/>
+              </a:defRPr>
+            </a:lvl4pPr>
+            <a:lvl5pPr algn="l" defTabSz="685800" rtl="0" eaLnBrk="1" fontAlgn="base" hangingPunct="1">
+              <a:lnSpc>
+                <a:spcPct val="90000"/>
+              </a:lnSpc>
+              <a:spcBef>
+                <a:spcPct val="0"/>
+              </a:spcBef>
+              <a:spcAft>
+                <a:spcPct val="0"/>
+              </a:spcAft>
+              <a:defRPr sz="3300">
+                <a:solidFill>
+                  <a:srgbClr val="101C32"/>
+                </a:solidFill>
+                <a:latin typeface="Arial" panose="020B0604020202020204" pitchFamily="34" charset="0"/>
+              </a:defRPr>
+            </a:lvl5pPr>
+            <a:lvl6pPr marL="457200" algn="l" defTabSz="685800" rtl="0" eaLnBrk="1" fontAlgn="base" hangingPunct="1">
+              <a:lnSpc>
+                <a:spcPct val="90000"/>
+              </a:lnSpc>
+              <a:spcBef>
+                <a:spcPct val="0"/>
+              </a:spcBef>
+              <a:spcAft>
+                <a:spcPct val="0"/>
+              </a:spcAft>
+              <a:defRPr sz="3300">
+                <a:solidFill>
+                  <a:srgbClr val="101C32"/>
+                </a:solidFill>
+                <a:latin typeface="Arial" panose="020B0604020202020204" pitchFamily="34" charset="0"/>
+              </a:defRPr>
+            </a:lvl6pPr>
+            <a:lvl7pPr marL="914400" algn="l" defTabSz="685800" rtl="0" eaLnBrk="1" fontAlgn="base" hangingPunct="1">
+              <a:lnSpc>
+                <a:spcPct val="90000"/>
+              </a:lnSpc>
+              <a:spcBef>
+                <a:spcPct val="0"/>
+              </a:spcBef>
+              <a:spcAft>
+                <a:spcPct val="0"/>
+              </a:spcAft>
+              <a:defRPr sz="3300">
+                <a:solidFill>
+                  <a:srgbClr val="101C32"/>
+                </a:solidFill>
+                <a:latin typeface="Arial" panose="020B0604020202020204" pitchFamily="34" charset="0"/>
+              </a:defRPr>
+            </a:lvl7pPr>
+            <a:lvl8pPr marL="1371600" algn="l" defTabSz="685800" rtl="0" eaLnBrk="1" fontAlgn="base" hangingPunct="1">
+              <a:lnSpc>
+                <a:spcPct val="90000"/>
+              </a:lnSpc>
+              <a:spcBef>
+                <a:spcPct val="0"/>
+              </a:spcBef>
+              <a:spcAft>
+                <a:spcPct val="0"/>
+              </a:spcAft>
+              <a:defRPr sz="3300">
+                <a:solidFill>
+                  <a:srgbClr val="101C32"/>
+                </a:solidFill>
+                <a:latin typeface="Arial" panose="020B0604020202020204" pitchFamily="34" charset="0"/>
+              </a:defRPr>
+            </a:lvl8pPr>
+            <a:lvl9pPr marL="1828800" algn="l" defTabSz="685800" rtl="0" eaLnBrk="1" fontAlgn="base" hangingPunct="1">
+              <a:lnSpc>
+                <a:spcPct val="90000"/>
+              </a:lnSpc>
+              <a:spcBef>
+                <a:spcPct val="0"/>
+              </a:spcBef>
+              <a:spcAft>
+                <a:spcPct val="0"/>
+              </a:spcAft>
+              <a:defRPr sz="3300">
+                <a:solidFill>
+                  <a:srgbClr val="101C32"/>
+                </a:solidFill>
+                <a:latin typeface="Arial" panose="020B0604020202020204" pitchFamily="34" charset="0"/>
+              </a:defRPr>
+            </a:lvl9pPr>
+          </a:lstStyle>
+          <a:p>
+            <a:pPr algn="r"/>
+            <a:r>
+              <a:rPr lang="en-US" sz="2000" dirty="0">
+                <a:solidFill>
+                  <a:schemeClr val="bg1"/>
+                </a:solidFill>
+              </a:rPr>
+              <a:t>The Recap</a:t>
+            </a:r>
+            <a:endParaRPr lang="en-US" sz="1800" dirty="0">
+              <a:solidFill>
+                <a:schemeClr val="bg1"/>
+              </a:solidFill>
+            </a:endParaRPr>
+          </a:p>
+        </p:txBody>
+      </p:sp>
+      <p:sp>
+        <p:nvSpPr>
+          <p:cNvPr id="4" name="TextBox 3">
+            <a:extLst>
+              <a:ext uri="{FF2B5EF4-FFF2-40B4-BE49-F238E27FC236}">
+                <a16:creationId xmlns:a16="http://schemas.microsoft.com/office/drawing/2014/main" id="{351E314F-7837-8F40-BE70-413121A53EC8}"/>
+              </a:ext>
+            </a:extLst>
+          </p:cNvPr>
+          <p:cNvSpPr txBox="1"/>
+          <p:nvPr/>
+        </p:nvSpPr>
+        <p:spPr>
+          <a:xfrm>
+            <a:off x="314294" y="593701"/>
+            <a:ext cx="8515409" cy="4524315"/>
+          </a:xfrm>
+          <a:prstGeom prst="rect">
+            <a:avLst/>
+          </a:prstGeom>
+          <a:noFill/>
+        </p:spPr>
+        <p:txBody>
+          <a:bodyPr wrap="square" rtlCol="0">
+            <a:spAutoFit/>
+          </a:bodyPr>
+          <a:lstStyle/>
+          <a:p>
+            <a:r>
+              <a:rPr lang="en-US" b="1" dirty="0"/>
+              <a:t>Recap</a:t>
+            </a:r>
+          </a:p>
+          <a:p>
+            <a:endParaRPr lang="en-US" dirty="0"/>
+          </a:p>
+          <a:p>
+            <a:endParaRPr lang="en-US" dirty="0"/>
+          </a:p>
+          <a:p>
+            <a:r>
+              <a:rPr lang="en-US" dirty="0"/>
+              <a:t>Docker Compose: Awesome, great for getting a project up and going quickly</a:t>
+            </a:r>
+          </a:p>
+          <a:p>
+            <a:endParaRPr lang="en-US" dirty="0"/>
+          </a:p>
+          <a:p>
+            <a:r>
+              <a:rPr lang="en-US" dirty="0"/>
+              <a:t>NGINX: Simple and easy to get started and use</a:t>
+            </a:r>
+          </a:p>
+          <a:p>
+            <a:endParaRPr lang="en-US" dirty="0"/>
+          </a:p>
+          <a:p>
+            <a:r>
+              <a:rPr lang="en-US" dirty="0"/>
+              <a:t>Certificates: Frustrating, but necessary.</a:t>
+            </a:r>
+          </a:p>
+          <a:p>
+            <a:endParaRPr lang="en-US" dirty="0"/>
+          </a:p>
+          <a:p>
+            <a:r>
+              <a:rPr lang="en-US" dirty="0"/>
+              <a:t>OpenSSL: Need to know more, lots of commands &amp; configuration to learn</a:t>
+            </a:r>
+          </a:p>
+          <a:p>
+            <a:endParaRPr lang="en-US" dirty="0"/>
+          </a:p>
+          <a:p>
+            <a:r>
+              <a:rPr lang="en-US" dirty="0"/>
+              <a:t>Proof of Concept: </a:t>
+            </a:r>
+            <a:r>
+              <a:rPr lang="en-US" b="1" dirty="0"/>
+              <a:t>Necessary</a:t>
+            </a:r>
+            <a:r>
+              <a:rPr lang="en-US" dirty="0"/>
+              <a:t>. Docker build times for Identity API are 10x longer 					than working with a bare bones project. Iteration time is much 					quicker</a:t>
+            </a:r>
+          </a:p>
+          <a:p>
+            <a:endParaRPr lang="en-US" dirty="0"/>
+          </a:p>
+          <a:p>
+            <a:endParaRPr lang="en-US" dirty="0"/>
+          </a:p>
+        </p:txBody>
+      </p:sp>
+    </p:spTree>
+    <p:extLst>
+      <p:ext uri="{BB962C8B-B14F-4D97-AF65-F5344CB8AC3E}">
+        <p14:creationId xmlns:p14="http://schemas.microsoft.com/office/powerpoint/2010/main" val="3445725652"/>
+      </p:ext>
+    </p:extLst>
+  </p:cSld>
+  <p:clrMapOvr>
+    <a:masterClrMapping/>
+  </p:clrMapOvr>
+  <p:transition spd="slow">
+    <p:push dir="u"/>
+  </p:transition>
+</p:sld>
+</file>
+
+<file path=ppt/slides/slide19.xml><?xml version="1.0" encoding="utf-8"?>
+<p:sld xmlns:a="http://schemas.openxmlformats.org/drawingml/2006/main" xmlns:r="http://schemas.openxmlformats.org/officeDocument/2006/relationships" xmlns:p="http://schemas.openxmlformats.org/presentationml/2006/main">
+  <p:cSld>
+    <p:spTree>
+      <p:nvGrpSpPr>
+        <p:cNvPr id="1" name=""/>
+        <p:cNvGrpSpPr/>
+        <p:nvPr/>
+      </p:nvGrpSpPr>
+      <p:grpSpPr>
+        <a:xfrm>
+          <a:off x="0" y="0"/>
+          <a:ext cx="0" cy="0"/>
+          <a:chOff x="0" y="0"/>
+          <a:chExt cx="0" cy="0"/>
+        </a:xfrm>
+      </p:grpSpPr>
+      <p:sp>
+        <p:nvSpPr>
+          <p:cNvPr id="6" name="Title 2">
+            <a:extLst>
+              <a:ext uri="{FF2B5EF4-FFF2-40B4-BE49-F238E27FC236}">
+                <a16:creationId xmlns:a16="http://schemas.microsoft.com/office/drawing/2014/main" id="{1197155A-0D4A-1C4F-9B36-DF485A991274}"/>
+              </a:ext>
+            </a:extLst>
+          </p:cNvPr>
+          <p:cNvSpPr txBox="1">
+            <a:spLocks/>
+          </p:cNvSpPr>
+          <p:nvPr/>
+        </p:nvSpPr>
+        <p:spPr>
+          <a:xfrm>
+            <a:off x="2983229" y="22860"/>
+            <a:ext cx="6063399" cy="366470"/>
+          </a:xfrm>
+          <a:prstGeom prst="rect">
+            <a:avLst/>
+          </a:prstGeom>
+        </p:spPr>
+        <p:txBody>
+          <a:bodyPr/>
+          <a:lstStyle>
+            <a:lvl1pPr algn="l" defTabSz="685800" rtl="0" eaLnBrk="1" fontAlgn="base" hangingPunct="1">
+              <a:lnSpc>
+                <a:spcPct val="90000"/>
+              </a:lnSpc>
+              <a:spcBef>
+                <a:spcPct val="0"/>
+              </a:spcBef>
+              <a:spcAft>
+                <a:spcPct val="0"/>
+              </a:spcAft>
+              <a:defRPr sz="3300" kern="1200">
+                <a:solidFill>
+                  <a:srgbClr val="101C32"/>
+                </a:solidFill>
+                <a:latin typeface="+mn-lt"/>
+                <a:ea typeface="+mj-ea"/>
+                <a:cs typeface="+mj-cs"/>
+              </a:defRPr>
+            </a:lvl1pPr>
+            <a:lvl2pPr algn="l" defTabSz="685800" rtl="0" eaLnBrk="1" fontAlgn="base" hangingPunct="1">
+              <a:lnSpc>
+                <a:spcPct val="90000"/>
+              </a:lnSpc>
+              <a:spcBef>
+                <a:spcPct val="0"/>
+              </a:spcBef>
+              <a:spcAft>
+                <a:spcPct val="0"/>
+              </a:spcAft>
+              <a:defRPr sz="3300">
+                <a:solidFill>
+                  <a:srgbClr val="101C32"/>
+                </a:solidFill>
+                <a:latin typeface="Arial" panose="020B0604020202020204" pitchFamily="34" charset="0"/>
+              </a:defRPr>
+            </a:lvl2pPr>
+            <a:lvl3pPr algn="l" defTabSz="685800" rtl="0" eaLnBrk="1" fontAlgn="base" hangingPunct="1">
+              <a:lnSpc>
+                <a:spcPct val="90000"/>
+              </a:lnSpc>
+              <a:spcBef>
+                <a:spcPct val="0"/>
+              </a:spcBef>
+              <a:spcAft>
+                <a:spcPct val="0"/>
+              </a:spcAft>
+              <a:defRPr sz="3300">
+                <a:solidFill>
+                  <a:srgbClr val="101C32"/>
+                </a:solidFill>
+                <a:latin typeface="Arial" panose="020B0604020202020204" pitchFamily="34" charset="0"/>
+              </a:defRPr>
+            </a:lvl3pPr>
+            <a:lvl4pPr algn="l" defTabSz="685800" rtl="0" eaLnBrk="1" fontAlgn="base" hangingPunct="1">
+              <a:lnSpc>
+                <a:spcPct val="90000"/>
+              </a:lnSpc>
+              <a:spcBef>
+                <a:spcPct val="0"/>
+              </a:spcBef>
+              <a:spcAft>
+                <a:spcPct val="0"/>
+              </a:spcAft>
+              <a:defRPr sz="3300">
+                <a:solidFill>
+                  <a:srgbClr val="101C32"/>
+                </a:solidFill>
+                <a:latin typeface="Arial" panose="020B0604020202020204" pitchFamily="34" charset="0"/>
+              </a:defRPr>
+            </a:lvl4pPr>
+            <a:lvl5pPr algn="l" defTabSz="685800" rtl="0" eaLnBrk="1" fontAlgn="base" hangingPunct="1">
+              <a:lnSpc>
+                <a:spcPct val="90000"/>
+              </a:lnSpc>
+              <a:spcBef>
+                <a:spcPct val="0"/>
+              </a:spcBef>
+              <a:spcAft>
+                <a:spcPct val="0"/>
+              </a:spcAft>
+              <a:defRPr sz="3300">
+                <a:solidFill>
+                  <a:srgbClr val="101C32"/>
+                </a:solidFill>
+                <a:latin typeface="Arial" panose="020B0604020202020204" pitchFamily="34" charset="0"/>
+              </a:defRPr>
+            </a:lvl5pPr>
+            <a:lvl6pPr marL="457200" algn="l" defTabSz="685800" rtl="0" eaLnBrk="1" fontAlgn="base" hangingPunct="1">
+              <a:lnSpc>
+                <a:spcPct val="90000"/>
+              </a:lnSpc>
+              <a:spcBef>
+                <a:spcPct val="0"/>
+              </a:spcBef>
+              <a:spcAft>
+                <a:spcPct val="0"/>
+              </a:spcAft>
+              <a:defRPr sz="3300">
+                <a:solidFill>
+                  <a:srgbClr val="101C32"/>
+                </a:solidFill>
+                <a:latin typeface="Arial" panose="020B0604020202020204" pitchFamily="34" charset="0"/>
+              </a:defRPr>
+            </a:lvl6pPr>
+            <a:lvl7pPr marL="914400" algn="l" defTabSz="685800" rtl="0" eaLnBrk="1" fontAlgn="base" hangingPunct="1">
+              <a:lnSpc>
+                <a:spcPct val="90000"/>
+              </a:lnSpc>
+              <a:spcBef>
+                <a:spcPct val="0"/>
+              </a:spcBef>
+              <a:spcAft>
+                <a:spcPct val="0"/>
+              </a:spcAft>
+              <a:defRPr sz="3300">
+                <a:solidFill>
+                  <a:srgbClr val="101C32"/>
+                </a:solidFill>
+                <a:latin typeface="Arial" panose="020B0604020202020204" pitchFamily="34" charset="0"/>
+              </a:defRPr>
+            </a:lvl7pPr>
+            <a:lvl8pPr marL="1371600" algn="l" defTabSz="685800" rtl="0" eaLnBrk="1" fontAlgn="base" hangingPunct="1">
+              <a:lnSpc>
+                <a:spcPct val="90000"/>
+              </a:lnSpc>
+              <a:spcBef>
+                <a:spcPct val="0"/>
+              </a:spcBef>
+              <a:spcAft>
+                <a:spcPct val="0"/>
+              </a:spcAft>
+              <a:defRPr sz="3300">
+                <a:solidFill>
+                  <a:srgbClr val="101C32"/>
+                </a:solidFill>
+                <a:latin typeface="Arial" panose="020B0604020202020204" pitchFamily="34" charset="0"/>
+              </a:defRPr>
+            </a:lvl8pPr>
+            <a:lvl9pPr marL="1828800" algn="l" defTabSz="685800" rtl="0" eaLnBrk="1" fontAlgn="base" hangingPunct="1">
+              <a:lnSpc>
+                <a:spcPct val="90000"/>
+              </a:lnSpc>
+              <a:spcBef>
+                <a:spcPct val="0"/>
+              </a:spcBef>
+              <a:spcAft>
+                <a:spcPct val="0"/>
+              </a:spcAft>
+              <a:defRPr sz="3300">
+                <a:solidFill>
+                  <a:srgbClr val="101C32"/>
+                </a:solidFill>
+                <a:latin typeface="Arial" panose="020B0604020202020204" pitchFamily="34" charset="0"/>
+              </a:defRPr>
+            </a:lvl9pPr>
+          </a:lstStyle>
+          <a:p>
+            <a:pPr algn="r"/>
+            <a:r>
+              <a:rPr lang="en-US" sz="2000" dirty="0">
+                <a:solidFill>
+                  <a:schemeClr val="bg1"/>
+                </a:solidFill>
+              </a:rPr>
+              <a:t>Questions?</a:t>
+            </a:r>
+            <a:endParaRPr lang="en-US" sz="1800" dirty="0">
+              <a:solidFill>
+                <a:schemeClr val="bg1"/>
+              </a:solidFill>
+            </a:endParaRPr>
+          </a:p>
+        </p:txBody>
+      </p:sp>
+      <p:sp>
+        <p:nvSpPr>
+          <p:cNvPr id="4" name="TextBox 3">
+            <a:extLst>
+              <a:ext uri="{FF2B5EF4-FFF2-40B4-BE49-F238E27FC236}">
+                <a16:creationId xmlns:a16="http://schemas.microsoft.com/office/drawing/2014/main" id="{351E314F-7837-8F40-BE70-413121A53EC8}"/>
+              </a:ext>
+            </a:extLst>
+          </p:cNvPr>
+          <p:cNvSpPr txBox="1"/>
+          <p:nvPr/>
+        </p:nvSpPr>
+        <p:spPr>
+          <a:xfrm>
+            <a:off x="3880061" y="2674427"/>
+            <a:ext cx="1783621" cy="646331"/>
+          </a:xfrm>
+          <a:prstGeom prst="rect">
+            <a:avLst/>
+          </a:prstGeom>
+          <a:noFill/>
+        </p:spPr>
+        <p:txBody>
+          <a:bodyPr wrap="square" rtlCol="0">
+            <a:spAutoFit/>
+          </a:bodyPr>
+          <a:lstStyle/>
+          <a:p>
+            <a:r>
+              <a:rPr lang="en-US" b="1" dirty="0"/>
+              <a:t>Questions?</a:t>
+            </a:r>
+          </a:p>
+          <a:p>
+            <a:endParaRPr lang="en-US" dirty="0"/>
+          </a:p>
+        </p:txBody>
+      </p:sp>
+    </p:spTree>
+    <p:extLst>
+      <p:ext uri="{BB962C8B-B14F-4D97-AF65-F5344CB8AC3E}">
+        <p14:creationId xmlns:p14="http://schemas.microsoft.com/office/powerpoint/2010/main" val="1944912061"/>
+      </p:ext>
+    </p:extLst>
+  </p:cSld>
+  <p:clrMapOvr>
+    <a:masterClrMapping/>
+  </p:clrMapOvr>
+  <p:transition spd="slow">
+    <p:push dir="u"/>
+  </p:transition>
 </p:sld>
 </file>
 
@@ -27011,8 +32123,8 @@
         </p:nvSpPr>
         <p:spPr>
           <a:xfrm>
-            <a:off x="334229" y="952237"/>
-            <a:ext cx="8515409" cy="3693319"/>
+            <a:off x="334229" y="961568"/>
+            <a:ext cx="8515409" cy="2862322"/>
           </a:xfrm>
           <a:prstGeom prst="rect">
             <a:avLst/>
@@ -27034,74 +32146,31 @@
             <a:endParaRPr lang="en-US" b="1" dirty="0"/>
           </a:p>
           <a:p>
-            <a:r>
-              <a:rPr lang="en-US" b="1" dirty="0"/>
-              <a:t>Roadblocks</a:t>
-            </a:r>
+            <a:endParaRPr lang="en-US" b="1" dirty="0"/>
+          </a:p>
+          <a:p>
+            <a:endParaRPr lang="en-US" b="1" dirty="0"/>
+          </a:p>
+          <a:p>
+            <a:endParaRPr lang="en-US" b="1" dirty="0"/>
+          </a:p>
+          <a:p>
             <a:r>
               <a:rPr lang="en-US" dirty="0"/>
-              <a:t>:</a:t>
+              <a:t>Insert diagram to show current https -&gt; http traffic flow through load balancer</a:t>
             </a:r>
           </a:p>
           <a:p>
             <a:endParaRPr lang="en-US" dirty="0"/>
           </a:p>
           <a:p>
-            <a:pPr marL="285750" indent="-285750">
-              <a:buFont typeface="Arial" panose="020B0604020202020204" pitchFamily="34" charset="0"/>
-              <a:buChar char="•"/>
-            </a:pPr>
+            <a:endParaRPr lang="en-US" dirty="0"/>
+          </a:p>
+          <a:p>
             <a:r>
               <a:rPr lang="en-US" dirty="0"/>
-              <a:t>Local development usually has this setting turned off because https is not enforced</a:t>
-            </a:r>
-          </a:p>
-          <a:p>
-            <a:pPr marL="285750" indent="-285750">
-              <a:buFont typeface="Arial" panose="020B0604020202020204" pitchFamily="34" charset="0"/>
-              <a:buChar char="•"/>
-            </a:pPr>
-            <a:endParaRPr lang="en-US" dirty="0"/>
-          </a:p>
-          <a:p>
-            <a:pPr marL="285750" indent="-285750">
-              <a:buFont typeface="Arial" panose="020B0604020202020204" pitchFamily="34" charset="0"/>
-              <a:buChar char="•"/>
-            </a:pPr>
-            <a:r>
-              <a:rPr lang="en-US" dirty="0"/>
-              <a:t>Production environment differs from Development environment</a:t>
-            </a:r>
-          </a:p>
-          <a:p>
-            <a:pPr marL="742950" lvl="1" indent="-285750">
-              <a:buFont typeface="Arial" panose="020B0604020202020204" pitchFamily="34" charset="0"/>
-              <a:buChar char="•"/>
-            </a:pPr>
-            <a:r>
-              <a:rPr lang="en-US" dirty="0"/>
-              <a:t>Examples: docker, load balancer, multi-instance</a:t>
-            </a:r>
-          </a:p>
-          <a:p>
-            <a:pPr marL="742950" lvl="1" indent="-285750">
-              <a:buFont typeface="Arial" panose="020B0604020202020204" pitchFamily="34" charset="0"/>
-              <a:buChar char="•"/>
-            </a:pPr>
-            <a:endParaRPr lang="en-US" dirty="0"/>
-          </a:p>
-          <a:p>
-            <a:pPr marL="285750" indent="-285750">
-              <a:buFont typeface="Arial" panose="020B0604020202020204" pitchFamily="34" charset="0"/>
-              <a:buChar char="•"/>
-            </a:pPr>
-            <a:r>
-              <a:rPr lang="en-US" dirty="0"/>
-              <a:t>Https development not set up (except for auth)</a:t>
-            </a:r>
-          </a:p>
-          <a:p>
-            <a:endParaRPr lang="en-US" dirty="0"/>
+              <a:t>Check to see if load balancers are listening on ports other than 443</a:t>
+            </a:r>
           </a:p>
           <a:p>
             <a:pPr marL="285750" indent="-285750">
@@ -27335,7 +32404,7 @@
                   <a:schemeClr val="bg1"/>
                 </a:solidFill>
               </a:rPr>
-              <a:t>The Solution</a:t>
+              <a:t>The Problem</a:t>
             </a:r>
             <a:endParaRPr lang="en-US" sz="1800" dirty="0">
               <a:solidFill>
@@ -27360,7 +32429,7 @@
         <p:spPr>
           <a:xfrm>
             <a:off x="334229" y="952237"/>
-            <a:ext cx="8515409" cy="3893374"/>
+            <a:ext cx="8515409" cy="3970318"/>
           </a:xfrm>
           <a:prstGeom prst="rect">
             <a:avLst/>
@@ -27375,7 +32444,23 @@
           <a:p>
             <a:r>
               <a:rPr lang="en-US" b="1" dirty="0"/>
-              <a:t>Setup docker-compose to mimic “Production” environment</a:t>
+              <a:t>Ensure Identity API is enforcing HSTS headers</a:t>
+            </a:r>
+          </a:p>
+          <a:p>
+            <a:endParaRPr lang="en-US" b="1" dirty="0"/>
+          </a:p>
+          <a:p>
+            <a:endParaRPr lang="en-US" b="1" dirty="0"/>
+          </a:p>
+          <a:p>
+            <a:r>
+              <a:rPr lang="en-US" b="1" dirty="0"/>
+              <a:t>Roadblocks</a:t>
+            </a:r>
+            <a:r>
+              <a:rPr lang="en-US" dirty="0"/>
+              <a:t>:</a:t>
             </a:r>
           </a:p>
           <a:p>
@@ -27383,28 +32468,6 @@
               <a:buFont typeface="Arial" panose="020B0604020202020204" pitchFamily="34" charset="0"/>
               <a:buChar char="•"/>
             </a:pPr>
-            <a:r>
-              <a:rPr lang="en-US" dirty="0"/>
-              <a:t>Will allow me to see similar behavior to a production environment</a:t>
-            </a:r>
-          </a:p>
-          <a:p>
-            <a:endParaRPr lang="en-US" b="1" dirty="0"/>
-          </a:p>
-          <a:p>
-            <a:r>
-              <a:rPr lang="en-US" b="1" dirty="0"/>
-              <a:t>Roadblocks</a:t>
-            </a:r>
-            <a:r>
-              <a:rPr lang="en-US" dirty="0"/>
-              <a:t>:</a:t>
-            </a:r>
-          </a:p>
-          <a:p>
-            <a:endParaRPr lang="en-US" dirty="0"/>
-          </a:p>
-          <a:p>
             <a:endParaRPr lang="en-US" dirty="0"/>
           </a:p>
           <a:p>
@@ -27414,8 +32477,21 @@
             </a:pPr>
             <a:r>
               <a:rPr lang="en-US" dirty="0"/>
-              <a:t>Learn docker-compose</a:t>
-            </a:r>
+              <a:t>Production environment differs from Development environment</a:t>
+            </a:r>
+          </a:p>
+          <a:p>
+            <a:pPr marL="742950" lvl="1" indent="-285750">
+              <a:buFont typeface="Arial" panose="020B0604020202020204" pitchFamily="34" charset="0"/>
+              <a:buChar char="•"/>
+            </a:pPr>
+            <a:r>
+              <a:rPr lang="en-US" dirty="0"/>
+              <a:t>Examples: docker, load balancer, multi-instance</a:t>
+            </a:r>
+          </a:p>
+          <a:p>
+            <a:endParaRPr lang="en-US" dirty="0"/>
           </a:p>
           <a:p>
             <a:pPr marL="285750" indent="-285750">
@@ -27424,7 +32500,7 @@
             </a:pPr>
             <a:r>
               <a:rPr lang="en-US" dirty="0"/>
-              <a:t>Learn how to load balance services in docker-compose</a:t>
+              <a:t>Local development usually has this setting turned off because https is not enforced</a:t>
             </a:r>
           </a:p>
           <a:p>
@@ -27432,10 +32508,7 @@
               <a:buFont typeface="Arial" panose="020B0604020202020204" pitchFamily="34" charset="0"/>
               <a:buChar char="•"/>
             </a:pPr>
-            <a:r>
-              <a:rPr lang="en-US" dirty="0"/>
-              <a:t>Learn OpenSSL</a:t>
-            </a:r>
+            <a:endParaRPr lang="en-US" dirty="0"/>
           </a:p>
           <a:p>
             <a:pPr marL="285750" indent="-285750">
@@ -27443,114 +32516,26 @@
               <a:buChar char="•"/>
             </a:pPr>
             <a:r>
-              <a:rPr lang="en-US" sz="1600" dirty="0"/>
-              <a:t>Learn how certificates work</a:t>
-            </a:r>
+              <a:rPr lang="en-US" dirty="0"/>
+              <a:t>Https development not set up (except for auth)</a:t>
+            </a:r>
+          </a:p>
+          <a:p>
+            <a:endParaRPr lang="en-US" dirty="0"/>
           </a:p>
           <a:p>
             <a:pPr marL="285750" indent="-285750">
               <a:buFont typeface="Arial" panose="020B0604020202020204" pitchFamily="34" charset="0"/>
               <a:buChar char="•"/>
             </a:pPr>
-            <a:r>
-              <a:rPr lang="en-US" sz="1400" dirty="0"/>
-              <a:t>Learn how to create/modify certificates</a:t>
-            </a:r>
-          </a:p>
-          <a:p>
-            <a:pPr marL="285750" indent="-285750">
-              <a:buFont typeface="Arial" panose="020B0604020202020204" pitchFamily="34" charset="0"/>
-              <a:buChar char="•"/>
-            </a:pPr>
-            <a:r>
-              <a:rPr lang="en-US" sz="1200" dirty="0"/>
-              <a:t>Learn how OUR certificates work</a:t>
-            </a:r>
-          </a:p>
-          <a:p>
-            <a:pPr marL="285750" indent="-285750">
-              <a:buFont typeface="Arial" panose="020B0604020202020204" pitchFamily="34" charset="0"/>
-              <a:buChar char="•"/>
-            </a:pPr>
-            <a:r>
-              <a:rPr lang="en-US" sz="1000" dirty="0"/>
-              <a:t>Learn how docker containers interact with certificates</a:t>
-            </a:r>
-          </a:p>
-          <a:p>
-            <a:pPr marL="285750" indent="-285750">
-              <a:buFont typeface="Arial" panose="020B0604020202020204" pitchFamily="34" charset="0"/>
-              <a:buChar char="•"/>
-            </a:pPr>
-            <a:r>
-              <a:rPr lang="en-US" sz="800" dirty="0"/>
-              <a:t>Learn that different distributions of </a:t>
-            </a:r>
-            <a:r>
-              <a:rPr lang="en-US" sz="800" dirty="0" err="1"/>
-              <a:t>linux</a:t>
-            </a:r>
-            <a:r>
-              <a:rPr lang="en-US" sz="800" dirty="0"/>
-              <a:t> handle certificates differently</a:t>
-            </a:r>
-          </a:p>
-          <a:p>
-            <a:pPr marL="285750" indent="-285750">
-              <a:buFont typeface="Arial" panose="020B0604020202020204" pitchFamily="34" charset="0"/>
-              <a:buChar char="•"/>
-            </a:pPr>
-            <a:r>
-              <a:rPr lang="en-US" sz="700" dirty="0"/>
-              <a:t>Learn how to use Docker networks to communicate between containers</a:t>
-            </a:r>
-          </a:p>
-          <a:p>
-            <a:pPr marL="285750" indent="-285750">
-              <a:buFont typeface="Arial" panose="020B0604020202020204" pitchFamily="34" charset="0"/>
-              <a:buChar char="•"/>
-            </a:pPr>
-            <a:r>
-              <a:rPr lang="en-US" sz="600" dirty="0"/>
-              <a:t>Learn how to get docker containers to communicate over https</a:t>
-            </a:r>
-          </a:p>
-          <a:p>
-            <a:pPr marL="285750" indent="-285750">
-              <a:buFont typeface="Arial" panose="020B0604020202020204" pitchFamily="34" charset="0"/>
-              <a:buChar char="•"/>
-            </a:pPr>
-            <a:r>
-              <a:rPr lang="en-US" sz="500" dirty="0"/>
-              <a:t>Learn how the proper way to enable HSTS in dotnet core</a:t>
-            </a:r>
-          </a:p>
-          <a:p>
-            <a:pPr marL="285750" indent="-285750">
-              <a:buFont typeface="Arial" panose="020B0604020202020204" pitchFamily="34" charset="0"/>
-              <a:buChar char="•"/>
-            </a:pPr>
-            <a:r>
-              <a:rPr lang="en-US" sz="400" dirty="0"/>
-              <a:t>Figure out why nothing is working</a:t>
-            </a:r>
-          </a:p>
-          <a:p>
-            <a:pPr marL="285750" indent="-285750">
-              <a:buFont typeface="Arial" panose="020B0604020202020204" pitchFamily="34" charset="0"/>
-              <a:buChar char="•"/>
-            </a:pPr>
-            <a:r>
-              <a:rPr lang="en-US" sz="300" dirty="0"/>
-              <a:t>Cry</a:t>
-            </a:r>
+            <a:endParaRPr lang="en-US" dirty="0"/>
           </a:p>
         </p:txBody>
       </p:sp>
     </p:spTree>
     <p:extLst>
       <p:ext uri="{BB962C8B-B14F-4D97-AF65-F5344CB8AC3E}">
-        <p14:creationId xmlns:p14="http://schemas.microsoft.com/office/powerpoint/2010/main" val="2136268077"/>
+        <p14:creationId xmlns:p14="http://schemas.microsoft.com/office/powerpoint/2010/main" val="3458866643"/>
       </p:ext>
     </p:extLst>
   </p:cSld>
@@ -27794,6 +32779,441 @@
         </p:nvSpPr>
         <p:spPr>
           <a:xfrm>
+            <a:off x="334229" y="952237"/>
+            <a:ext cx="8515409" cy="4170372"/>
+          </a:xfrm>
+          <a:prstGeom prst="rect">
+            <a:avLst/>
+          </a:prstGeom>
+          <a:noFill/>
+        </p:spPr>
+        <p:txBody>
+          <a:bodyPr wrap="square" rtlCol="0">
+            <a:spAutoFit/>
+          </a:bodyPr>
+          <a:lstStyle/>
+          <a:p>
+            <a:r>
+              <a:rPr lang="en-US" b="1" dirty="0"/>
+              <a:t>Setup docker-compose to mimic “Production” environment</a:t>
+            </a:r>
+          </a:p>
+          <a:p>
+            <a:pPr marL="285750" indent="-285750">
+              <a:buFont typeface="Arial" panose="020B0604020202020204" pitchFamily="34" charset="0"/>
+              <a:buChar char="•"/>
+            </a:pPr>
+            <a:r>
+              <a:rPr lang="en-US" dirty="0"/>
+              <a:t>A docker-compose environment will produce load balancers and forwarded header behavior similar to AWS.</a:t>
+            </a:r>
+          </a:p>
+          <a:p>
+            <a:endParaRPr lang="en-US" b="1" dirty="0"/>
+          </a:p>
+          <a:p>
+            <a:endParaRPr lang="en-US" b="1" dirty="0"/>
+          </a:p>
+          <a:p>
+            <a:r>
+              <a:rPr lang="en-US" b="1" dirty="0"/>
+              <a:t>Roadblocks</a:t>
+            </a:r>
+            <a:r>
+              <a:rPr lang="en-US" dirty="0"/>
+              <a:t>:</a:t>
+            </a:r>
+          </a:p>
+          <a:p>
+            <a:endParaRPr lang="en-US" dirty="0"/>
+          </a:p>
+          <a:p>
+            <a:pPr marL="285750" indent="-285750">
+              <a:buFont typeface="Arial" panose="020B0604020202020204" pitchFamily="34" charset="0"/>
+              <a:buChar char="•"/>
+            </a:pPr>
+            <a:r>
+              <a:rPr lang="en-US" dirty="0"/>
+              <a:t>Learn docker-compose</a:t>
+            </a:r>
+          </a:p>
+          <a:p>
+            <a:pPr marL="285750" indent="-285750">
+              <a:buFont typeface="Arial" panose="020B0604020202020204" pitchFamily="34" charset="0"/>
+              <a:buChar char="•"/>
+            </a:pPr>
+            <a:r>
+              <a:rPr lang="en-US" dirty="0"/>
+              <a:t>Learn how to load balance services in docker-compose</a:t>
+            </a:r>
+          </a:p>
+          <a:p>
+            <a:pPr marL="285750" indent="-285750">
+              <a:buFont typeface="Arial" panose="020B0604020202020204" pitchFamily="34" charset="0"/>
+              <a:buChar char="•"/>
+            </a:pPr>
+            <a:r>
+              <a:rPr lang="en-US" dirty="0"/>
+              <a:t>Learn OpenSSL</a:t>
+            </a:r>
+          </a:p>
+          <a:p>
+            <a:pPr marL="285750" indent="-285750">
+              <a:buFont typeface="Arial" panose="020B0604020202020204" pitchFamily="34" charset="0"/>
+              <a:buChar char="•"/>
+            </a:pPr>
+            <a:r>
+              <a:rPr lang="en-US" sz="1600" dirty="0"/>
+              <a:t>Learn how certificates work</a:t>
+            </a:r>
+          </a:p>
+          <a:p>
+            <a:pPr marL="285750" indent="-285750">
+              <a:buFont typeface="Arial" panose="020B0604020202020204" pitchFamily="34" charset="0"/>
+              <a:buChar char="•"/>
+            </a:pPr>
+            <a:r>
+              <a:rPr lang="en-US" sz="1400" dirty="0"/>
+              <a:t>Learn how to create/modify certificates</a:t>
+            </a:r>
+          </a:p>
+          <a:p>
+            <a:pPr marL="285750" indent="-285750">
+              <a:buFont typeface="Arial" panose="020B0604020202020204" pitchFamily="34" charset="0"/>
+              <a:buChar char="•"/>
+            </a:pPr>
+            <a:r>
+              <a:rPr lang="en-US" sz="1200" dirty="0"/>
+              <a:t>Learn how OUR certificates work</a:t>
+            </a:r>
+          </a:p>
+          <a:p>
+            <a:pPr marL="285750" indent="-285750">
+              <a:buFont typeface="Arial" panose="020B0604020202020204" pitchFamily="34" charset="0"/>
+              <a:buChar char="•"/>
+            </a:pPr>
+            <a:r>
+              <a:rPr lang="en-US" sz="1000" dirty="0"/>
+              <a:t>Learn how docker containers interact with certificates</a:t>
+            </a:r>
+          </a:p>
+          <a:p>
+            <a:pPr marL="285750" indent="-285750">
+              <a:buFont typeface="Arial" panose="020B0604020202020204" pitchFamily="34" charset="0"/>
+              <a:buChar char="•"/>
+            </a:pPr>
+            <a:r>
+              <a:rPr lang="en-US" sz="800" dirty="0"/>
+              <a:t>Learn that different distributions of </a:t>
+            </a:r>
+            <a:r>
+              <a:rPr lang="en-US" sz="800" dirty="0" err="1"/>
+              <a:t>linux</a:t>
+            </a:r>
+            <a:r>
+              <a:rPr lang="en-US" sz="800" dirty="0"/>
+              <a:t> handle certificates differently</a:t>
+            </a:r>
+          </a:p>
+          <a:p>
+            <a:pPr marL="285750" indent="-285750">
+              <a:buFont typeface="Arial" panose="020B0604020202020204" pitchFamily="34" charset="0"/>
+              <a:buChar char="•"/>
+            </a:pPr>
+            <a:r>
+              <a:rPr lang="en-US" sz="700" dirty="0"/>
+              <a:t>Learn how to use Docker networks to communicate between containers</a:t>
+            </a:r>
+          </a:p>
+          <a:p>
+            <a:pPr marL="285750" indent="-285750">
+              <a:buFont typeface="Arial" panose="020B0604020202020204" pitchFamily="34" charset="0"/>
+              <a:buChar char="•"/>
+            </a:pPr>
+            <a:r>
+              <a:rPr lang="en-US" sz="600" dirty="0"/>
+              <a:t>Learn how to get docker containers to communicate over https</a:t>
+            </a:r>
+          </a:p>
+          <a:p>
+            <a:pPr marL="285750" indent="-285750">
+              <a:buFont typeface="Arial" panose="020B0604020202020204" pitchFamily="34" charset="0"/>
+              <a:buChar char="•"/>
+            </a:pPr>
+            <a:r>
+              <a:rPr lang="en-US" sz="500" dirty="0"/>
+              <a:t>Learn how the proper way to enable HSTS in dotnet core</a:t>
+            </a:r>
+          </a:p>
+          <a:p>
+            <a:pPr marL="285750" indent="-285750">
+              <a:buFont typeface="Arial" panose="020B0604020202020204" pitchFamily="34" charset="0"/>
+              <a:buChar char="•"/>
+            </a:pPr>
+            <a:r>
+              <a:rPr lang="en-US" sz="400" dirty="0"/>
+              <a:t>Figure out why nothing is working</a:t>
+            </a:r>
+          </a:p>
+          <a:p>
+            <a:pPr marL="285750" indent="-285750">
+              <a:buFont typeface="Arial" panose="020B0604020202020204" pitchFamily="34" charset="0"/>
+              <a:buChar char="•"/>
+            </a:pPr>
+            <a:r>
+              <a:rPr lang="en-US" sz="300" dirty="0"/>
+              <a:t>Cry</a:t>
+            </a:r>
+          </a:p>
+        </p:txBody>
+      </p:sp>
+    </p:spTree>
+    <p:extLst>
+      <p:ext uri="{BB962C8B-B14F-4D97-AF65-F5344CB8AC3E}">
+        <p14:creationId xmlns:p14="http://schemas.microsoft.com/office/powerpoint/2010/main" val="2136268077"/>
+      </p:ext>
+    </p:extLst>
+  </p:cSld>
+  <p:clrMapOvr>
+    <a:masterClrMapping/>
+  </p:clrMapOvr>
+  <p:transition spd="slow">
+    <p:push dir="u"/>
+  </p:transition>
+</p:sld>
+</file>
+
+<file path=ppt/slides/slide6.xml><?xml version="1.0" encoding="utf-8"?>
+<p:sld xmlns:a="http://schemas.openxmlformats.org/drawingml/2006/main" xmlns:r="http://schemas.openxmlformats.org/officeDocument/2006/relationships" xmlns:p="http://schemas.openxmlformats.org/presentationml/2006/main">
+  <p:cSld>
+    <p:spTree>
+      <p:nvGrpSpPr>
+        <p:cNvPr id="1" name=""/>
+        <p:cNvGrpSpPr/>
+        <p:nvPr/>
+      </p:nvGrpSpPr>
+      <p:grpSpPr>
+        <a:xfrm>
+          <a:off x="0" y="0"/>
+          <a:ext cx="0" cy="0"/>
+          <a:chOff x="0" y="0"/>
+          <a:chExt cx="0" cy="0"/>
+        </a:xfrm>
+      </p:grpSpPr>
+      <p:sp>
+        <p:nvSpPr>
+          <p:cNvPr id="6" name="Title 2">
+            <a:extLst>
+              <a:ext uri="{FF2B5EF4-FFF2-40B4-BE49-F238E27FC236}">
+                <a16:creationId xmlns:a16="http://schemas.microsoft.com/office/drawing/2014/main" id="{1197155A-0D4A-1C4F-9B36-DF485A991274}"/>
+              </a:ext>
+            </a:extLst>
+          </p:cNvPr>
+          <p:cNvSpPr txBox="1">
+            <a:spLocks/>
+          </p:cNvSpPr>
+          <p:nvPr/>
+        </p:nvSpPr>
+        <p:spPr>
+          <a:xfrm>
+            <a:off x="2983229" y="22860"/>
+            <a:ext cx="6063399" cy="366470"/>
+          </a:xfrm>
+          <a:prstGeom prst="rect">
+            <a:avLst/>
+          </a:prstGeom>
+        </p:spPr>
+        <p:txBody>
+          <a:bodyPr/>
+          <a:lstStyle>
+            <a:lvl1pPr algn="l" defTabSz="685800" rtl="0" eaLnBrk="1" fontAlgn="base" hangingPunct="1">
+              <a:lnSpc>
+                <a:spcPct val="90000"/>
+              </a:lnSpc>
+              <a:spcBef>
+                <a:spcPct val="0"/>
+              </a:spcBef>
+              <a:spcAft>
+                <a:spcPct val="0"/>
+              </a:spcAft>
+              <a:defRPr sz="3300" kern="1200">
+                <a:solidFill>
+                  <a:srgbClr val="101C32"/>
+                </a:solidFill>
+                <a:latin typeface="+mn-lt"/>
+                <a:ea typeface="+mj-ea"/>
+                <a:cs typeface="+mj-cs"/>
+              </a:defRPr>
+            </a:lvl1pPr>
+            <a:lvl2pPr algn="l" defTabSz="685800" rtl="0" eaLnBrk="1" fontAlgn="base" hangingPunct="1">
+              <a:lnSpc>
+                <a:spcPct val="90000"/>
+              </a:lnSpc>
+              <a:spcBef>
+                <a:spcPct val="0"/>
+              </a:spcBef>
+              <a:spcAft>
+                <a:spcPct val="0"/>
+              </a:spcAft>
+              <a:defRPr sz="3300">
+                <a:solidFill>
+                  <a:srgbClr val="101C32"/>
+                </a:solidFill>
+                <a:latin typeface="Arial" panose="020B0604020202020204" pitchFamily="34" charset="0"/>
+              </a:defRPr>
+            </a:lvl2pPr>
+            <a:lvl3pPr algn="l" defTabSz="685800" rtl="0" eaLnBrk="1" fontAlgn="base" hangingPunct="1">
+              <a:lnSpc>
+                <a:spcPct val="90000"/>
+              </a:lnSpc>
+              <a:spcBef>
+                <a:spcPct val="0"/>
+              </a:spcBef>
+              <a:spcAft>
+                <a:spcPct val="0"/>
+              </a:spcAft>
+              <a:defRPr sz="3300">
+                <a:solidFill>
+                  <a:srgbClr val="101C32"/>
+                </a:solidFill>
+                <a:latin typeface="Arial" panose="020B0604020202020204" pitchFamily="34" charset="0"/>
+              </a:defRPr>
+            </a:lvl3pPr>
+            <a:lvl4pPr algn="l" defTabSz="685800" rtl="0" eaLnBrk="1" fontAlgn="base" hangingPunct="1">
+              <a:lnSpc>
+                <a:spcPct val="90000"/>
+              </a:lnSpc>
+              <a:spcBef>
+                <a:spcPct val="0"/>
+              </a:spcBef>
+              <a:spcAft>
+                <a:spcPct val="0"/>
+              </a:spcAft>
+              <a:defRPr sz="3300">
+                <a:solidFill>
+                  <a:srgbClr val="101C32"/>
+                </a:solidFill>
+                <a:latin typeface="Arial" panose="020B0604020202020204" pitchFamily="34" charset="0"/>
+              </a:defRPr>
+            </a:lvl4pPr>
+            <a:lvl5pPr algn="l" defTabSz="685800" rtl="0" eaLnBrk="1" fontAlgn="base" hangingPunct="1">
+              <a:lnSpc>
+                <a:spcPct val="90000"/>
+              </a:lnSpc>
+              <a:spcBef>
+                <a:spcPct val="0"/>
+              </a:spcBef>
+              <a:spcAft>
+                <a:spcPct val="0"/>
+              </a:spcAft>
+              <a:defRPr sz="3300">
+                <a:solidFill>
+                  <a:srgbClr val="101C32"/>
+                </a:solidFill>
+                <a:latin typeface="Arial" panose="020B0604020202020204" pitchFamily="34" charset="0"/>
+              </a:defRPr>
+            </a:lvl5pPr>
+            <a:lvl6pPr marL="457200" algn="l" defTabSz="685800" rtl="0" eaLnBrk="1" fontAlgn="base" hangingPunct="1">
+              <a:lnSpc>
+                <a:spcPct val="90000"/>
+              </a:lnSpc>
+              <a:spcBef>
+                <a:spcPct val="0"/>
+              </a:spcBef>
+              <a:spcAft>
+                <a:spcPct val="0"/>
+              </a:spcAft>
+              <a:defRPr sz="3300">
+                <a:solidFill>
+                  <a:srgbClr val="101C32"/>
+                </a:solidFill>
+                <a:latin typeface="Arial" panose="020B0604020202020204" pitchFamily="34" charset="0"/>
+              </a:defRPr>
+            </a:lvl6pPr>
+            <a:lvl7pPr marL="914400" algn="l" defTabSz="685800" rtl="0" eaLnBrk="1" fontAlgn="base" hangingPunct="1">
+              <a:lnSpc>
+                <a:spcPct val="90000"/>
+              </a:lnSpc>
+              <a:spcBef>
+                <a:spcPct val="0"/>
+              </a:spcBef>
+              <a:spcAft>
+                <a:spcPct val="0"/>
+              </a:spcAft>
+              <a:defRPr sz="3300">
+                <a:solidFill>
+                  <a:srgbClr val="101C32"/>
+                </a:solidFill>
+                <a:latin typeface="Arial" panose="020B0604020202020204" pitchFamily="34" charset="0"/>
+              </a:defRPr>
+            </a:lvl7pPr>
+            <a:lvl8pPr marL="1371600" algn="l" defTabSz="685800" rtl="0" eaLnBrk="1" fontAlgn="base" hangingPunct="1">
+              <a:lnSpc>
+                <a:spcPct val="90000"/>
+              </a:lnSpc>
+              <a:spcBef>
+                <a:spcPct val="0"/>
+              </a:spcBef>
+              <a:spcAft>
+                <a:spcPct val="0"/>
+              </a:spcAft>
+              <a:defRPr sz="3300">
+                <a:solidFill>
+                  <a:srgbClr val="101C32"/>
+                </a:solidFill>
+                <a:latin typeface="Arial" panose="020B0604020202020204" pitchFamily="34" charset="0"/>
+              </a:defRPr>
+            </a:lvl8pPr>
+            <a:lvl9pPr marL="1828800" algn="l" defTabSz="685800" rtl="0" eaLnBrk="1" fontAlgn="base" hangingPunct="1">
+              <a:lnSpc>
+                <a:spcPct val="90000"/>
+              </a:lnSpc>
+              <a:spcBef>
+                <a:spcPct val="0"/>
+              </a:spcBef>
+              <a:spcAft>
+                <a:spcPct val="0"/>
+              </a:spcAft>
+              <a:defRPr sz="3300">
+                <a:solidFill>
+                  <a:srgbClr val="101C32"/>
+                </a:solidFill>
+                <a:latin typeface="Arial" panose="020B0604020202020204" pitchFamily="34" charset="0"/>
+              </a:defRPr>
+            </a:lvl9pPr>
+          </a:lstStyle>
+          <a:p>
+            <a:pPr algn="r"/>
+            <a:r>
+              <a:rPr lang="en-US" sz="2000" dirty="0">
+                <a:solidFill>
+                  <a:schemeClr val="bg1"/>
+                </a:solidFill>
+              </a:rPr>
+              <a:t>The Solution</a:t>
+            </a:r>
+            <a:endParaRPr lang="en-US" sz="1800" dirty="0">
+              <a:solidFill>
+                <a:schemeClr val="bg1"/>
+              </a:solidFill>
+            </a:endParaRPr>
+          </a:p>
+        </p:txBody>
+      </p:sp>
+      <p:sp>
+        <p:nvSpPr>
+          <p:cNvPr id="4" name="TextBox 3">
+            <a:extLst>
+              <a:ext uri="{FF2B5EF4-FFF2-40B4-BE49-F238E27FC236}">
+                <a16:creationId xmlns:a16="http://schemas.microsoft.com/office/drawing/2014/main" id="{351E314F-7837-8F40-BE70-413121A53EC8}"/>
+              </a:ext>
+            </a:extLst>
+          </p:cNvPr>
+          <p:cNvSpPr txBox="1"/>
+          <p:nvPr/>
+        </p:nvSpPr>
+        <p:spPr>
+          <a:xfrm>
             <a:off x="314294" y="593701"/>
             <a:ext cx="8515409" cy="646331"/>
           </a:xfrm>
@@ -27840,8 +33260,1045 @@
         </p:blipFill>
         <p:spPr>
           <a:xfrm>
-            <a:off x="1555738" y="1002090"/>
+            <a:off x="314294" y="1002090"/>
             <a:ext cx="6032524" cy="4712910"/>
+          </a:xfrm>
+          <a:prstGeom prst="rect">
+            <a:avLst/>
+          </a:prstGeom>
+        </p:spPr>
+      </p:pic>
+      <p:sp>
+        <p:nvSpPr>
+          <p:cNvPr id="7" name="TextBox 6">
+            <a:extLst>
+              <a:ext uri="{FF2B5EF4-FFF2-40B4-BE49-F238E27FC236}">
+                <a16:creationId xmlns:a16="http://schemas.microsoft.com/office/drawing/2014/main" id="{FB7CE40D-1880-401E-9E6B-FE0602BFB866}"/>
+              </a:ext>
+            </a:extLst>
+          </p:cNvPr>
+          <p:cNvSpPr txBox="1"/>
+          <p:nvPr/>
+        </p:nvSpPr>
+        <p:spPr>
+          <a:xfrm>
+            <a:off x="6621443" y="1240032"/>
+            <a:ext cx="1933635" cy="3662541"/>
+          </a:xfrm>
+          <a:prstGeom prst="rect">
+            <a:avLst/>
+          </a:prstGeom>
+          <a:noFill/>
+        </p:spPr>
+        <p:txBody>
+          <a:bodyPr wrap="square" rtlCol="0">
+            <a:spAutoFit/>
+          </a:bodyPr>
+          <a:lstStyle/>
+          <a:p>
+            <a:r>
+              <a:rPr lang="en-US" dirty="0"/>
+              <a:t>Things to note:</a:t>
+            </a:r>
+          </a:p>
+          <a:p>
+            <a:endParaRPr lang="en-US" dirty="0"/>
+          </a:p>
+          <a:p>
+            <a:pPr marL="285750" indent="-285750">
+              <a:buFont typeface="Arial" panose="020B0604020202020204" pitchFamily="34" charset="0"/>
+              <a:buChar char="•"/>
+            </a:pPr>
+            <a:r>
+              <a:rPr lang="en-US" sz="1400" dirty="0"/>
+              <a:t>NGINX is terminating SSL connections</a:t>
+            </a:r>
+          </a:p>
+          <a:p>
+            <a:r>
+              <a:rPr lang="en-US" sz="1400" dirty="0"/>
+              <a:t>	</a:t>
+            </a:r>
+          </a:p>
+          <a:p>
+            <a:r>
+              <a:rPr lang="en-US" sz="1400" dirty="0"/>
+              <a:t>(because of that)</a:t>
+            </a:r>
+          </a:p>
+          <a:p>
+            <a:endParaRPr lang="en-US" sz="1400" dirty="0"/>
+          </a:p>
+          <a:p>
+            <a:pPr marL="285750" indent="-285750">
+              <a:buFont typeface="Arial" panose="020B0604020202020204" pitchFamily="34" charset="0"/>
+              <a:buChar char="•"/>
+            </a:pPr>
+            <a:r>
+              <a:rPr lang="en-US" sz="1400" dirty="0"/>
+              <a:t>NGINX must forward the correct headers</a:t>
+            </a:r>
+          </a:p>
+          <a:p>
+            <a:endParaRPr lang="en-US" sz="1400" dirty="0"/>
+          </a:p>
+          <a:p>
+            <a:pPr marL="285750" indent="-285750">
+              <a:buFont typeface="Arial" panose="020B0604020202020204" pitchFamily="34" charset="0"/>
+              <a:buChar char="•"/>
+            </a:pPr>
+            <a:r>
+              <a:rPr lang="en-US" sz="1400" dirty="0"/>
+              <a:t>Service 1 communicates with Service 2 over HTTPS</a:t>
+            </a:r>
+          </a:p>
+        </p:txBody>
+      </p:sp>
+    </p:spTree>
+    <p:extLst>
+      <p:ext uri="{BB962C8B-B14F-4D97-AF65-F5344CB8AC3E}">
+        <p14:creationId xmlns:p14="http://schemas.microsoft.com/office/powerpoint/2010/main" val="4090525222"/>
+      </p:ext>
+    </p:extLst>
+  </p:cSld>
+  <p:clrMapOvr>
+    <a:masterClrMapping/>
+  </p:clrMapOvr>
+  <p:transition spd="slow">
+    <p:push dir="u"/>
+  </p:transition>
+</p:sld>
+</file>
+
+<file path=ppt/slides/slide7.xml><?xml version="1.0" encoding="utf-8"?>
+<p:sld xmlns:a="http://schemas.openxmlformats.org/drawingml/2006/main" xmlns:r="http://schemas.openxmlformats.org/officeDocument/2006/relationships" xmlns:p="http://schemas.openxmlformats.org/presentationml/2006/main">
+  <p:cSld>
+    <p:spTree>
+      <p:nvGrpSpPr>
+        <p:cNvPr id="1" name=""/>
+        <p:cNvGrpSpPr/>
+        <p:nvPr/>
+      </p:nvGrpSpPr>
+      <p:grpSpPr>
+        <a:xfrm>
+          <a:off x="0" y="0"/>
+          <a:ext cx="0" cy="0"/>
+          <a:chOff x="0" y="0"/>
+          <a:chExt cx="0" cy="0"/>
+        </a:xfrm>
+      </p:grpSpPr>
+      <p:sp>
+        <p:nvSpPr>
+          <p:cNvPr id="6" name="Title 2">
+            <a:extLst>
+              <a:ext uri="{FF2B5EF4-FFF2-40B4-BE49-F238E27FC236}">
+                <a16:creationId xmlns:a16="http://schemas.microsoft.com/office/drawing/2014/main" id="{1197155A-0D4A-1C4F-9B36-DF485A991274}"/>
+              </a:ext>
+            </a:extLst>
+          </p:cNvPr>
+          <p:cNvSpPr txBox="1">
+            <a:spLocks/>
+          </p:cNvSpPr>
+          <p:nvPr/>
+        </p:nvSpPr>
+        <p:spPr>
+          <a:xfrm>
+            <a:off x="2983229" y="22860"/>
+            <a:ext cx="6063399" cy="366470"/>
+          </a:xfrm>
+          <a:prstGeom prst="rect">
+            <a:avLst/>
+          </a:prstGeom>
+        </p:spPr>
+        <p:txBody>
+          <a:bodyPr/>
+          <a:lstStyle>
+            <a:lvl1pPr algn="l" defTabSz="685800" rtl="0" eaLnBrk="1" fontAlgn="base" hangingPunct="1">
+              <a:lnSpc>
+                <a:spcPct val="90000"/>
+              </a:lnSpc>
+              <a:spcBef>
+                <a:spcPct val="0"/>
+              </a:spcBef>
+              <a:spcAft>
+                <a:spcPct val="0"/>
+              </a:spcAft>
+              <a:defRPr sz="3300" kern="1200">
+                <a:solidFill>
+                  <a:srgbClr val="101C32"/>
+                </a:solidFill>
+                <a:latin typeface="+mn-lt"/>
+                <a:ea typeface="+mj-ea"/>
+                <a:cs typeface="+mj-cs"/>
+              </a:defRPr>
+            </a:lvl1pPr>
+            <a:lvl2pPr algn="l" defTabSz="685800" rtl="0" eaLnBrk="1" fontAlgn="base" hangingPunct="1">
+              <a:lnSpc>
+                <a:spcPct val="90000"/>
+              </a:lnSpc>
+              <a:spcBef>
+                <a:spcPct val="0"/>
+              </a:spcBef>
+              <a:spcAft>
+                <a:spcPct val="0"/>
+              </a:spcAft>
+              <a:defRPr sz="3300">
+                <a:solidFill>
+                  <a:srgbClr val="101C32"/>
+                </a:solidFill>
+                <a:latin typeface="Arial" panose="020B0604020202020204" pitchFamily="34" charset="0"/>
+              </a:defRPr>
+            </a:lvl2pPr>
+            <a:lvl3pPr algn="l" defTabSz="685800" rtl="0" eaLnBrk="1" fontAlgn="base" hangingPunct="1">
+              <a:lnSpc>
+                <a:spcPct val="90000"/>
+              </a:lnSpc>
+              <a:spcBef>
+                <a:spcPct val="0"/>
+              </a:spcBef>
+              <a:spcAft>
+                <a:spcPct val="0"/>
+              </a:spcAft>
+              <a:defRPr sz="3300">
+                <a:solidFill>
+                  <a:srgbClr val="101C32"/>
+                </a:solidFill>
+                <a:latin typeface="Arial" panose="020B0604020202020204" pitchFamily="34" charset="0"/>
+              </a:defRPr>
+            </a:lvl3pPr>
+            <a:lvl4pPr algn="l" defTabSz="685800" rtl="0" eaLnBrk="1" fontAlgn="base" hangingPunct="1">
+              <a:lnSpc>
+                <a:spcPct val="90000"/>
+              </a:lnSpc>
+              <a:spcBef>
+                <a:spcPct val="0"/>
+              </a:spcBef>
+              <a:spcAft>
+                <a:spcPct val="0"/>
+              </a:spcAft>
+              <a:defRPr sz="3300">
+                <a:solidFill>
+                  <a:srgbClr val="101C32"/>
+                </a:solidFill>
+                <a:latin typeface="Arial" panose="020B0604020202020204" pitchFamily="34" charset="0"/>
+              </a:defRPr>
+            </a:lvl4pPr>
+            <a:lvl5pPr algn="l" defTabSz="685800" rtl="0" eaLnBrk="1" fontAlgn="base" hangingPunct="1">
+              <a:lnSpc>
+                <a:spcPct val="90000"/>
+              </a:lnSpc>
+              <a:spcBef>
+                <a:spcPct val="0"/>
+              </a:spcBef>
+              <a:spcAft>
+                <a:spcPct val="0"/>
+              </a:spcAft>
+              <a:defRPr sz="3300">
+                <a:solidFill>
+                  <a:srgbClr val="101C32"/>
+                </a:solidFill>
+                <a:latin typeface="Arial" panose="020B0604020202020204" pitchFamily="34" charset="0"/>
+              </a:defRPr>
+            </a:lvl5pPr>
+            <a:lvl6pPr marL="457200" algn="l" defTabSz="685800" rtl="0" eaLnBrk="1" fontAlgn="base" hangingPunct="1">
+              <a:lnSpc>
+                <a:spcPct val="90000"/>
+              </a:lnSpc>
+              <a:spcBef>
+                <a:spcPct val="0"/>
+              </a:spcBef>
+              <a:spcAft>
+                <a:spcPct val="0"/>
+              </a:spcAft>
+              <a:defRPr sz="3300">
+                <a:solidFill>
+                  <a:srgbClr val="101C32"/>
+                </a:solidFill>
+                <a:latin typeface="Arial" panose="020B0604020202020204" pitchFamily="34" charset="0"/>
+              </a:defRPr>
+            </a:lvl6pPr>
+            <a:lvl7pPr marL="914400" algn="l" defTabSz="685800" rtl="0" eaLnBrk="1" fontAlgn="base" hangingPunct="1">
+              <a:lnSpc>
+                <a:spcPct val="90000"/>
+              </a:lnSpc>
+              <a:spcBef>
+                <a:spcPct val="0"/>
+              </a:spcBef>
+              <a:spcAft>
+                <a:spcPct val="0"/>
+              </a:spcAft>
+              <a:defRPr sz="3300">
+                <a:solidFill>
+                  <a:srgbClr val="101C32"/>
+                </a:solidFill>
+                <a:latin typeface="Arial" panose="020B0604020202020204" pitchFamily="34" charset="0"/>
+              </a:defRPr>
+            </a:lvl7pPr>
+            <a:lvl8pPr marL="1371600" algn="l" defTabSz="685800" rtl="0" eaLnBrk="1" fontAlgn="base" hangingPunct="1">
+              <a:lnSpc>
+                <a:spcPct val="90000"/>
+              </a:lnSpc>
+              <a:spcBef>
+                <a:spcPct val="0"/>
+              </a:spcBef>
+              <a:spcAft>
+                <a:spcPct val="0"/>
+              </a:spcAft>
+              <a:defRPr sz="3300">
+                <a:solidFill>
+                  <a:srgbClr val="101C32"/>
+                </a:solidFill>
+                <a:latin typeface="Arial" panose="020B0604020202020204" pitchFamily="34" charset="0"/>
+              </a:defRPr>
+            </a:lvl8pPr>
+            <a:lvl9pPr marL="1828800" algn="l" defTabSz="685800" rtl="0" eaLnBrk="1" fontAlgn="base" hangingPunct="1">
+              <a:lnSpc>
+                <a:spcPct val="90000"/>
+              </a:lnSpc>
+              <a:spcBef>
+                <a:spcPct val="0"/>
+              </a:spcBef>
+              <a:spcAft>
+                <a:spcPct val="0"/>
+              </a:spcAft>
+              <a:defRPr sz="3300">
+                <a:solidFill>
+                  <a:srgbClr val="101C32"/>
+                </a:solidFill>
+                <a:latin typeface="Arial" panose="020B0604020202020204" pitchFamily="34" charset="0"/>
+              </a:defRPr>
+            </a:lvl9pPr>
+          </a:lstStyle>
+          <a:p>
+            <a:pPr algn="r"/>
+            <a:r>
+              <a:rPr lang="en-US" sz="2000" dirty="0">
+                <a:solidFill>
+                  <a:schemeClr val="bg1"/>
+                </a:solidFill>
+              </a:rPr>
+              <a:t>The Solution</a:t>
+            </a:r>
+            <a:endParaRPr lang="en-US" sz="1800" dirty="0">
+              <a:solidFill>
+                <a:schemeClr val="bg1"/>
+              </a:solidFill>
+            </a:endParaRPr>
+          </a:p>
+        </p:txBody>
+      </p:sp>
+      <p:sp>
+        <p:nvSpPr>
+          <p:cNvPr id="4" name="TextBox 3">
+            <a:extLst>
+              <a:ext uri="{FF2B5EF4-FFF2-40B4-BE49-F238E27FC236}">
+                <a16:creationId xmlns:a16="http://schemas.microsoft.com/office/drawing/2014/main" id="{351E314F-7837-8F40-BE70-413121A53EC8}"/>
+              </a:ext>
+            </a:extLst>
+          </p:cNvPr>
+          <p:cNvSpPr txBox="1"/>
+          <p:nvPr/>
+        </p:nvSpPr>
+        <p:spPr>
+          <a:xfrm>
+            <a:off x="323625" y="593701"/>
+            <a:ext cx="8515409" cy="1754326"/>
+          </a:xfrm>
+          <a:prstGeom prst="rect">
+            <a:avLst/>
+          </a:prstGeom>
+          <a:noFill/>
+        </p:spPr>
+        <p:txBody>
+          <a:bodyPr wrap="square" rtlCol="0">
+            <a:spAutoFit/>
+          </a:bodyPr>
+          <a:lstStyle/>
+          <a:p>
+            <a:r>
+              <a:rPr lang="en-US" b="1" dirty="0"/>
+              <a:t>Step 1 of proof of concept</a:t>
+            </a:r>
+          </a:p>
+          <a:p>
+            <a:endParaRPr lang="en-US" b="1" dirty="0"/>
+          </a:p>
+          <a:p>
+            <a:endParaRPr lang="en-US" dirty="0"/>
+          </a:p>
+          <a:p>
+            <a:r>
+              <a:rPr lang="en-US" dirty="0"/>
+              <a:t>Postman should communicate with Service 1 over HTTP.</a:t>
+            </a:r>
+          </a:p>
+          <a:p>
+            <a:endParaRPr lang="en-US" dirty="0"/>
+          </a:p>
+          <a:p>
+            <a:r>
+              <a:rPr lang="en-US" dirty="0"/>
+              <a:t>Service 1 should communicate with Service 2 over HTTP.</a:t>
+            </a:r>
+          </a:p>
+        </p:txBody>
+      </p:sp>
+    </p:spTree>
+    <p:extLst>
+      <p:ext uri="{BB962C8B-B14F-4D97-AF65-F5344CB8AC3E}">
+        <p14:creationId xmlns:p14="http://schemas.microsoft.com/office/powerpoint/2010/main" val="760468944"/>
+      </p:ext>
+    </p:extLst>
+  </p:cSld>
+  <p:clrMapOvr>
+    <a:masterClrMapping/>
+  </p:clrMapOvr>
+  <p:transition spd="slow">
+    <p:push dir="u"/>
+  </p:transition>
+</p:sld>
+</file>
+
+<file path=ppt/slides/slide8.xml><?xml version="1.0" encoding="utf-8"?>
+<p:sld xmlns:a="http://schemas.openxmlformats.org/drawingml/2006/main" xmlns:r="http://schemas.openxmlformats.org/officeDocument/2006/relationships" xmlns:p="http://schemas.openxmlformats.org/presentationml/2006/main">
+  <p:cSld>
+    <p:spTree>
+      <p:nvGrpSpPr>
+        <p:cNvPr id="1" name=""/>
+        <p:cNvGrpSpPr/>
+        <p:nvPr/>
+      </p:nvGrpSpPr>
+      <p:grpSpPr>
+        <a:xfrm>
+          <a:off x="0" y="0"/>
+          <a:ext cx="0" cy="0"/>
+          <a:chOff x="0" y="0"/>
+          <a:chExt cx="0" cy="0"/>
+        </a:xfrm>
+      </p:grpSpPr>
+      <p:sp>
+        <p:nvSpPr>
+          <p:cNvPr id="6" name="Title 2">
+            <a:extLst>
+              <a:ext uri="{FF2B5EF4-FFF2-40B4-BE49-F238E27FC236}">
+                <a16:creationId xmlns:a16="http://schemas.microsoft.com/office/drawing/2014/main" id="{1197155A-0D4A-1C4F-9B36-DF485A991274}"/>
+              </a:ext>
+            </a:extLst>
+          </p:cNvPr>
+          <p:cNvSpPr txBox="1">
+            <a:spLocks/>
+          </p:cNvSpPr>
+          <p:nvPr/>
+        </p:nvSpPr>
+        <p:spPr>
+          <a:xfrm>
+            <a:off x="2983229" y="22860"/>
+            <a:ext cx="6063399" cy="366470"/>
+          </a:xfrm>
+          <a:prstGeom prst="rect">
+            <a:avLst/>
+          </a:prstGeom>
+        </p:spPr>
+        <p:txBody>
+          <a:bodyPr/>
+          <a:lstStyle>
+            <a:lvl1pPr algn="l" defTabSz="685800" rtl="0" eaLnBrk="1" fontAlgn="base" hangingPunct="1">
+              <a:lnSpc>
+                <a:spcPct val="90000"/>
+              </a:lnSpc>
+              <a:spcBef>
+                <a:spcPct val="0"/>
+              </a:spcBef>
+              <a:spcAft>
+                <a:spcPct val="0"/>
+              </a:spcAft>
+              <a:defRPr sz="3300" kern="1200">
+                <a:solidFill>
+                  <a:srgbClr val="101C32"/>
+                </a:solidFill>
+                <a:latin typeface="+mn-lt"/>
+                <a:ea typeface="+mj-ea"/>
+                <a:cs typeface="+mj-cs"/>
+              </a:defRPr>
+            </a:lvl1pPr>
+            <a:lvl2pPr algn="l" defTabSz="685800" rtl="0" eaLnBrk="1" fontAlgn="base" hangingPunct="1">
+              <a:lnSpc>
+                <a:spcPct val="90000"/>
+              </a:lnSpc>
+              <a:spcBef>
+                <a:spcPct val="0"/>
+              </a:spcBef>
+              <a:spcAft>
+                <a:spcPct val="0"/>
+              </a:spcAft>
+              <a:defRPr sz="3300">
+                <a:solidFill>
+                  <a:srgbClr val="101C32"/>
+                </a:solidFill>
+                <a:latin typeface="Arial" panose="020B0604020202020204" pitchFamily="34" charset="0"/>
+              </a:defRPr>
+            </a:lvl2pPr>
+            <a:lvl3pPr algn="l" defTabSz="685800" rtl="0" eaLnBrk="1" fontAlgn="base" hangingPunct="1">
+              <a:lnSpc>
+                <a:spcPct val="90000"/>
+              </a:lnSpc>
+              <a:spcBef>
+                <a:spcPct val="0"/>
+              </a:spcBef>
+              <a:spcAft>
+                <a:spcPct val="0"/>
+              </a:spcAft>
+              <a:defRPr sz="3300">
+                <a:solidFill>
+                  <a:srgbClr val="101C32"/>
+                </a:solidFill>
+                <a:latin typeface="Arial" panose="020B0604020202020204" pitchFamily="34" charset="0"/>
+              </a:defRPr>
+            </a:lvl3pPr>
+            <a:lvl4pPr algn="l" defTabSz="685800" rtl="0" eaLnBrk="1" fontAlgn="base" hangingPunct="1">
+              <a:lnSpc>
+                <a:spcPct val="90000"/>
+              </a:lnSpc>
+              <a:spcBef>
+                <a:spcPct val="0"/>
+              </a:spcBef>
+              <a:spcAft>
+                <a:spcPct val="0"/>
+              </a:spcAft>
+              <a:defRPr sz="3300">
+                <a:solidFill>
+                  <a:srgbClr val="101C32"/>
+                </a:solidFill>
+                <a:latin typeface="Arial" panose="020B0604020202020204" pitchFamily="34" charset="0"/>
+              </a:defRPr>
+            </a:lvl4pPr>
+            <a:lvl5pPr algn="l" defTabSz="685800" rtl="0" eaLnBrk="1" fontAlgn="base" hangingPunct="1">
+              <a:lnSpc>
+                <a:spcPct val="90000"/>
+              </a:lnSpc>
+              <a:spcBef>
+                <a:spcPct val="0"/>
+              </a:spcBef>
+              <a:spcAft>
+                <a:spcPct val="0"/>
+              </a:spcAft>
+              <a:defRPr sz="3300">
+                <a:solidFill>
+                  <a:srgbClr val="101C32"/>
+                </a:solidFill>
+                <a:latin typeface="Arial" panose="020B0604020202020204" pitchFamily="34" charset="0"/>
+              </a:defRPr>
+            </a:lvl5pPr>
+            <a:lvl6pPr marL="457200" algn="l" defTabSz="685800" rtl="0" eaLnBrk="1" fontAlgn="base" hangingPunct="1">
+              <a:lnSpc>
+                <a:spcPct val="90000"/>
+              </a:lnSpc>
+              <a:spcBef>
+                <a:spcPct val="0"/>
+              </a:spcBef>
+              <a:spcAft>
+                <a:spcPct val="0"/>
+              </a:spcAft>
+              <a:defRPr sz="3300">
+                <a:solidFill>
+                  <a:srgbClr val="101C32"/>
+                </a:solidFill>
+                <a:latin typeface="Arial" panose="020B0604020202020204" pitchFamily="34" charset="0"/>
+              </a:defRPr>
+            </a:lvl6pPr>
+            <a:lvl7pPr marL="914400" algn="l" defTabSz="685800" rtl="0" eaLnBrk="1" fontAlgn="base" hangingPunct="1">
+              <a:lnSpc>
+                <a:spcPct val="90000"/>
+              </a:lnSpc>
+              <a:spcBef>
+                <a:spcPct val="0"/>
+              </a:spcBef>
+              <a:spcAft>
+                <a:spcPct val="0"/>
+              </a:spcAft>
+              <a:defRPr sz="3300">
+                <a:solidFill>
+                  <a:srgbClr val="101C32"/>
+                </a:solidFill>
+                <a:latin typeface="Arial" panose="020B0604020202020204" pitchFamily="34" charset="0"/>
+              </a:defRPr>
+            </a:lvl7pPr>
+            <a:lvl8pPr marL="1371600" algn="l" defTabSz="685800" rtl="0" eaLnBrk="1" fontAlgn="base" hangingPunct="1">
+              <a:lnSpc>
+                <a:spcPct val="90000"/>
+              </a:lnSpc>
+              <a:spcBef>
+                <a:spcPct val="0"/>
+              </a:spcBef>
+              <a:spcAft>
+                <a:spcPct val="0"/>
+              </a:spcAft>
+              <a:defRPr sz="3300">
+                <a:solidFill>
+                  <a:srgbClr val="101C32"/>
+                </a:solidFill>
+                <a:latin typeface="Arial" panose="020B0604020202020204" pitchFamily="34" charset="0"/>
+              </a:defRPr>
+            </a:lvl8pPr>
+            <a:lvl9pPr marL="1828800" algn="l" defTabSz="685800" rtl="0" eaLnBrk="1" fontAlgn="base" hangingPunct="1">
+              <a:lnSpc>
+                <a:spcPct val="90000"/>
+              </a:lnSpc>
+              <a:spcBef>
+                <a:spcPct val="0"/>
+              </a:spcBef>
+              <a:spcAft>
+                <a:spcPct val="0"/>
+              </a:spcAft>
+              <a:defRPr sz="3300">
+                <a:solidFill>
+                  <a:srgbClr val="101C32"/>
+                </a:solidFill>
+                <a:latin typeface="Arial" panose="020B0604020202020204" pitchFamily="34" charset="0"/>
+              </a:defRPr>
+            </a:lvl9pPr>
+          </a:lstStyle>
+          <a:p>
+            <a:pPr algn="r"/>
+            <a:r>
+              <a:rPr lang="en-US" sz="2000" dirty="0">
+                <a:solidFill>
+                  <a:schemeClr val="bg1"/>
+                </a:solidFill>
+              </a:rPr>
+              <a:t>The Solution</a:t>
+            </a:r>
+            <a:endParaRPr lang="en-US" sz="1800" dirty="0">
+              <a:solidFill>
+                <a:schemeClr val="bg1"/>
+              </a:solidFill>
+            </a:endParaRPr>
+          </a:p>
+        </p:txBody>
+      </p:sp>
+      <p:sp>
+        <p:nvSpPr>
+          <p:cNvPr id="4" name="TextBox 3">
+            <a:extLst>
+              <a:ext uri="{FF2B5EF4-FFF2-40B4-BE49-F238E27FC236}">
+                <a16:creationId xmlns:a16="http://schemas.microsoft.com/office/drawing/2014/main" id="{351E314F-7837-8F40-BE70-413121A53EC8}"/>
+              </a:ext>
+            </a:extLst>
+          </p:cNvPr>
+          <p:cNvSpPr txBox="1"/>
+          <p:nvPr/>
+        </p:nvSpPr>
+        <p:spPr>
+          <a:xfrm>
+            <a:off x="3778823" y="2672834"/>
+            <a:ext cx="1586354" cy="369332"/>
+          </a:xfrm>
+          <a:prstGeom prst="rect">
+            <a:avLst/>
+          </a:prstGeom>
+          <a:noFill/>
+        </p:spPr>
+        <p:txBody>
+          <a:bodyPr wrap="square" rtlCol="0">
+            <a:spAutoFit/>
+          </a:bodyPr>
+          <a:lstStyle/>
+          <a:p>
+            <a:r>
+              <a:rPr lang="en-US" dirty="0"/>
+              <a:t>Step 1 Demo</a:t>
+            </a:r>
+          </a:p>
+        </p:txBody>
+      </p:sp>
+    </p:spTree>
+    <p:extLst>
+      <p:ext uri="{BB962C8B-B14F-4D97-AF65-F5344CB8AC3E}">
+        <p14:creationId xmlns:p14="http://schemas.microsoft.com/office/powerpoint/2010/main" val="3419186969"/>
+      </p:ext>
+    </p:extLst>
+  </p:cSld>
+  <p:clrMapOvr>
+    <a:masterClrMapping/>
+  </p:clrMapOvr>
+  <p:transition spd="slow">
+    <p:push dir="u"/>
+  </p:transition>
+</p:sld>
+</file>
+
+<file path=ppt/slides/slide9.xml><?xml version="1.0" encoding="utf-8"?>
+<p:sld xmlns:a="http://schemas.openxmlformats.org/drawingml/2006/main" xmlns:r="http://schemas.openxmlformats.org/officeDocument/2006/relationships" xmlns:p="http://schemas.openxmlformats.org/presentationml/2006/main">
+  <p:cSld>
+    <p:spTree>
+      <p:nvGrpSpPr>
+        <p:cNvPr id="1" name=""/>
+        <p:cNvGrpSpPr/>
+        <p:nvPr/>
+      </p:nvGrpSpPr>
+      <p:grpSpPr>
+        <a:xfrm>
+          <a:off x="0" y="0"/>
+          <a:ext cx="0" cy="0"/>
+          <a:chOff x="0" y="0"/>
+          <a:chExt cx="0" cy="0"/>
+        </a:xfrm>
+      </p:grpSpPr>
+      <p:pic>
+        <p:nvPicPr>
+          <p:cNvPr id="3" name="Picture 2" descr="Diagram&#10;&#10;Description automatically generated">
+            <a:extLst>
+              <a:ext uri="{FF2B5EF4-FFF2-40B4-BE49-F238E27FC236}">
+                <a16:creationId xmlns:a16="http://schemas.microsoft.com/office/drawing/2014/main" id="{F0A8AE24-69C9-4CED-9A57-6F328E76464A}"/>
+              </a:ext>
+            </a:extLst>
+          </p:cNvPr>
+          <p:cNvPicPr>
+            <a:picLocks noChangeAspect="1"/>
+          </p:cNvPicPr>
+          <p:nvPr/>
+        </p:nvPicPr>
+        <p:blipFill>
+          <a:blip r:embed="rId3"/>
+          <a:stretch>
+            <a:fillRect/>
+          </a:stretch>
+        </p:blipFill>
+        <p:spPr>
+          <a:xfrm>
+            <a:off x="3152188" y="884740"/>
+            <a:ext cx="6063399" cy="4926511"/>
+          </a:xfrm>
+          <a:prstGeom prst="rect">
+            <a:avLst/>
+          </a:prstGeom>
+        </p:spPr>
+      </p:pic>
+      <p:sp>
+        <p:nvSpPr>
+          <p:cNvPr id="6" name="Title 2">
+            <a:extLst>
+              <a:ext uri="{FF2B5EF4-FFF2-40B4-BE49-F238E27FC236}">
+                <a16:creationId xmlns:a16="http://schemas.microsoft.com/office/drawing/2014/main" id="{1197155A-0D4A-1C4F-9B36-DF485A991274}"/>
+              </a:ext>
+            </a:extLst>
+          </p:cNvPr>
+          <p:cNvSpPr txBox="1">
+            <a:spLocks/>
+          </p:cNvSpPr>
+          <p:nvPr/>
+        </p:nvSpPr>
+        <p:spPr>
+          <a:xfrm>
+            <a:off x="2983229" y="22860"/>
+            <a:ext cx="6063399" cy="366470"/>
+          </a:xfrm>
+          <a:prstGeom prst="rect">
+            <a:avLst/>
+          </a:prstGeom>
+        </p:spPr>
+        <p:txBody>
+          <a:bodyPr/>
+          <a:lstStyle>
+            <a:lvl1pPr algn="l" defTabSz="685800" rtl="0" eaLnBrk="1" fontAlgn="base" hangingPunct="1">
+              <a:lnSpc>
+                <a:spcPct val="90000"/>
+              </a:lnSpc>
+              <a:spcBef>
+                <a:spcPct val="0"/>
+              </a:spcBef>
+              <a:spcAft>
+                <a:spcPct val="0"/>
+              </a:spcAft>
+              <a:defRPr sz="3300" kern="1200">
+                <a:solidFill>
+                  <a:srgbClr val="101C32"/>
+                </a:solidFill>
+                <a:latin typeface="+mn-lt"/>
+                <a:ea typeface="+mj-ea"/>
+                <a:cs typeface="+mj-cs"/>
+              </a:defRPr>
+            </a:lvl1pPr>
+            <a:lvl2pPr algn="l" defTabSz="685800" rtl="0" eaLnBrk="1" fontAlgn="base" hangingPunct="1">
+              <a:lnSpc>
+                <a:spcPct val="90000"/>
+              </a:lnSpc>
+              <a:spcBef>
+                <a:spcPct val="0"/>
+              </a:spcBef>
+              <a:spcAft>
+                <a:spcPct val="0"/>
+              </a:spcAft>
+              <a:defRPr sz="3300">
+                <a:solidFill>
+                  <a:srgbClr val="101C32"/>
+                </a:solidFill>
+                <a:latin typeface="Arial" panose="020B0604020202020204" pitchFamily="34" charset="0"/>
+              </a:defRPr>
+            </a:lvl2pPr>
+            <a:lvl3pPr algn="l" defTabSz="685800" rtl="0" eaLnBrk="1" fontAlgn="base" hangingPunct="1">
+              <a:lnSpc>
+                <a:spcPct val="90000"/>
+              </a:lnSpc>
+              <a:spcBef>
+                <a:spcPct val="0"/>
+              </a:spcBef>
+              <a:spcAft>
+                <a:spcPct val="0"/>
+              </a:spcAft>
+              <a:defRPr sz="3300">
+                <a:solidFill>
+                  <a:srgbClr val="101C32"/>
+                </a:solidFill>
+                <a:latin typeface="Arial" panose="020B0604020202020204" pitchFamily="34" charset="0"/>
+              </a:defRPr>
+            </a:lvl3pPr>
+            <a:lvl4pPr algn="l" defTabSz="685800" rtl="0" eaLnBrk="1" fontAlgn="base" hangingPunct="1">
+              <a:lnSpc>
+                <a:spcPct val="90000"/>
+              </a:lnSpc>
+              <a:spcBef>
+                <a:spcPct val="0"/>
+              </a:spcBef>
+              <a:spcAft>
+                <a:spcPct val="0"/>
+              </a:spcAft>
+              <a:defRPr sz="3300">
+                <a:solidFill>
+                  <a:srgbClr val="101C32"/>
+                </a:solidFill>
+                <a:latin typeface="Arial" panose="020B0604020202020204" pitchFamily="34" charset="0"/>
+              </a:defRPr>
+            </a:lvl4pPr>
+            <a:lvl5pPr algn="l" defTabSz="685800" rtl="0" eaLnBrk="1" fontAlgn="base" hangingPunct="1">
+              <a:lnSpc>
+                <a:spcPct val="90000"/>
+              </a:lnSpc>
+              <a:spcBef>
+                <a:spcPct val="0"/>
+              </a:spcBef>
+              <a:spcAft>
+                <a:spcPct val="0"/>
+              </a:spcAft>
+              <a:defRPr sz="3300">
+                <a:solidFill>
+                  <a:srgbClr val="101C32"/>
+                </a:solidFill>
+                <a:latin typeface="Arial" panose="020B0604020202020204" pitchFamily="34" charset="0"/>
+              </a:defRPr>
+            </a:lvl5pPr>
+            <a:lvl6pPr marL="457200" algn="l" defTabSz="685800" rtl="0" eaLnBrk="1" fontAlgn="base" hangingPunct="1">
+              <a:lnSpc>
+                <a:spcPct val="90000"/>
+              </a:lnSpc>
+              <a:spcBef>
+                <a:spcPct val="0"/>
+              </a:spcBef>
+              <a:spcAft>
+                <a:spcPct val="0"/>
+              </a:spcAft>
+              <a:defRPr sz="3300">
+                <a:solidFill>
+                  <a:srgbClr val="101C32"/>
+                </a:solidFill>
+                <a:latin typeface="Arial" panose="020B0604020202020204" pitchFamily="34" charset="0"/>
+              </a:defRPr>
+            </a:lvl6pPr>
+            <a:lvl7pPr marL="914400" algn="l" defTabSz="685800" rtl="0" eaLnBrk="1" fontAlgn="base" hangingPunct="1">
+              <a:lnSpc>
+                <a:spcPct val="90000"/>
+              </a:lnSpc>
+              <a:spcBef>
+                <a:spcPct val="0"/>
+              </a:spcBef>
+              <a:spcAft>
+                <a:spcPct val="0"/>
+              </a:spcAft>
+              <a:defRPr sz="3300">
+                <a:solidFill>
+                  <a:srgbClr val="101C32"/>
+                </a:solidFill>
+                <a:latin typeface="Arial" panose="020B0604020202020204" pitchFamily="34" charset="0"/>
+              </a:defRPr>
+            </a:lvl7pPr>
+            <a:lvl8pPr marL="1371600" algn="l" defTabSz="685800" rtl="0" eaLnBrk="1" fontAlgn="base" hangingPunct="1">
+              <a:lnSpc>
+                <a:spcPct val="90000"/>
+              </a:lnSpc>
+              <a:spcBef>
+                <a:spcPct val="0"/>
+              </a:spcBef>
+              <a:spcAft>
+                <a:spcPct val="0"/>
+              </a:spcAft>
+              <a:defRPr sz="3300">
+                <a:solidFill>
+                  <a:srgbClr val="101C32"/>
+                </a:solidFill>
+                <a:latin typeface="Arial" panose="020B0604020202020204" pitchFamily="34" charset="0"/>
+              </a:defRPr>
+            </a:lvl8pPr>
+            <a:lvl9pPr marL="1828800" algn="l" defTabSz="685800" rtl="0" eaLnBrk="1" fontAlgn="base" hangingPunct="1">
+              <a:lnSpc>
+                <a:spcPct val="90000"/>
+              </a:lnSpc>
+              <a:spcBef>
+                <a:spcPct val="0"/>
+              </a:spcBef>
+              <a:spcAft>
+                <a:spcPct val="0"/>
+              </a:spcAft>
+              <a:defRPr sz="3300">
+                <a:solidFill>
+                  <a:srgbClr val="101C32"/>
+                </a:solidFill>
+                <a:latin typeface="Arial" panose="020B0604020202020204" pitchFamily="34" charset="0"/>
+              </a:defRPr>
+            </a:lvl9pPr>
+          </a:lstStyle>
+          <a:p>
+            <a:pPr algn="r"/>
+            <a:r>
+              <a:rPr lang="en-US" sz="2000" dirty="0">
+                <a:solidFill>
+                  <a:schemeClr val="bg1"/>
+                </a:solidFill>
+              </a:rPr>
+              <a:t>The Solution</a:t>
+            </a:r>
+            <a:endParaRPr lang="en-US" sz="1800" dirty="0">
+              <a:solidFill>
+                <a:schemeClr val="bg1"/>
+              </a:solidFill>
+            </a:endParaRPr>
+          </a:p>
+        </p:txBody>
+      </p:sp>
+      <p:sp>
+        <p:nvSpPr>
+          <p:cNvPr id="4" name="TextBox 3">
+            <a:extLst>
+              <a:ext uri="{FF2B5EF4-FFF2-40B4-BE49-F238E27FC236}">
+                <a16:creationId xmlns:a16="http://schemas.microsoft.com/office/drawing/2014/main" id="{351E314F-7837-8F40-BE70-413121A53EC8}"/>
+              </a:ext>
+            </a:extLst>
+          </p:cNvPr>
+          <p:cNvSpPr txBox="1"/>
+          <p:nvPr/>
+        </p:nvSpPr>
+        <p:spPr>
+          <a:xfrm>
+            <a:off x="314295" y="593701"/>
+            <a:ext cx="2837980" cy="3139321"/>
+          </a:xfrm>
+          <a:prstGeom prst="rect">
+            <a:avLst/>
+          </a:prstGeom>
+          <a:noFill/>
+        </p:spPr>
+        <p:txBody>
+          <a:bodyPr wrap="square" rtlCol="0">
+            <a:spAutoFit/>
+          </a:bodyPr>
+          <a:lstStyle/>
+          <a:p>
+            <a:r>
+              <a:rPr lang="en-US" b="1" dirty="0"/>
+              <a:t>Step 1 POC Recap</a:t>
+            </a:r>
+          </a:p>
+          <a:p>
+            <a:endParaRPr lang="en-US" b="1" dirty="0"/>
+          </a:p>
+          <a:p>
+            <a:endParaRPr lang="en-US" b="1" dirty="0"/>
+          </a:p>
+          <a:p>
+            <a:r>
+              <a:rPr lang="en-US" dirty="0"/>
+              <a:t>Postman should communicate with Service 1 over HTTP.</a:t>
+            </a:r>
+          </a:p>
+          <a:p>
+            <a:endParaRPr lang="en-US" dirty="0"/>
+          </a:p>
+          <a:p>
+            <a:r>
+              <a:rPr lang="en-US" dirty="0"/>
+              <a:t>Service 1 should communicate with Service 2 over HTTP.</a:t>
+            </a:r>
+          </a:p>
+          <a:p>
+            <a:endParaRPr lang="en-US" b="1" dirty="0"/>
+          </a:p>
+        </p:txBody>
+      </p:sp>
+      <p:pic>
+        <p:nvPicPr>
+          <p:cNvPr id="5" name="Graphic 4" descr="Checkmark">
+            <a:extLst>
+              <a:ext uri="{FF2B5EF4-FFF2-40B4-BE49-F238E27FC236}">
+                <a16:creationId xmlns:a16="http://schemas.microsoft.com/office/drawing/2014/main" id="{26F2B170-43AA-43C1-92C6-12DC4C433B56}"/>
+              </a:ext>
+            </a:extLst>
+          </p:cNvPr>
+          <p:cNvPicPr>
+            <a:picLocks noChangeAspect="1"/>
+          </p:cNvPicPr>
+          <p:nvPr/>
+        </p:nvPicPr>
+        <p:blipFill>
+          <a:blip r:embed="rId4">
+            <a:extLst>
+              <a:ext uri="{96DAC541-7B7A-43D3-8B79-37D633B846F1}">
+                <asvg:svgBlip xmlns:asvg="http://schemas.microsoft.com/office/drawing/2016/SVG/main" r:embed="rId5"/>
+              </a:ext>
+            </a:extLst>
+          </a:blip>
+          <a:stretch>
+            <a:fillRect/>
+          </a:stretch>
+        </p:blipFill>
+        <p:spPr>
+          <a:xfrm>
+            <a:off x="2028257" y="1965304"/>
+            <a:ext cx="396113" cy="396113"/>
+          </a:xfrm>
+          <a:prstGeom prst="rect">
+            <a:avLst/>
+          </a:prstGeom>
+        </p:spPr>
+      </p:pic>
+      <p:pic>
+        <p:nvPicPr>
+          <p:cNvPr id="8" name="Graphic 7" descr="Checkmark">
+            <a:extLst>
+              <a:ext uri="{FF2B5EF4-FFF2-40B4-BE49-F238E27FC236}">
+                <a16:creationId xmlns:a16="http://schemas.microsoft.com/office/drawing/2014/main" id="{AA898CCA-AA13-4FCF-8569-B5D58E3785B9}"/>
+              </a:ext>
+            </a:extLst>
+          </p:cNvPr>
+          <p:cNvPicPr>
+            <a:picLocks noChangeAspect="1"/>
+          </p:cNvPicPr>
+          <p:nvPr/>
+        </p:nvPicPr>
+        <p:blipFill>
+          <a:blip r:embed="rId4">
+            <a:extLst>
+              <a:ext uri="{96DAC541-7B7A-43D3-8B79-37D633B846F1}">
+                <asvg:svgBlip xmlns:asvg="http://schemas.microsoft.com/office/drawing/2016/SVG/main" r:embed="rId5"/>
+              </a:ext>
+            </a:extLst>
+          </a:blip>
+          <a:stretch>
+            <a:fillRect/>
+          </a:stretch>
+        </p:blipFill>
+        <p:spPr>
+          <a:xfrm>
+            <a:off x="2028256" y="3072209"/>
+            <a:ext cx="396113" cy="396113"/>
           </a:xfrm>
           <a:prstGeom prst="rect">
             <a:avLst/>
@@ -27851,7 +34308,7 @@
     </p:spTree>
     <p:extLst>
       <p:ext uri="{BB962C8B-B14F-4D97-AF65-F5344CB8AC3E}">
-        <p14:creationId xmlns:p14="http://schemas.microsoft.com/office/powerpoint/2010/main" val="4090525222"/>
+        <p14:creationId xmlns:p14="http://schemas.microsoft.com/office/powerpoint/2010/main" val="3713504089"/>
       </p:ext>
     </p:extLst>
   </p:cSld>
@@ -28716,6 +35173,12 @@
 </file>
 
 <file path=customXml/item1.xml><?xml version="1.0" encoding="utf-8"?>
+<p:properties xmlns:p="http://schemas.microsoft.com/office/2006/metadata/properties" xmlns:xsi="http://www.w3.org/2001/XMLSchema-instance" xmlns:pc="http://schemas.microsoft.com/office/infopath/2007/PartnerControls">
+  <documentManagement/>
+</p:properties>
+</file>
+
+<file path=customXml/item2.xml><?xml version="1.0" encoding="utf-8"?>
 <?mso-contentType ?>
 <FormTemplates xmlns="http://schemas.microsoft.com/sharepoint/v3/contenttype/forms">
   <Display>DocumentLibraryForm</Display>
@@ -28724,7 +35187,7 @@
 </FormTemplates>
 </file>
 
-<file path=customXml/item2.xml><?xml version="1.0" encoding="utf-8"?>
+<file path=customXml/item3.xml><?xml version="1.0" encoding="utf-8"?>
 <ct:contentTypeSchema xmlns:ct="http://schemas.microsoft.com/office/2006/metadata/contentType" xmlns:ma="http://schemas.microsoft.com/office/2006/metadata/properties/metaAttributes" ct:_="" ma:_="" ma:contentTypeName="Document" ma:contentTypeID="0x01010025E19AE8BB01E547B9C94554E9602BAB" ma:contentTypeVersion="2" ma:contentTypeDescription="Create a new document." ma:contentTypeScope="" ma:versionID="81eb4f3333a95e1d0157c3fcf5afc7e3">
   <xsd:schema xmlns:xsd="http://www.w3.org/2001/XMLSchema" xmlns:xs="http://www.w3.org/2001/XMLSchema" xmlns:p="http://schemas.microsoft.com/office/2006/metadata/properties" xmlns:ns2="e794b067-c88c-4f69-971d-4e5f07b2fc26" targetNamespace="http://schemas.microsoft.com/office/2006/metadata/properties" ma:root="true" ma:fieldsID="d5a45a0f398227f31e7c66f9880980ab" ns2:_="">
     <xsd:import namespace="e794b067-c88c-4f69-971d-4e5f07b2fc26"/>
@@ -28856,13 +35319,23 @@
 </ct:contentTypeSchema>
 </file>
 
-<file path=customXml/item3.xml><?xml version="1.0" encoding="utf-8"?>
-<p:properties xmlns:p="http://schemas.microsoft.com/office/2006/metadata/properties" xmlns:xsi="http://www.w3.org/2001/XMLSchema-instance" xmlns:pc="http://schemas.microsoft.com/office/infopath/2007/PartnerControls">
-  <documentManagement/>
-</p:properties>
+<file path=customXml/itemProps1.xml><?xml version="1.0" encoding="utf-8"?>
+<ds:datastoreItem xmlns:ds="http://schemas.openxmlformats.org/officeDocument/2006/customXml" ds:itemID="{CAD84B9C-021F-40DE-807A-2D71E80356EE}">
+  <ds:schemaRefs>
+    <ds:schemaRef ds:uri="e794b067-c88c-4f69-971d-4e5f07b2fc26"/>
+    <ds:schemaRef ds:uri="http://schemas.microsoft.com/office/2006/metadata/properties"/>
+    <ds:schemaRef ds:uri="http://purl.org/dc/elements/1.1/"/>
+    <ds:schemaRef ds:uri="http://schemas.openxmlformats.org/package/2006/metadata/core-properties"/>
+    <ds:schemaRef ds:uri="http://purl.org/dc/terms/"/>
+    <ds:schemaRef ds:uri="http://www.w3.org/XML/1998/namespace"/>
+    <ds:schemaRef ds:uri="http://schemas.microsoft.com/office/2006/documentManagement/types"/>
+    <ds:schemaRef ds:uri="http://schemas.microsoft.com/office/infopath/2007/PartnerControls"/>
+    <ds:schemaRef ds:uri="http://purl.org/dc/dcmitype/"/>
+  </ds:schemaRefs>
+</ds:datastoreItem>
 </file>
 
-<file path=customXml/itemProps1.xml><?xml version="1.0" encoding="utf-8"?>
+<file path=customXml/itemProps2.xml><?xml version="1.0" encoding="utf-8"?>
 <ds:datastoreItem xmlns:ds="http://schemas.openxmlformats.org/officeDocument/2006/customXml" ds:itemID="{C9D629DA-1682-46D9-99F5-A3E36C5BAC70}">
   <ds:schemaRefs>
     <ds:schemaRef ds:uri="http://schemas.microsoft.com/sharepoint/v3/contenttype/forms"/>
@@ -28870,7 +35343,7 @@
 </ds:datastoreItem>
 </file>
 
-<file path=customXml/itemProps2.xml><?xml version="1.0" encoding="utf-8"?>
+<file path=customXml/itemProps3.xml><?xml version="1.0" encoding="utf-8"?>
 <ds:datastoreItem xmlns:ds="http://schemas.openxmlformats.org/officeDocument/2006/customXml" ds:itemID="{107F0371-BB02-4AD4-8649-0CB5196935CE}">
   <ds:schemaRefs>
     <ds:schemaRef ds:uri="e794b067-c88c-4f69-971d-4e5f07b2fc26"/>
@@ -28886,20 +35359,4 @@
     <ds:schemaRef ds:uri="http://www.w3.org/2001/XMLSchema"/>
   </ds:schemaRefs>
 </ds:datastoreItem>
-</file>
-
-<file path=customXml/itemProps3.xml><?xml version="1.0" encoding="utf-8"?>
-<ds:datastoreItem xmlns:ds="http://schemas.openxmlformats.org/officeDocument/2006/customXml" ds:itemID="{CAD84B9C-021F-40DE-807A-2D71E80356EE}">
-  <ds:schemaRefs>
-    <ds:schemaRef ds:uri="e794b067-c88c-4f69-971d-4e5f07b2fc26"/>
-    <ds:schemaRef ds:uri="http://schemas.microsoft.com/office/2006/metadata/properties"/>
-    <ds:schemaRef ds:uri="http://purl.org/dc/elements/1.1/"/>
-    <ds:schemaRef ds:uri="http://schemas.openxmlformats.org/package/2006/metadata/core-properties"/>
-    <ds:schemaRef ds:uri="http://purl.org/dc/terms/"/>
-    <ds:schemaRef ds:uri="http://www.w3.org/XML/1998/namespace"/>
-    <ds:schemaRef ds:uri="http://schemas.microsoft.com/office/2006/documentManagement/types"/>
-    <ds:schemaRef ds:uri="http://schemas.microsoft.com/office/infopath/2007/PartnerControls"/>
-    <ds:schemaRef ds:uri="http://purl.org/dc/dcmitype/"/>
-  </ds:schemaRefs>
-</ds:datastoreItem>
 </file>
--- a/presentation.pptx
+++ b/presentation.pptx
@@ -33238,36 +33238,6 @@
           </a:p>
         </p:txBody>
       </p:sp>
-      <p:pic>
-        <p:nvPicPr>
-          <p:cNvPr id="5" name="Picture 4" descr="Diagram&#10;&#10;Description automatically generated">
-            <a:extLst>
-              <a:ext uri="{FF2B5EF4-FFF2-40B4-BE49-F238E27FC236}">
-                <a16:creationId xmlns:a16="http://schemas.microsoft.com/office/drawing/2014/main" id="{633A8480-DBC9-4BED-BF57-6A9230637DC1}"/>
-              </a:ext>
-            </a:extLst>
-          </p:cNvPr>
-          <p:cNvPicPr>
-            <a:picLocks noChangeAspect="1"/>
-          </p:cNvPicPr>
-          <p:nvPr/>
-        </p:nvPicPr>
-        <p:blipFill>
-          <a:blip r:embed="rId2"/>
-          <a:stretch>
-            <a:fillRect/>
-          </a:stretch>
-        </p:blipFill>
-        <p:spPr>
-          <a:xfrm>
-            <a:off x="314294" y="1002090"/>
-            <a:ext cx="6032524" cy="4712910"/>
-          </a:xfrm>
-          <a:prstGeom prst="rect">
-            <a:avLst/>
-          </a:prstGeom>
-        </p:spPr>
-      </p:pic>
       <p:sp>
         <p:nvSpPr>
           <p:cNvPr id="7" name="TextBox 6">
@@ -33354,6 +33324,36 @@
           </a:p>
         </p:txBody>
       </p:sp>
+      <p:pic>
+        <p:nvPicPr>
+          <p:cNvPr id="3" name="Picture 2" descr="Diagram&#10;&#10;Description automatically generated">
+            <a:extLst>
+              <a:ext uri="{FF2B5EF4-FFF2-40B4-BE49-F238E27FC236}">
+                <a16:creationId xmlns:a16="http://schemas.microsoft.com/office/drawing/2014/main" id="{BD00D347-CC69-4BAF-BA11-F40C1CCC3A87}"/>
+              </a:ext>
+            </a:extLst>
+          </p:cNvPr>
+          <p:cNvPicPr>
+            <a:picLocks noChangeAspect="1"/>
+          </p:cNvPicPr>
+          <p:nvPr/>
+        </p:nvPicPr>
+        <p:blipFill>
+          <a:blip r:embed="rId2"/>
+          <a:stretch>
+            <a:fillRect/>
+          </a:stretch>
+        </p:blipFill>
+        <p:spPr>
+          <a:xfrm>
+            <a:off x="160982" y="916866"/>
+            <a:ext cx="6185836" cy="4832684"/>
+          </a:xfrm>
+          <a:prstGeom prst="rect">
+            <a:avLst/>
+          </a:prstGeom>
+        </p:spPr>
+      </p:pic>
     </p:spTree>
     <p:extLst>
       <p:ext uri="{BB962C8B-B14F-4D97-AF65-F5344CB8AC3E}">
@@ -35173,21 +35173,6 @@
 </file>
 
 <file path=customXml/item1.xml><?xml version="1.0" encoding="utf-8"?>
-<p:properties xmlns:p="http://schemas.microsoft.com/office/2006/metadata/properties" xmlns:xsi="http://www.w3.org/2001/XMLSchema-instance" xmlns:pc="http://schemas.microsoft.com/office/infopath/2007/PartnerControls">
-  <documentManagement/>
-</p:properties>
-</file>
-
-<file path=customXml/item2.xml><?xml version="1.0" encoding="utf-8"?>
-<?mso-contentType ?>
-<FormTemplates xmlns="http://schemas.microsoft.com/sharepoint/v3/contenttype/forms">
-  <Display>DocumentLibraryForm</Display>
-  <Edit>DocumentLibraryForm</Edit>
-  <New>DocumentLibraryForm</New>
-</FormTemplates>
-</file>
-
-<file path=customXml/item3.xml><?xml version="1.0" encoding="utf-8"?>
 <ct:contentTypeSchema xmlns:ct="http://schemas.microsoft.com/office/2006/metadata/contentType" xmlns:ma="http://schemas.microsoft.com/office/2006/metadata/properties/metaAttributes" ct:_="" ma:_="" ma:contentTypeName="Document" ma:contentTypeID="0x01010025E19AE8BB01E547B9C94554E9602BAB" ma:contentTypeVersion="2" ma:contentTypeDescription="Create a new document." ma:contentTypeScope="" ma:versionID="81eb4f3333a95e1d0157c3fcf5afc7e3">
   <xsd:schema xmlns:xsd="http://www.w3.org/2001/XMLSchema" xmlns:xs="http://www.w3.org/2001/XMLSchema" xmlns:p="http://schemas.microsoft.com/office/2006/metadata/properties" xmlns:ns2="e794b067-c88c-4f69-971d-4e5f07b2fc26" targetNamespace="http://schemas.microsoft.com/office/2006/metadata/properties" ma:root="true" ma:fieldsID="d5a45a0f398227f31e7c66f9880980ab" ns2:_="">
     <xsd:import namespace="e794b067-c88c-4f69-971d-4e5f07b2fc26"/>
@@ -35319,31 +35304,22 @@
 </ct:contentTypeSchema>
 </file>
 
-<file path=customXml/itemProps1.xml><?xml version="1.0" encoding="utf-8"?>
-<ds:datastoreItem xmlns:ds="http://schemas.openxmlformats.org/officeDocument/2006/customXml" ds:itemID="{CAD84B9C-021F-40DE-807A-2D71E80356EE}">
-  <ds:schemaRefs>
-    <ds:schemaRef ds:uri="e794b067-c88c-4f69-971d-4e5f07b2fc26"/>
-    <ds:schemaRef ds:uri="http://schemas.microsoft.com/office/2006/metadata/properties"/>
-    <ds:schemaRef ds:uri="http://purl.org/dc/elements/1.1/"/>
-    <ds:schemaRef ds:uri="http://schemas.openxmlformats.org/package/2006/metadata/core-properties"/>
-    <ds:schemaRef ds:uri="http://purl.org/dc/terms/"/>
-    <ds:schemaRef ds:uri="http://www.w3.org/XML/1998/namespace"/>
-    <ds:schemaRef ds:uri="http://schemas.microsoft.com/office/2006/documentManagement/types"/>
-    <ds:schemaRef ds:uri="http://schemas.microsoft.com/office/infopath/2007/PartnerControls"/>
-    <ds:schemaRef ds:uri="http://purl.org/dc/dcmitype/"/>
-  </ds:schemaRefs>
-</ds:datastoreItem>
+<file path=customXml/item2.xml><?xml version="1.0" encoding="utf-8"?>
+<?mso-contentType ?>
+<FormTemplates xmlns="http://schemas.microsoft.com/sharepoint/v3/contenttype/forms">
+  <Display>DocumentLibraryForm</Display>
+  <Edit>DocumentLibraryForm</Edit>
+  <New>DocumentLibraryForm</New>
+</FormTemplates>
 </file>
 
-<file path=customXml/itemProps2.xml><?xml version="1.0" encoding="utf-8"?>
-<ds:datastoreItem xmlns:ds="http://schemas.openxmlformats.org/officeDocument/2006/customXml" ds:itemID="{C9D629DA-1682-46D9-99F5-A3E36C5BAC70}">
-  <ds:schemaRefs>
-    <ds:schemaRef ds:uri="http://schemas.microsoft.com/sharepoint/v3/contenttype/forms"/>
-  </ds:schemaRefs>
-</ds:datastoreItem>
+<file path=customXml/item3.xml><?xml version="1.0" encoding="utf-8"?>
+<p:properties xmlns:p="http://schemas.microsoft.com/office/2006/metadata/properties" xmlns:xsi="http://www.w3.org/2001/XMLSchema-instance" xmlns:pc="http://schemas.microsoft.com/office/infopath/2007/PartnerControls">
+  <documentManagement/>
+</p:properties>
 </file>
 
-<file path=customXml/itemProps3.xml><?xml version="1.0" encoding="utf-8"?>
+<file path=customXml/itemProps1.xml><?xml version="1.0" encoding="utf-8"?>
 <ds:datastoreItem xmlns:ds="http://schemas.openxmlformats.org/officeDocument/2006/customXml" ds:itemID="{107F0371-BB02-4AD4-8649-0CB5196935CE}">
   <ds:schemaRefs>
     <ds:schemaRef ds:uri="e794b067-c88c-4f69-971d-4e5f07b2fc26"/>
@@ -35359,4 +35335,28 @@
     <ds:schemaRef ds:uri="http://www.w3.org/2001/XMLSchema"/>
   </ds:schemaRefs>
 </ds:datastoreItem>
+</file>
+
+<file path=customXml/itemProps2.xml><?xml version="1.0" encoding="utf-8"?>
+<ds:datastoreItem xmlns:ds="http://schemas.openxmlformats.org/officeDocument/2006/customXml" ds:itemID="{C9D629DA-1682-46D9-99F5-A3E36C5BAC70}">
+  <ds:schemaRefs>
+    <ds:schemaRef ds:uri="http://schemas.microsoft.com/sharepoint/v3/contenttype/forms"/>
+  </ds:schemaRefs>
+</ds:datastoreItem>
+</file>
+
+<file path=customXml/itemProps3.xml><?xml version="1.0" encoding="utf-8"?>
+<ds:datastoreItem xmlns:ds="http://schemas.openxmlformats.org/officeDocument/2006/customXml" ds:itemID="{CAD84B9C-021F-40DE-807A-2D71E80356EE}">
+  <ds:schemaRefs>
+    <ds:schemaRef ds:uri="e794b067-c88c-4f69-971d-4e5f07b2fc26"/>
+    <ds:schemaRef ds:uri="http://schemas.microsoft.com/office/2006/metadata/properties"/>
+    <ds:schemaRef ds:uri="http://purl.org/dc/elements/1.1/"/>
+    <ds:schemaRef ds:uri="http://schemas.openxmlformats.org/package/2006/metadata/core-properties"/>
+    <ds:schemaRef ds:uri="http://purl.org/dc/terms/"/>
+    <ds:schemaRef ds:uri="http://www.w3.org/XML/1998/namespace"/>
+    <ds:schemaRef ds:uri="http://schemas.microsoft.com/office/2006/documentManagement/types"/>
+    <ds:schemaRef ds:uri="http://schemas.microsoft.com/office/infopath/2007/PartnerControls"/>
+    <ds:schemaRef ds:uri="http://purl.org/dc/dcmitype/"/>
+  </ds:schemaRefs>
+</ds:datastoreItem>
 </file>
--- a/presentation.pptx
+++ b/presentation.pptx
@@ -6,7 +6,7 @@
     <p:sldMasterId id="2147483916" r:id="rId5"/>
   </p:sldMasterIdLst>
   <p:notesMasterIdLst>
-    <p:notesMasterId r:id="rId25"/>
+    <p:notesMasterId r:id="rId27"/>
   </p:notesMasterIdLst>
   <p:sldIdLst>
     <p:sldId id="429" r:id="rId6"/>
@@ -18,16 +18,18 @@
     <p:sldId id="438" r:id="rId12"/>
     <p:sldId id="440" r:id="rId13"/>
     <p:sldId id="439" r:id="rId14"/>
-    <p:sldId id="441" r:id="rId15"/>
-    <p:sldId id="444" r:id="rId16"/>
-    <p:sldId id="445" r:id="rId17"/>
-    <p:sldId id="449" r:id="rId18"/>
-    <p:sldId id="442" r:id="rId19"/>
-    <p:sldId id="450" r:id="rId20"/>
-    <p:sldId id="448" r:id="rId21"/>
-    <p:sldId id="452" r:id="rId22"/>
-    <p:sldId id="443" r:id="rId23"/>
-    <p:sldId id="447" r:id="rId24"/>
+    <p:sldId id="453" r:id="rId15"/>
+    <p:sldId id="441" r:id="rId16"/>
+    <p:sldId id="444" r:id="rId17"/>
+    <p:sldId id="454" r:id="rId18"/>
+    <p:sldId id="445" r:id="rId19"/>
+    <p:sldId id="449" r:id="rId20"/>
+    <p:sldId id="442" r:id="rId21"/>
+    <p:sldId id="450" r:id="rId22"/>
+    <p:sldId id="448" r:id="rId23"/>
+    <p:sldId id="452" r:id="rId24"/>
+    <p:sldId id="443" r:id="rId25"/>
+    <p:sldId id="447" r:id="rId26"/>
   </p:sldIdLst>
   <p:sldSz cx="9144000" cy="5715000" type="screen16x10"/>
   <p:notesSz cx="6858000" cy="9144000"/>
@@ -322,7 +324,7 @@
               <a:pPr>
                 <a:defRPr/>
               </a:pPr>
-              <a:t>10/27/2020</a:t>
+              <a:t>11/3/2020</a:t>
             </a:fld>
             <a:endParaRPr lang="en-US"/>
           </a:p>
@@ -834,7 +836,7 @@
     </p:spTree>
     <p:extLst>
       <p:ext uri="{BB962C8B-B14F-4D97-AF65-F5344CB8AC3E}">
-        <p14:creationId xmlns:p14="http://schemas.microsoft.com/office/powerpoint/2010/main" val="680447144"/>
+        <p14:creationId xmlns:p14="http://schemas.microsoft.com/office/powerpoint/2010/main" val="1746474587"/>
       </p:ext>
     </p:extLst>
   </p:cSld>
@@ -888,75 +890,7 @@
           <a:bodyPr/>
           <a:lstStyle/>
           <a:p>
-            <a:r>
-              <a:rPr lang="en-US" dirty="0"/>
-              <a:t>Look at docker compose logs after making a request to show the headers and “Request is https: true/false”</a:t>
-            </a:r>
-          </a:p>
-          <a:p>
             <a:endParaRPr lang="en-US" dirty="0"/>
-          </a:p>
-          <a:p>
-            <a:r>
-              <a:rPr lang="en-US" dirty="0"/>
-              <a:t>Files to note:</a:t>
-            </a:r>
-          </a:p>
-          <a:p>
-            <a:r>
-              <a:rPr lang="en-US" sz="1200" kern="1200" dirty="0" err="1">
-                <a:solidFill>
-                  <a:schemeClr val="tx1"/>
-                </a:solidFill>
-                <a:latin typeface="+mn-lt"/>
-                <a:ea typeface="+mn-ea"/>
-                <a:cs typeface="+mn-cs"/>
-              </a:rPr>
-              <a:t>PreForwardedHeadersLogHeadersMiddleware.cs</a:t>
-            </a:r>
-            <a:endParaRPr lang="en-US" sz="1200" kern="1200" dirty="0">
-              <a:solidFill>
-                <a:schemeClr val="tx1"/>
-              </a:solidFill>
-              <a:latin typeface="+mn-lt"/>
-              <a:ea typeface="+mn-ea"/>
-              <a:cs typeface="+mn-cs"/>
-            </a:endParaRPr>
-          </a:p>
-          <a:p>
-            <a:r>
-              <a:rPr lang="en-US" sz="1200" kern="1200" dirty="0" err="1">
-                <a:solidFill>
-                  <a:schemeClr val="tx1"/>
-                </a:solidFill>
-                <a:latin typeface="+mn-lt"/>
-                <a:ea typeface="+mn-ea"/>
-                <a:cs typeface="+mn-cs"/>
-              </a:rPr>
-              <a:t>PostForwardedHeadersLogHeadersMiddleware.cs</a:t>
-            </a:r>
-            <a:endParaRPr lang="en-US" dirty="0"/>
-          </a:p>
-          <a:p>
-            <a:r>
-              <a:rPr lang="en-US" sz="1200" kern="1200" dirty="0" err="1">
-                <a:solidFill>
-                  <a:schemeClr val="tx1"/>
-                </a:solidFill>
-                <a:latin typeface="+mn-lt"/>
-                <a:ea typeface="+mn-ea"/>
-                <a:cs typeface="+mn-cs"/>
-              </a:rPr>
-              <a:t>LogResponseHeadersMiddleware.cs</a:t>
-            </a:r>
-            <a:endParaRPr lang="en-US" sz="1200" kern="1200" dirty="0">
-              <a:solidFill>
-                <a:schemeClr val="tx1"/>
-              </a:solidFill>
-              <a:latin typeface="+mn-lt"/>
-              <a:ea typeface="+mn-ea"/>
-              <a:cs typeface="+mn-cs"/>
-            </a:endParaRPr>
           </a:p>
         </p:txBody>
       </p:sp>
@@ -992,7 +926,7 @@
     </p:spTree>
     <p:extLst>
       <p:ext uri="{BB962C8B-B14F-4D97-AF65-F5344CB8AC3E}">
-        <p14:creationId xmlns:p14="http://schemas.microsoft.com/office/powerpoint/2010/main" val="19258249"/>
+        <p14:creationId xmlns:p14="http://schemas.microsoft.com/office/powerpoint/2010/main" val="1051368322"/>
       </p:ext>
     </p:extLst>
   </p:cSld>
@@ -1082,7 +1016,7 @@
     </p:spTree>
     <p:extLst>
       <p:ext uri="{BB962C8B-B14F-4D97-AF65-F5344CB8AC3E}">
-        <p14:creationId xmlns:p14="http://schemas.microsoft.com/office/powerpoint/2010/main" val="4234914175"/>
+        <p14:creationId xmlns:p14="http://schemas.microsoft.com/office/powerpoint/2010/main" val="680447144"/>
       </p:ext>
     </p:extLst>
   </p:cSld>
@@ -1136,7 +1070,75 @@
           <a:bodyPr/>
           <a:lstStyle/>
           <a:p>
+            <a:r>
+              <a:rPr lang="en-US" dirty="0"/>
+              <a:t>Look at docker compose logs after making a request to show the headers and “Request is https: true/false”</a:t>
+            </a:r>
+          </a:p>
+          <a:p>
             <a:endParaRPr lang="en-US" dirty="0"/>
+          </a:p>
+          <a:p>
+            <a:r>
+              <a:rPr lang="en-US" dirty="0"/>
+              <a:t>Files to note:</a:t>
+            </a:r>
+          </a:p>
+          <a:p>
+            <a:r>
+              <a:rPr lang="en-US" sz="1200" kern="1200" dirty="0" err="1">
+                <a:solidFill>
+                  <a:schemeClr val="tx1"/>
+                </a:solidFill>
+                <a:latin typeface="+mn-lt"/>
+                <a:ea typeface="+mn-ea"/>
+                <a:cs typeface="+mn-cs"/>
+              </a:rPr>
+              <a:t>PreForwardedHeadersLogHeadersMiddleware.cs</a:t>
+            </a:r>
+            <a:endParaRPr lang="en-US" sz="1200" kern="1200" dirty="0">
+              <a:solidFill>
+                <a:schemeClr val="tx1"/>
+              </a:solidFill>
+              <a:latin typeface="+mn-lt"/>
+              <a:ea typeface="+mn-ea"/>
+              <a:cs typeface="+mn-cs"/>
+            </a:endParaRPr>
+          </a:p>
+          <a:p>
+            <a:r>
+              <a:rPr lang="en-US" sz="1200" kern="1200" dirty="0" err="1">
+                <a:solidFill>
+                  <a:schemeClr val="tx1"/>
+                </a:solidFill>
+                <a:latin typeface="+mn-lt"/>
+                <a:ea typeface="+mn-ea"/>
+                <a:cs typeface="+mn-cs"/>
+              </a:rPr>
+              <a:t>PostForwardedHeadersLogHeadersMiddleware.cs</a:t>
+            </a:r>
+            <a:endParaRPr lang="en-US" dirty="0"/>
+          </a:p>
+          <a:p>
+            <a:r>
+              <a:rPr lang="en-US" sz="1200" kern="1200" dirty="0" err="1">
+                <a:solidFill>
+                  <a:schemeClr val="tx1"/>
+                </a:solidFill>
+                <a:latin typeface="+mn-lt"/>
+                <a:ea typeface="+mn-ea"/>
+                <a:cs typeface="+mn-cs"/>
+              </a:rPr>
+              <a:t>LogResponseHeadersMiddleware.cs</a:t>
+            </a:r>
+            <a:endParaRPr lang="en-US" sz="1200" kern="1200" dirty="0">
+              <a:solidFill>
+                <a:schemeClr val="tx1"/>
+              </a:solidFill>
+              <a:latin typeface="+mn-lt"/>
+              <a:ea typeface="+mn-ea"/>
+              <a:cs typeface="+mn-cs"/>
+            </a:endParaRPr>
           </a:p>
         </p:txBody>
       </p:sp>
@@ -1172,7 +1174,7 @@
     </p:spTree>
     <p:extLst>
       <p:ext uri="{BB962C8B-B14F-4D97-AF65-F5344CB8AC3E}">
-        <p14:creationId xmlns:p14="http://schemas.microsoft.com/office/powerpoint/2010/main" val="1833222099"/>
+        <p14:creationId xmlns:p14="http://schemas.microsoft.com/office/powerpoint/2010/main" val="19258249"/>
       </p:ext>
     </p:extLst>
   </p:cSld>
@@ -1254,6 +1256,186 @@
                 <a:defRPr/>
               </a:pPr>
               <a:t>19</a:t>
+            </a:fld>
+            <a:endParaRPr lang="en-US"/>
+          </a:p>
+        </p:txBody>
+      </p:sp>
+    </p:spTree>
+    <p:extLst>
+      <p:ext uri="{BB962C8B-B14F-4D97-AF65-F5344CB8AC3E}">
+        <p14:creationId xmlns:p14="http://schemas.microsoft.com/office/powerpoint/2010/main" val="4234914175"/>
+      </p:ext>
+    </p:extLst>
+  </p:cSld>
+  <p:clrMapOvr>
+    <a:masterClrMapping/>
+  </p:clrMapOvr>
+</p:notes>
+</file>
+
+<file path=ppt/notesSlides/notesSlide15.xml><?xml version="1.0" encoding="utf-8"?>
+<p:notes xmlns:a="http://schemas.openxmlformats.org/drawingml/2006/main" xmlns:r="http://schemas.openxmlformats.org/officeDocument/2006/relationships" xmlns:p="http://schemas.openxmlformats.org/presentationml/2006/main">
+  <p:cSld>
+    <p:spTree>
+      <p:nvGrpSpPr>
+        <p:cNvPr id="1" name=""/>
+        <p:cNvGrpSpPr/>
+        <p:nvPr/>
+      </p:nvGrpSpPr>
+      <p:grpSpPr>
+        <a:xfrm>
+          <a:off x="0" y="0"/>
+          <a:ext cx="0" cy="0"/>
+          <a:chOff x="0" y="0"/>
+          <a:chExt cx="0" cy="0"/>
+        </a:xfrm>
+      </p:grpSpPr>
+      <p:sp>
+        <p:nvSpPr>
+          <p:cNvPr id="2" name="Slide Image Placeholder 1"/>
+          <p:cNvSpPr>
+            <a:spLocks noGrp="1" noRot="1" noChangeAspect="1"/>
+          </p:cNvSpPr>
+          <p:nvPr>
+            <p:ph type="sldImg"/>
+          </p:nvPr>
+        </p:nvSpPr>
+        <p:spPr/>
+      </p:sp>
+      <p:sp>
+        <p:nvSpPr>
+          <p:cNvPr id="3" name="Notes Placeholder 2"/>
+          <p:cNvSpPr>
+            <a:spLocks noGrp="1"/>
+          </p:cNvSpPr>
+          <p:nvPr>
+            <p:ph type="body" idx="1"/>
+          </p:nvPr>
+        </p:nvSpPr>
+        <p:spPr/>
+        <p:txBody>
+          <a:bodyPr/>
+          <a:lstStyle/>
+          <a:p>
+            <a:endParaRPr lang="en-US" dirty="0"/>
+          </a:p>
+        </p:txBody>
+      </p:sp>
+      <p:sp>
+        <p:nvSpPr>
+          <p:cNvPr id="4" name="Slide Number Placeholder 3"/>
+          <p:cNvSpPr>
+            <a:spLocks noGrp="1"/>
+          </p:cNvSpPr>
+          <p:nvPr>
+            <p:ph type="sldNum" sz="quarter" idx="5"/>
+          </p:nvPr>
+        </p:nvSpPr>
+        <p:spPr/>
+        <p:txBody>
+          <a:bodyPr/>
+          <a:lstStyle/>
+          <a:p>
+            <a:pPr>
+              <a:defRPr/>
+            </a:pPr>
+            <a:fld id="{2DF6BF13-8483-4113-8C5F-F85F74A57E2A}" type="slidenum">
+              <a:rPr lang="en-US" smtClean="0"/>
+              <a:pPr>
+                <a:defRPr/>
+              </a:pPr>
+              <a:t>20</a:t>
+            </a:fld>
+            <a:endParaRPr lang="en-US"/>
+          </a:p>
+        </p:txBody>
+      </p:sp>
+    </p:spTree>
+    <p:extLst>
+      <p:ext uri="{BB962C8B-B14F-4D97-AF65-F5344CB8AC3E}">
+        <p14:creationId xmlns:p14="http://schemas.microsoft.com/office/powerpoint/2010/main" val="1833222099"/>
+      </p:ext>
+    </p:extLst>
+  </p:cSld>
+  <p:clrMapOvr>
+    <a:masterClrMapping/>
+  </p:clrMapOvr>
+</p:notes>
+</file>
+
+<file path=ppt/notesSlides/notesSlide16.xml><?xml version="1.0" encoding="utf-8"?>
+<p:notes xmlns:a="http://schemas.openxmlformats.org/drawingml/2006/main" xmlns:r="http://schemas.openxmlformats.org/officeDocument/2006/relationships" xmlns:p="http://schemas.openxmlformats.org/presentationml/2006/main">
+  <p:cSld>
+    <p:spTree>
+      <p:nvGrpSpPr>
+        <p:cNvPr id="1" name=""/>
+        <p:cNvGrpSpPr/>
+        <p:nvPr/>
+      </p:nvGrpSpPr>
+      <p:grpSpPr>
+        <a:xfrm>
+          <a:off x="0" y="0"/>
+          <a:ext cx="0" cy="0"/>
+          <a:chOff x="0" y="0"/>
+          <a:chExt cx="0" cy="0"/>
+        </a:xfrm>
+      </p:grpSpPr>
+      <p:sp>
+        <p:nvSpPr>
+          <p:cNvPr id="2" name="Slide Image Placeholder 1"/>
+          <p:cNvSpPr>
+            <a:spLocks noGrp="1" noRot="1" noChangeAspect="1"/>
+          </p:cNvSpPr>
+          <p:nvPr>
+            <p:ph type="sldImg"/>
+          </p:nvPr>
+        </p:nvSpPr>
+        <p:spPr/>
+      </p:sp>
+      <p:sp>
+        <p:nvSpPr>
+          <p:cNvPr id="3" name="Notes Placeholder 2"/>
+          <p:cNvSpPr>
+            <a:spLocks noGrp="1"/>
+          </p:cNvSpPr>
+          <p:nvPr>
+            <p:ph type="body" idx="1"/>
+          </p:nvPr>
+        </p:nvSpPr>
+        <p:spPr/>
+        <p:txBody>
+          <a:bodyPr/>
+          <a:lstStyle/>
+          <a:p>
+            <a:endParaRPr lang="en-US" dirty="0"/>
+          </a:p>
+        </p:txBody>
+      </p:sp>
+      <p:sp>
+        <p:nvSpPr>
+          <p:cNvPr id="4" name="Slide Number Placeholder 3"/>
+          <p:cNvSpPr>
+            <a:spLocks noGrp="1"/>
+          </p:cNvSpPr>
+          <p:nvPr>
+            <p:ph type="sldNum" sz="quarter" idx="5"/>
+          </p:nvPr>
+        </p:nvSpPr>
+        <p:spPr/>
+        <p:txBody>
+          <a:bodyPr/>
+          <a:lstStyle/>
+          <a:p>
+            <a:pPr>
+              <a:defRPr/>
+            </a:pPr>
+            <a:fld id="{2DF6BF13-8483-4113-8C5F-F85F74A57E2A}" type="slidenum">
+              <a:rPr lang="en-US" smtClean="0"/>
+              <a:pPr>
+                <a:defRPr/>
+              </a:pPr>
+              <a:t>21</a:t>
             </a:fld>
             <a:endParaRPr lang="en-US"/>
           </a:p>
@@ -1677,163 +1859,7 @@
           <a:bodyPr/>
           <a:lstStyle/>
           <a:p>
-            <a:r>
-              <a:rPr lang="en-US" dirty="0"/>
-              <a:t>Ensure that 2/</a:t>
-            </a:r>
-            <a:r>
-              <a:rPr lang="en-US" dirty="0" err="1"/>
-              <a:t>nginx</a:t>
-            </a:r>
-            <a:r>
-              <a:rPr lang="en-US" dirty="0"/>
-              <a:t>-shared/self-signed/cert.crt is imported in postman -&gt; settings -&gt; certificates -&gt; CA Certificates as the PEM file.</a:t>
-            </a:r>
-          </a:p>
-          <a:p>
-            <a:r>
-              <a:rPr lang="en-US" dirty="0"/>
-              <a:t>Remember to run docker-compose build between demos</a:t>
-            </a:r>
-          </a:p>
-          <a:p>
-            <a:r>
-              <a:rPr lang="en-US" dirty="0"/>
-              <a:t>Checkout request headers in logs</a:t>
-            </a:r>
-          </a:p>
-          <a:p>
             <a:endParaRPr lang="en-US" dirty="0"/>
-          </a:p>
-          <a:p>
-            <a:endParaRPr lang="en-US" dirty="0"/>
-          </a:p>
-          <a:p>
-            <a:r>
-              <a:rPr lang="en-US" dirty="0"/>
-              <a:t>Files to note:</a:t>
-            </a:r>
-          </a:p>
-          <a:p>
-            <a:r>
-              <a:rPr lang="en-US" dirty="0" err="1"/>
-              <a:t>Nginx.conf</a:t>
-            </a:r>
-            <a:endParaRPr lang="en-US" dirty="0"/>
-          </a:p>
-          <a:p>
-            <a:r>
-              <a:rPr lang="en-US" dirty="0"/>
-              <a:t>Docker-</a:t>
-            </a:r>
-            <a:r>
-              <a:rPr lang="en-US" dirty="0" err="1"/>
-              <a:t>compose.yml</a:t>
-            </a:r>
-            <a:endParaRPr lang="en-US" dirty="0"/>
-          </a:p>
-          <a:p>
-            <a:pPr marL="0" marR="0" lvl="0" indent="0" algn="l" defTabSz="914400" rtl="0" eaLnBrk="0" fontAlgn="base" latinLnBrk="0" hangingPunct="0">
-              <a:lnSpc>
-                <a:spcPct val="100000"/>
-              </a:lnSpc>
-              <a:spcBef>
-                <a:spcPct val="30000"/>
-              </a:spcBef>
-              <a:spcAft>
-                <a:spcPct val="0"/>
-              </a:spcAft>
-              <a:buClrTx/>
-              <a:buSzTx/>
-              <a:buFontTx/>
-              <a:buNone/>
-              <a:tabLst/>
-              <a:defRPr/>
-            </a:pPr>
-            <a:r>
-              <a:rPr lang="en-US" dirty="0"/>
-              <a:t>Docker-</a:t>
-            </a:r>
-            <a:r>
-              <a:rPr lang="en-US" dirty="0" err="1"/>
-              <a:t>compose.override.yml</a:t>
-            </a:r>
-            <a:endParaRPr lang="en-US" dirty="0"/>
-          </a:p>
-          <a:p>
-            <a:pPr marL="0" marR="0" lvl="0" indent="0" algn="l" defTabSz="914400" rtl="0" eaLnBrk="0" fontAlgn="base" latinLnBrk="0" hangingPunct="0">
-              <a:lnSpc>
-                <a:spcPct val="100000"/>
-              </a:lnSpc>
-              <a:spcBef>
-                <a:spcPct val="30000"/>
-              </a:spcBef>
-              <a:spcAft>
-                <a:spcPct val="0"/>
-              </a:spcAft>
-              <a:buClrTx/>
-              <a:buSzTx/>
-              <a:buFontTx/>
-              <a:buNone/>
-              <a:tabLst/>
-              <a:defRPr/>
-            </a:pPr>
-            <a:r>
-              <a:rPr lang="en-US" dirty="0" err="1"/>
-              <a:t>Dockerfile</a:t>
-            </a:r>
-            <a:endParaRPr lang="en-US" dirty="0"/>
-          </a:p>
-          <a:p>
-            <a:pPr marL="0" marR="0" lvl="0" indent="0" algn="l" defTabSz="914400" rtl="0" eaLnBrk="0" fontAlgn="base" latinLnBrk="0" hangingPunct="0">
-              <a:lnSpc>
-                <a:spcPct val="100000"/>
-              </a:lnSpc>
-              <a:spcBef>
-                <a:spcPct val="30000"/>
-              </a:spcBef>
-              <a:spcAft>
-                <a:spcPct val="0"/>
-              </a:spcAft>
-              <a:buClrTx/>
-              <a:buSzTx/>
-              <a:buFontTx/>
-              <a:buNone/>
-              <a:tabLst/>
-              <a:defRPr/>
-            </a:pPr>
-            <a:endParaRPr lang="en-US" dirty="0"/>
-          </a:p>
-          <a:p>
-            <a:pPr marL="0" marR="0" lvl="0" indent="0" algn="l" defTabSz="914400" rtl="0" eaLnBrk="0" fontAlgn="base" latinLnBrk="0" hangingPunct="0">
-              <a:lnSpc>
-                <a:spcPct val="100000"/>
-              </a:lnSpc>
-              <a:spcBef>
-                <a:spcPct val="30000"/>
-              </a:spcBef>
-              <a:spcAft>
-                <a:spcPct val="0"/>
-              </a:spcAft>
-              <a:buClrTx/>
-              <a:buSzTx/>
-              <a:buFontTx/>
-              <a:buNone/>
-              <a:tabLst/>
-              <a:defRPr/>
-            </a:pPr>
-            <a:r>
-              <a:rPr lang="en-US" dirty="0"/>
-              <a:t>Certificate related files in </a:t>
-            </a:r>
-            <a:r>
-              <a:rPr lang="en-US" dirty="0" err="1"/>
-              <a:t>nginx</a:t>
-            </a:r>
-            <a:r>
-              <a:rPr lang="en-US" dirty="0"/>
-              <a:t>-shared/self-signed/</a:t>
-            </a:r>
           </a:p>
         </p:txBody>
       </p:sp>
@@ -1869,7 +1895,7 @@
     </p:spTree>
     <p:extLst>
       <p:ext uri="{BB962C8B-B14F-4D97-AF65-F5344CB8AC3E}">
-        <p14:creationId xmlns:p14="http://schemas.microsoft.com/office/powerpoint/2010/main" val="84658679"/>
+        <p14:creationId xmlns:p14="http://schemas.microsoft.com/office/powerpoint/2010/main" val="2623751794"/>
       </p:ext>
     </p:extLst>
   </p:cSld>
@@ -1923,7 +1949,163 @@
           <a:bodyPr/>
           <a:lstStyle/>
           <a:p>
+            <a:r>
+              <a:rPr lang="en-US" dirty="0"/>
+              <a:t>Ensure that 2/</a:t>
+            </a:r>
+            <a:r>
+              <a:rPr lang="en-US" dirty="0" err="1"/>
+              <a:t>nginx</a:t>
+            </a:r>
+            <a:r>
+              <a:rPr lang="en-US" dirty="0"/>
+              <a:t>-shared/self-signed/cert.crt is imported in postman -&gt; settings -&gt; certificates -&gt; CA Certificates as the PEM file.</a:t>
+            </a:r>
+          </a:p>
+          <a:p>
+            <a:r>
+              <a:rPr lang="en-US" dirty="0"/>
+              <a:t>Remember to run docker-compose build between demos</a:t>
+            </a:r>
+          </a:p>
+          <a:p>
+            <a:r>
+              <a:rPr lang="en-US" dirty="0"/>
+              <a:t>Checkout request headers in logs</a:t>
+            </a:r>
+          </a:p>
+          <a:p>
             <a:endParaRPr lang="en-US" dirty="0"/>
+          </a:p>
+          <a:p>
+            <a:endParaRPr lang="en-US" dirty="0"/>
+          </a:p>
+          <a:p>
+            <a:r>
+              <a:rPr lang="en-US" dirty="0"/>
+              <a:t>Files to note:</a:t>
+            </a:r>
+          </a:p>
+          <a:p>
+            <a:r>
+              <a:rPr lang="en-US" dirty="0" err="1"/>
+              <a:t>Nginx.conf</a:t>
+            </a:r>
+            <a:endParaRPr lang="en-US" dirty="0"/>
+          </a:p>
+          <a:p>
+            <a:r>
+              <a:rPr lang="en-US" dirty="0"/>
+              <a:t>Docker-</a:t>
+            </a:r>
+            <a:r>
+              <a:rPr lang="en-US" dirty="0" err="1"/>
+              <a:t>compose.yml</a:t>
+            </a:r>
+            <a:endParaRPr lang="en-US" dirty="0"/>
+          </a:p>
+          <a:p>
+            <a:pPr marL="0" marR="0" lvl="0" indent="0" algn="l" defTabSz="914400" rtl="0" eaLnBrk="0" fontAlgn="base" latinLnBrk="0" hangingPunct="0">
+              <a:lnSpc>
+                <a:spcPct val="100000"/>
+              </a:lnSpc>
+              <a:spcBef>
+                <a:spcPct val="30000"/>
+              </a:spcBef>
+              <a:spcAft>
+                <a:spcPct val="0"/>
+              </a:spcAft>
+              <a:buClrTx/>
+              <a:buSzTx/>
+              <a:buFontTx/>
+              <a:buNone/>
+              <a:tabLst/>
+              <a:defRPr/>
+            </a:pPr>
+            <a:r>
+              <a:rPr lang="en-US" dirty="0"/>
+              <a:t>Docker-</a:t>
+            </a:r>
+            <a:r>
+              <a:rPr lang="en-US" dirty="0" err="1"/>
+              <a:t>compose.override.yml</a:t>
+            </a:r>
+            <a:endParaRPr lang="en-US" dirty="0"/>
+          </a:p>
+          <a:p>
+            <a:pPr marL="0" marR="0" lvl="0" indent="0" algn="l" defTabSz="914400" rtl="0" eaLnBrk="0" fontAlgn="base" latinLnBrk="0" hangingPunct="0">
+              <a:lnSpc>
+                <a:spcPct val="100000"/>
+              </a:lnSpc>
+              <a:spcBef>
+                <a:spcPct val="30000"/>
+              </a:spcBef>
+              <a:spcAft>
+                <a:spcPct val="0"/>
+              </a:spcAft>
+              <a:buClrTx/>
+              <a:buSzTx/>
+              <a:buFontTx/>
+              <a:buNone/>
+              <a:tabLst/>
+              <a:defRPr/>
+            </a:pPr>
+            <a:r>
+              <a:rPr lang="en-US" dirty="0" err="1"/>
+              <a:t>Dockerfile</a:t>
+            </a:r>
+            <a:endParaRPr lang="en-US" dirty="0"/>
+          </a:p>
+          <a:p>
+            <a:pPr marL="0" marR="0" lvl="0" indent="0" algn="l" defTabSz="914400" rtl="0" eaLnBrk="0" fontAlgn="base" latinLnBrk="0" hangingPunct="0">
+              <a:lnSpc>
+                <a:spcPct val="100000"/>
+              </a:lnSpc>
+              <a:spcBef>
+                <a:spcPct val="30000"/>
+              </a:spcBef>
+              <a:spcAft>
+                <a:spcPct val="0"/>
+              </a:spcAft>
+              <a:buClrTx/>
+              <a:buSzTx/>
+              <a:buFontTx/>
+              <a:buNone/>
+              <a:tabLst/>
+              <a:defRPr/>
+            </a:pPr>
+            <a:endParaRPr lang="en-US" dirty="0"/>
+          </a:p>
+          <a:p>
+            <a:pPr marL="0" marR="0" lvl="0" indent="0" algn="l" defTabSz="914400" rtl="0" eaLnBrk="0" fontAlgn="base" latinLnBrk="0" hangingPunct="0">
+              <a:lnSpc>
+                <a:spcPct val="100000"/>
+              </a:lnSpc>
+              <a:spcBef>
+                <a:spcPct val="30000"/>
+              </a:spcBef>
+              <a:spcAft>
+                <a:spcPct val="0"/>
+              </a:spcAft>
+              <a:buClrTx/>
+              <a:buSzTx/>
+              <a:buFontTx/>
+              <a:buNone/>
+              <a:tabLst/>
+              <a:defRPr/>
+            </a:pPr>
+            <a:r>
+              <a:rPr lang="en-US" dirty="0"/>
+              <a:t>Certificate related files in </a:t>
+            </a:r>
+            <a:r>
+              <a:rPr lang="en-US" dirty="0" err="1"/>
+              <a:t>nginx</a:t>
+            </a:r>
+            <a:r>
+              <a:rPr lang="en-US" dirty="0"/>
+              <a:t>-shared/self-signed/</a:t>
+            </a:r>
           </a:p>
         </p:txBody>
       </p:sp>
@@ -1959,7 +2141,7 @@
     </p:spTree>
     <p:extLst>
       <p:ext uri="{BB962C8B-B14F-4D97-AF65-F5344CB8AC3E}">
-        <p14:creationId xmlns:p14="http://schemas.microsoft.com/office/powerpoint/2010/main" val="1274564720"/>
+        <p14:creationId xmlns:p14="http://schemas.microsoft.com/office/powerpoint/2010/main" val="84658679"/>
       </p:ext>
     </p:extLst>
   </p:cSld>
@@ -2013,152 +2195,7 @@
           <a:bodyPr/>
           <a:lstStyle/>
           <a:p>
-            <a:r>
-              <a:rPr lang="en-US" dirty="0"/>
-              <a:t>Ensure that 3/ca/intermediate/certs/ca-chain.crt is imported in postman -&gt; settings -&gt; certificates -&gt; CA Certificates as the PEM file.</a:t>
-            </a:r>
-          </a:p>
-          <a:p>
-            <a:r>
-              <a:rPr lang="en-US" dirty="0"/>
-              <a:t>Remember to run docker-compose build between demos</a:t>
-            </a:r>
-          </a:p>
-          <a:p>
-            <a:r>
-              <a:rPr lang="en-US" dirty="0"/>
-              <a:t>Checkout request headers in logs</a:t>
-            </a:r>
-          </a:p>
-          <a:p>
             <a:endParaRPr lang="en-US" dirty="0"/>
-          </a:p>
-          <a:p>
-            <a:r>
-              <a:rPr lang="en-US" dirty="0"/>
-              <a:t>Files to note:</a:t>
-            </a:r>
-          </a:p>
-          <a:p>
-            <a:r>
-              <a:rPr lang="en-US" dirty="0" err="1"/>
-              <a:t>Nginx.conf</a:t>
-            </a:r>
-            <a:endParaRPr lang="en-US" dirty="0"/>
-          </a:p>
-          <a:p>
-            <a:r>
-              <a:rPr lang="en-US" dirty="0"/>
-              <a:t>Docker-</a:t>
-            </a:r>
-            <a:r>
-              <a:rPr lang="en-US" dirty="0" err="1"/>
-              <a:t>compose.yml</a:t>
-            </a:r>
-            <a:endParaRPr lang="en-US" dirty="0"/>
-          </a:p>
-          <a:p>
-            <a:pPr marL="0" marR="0" lvl="0" indent="0" algn="l" defTabSz="914400" rtl="0" eaLnBrk="0" fontAlgn="base" latinLnBrk="0" hangingPunct="0">
-              <a:lnSpc>
-                <a:spcPct val="100000"/>
-              </a:lnSpc>
-              <a:spcBef>
-                <a:spcPct val="30000"/>
-              </a:spcBef>
-              <a:spcAft>
-                <a:spcPct val="0"/>
-              </a:spcAft>
-              <a:buClrTx/>
-              <a:buSzTx/>
-              <a:buFontTx/>
-              <a:buNone/>
-              <a:tabLst/>
-              <a:defRPr/>
-            </a:pPr>
-            <a:r>
-              <a:rPr lang="en-US" dirty="0"/>
-              <a:t>Docker-</a:t>
-            </a:r>
-            <a:r>
-              <a:rPr lang="en-US" dirty="0" err="1"/>
-              <a:t>compose.override.yml</a:t>
-            </a:r>
-            <a:endParaRPr lang="en-US" dirty="0"/>
-          </a:p>
-          <a:p>
-            <a:pPr marL="0" marR="0" lvl="0" indent="0" algn="l" defTabSz="914400" rtl="0" eaLnBrk="0" fontAlgn="base" latinLnBrk="0" hangingPunct="0">
-              <a:lnSpc>
-                <a:spcPct val="100000"/>
-              </a:lnSpc>
-              <a:spcBef>
-                <a:spcPct val="30000"/>
-              </a:spcBef>
-              <a:spcAft>
-                <a:spcPct val="0"/>
-              </a:spcAft>
-              <a:buClrTx/>
-              <a:buSzTx/>
-              <a:buFontTx/>
-              <a:buNone/>
-              <a:tabLst/>
-              <a:defRPr/>
-            </a:pPr>
-            <a:r>
-              <a:rPr lang="en-US" dirty="0" err="1"/>
-              <a:t>Dockerfile</a:t>
-            </a:r>
-            <a:endParaRPr lang="en-US" dirty="0"/>
-          </a:p>
-          <a:p>
-            <a:pPr marL="0" marR="0" lvl="0" indent="0" algn="l" defTabSz="914400" rtl="0" eaLnBrk="0" fontAlgn="base" latinLnBrk="0" hangingPunct="0">
-              <a:lnSpc>
-                <a:spcPct val="100000"/>
-              </a:lnSpc>
-              <a:spcBef>
-                <a:spcPct val="30000"/>
-              </a:spcBef>
-              <a:spcAft>
-                <a:spcPct val="0"/>
-              </a:spcAft>
-              <a:buClrTx/>
-              <a:buSzTx/>
-              <a:buFontTx/>
-              <a:buNone/>
-              <a:tabLst/>
-              <a:defRPr/>
-            </a:pPr>
-            <a:endParaRPr lang="en-US" dirty="0"/>
-          </a:p>
-          <a:p>
-            <a:pPr marL="0" marR="0" lvl="0" indent="0" algn="l" defTabSz="914400" rtl="0" eaLnBrk="0" fontAlgn="base" latinLnBrk="0" hangingPunct="0">
-              <a:lnSpc>
-                <a:spcPct val="100000"/>
-              </a:lnSpc>
-              <a:spcBef>
-                <a:spcPct val="30000"/>
-              </a:spcBef>
-              <a:spcAft>
-                <a:spcPct val="0"/>
-              </a:spcAft>
-              <a:buClrTx/>
-              <a:buSzTx/>
-              <a:buFontTx/>
-              <a:buNone/>
-              <a:tabLst/>
-              <a:defRPr/>
-            </a:pPr>
-            <a:r>
-              <a:rPr lang="en-US" dirty="0"/>
-              <a:t>Certificate related files in </a:t>
-            </a:r>
-            <a:r>
-              <a:rPr lang="en-US" dirty="0" err="1"/>
-              <a:t>nginx</a:t>
-            </a:r>
-            <a:r>
-              <a:rPr lang="en-US" dirty="0"/>
-              <a:t>-shared/self-signed/</a:t>
-            </a:r>
           </a:p>
         </p:txBody>
       </p:sp>
@@ -2194,7 +2231,7 @@
     </p:spTree>
     <p:extLst>
       <p:ext uri="{BB962C8B-B14F-4D97-AF65-F5344CB8AC3E}">
-        <p14:creationId xmlns:p14="http://schemas.microsoft.com/office/powerpoint/2010/main" val="3690893501"/>
+        <p14:creationId xmlns:p14="http://schemas.microsoft.com/office/powerpoint/2010/main" val="1274564720"/>
       </p:ext>
     </p:extLst>
   </p:cSld>
@@ -2284,7 +2321,7 @@
     </p:spTree>
     <p:extLst>
       <p:ext uri="{BB962C8B-B14F-4D97-AF65-F5344CB8AC3E}">
-        <p14:creationId xmlns:p14="http://schemas.microsoft.com/office/powerpoint/2010/main" val="1746474587"/>
+        <p14:creationId xmlns:p14="http://schemas.microsoft.com/office/powerpoint/2010/main" val="493482658"/>
       </p:ext>
     </p:extLst>
   </p:cSld>
@@ -2338,7 +2375,152 @@
           <a:bodyPr/>
           <a:lstStyle/>
           <a:p>
+            <a:r>
+              <a:rPr lang="en-US" dirty="0"/>
+              <a:t>Ensure that 3/ca/intermediate/certs/ca-chain.crt is imported in postman -&gt; settings -&gt; certificates -&gt; CA Certificates as the PEM file.</a:t>
+            </a:r>
+          </a:p>
+          <a:p>
+            <a:r>
+              <a:rPr lang="en-US" dirty="0"/>
+              <a:t>Remember to run docker-compose build between demos</a:t>
+            </a:r>
+          </a:p>
+          <a:p>
+            <a:r>
+              <a:rPr lang="en-US" dirty="0"/>
+              <a:t>Checkout request headers in logs</a:t>
+            </a:r>
+          </a:p>
+          <a:p>
             <a:endParaRPr lang="en-US" dirty="0"/>
+          </a:p>
+          <a:p>
+            <a:r>
+              <a:rPr lang="en-US" dirty="0"/>
+              <a:t>Files to note:</a:t>
+            </a:r>
+          </a:p>
+          <a:p>
+            <a:r>
+              <a:rPr lang="en-US" dirty="0" err="1"/>
+              <a:t>Nginx.conf</a:t>
+            </a:r>
+            <a:endParaRPr lang="en-US" dirty="0"/>
+          </a:p>
+          <a:p>
+            <a:r>
+              <a:rPr lang="en-US" dirty="0"/>
+              <a:t>Docker-</a:t>
+            </a:r>
+            <a:r>
+              <a:rPr lang="en-US" dirty="0" err="1"/>
+              <a:t>compose.yml</a:t>
+            </a:r>
+            <a:endParaRPr lang="en-US" dirty="0"/>
+          </a:p>
+          <a:p>
+            <a:pPr marL="0" marR="0" lvl="0" indent="0" algn="l" defTabSz="914400" rtl="0" eaLnBrk="0" fontAlgn="base" latinLnBrk="0" hangingPunct="0">
+              <a:lnSpc>
+                <a:spcPct val="100000"/>
+              </a:lnSpc>
+              <a:spcBef>
+                <a:spcPct val="30000"/>
+              </a:spcBef>
+              <a:spcAft>
+                <a:spcPct val="0"/>
+              </a:spcAft>
+              <a:buClrTx/>
+              <a:buSzTx/>
+              <a:buFontTx/>
+              <a:buNone/>
+              <a:tabLst/>
+              <a:defRPr/>
+            </a:pPr>
+            <a:r>
+              <a:rPr lang="en-US" dirty="0"/>
+              <a:t>Docker-</a:t>
+            </a:r>
+            <a:r>
+              <a:rPr lang="en-US" dirty="0" err="1"/>
+              <a:t>compose.override.yml</a:t>
+            </a:r>
+            <a:endParaRPr lang="en-US" dirty="0"/>
+          </a:p>
+          <a:p>
+            <a:pPr marL="0" marR="0" lvl="0" indent="0" algn="l" defTabSz="914400" rtl="0" eaLnBrk="0" fontAlgn="base" latinLnBrk="0" hangingPunct="0">
+              <a:lnSpc>
+                <a:spcPct val="100000"/>
+              </a:lnSpc>
+              <a:spcBef>
+                <a:spcPct val="30000"/>
+              </a:spcBef>
+              <a:spcAft>
+                <a:spcPct val="0"/>
+              </a:spcAft>
+              <a:buClrTx/>
+              <a:buSzTx/>
+              <a:buFontTx/>
+              <a:buNone/>
+              <a:tabLst/>
+              <a:defRPr/>
+            </a:pPr>
+            <a:r>
+              <a:rPr lang="en-US" dirty="0" err="1"/>
+              <a:t>Dockerfile</a:t>
+            </a:r>
+            <a:endParaRPr lang="en-US" dirty="0"/>
+          </a:p>
+          <a:p>
+            <a:pPr marL="0" marR="0" lvl="0" indent="0" algn="l" defTabSz="914400" rtl="0" eaLnBrk="0" fontAlgn="base" latinLnBrk="0" hangingPunct="0">
+              <a:lnSpc>
+                <a:spcPct val="100000"/>
+              </a:lnSpc>
+              <a:spcBef>
+                <a:spcPct val="30000"/>
+              </a:spcBef>
+              <a:spcAft>
+                <a:spcPct val="0"/>
+              </a:spcAft>
+              <a:buClrTx/>
+              <a:buSzTx/>
+              <a:buFontTx/>
+              <a:buNone/>
+              <a:tabLst/>
+              <a:defRPr/>
+            </a:pPr>
+            <a:endParaRPr lang="en-US" dirty="0"/>
+          </a:p>
+          <a:p>
+            <a:pPr marL="0" marR="0" lvl="0" indent="0" algn="l" defTabSz="914400" rtl="0" eaLnBrk="0" fontAlgn="base" latinLnBrk="0" hangingPunct="0">
+              <a:lnSpc>
+                <a:spcPct val="100000"/>
+              </a:lnSpc>
+              <a:spcBef>
+                <a:spcPct val="30000"/>
+              </a:spcBef>
+              <a:spcAft>
+                <a:spcPct val="0"/>
+              </a:spcAft>
+              <a:buClrTx/>
+              <a:buSzTx/>
+              <a:buFontTx/>
+              <a:buNone/>
+              <a:tabLst/>
+              <a:defRPr/>
+            </a:pPr>
+            <a:r>
+              <a:rPr lang="en-US" dirty="0"/>
+              <a:t>Certificate related files in </a:t>
+            </a:r>
+            <a:r>
+              <a:rPr lang="en-US" dirty="0" err="1"/>
+              <a:t>nginx</a:t>
+            </a:r>
+            <a:r>
+              <a:rPr lang="en-US" dirty="0"/>
+              <a:t>-shared/self-signed/</a:t>
+            </a:r>
           </a:p>
         </p:txBody>
       </p:sp>
@@ -2374,7 +2556,7 @@
     </p:spTree>
     <p:extLst>
       <p:ext uri="{BB962C8B-B14F-4D97-AF65-F5344CB8AC3E}">
-        <p14:creationId xmlns:p14="http://schemas.microsoft.com/office/powerpoint/2010/main" val="1051368322"/>
+        <p14:creationId xmlns:p14="http://schemas.microsoft.com/office/powerpoint/2010/main" val="3690893501"/>
       </p:ext>
     </p:extLst>
   </p:cSld>
@@ -15953,7 +16135,7 @@
           <a:p>
             <a:fld id="{3E350A0E-3E15-4018-945F-D3DF8A2A0836}" type="datetimeFigureOut">
               <a:rPr lang="en-CA" smtClean="0"/>
-              <a:t>2020-10-27</a:t>
+              <a:t>2020-11-03</a:t>
             </a:fld>
             <a:endParaRPr lang="en-CA"/>
           </a:p>
@@ -16153,7 +16335,7 @@
           <a:p>
             <a:fld id="{3E350A0E-3E15-4018-945F-D3DF8A2A0836}" type="datetimeFigureOut">
               <a:rPr lang="en-CA" smtClean="0"/>
-              <a:t>2020-10-27</a:t>
+              <a:t>2020-11-03</a:t>
             </a:fld>
             <a:endParaRPr lang="en-CA"/>
           </a:p>
@@ -16429,7 +16611,7 @@
           <a:p>
             <a:fld id="{3E350A0E-3E15-4018-945F-D3DF8A2A0836}" type="datetimeFigureOut">
               <a:rPr lang="en-CA" smtClean="0"/>
-              <a:t>2020-10-27</a:t>
+              <a:t>2020-11-03</a:t>
             </a:fld>
             <a:endParaRPr lang="en-CA"/>
           </a:p>
@@ -16697,7 +16879,7 @@
           <a:p>
             <a:fld id="{3E350A0E-3E15-4018-945F-D3DF8A2A0836}" type="datetimeFigureOut">
               <a:rPr lang="en-CA" smtClean="0"/>
-              <a:t>2020-10-27</a:t>
+              <a:t>2020-11-03</a:t>
             </a:fld>
             <a:endParaRPr lang="en-CA"/>
           </a:p>
@@ -17112,7 +17294,7 @@
           <a:p>
             <a:fld id="{3E350A0E-3E15-4018-945F-D3DF8A2A0836}" type="datetimeFigureOut">
               <a:rPr lang="en-CA" smtClean="0"/>
-              <a:t>2020-10-27</a:t>
+              <a:t>2020-11-03</a:t>
             </a:fld>
             <a:endParaRPr lang="en-CA"/>
           </a:p>
@@ -17254,7 +17436,7 @@
           <a:p>
             <a:fld id="{3E350A0E-3E15-4018-945F-D3DF8A2A0836}" type="datetimeFigureOut">
               <a:rPr lang="en-CA" smtClean="0"/>
-              <a:t>2020-10-27</a:t>
+              <a:t>2020-11-03</a:t>
             </a:fld>
             <a:endParaRPr lang="en-CA"/>
           </a:p>
@@ -17367,7 +17549,7 @@
           <a:p>
             <a:fld id="{3E350A0E-3E15-4018-945F-D3DF8A2A0836}" type="datetimeFigureOut">
               <a:rPr lang="en-CA" smtClean="0"/>
-              <a:t>2020-10-27</a:t>
+              <a:t>2020-11-03</a:t>
             </a:fld>
             <a:endParaRPr lang="en-CA"/>
           </a:p>
@@ -18363,7 +18545,7 @@
           <a:p>
             <a:fld id="{3E350A0E-3E15-4018-945F-D3DF8A2A0836}" type="datetimeFigureOut">
               <a:rPr lang="en-CA" smtClean="0"/>
-              <a:t>2020-10-27</a:t>
+              <a:t>2020-11-03</a:t>
             </a:fld>
             <a:endParaRPr lang="en-CA"/>
           </a:p>
@@ -18652,7 +18834,7 @@
           <a:p>
             <a:fld id="{3E350A0E-3E15-4018-945F-D3DF8A2A0836}" type="datetimeFigureOut">
               <a:rPr lang="en-CA" smtClean="0"/>
-              <a:t>2020-10-27</a:t>
+              <a:t>2020-11-03</a:t>
             </a:fld>
             <a:endParaRPr lang="en-CA"/>
           </a:p>
@@ -18852,7 +19034,7 @@
           <a:p>
             <a:fld id="{3E350A0E-3E15-4018-945F-D3DF8A2A0836}" type="datetimeFigureOut">
               <a:rPr lang="en-CA" smtClean="0"/>
-              <a:t>2020-10-27</a:t>
+              <a:t>2020-11-03</a:t>
             </a:fld>
             <a:endParaRPr lang="en-CA"/>
           </a:p>
@@ -19062,7 +19244,7 @@
           <a:p>
             <a:fld id="{3E350A0E-3E15-4018-945F-D3DF8A2A0836}" type="datetimeFigureOut">
               <a:rPr lang="en-CA" smtClean="0"/>
-              <a:t>2020-10-27</a:t>
+              <a:t>2020-11-03</a:t>
             </a:fld>
             <a:endParaRPr lang="en-CA"/>
           </a:p>
@@ -27683,7 +27865,7 @@
           <a:p>
             <a:fld id="{3E350A0E-3E15-4018-945F-D3DF8A2A0836}" type="datetimeFigureOut">
               <a:rPr lang="en-CA" smtClean="0"/>
-              <a:t>2020-10-27</a:t>
+              <a:t>2020-11-03</a:t>
             </a:fld>
             <a:endParaRPr lang="en-CA"/>
           </a:p>
@@ -28421,6 +28603,298 @@
         </p:nvSpPr>
         <p:spPr>
           <a:xfrm>
+            <a:off x="314295" y="593701"/>
+            <a:ext cx="8059684" cy="2031325"/>
+          </a:xfrm>
+          <a:prstGeom prst="rect">
+            <a:avLst/>
+          </a:prstGeom>
+          <a:noFill/>
+        </p:spPr>
+        <p:txBody>
+          <a:bodyPr wrap="square" rtlCol="0">
+            <a:spAutoFit/>
+          </a:bodyPr>
+          <a:lstStyle/>
+          <a:p>
+            <a:r>
+              <a:rPr lang="en-US" b="1" dirty="0"/>
+              <a:t>Step 2 POC</a:t>
+            </a:r>
+          </a:p>
+          <a:p>
+            <a:endParaRPr lang="en-US" b="1" dirty="0"/>
+          </a:p>
+          <a:p>
+            <a:endParaRPr lang="en-US" b="1" dirty="0"/>
+          </a:p>
+          <a:p>
+            <a:r>
+              <a:rPr lang="en-US" dirty="0"/>
+              <a:t>Postman should communicate with Service 1 over HTTPS.</a:t>
+            </a:r>
+          </a:p>
+          <a:p>
+            <a:endParaRPr lang="en-US" dirty="0"/>
+          </a:p>
+          <a:p>
+            <a:r>
+              <a:rPr lang="en-US" dirty="0"/>
+              <a:t>Service 1 should communicate with Service 2 over HTTPS.</a:t>
+            </a:r>
+          </a:p>
+          <a:p>
+            <a:endParaRPr lang="en-US" b="1" dirty="0"/>
+          </a:p>
+        </p:txBody>
+      </p:sp>
+    </p:spTree>
+    <p:extLst>
+      <p:ext uri="{BB962C8B-B14F-4D97-AF65-F5344CB8AC3E}">
+        <p14:creationId xmlns:p14="http://schemas.microsoft.com/office/powerpoint/2010/main" val="1778631199"/>
+      </p:ext>
+    </p:extLst>
+  </p:cSld>
+  <p:clrMapOvr>
+    <a:masterClrMapping/>
+  </p:clrMapOvr>
+  <p:transition spd="slow">
+    <p:push dir="u"/>
+  </p:transition>
+</p:sld>
+</file>
+
+<file path=ppt/slides/slide11.xml><?xml version="1.0" encoding="utf-8"?>
+<p:sld xmlns:a="http://schemas.openxmlformats.org/drawingml/2006/main" xmlns:r="http://schemas.openxmlformats.org/officeDocument/2006/relationships" xmlns:p="http://schemas.openxmlformats.org/presentationml/2006/main">
+  <p:cSld>
+    <p:spTree>
+      <p:nvGrpSpPr>
+        <p:cNvPr id="1" name=""/>
+        <p:cNvGrpSpPr/>
+        <p:nvPr/>
+      </p:nvGrpSpPr>
+      <p:grpSpPr>
+        <a:xfrm>
+          <a:off x="0" y="0"/>
+          <a:ext cx="0" cy="0"/>
+          <a:chOff x="0" y="0"/>
+          <a:chExt cx="0" cy="0"/>
+        </a:xfrm>
+      </p:grpSpPr>
+      <p:sp>
+        <p:nvSpPr>
+          <p:cNvPr id="6" name="Title 2">
+            <a:extLst>
+              <a:ext uri="{FF2B5EF4-FFF2-40B4-BE49-F238E27FC236}">
+                <a16:creationId xmlns:a16="http://schemas.microsoft.com/office/drawing/2014/main" id="{1197155A-0D4A-1C4F-9B36-DF485A991274}"/>
+              </a:ext>
+            </a:extLst>
+          </p:cNvPr>
+          <p:cNvSpPr txBox="1">
+            <a:spLocks/>
+          </p:cNvSpPr>
+          <p:nvPr/>
+        </p:nvSpPr>
+        <p:spPr>
+          <a:xfrm>
+            <a:off x="2983229" y="22860"/>
+            <a:ext cx="6063399" cy="366470"/>
+          </a:xfrm>
+          <a:prstGeom prst="rect">
+            <a:avLst/>
+          </a:prstGeom>
+        </p:spPr>
+        <p:txBody>
+          <a:bodyPr/>
+          <a:lstStyle>
+            <a:lvl1pPr algn="l" defTabSz="685800" rtl="0" eaLnBrk="1" fontAlgn="base" hangingPunct="1">
+              <a:lnSpc>
+                <a:spcPct val="90000"/>
+              </a:lnSpc>
+              <a:spcBef>
+                <a:spcPct val="0"/>
+              </a:spcBef>
+              <a:spcAft>
+                <a:spcPct val="0"/>
+              </a:spcAft>
+              <a:defRPr sz="3300" kern="1200">
+                <a:solidFill>
+                  <a:srgbClr val="101C32"/>
+                </a:solidFill>
+                <a:latin typeface="+mn-lt"/>
+                <a:ea typeface="+mj-ea"/>
+                <a:cs typeface="+mj-cs"/>
+              </a:defRPr>
+            </a:lvl1pPr>
+            <a:lvl2pPr algn="l" defTabSz="685800" rtl="0" eaLnBrk="1" fontAlgn="base" hangingPunct="1">
+              <a:lnSpc>
+                <a:spcPct val="90000"/>
+              </a:lnSpc>
+              <a:spcBef>
+                <a:spcPct val="0"/>
+              </a:spcBef>
+              <a:spcAft>
+                <a:spcPct val="0"/>
+              </a:spcAft>
+              <a:defRPr sz="3300">
+                <a:solidFill>
+                  <a:srgbClr val="101C32"/>
+                </a:solidFill>
+                <a:latin typeface="Arial" panose="020B0604020202020204" pitchFamily="34" charset="0"/>
+              </a:defRPr>
+            </a:lvl2pPr>
+            <a:lvl3pPr algn="l" defTabSz="685800" rtl="0" eaLnBrk="1" fontAlgn="base" hangingPunct="1">
+              <a:lnSpc>
+                <a:spcPct val="90000"/>
+              </a:lnSpc>
+              <a:spcBef>
+                <a:spcPct val="0"/>
+              </a:spcBef>
+              <a:spcAft>
+                <a:spcPct val="0"/>
+              </a:spcAft>
+              <a:defRPr sz="3300">
+                <a:solidFill>
+                  <a:srgbClr val="101C32"/>
+                </a:solidFill>
+                <a:latin typeface="Arial" panose="020B0604020202020204" pitchFamily="34" charset="0"/>
+              </a:defRPr>
+            </a:lvl3pPr>
+            <a:lvl4pPr algn="l" defTabSz="685800" rtl="0" eaLnBrk="1" fontAlgn="base" hangingPunct="1">
+              <a:lnSpc>
+                <a:spcPct val="90000"/>
+              </a:lnSpc>
+              <a:spcBef>
+                <a:spcPct val="0"/>
+              </a:spcBef>
+              <a:spcAft>
+                <a:spcPct val="0"/>
+              </a:spcAft>
+              <a:defRPr sz="3300">
+                <a:solidFill>
+                  <a:srgbClr val="101C32"/>
+                </a:solidFill>
+                <a:latin typeface="Arial" panose="020B0604020202020204" pitchFamily="34" charset="0"/>
+              </a:defRPr>
+            </a:lvl4pPr>
+            <a:lvl5pPr algn="l" defTabSz="685800" rtl="0" eaLnBrk="1" fontAlgn="base" hangingPunct="1">
+              <a:lnSpc>
+                <a:spcPct val="90000"/>
+              </a:lnSpc>
+              <a:spcBef>
+                <a:spcPct val="0"/>
+              </a:spcBef>
+              <a:spcAft>
+                <a:spcPct val="0"/>
+              </a:spcAft>
+              <a:defRPr sz="3300">
+                <a:solidFill>
+                  <a:srgbClr val="101C32"/>
+                </a:solidFill>
+                <a:latin typeface="Arial" panose="020B0604020202020204" pitchFamily="34" charset="0"/>
+              </a:defRPr>
+            </a:lvl5pPr>
+            <a:lvl6pPr marL="457200" algn="l" defTabSz="685800" rtl="0" eaLnBrk="1" fontAlgn="base" hangingPunct="1">
+              <a:lnSpc>
+                <a:spcPct val="90000"/>
+              </a:lnSpc>
+              <a:spcBef>
+                <a:spcPct val="0"/>
+              </a:spcBef>
+              <a:spcAft>
+                <a:spcPct val="0"/>
+              </a:spcAft>
+              <a:defRPr sz="3300">
+                <a:solidFill>
+                  <a:srgbClr val="101C32"/>
+                </a:solidFill>
+                <a:latin typeface="Arial" panose="020B0604020202020204" pitchFamily="34" charset="0"/>
+              </a:defRPr>
+            </a:lvl6pPr>
+            <a:lvl7pPr marL="914400" algn="l" defTabSz="685800" rtl="0" eaLnBrk="1" fontAlgn="base" hangingPunct="1">
+              <a:lnSpc>
+                <a:spcPct val="90000"/>
+              </a:lnSpc>
+              <a:spcBef>
+                <a:spcPct val="0"/>
+              </a:spcBef>
+              <a:spcAft>
+                <a:spcPct val="0"/>
+              </a:spcAft>
+              <a:defRPr sz="3300">
+                <a:solidFill>
+                  <a:srgbClr val="101C32"/>
+                </a:solidFill>
+                <a:latin typeface="Arial" panose="020B0604020202020204" pitchFamily="34" charset="0"/>
+              </a:defRPr>
+            </a:lvl7pPr>
+            <a:lvl8pPr marL="1371600" algn="l" defTabSz="685800" rtl="0" eaLnBrk="1" fontAlgn="base" hangingPunct="1">
+              <a:lnSpc>
+                <a:spcPct val="90000"/>
+              </a:lnSpc>
+              <a:spcBef>
+                <a:spcPct val="0"/>
+              </a:spcBef>
+              <a:spcAft>
+                <a:spcPct val="0"/>
+              </a:spcAft>
+              <a:defRPr sz="3300">
+                <a:solidFill>
+                  <a:srgbClr val="101C32"/>
+                </a:solidFill>
+                <a:latin typeface="Arial" panose="020B0604020202020204" pitchFamily="34" charset="0"/>
+              </a:defRPr>
+            </a:lvl8pPr>
+            <a:lvl9pPr marL="1828800" algn="l" defTabSz="685800" rtl="0" eaLnBrk="1" fontAlgn="base" hangingPunct="1">
+              <a:lnSpc>
+                <a:spcPct val="90000"/>
+              </a:lnSpc>
+              <a:spcBef>
+                <a:spcPct val="0"/>
+              </a:spcBef>
+              <a:spcAft>
+                <a:spcPct val="0"/>
+              </a:spcAft>
+              <a:defRPr sz="3300">
+                <a:solidFill>
+                  <a:srgbClr val="101C32"/>
+                </a:solidFill>
+                <a:latin typeface="Arial" panose="020B0604020202020204" pitchFamily="34" charset="0"/>
+              </a:defRPr>
+            </a:lvl9pPr>
+          </a:lstStyle>
+          <a:p>
+            <a:pPr algn="r"/>
+            <a:r>
+              <a:rPr lang="en-US" sz="2000" dirty="0">
+                <a:solidFill>
+                  <a:schemeClr val="bg1"/>
+                </a:solidFill>
+              </a:rPr>
+              <a:t>The Solution</a:t>
+            </a:r>
+            <a:endParaRPr lang="en-US" sz="1800" dirty="0">
+              <a:solidFill>
+                <a:schemeClr val="bg1"/>
+              </a:solidFill>
+            </a:endParaRPr>
+          </a:p>
+        </p:txBody>
+      </p:sp>
+      <p:sp>
+        <p:nvSpPr>
+          <p:cNvPr id="4" name="TextBox 3">
+            <a:extLst>
+              <a:ext uri="{FF2B5EF4-FFF2-40B4-BE49-F238E27FC236}">
+                <a16:creationId xmlns:a16="http://schemas.microsoft.com/office/drawing/2014/main" id="{351E314F-7837-8F40-BE70-413121A53EC8}"/>
+              </a:ext>
+            </a:extLst>
+          </p:cNvPr>
+          <p:cNvSpPr txBox="1"/>
+          <p:nvPr/>
+        </p:nvSpPr>
+        <p:spPr>
+          <a:xfrm>
             <a:off x="3778823" y="2672834"/>
             <a:ext cx="1586354" cy="369332"/>
           </a:xfrm>
@@ -28458,7 +28932,7 @@
 </p:sld>
 </file>
 
-<file path=ppt/slides/slide11.xml><?xml version="1.0" encoding="utf-8"?>
+<file path=ppt/slides/slide12.xml><?xml version="1.0" encoding="utf-8"?>
 <p:sld xmlns:a="http://schemas.openxmlformats.org/drawingml/2006/main" xmlns:r="http://schemas.openxmlformats.org/officeDocument/2006/relationships" xmlns:p="http://schemas.openxmlformats.org/presentationml/2006/main">
   <p:cSld>
     <p:spTree>
@@ -28852,7 +29326,7 @@
 </p:sld>
 </file>
 
-<file path=ppt/slides/slide12.xml><?xml version="1.0" encoding="utf-8"?>
+<file path=ppt/slides/slide13.xml><?xml version="1.0" encoding="utf-8"?>
 <p:sld xmlns:a="http://schemas.openxmlformats.org/drawingml/2006/main" xmlns:r="http://schemas.openxmlformats.org/officeDocument/2006/relationships" xmlns:p="http://schemas.openxmlformats.org/presentationml/2006/main">
   <p:cSld>
     <p:spTree>
@@ -29083,6 +29557,370 @@
         </p:nvSpPr>
         <p:spPr>
           <a:xfrm>
+            <a:off x="314295" y="593701"/>
+            <a:ext cx="8059684" cy="2031325"/>
+          </a:xfrm>
+          <a:prstGeom prst="rect">
+            <a:avLst/>
+          </a:prstGeom>
+          <a:noFill/>
+        </p:spPr>
+        <p:txBody>
+          <a:bodyPr wrap="square" rtlCol="0">
+            <a:spAutoFit/>
+          </a:bodyPr>
+          <a:lstStyle/>
+          <a:p>
+            <a:r>
+              <a:rPr lang="en-US" b="1" dirty="0"/>
+              <a:t>Step 3 POC</a:t>
+            </a:r>
+          </a:p>
+          <a:p>
+            <a:endParaRPr lang="en-US" b="1" dirty="0"/>
+          </a:p>
+          <a:p>
+            <a:endParaRPr lang="en-US" b="1" dirty="0"/>
+          </a:p>
+          <a:p>
+            <a:r>
+              <a:rPr lang="en-US" dirty="0"/>
+              <a:t>Postman should communicate with Service 1 over HTTPS.</a:t>
+            </a:r>
+          </a:p>
+          <a:p>
+            <a:endParaRPr lang="en-US" dirty="0"/>
+          </a:p>
+          <a:p>
+            <a:r>
+              <a:rPr lang="en-US" dirty="0"/>
+              <a:t>Service 1 should communicate with Service 2 over HTTPS.</a:t>
+            </a:r>
+          </a:p>
+          <a:p>
+            <a:endParaRPr lang="en-US" b="1" dirty="0"/>
+          </a:p>
+        </p:txBody>
+      </p:sp>
+      <p:pic>
+        <p:nvPicPr>
+          <p:cNvPr id="5" name="Graphic 4" descr="Checkmark">
+            <a:extLst>
+              <a:ext uri="{FF2B5EF4-FFF2-40B4-BE49-F238E27FC236}">
+                <a16:creationId xmlns:a16="http://schemas.microsoft.com/office/drawing/2014/main" id="{C593862F-2676-4E6F-95FC-1FD323DFDAAA}"/>
+              </a:ext>
+            </a:extLst>
+          </p:cNvPr>
+          <p:cNvPicPr>
+            <a:picLocks noChangeAspect="1"/>
+          </p:cNvPicPr>
+          <p:nvPr/>
+        </p:nvPicPr>
+        <p:blipFill>
+          <a:blip r:embed="rId3">
+            <a:extLst>
+              <a:ext uri="{96DAC541-7B7A-43D3-8B79-37D633B846F1}">
+                <asvg:svgBlip xmlns:asvg="http://schemas.microsoft.com/office/drawing/2016/SVG/main" r:embed="rId4"/>
+              </a:ext>
+            </a:extLst>
+          </a:blip>
+          <a:stretch>
+            <a:fillRect/>
+          </a:stretch>
+        </p:blipFill>
+        <p:spPr>
+          <a:xfrm>
+            <a:off x="6435858" y="1387243"/>
+            <a:ext cx="444239" cy="444239"/>
+          </a:xfrm>
+          <a:prstGeom prst="rect">
+            <a:avLst/>
+          </a:prstGeom>
+        </p:spPr>
+      </p:pic>
+      <p:pic>
+        <p:nvPicPr>
+          <p:cNvPr id="7" name="Graphic 6" descr="Close">
+            <a:extLst>
+              <a:ext uri="{FF2B5EF4-FFF2-40B4-BE49-F238E27FC236}">
+                <a16:creationId xmlns:a16="http://schemas.microsoft.com/office/drawing/2014/main" id="{2D173E9E-9BCD-4315-9773-989EDD5D3A23}"/>
+              </a:ext>
+            </a:extLst>
+          </p:cNvPr>
+          <p:cNvPicPr>
+            <a:picLocks noChangeAspect="1"/>
+          </p:cNvPicPr>
+          <p:nvPr/>
+        </p:nvPicPr>
+        <p:blipFill>
+          <a:blip r:embed="rId5">
+            <a:extLst>
+              <a:ext uri="{96DAC541-7B7A-43D3-8B79-37D633B846F1}">
+                <asvg:svgBlip xmlns:asvg="http://schemas.microsoft.com/office/drawing/2016/SVG/main" r:embed="rId6"/>
+              </a:ext>
+            </a:extLst>
+          </a:blip>
+          <a:stretch>
+            <a:fillRect/>
+          </a:stretch>
+        </p:blipFill>
+        <p:spPr>
+          <a:xfrm>
+            <a:off x="6376860" y="1900990"/>
+            <a:ext cx="503237" cy="503237"/>
+          </a:xfrm>
+          <a:prstGeom prst="rect">
+            <a:avLst/>
+          </a:prstGeom>
+        </p:spPr>
+      </p:pic>
+    </p:spTree>
+    <p:extLst>
+      <p:ext uri="{BB962C8B-B14F-4D97-AF65-F5344CB8AC3E}">
+        <p14:creationId xmlns:p14="http://schemas.microsoft.com/office/powerpoint/2010/main" val="2531902705"/>
+      </p:ext>
+    </p:extLst>
+  </p:cSld>
+  <p:clrMapOvr>
+    <a:masterClrMapping/>
+  </p:clrMapOvr>
+  <p:transition spd="slow">
+    <p:push dir="u"/>
+  </p:transition>
+</p:sld>
+</file>
+
+<file path=ppt/slides/slide14.xml><?xml version="1.0" encoding="utf-8"?>
+<p:sld xmlns:a="http://schemas.openxmlformats.org/drawingml/2006/main" xmlns:r="http://schemas.openxmlformats.org/officeDocument/2006/relationships" xmlns:p="http://schemas.openxmlformats.org/presentationml/2006/main">
+  <p:cSld>
+    <p:spTree>
+      <p:nvGrpSpPr>
+        <p:cNvPr id="1" name=""/>
+        <p:cNvGrpSpPr/>
+        <p:nvPr/>
+      </p:nvGrpSpPr>
+      <p:grpSpPr>
+        <a:xfrm>
+          <a:off x="0" y="0"/>
+          <a:ext cx="0" cy="0"/>
+          <a:chOff x="0" y="0"/>
+          <a:chExt cx="0" cy="0"/>
+        </a:xfrm>
+      </p:grpSpPr>
+      <p:sp>
+        <p:nvSpPr>
+          <p:cNvPr id="6" name="Title 2">
+            <a:extLst>
+              <a:ext uri="{FF2B5EF4-FFF2-40B4-BE49-F238E27FC236}">
+                <a16:creationId xmlns:a16="http://schemas.microsoft.com/office/drawing/2014/main" id="{1197155A-0D4A-1C4F-9B36-DF485A991274}"/>
+              </a:ext>
+            </a:extLst>
+          </p:cNvPr>
+          <p:cNvSpPr txBox="1">
+            <a:spLocks/>
+          </p:cNvSpPr>
+          <p:nvPr/>
+        </p:nvSpPr>
+        <p:spPr>
+          <a:xfrm>
+            <a:off x="2983229" y="22860"/>
+            <a:ext cx="6063399" cy="366470"/>
+          </a:xfrm>
+          <a:prstGeom prst="rect">
+            <a:avLst/>
+          </a:prstGeom>
+        </p:spPr>
+        <p:txBody>
+          <a:bodyPr/>
+          <a:lstStyle>
+            <a:lvl1pPr algn="l" defTabSz="685800" rtl="0" eaLnBrk="1" fontAlgn="base" hangingPunct="1">
+              <a:lnSpc>
+                <a:spcPct val="90000"/>
+              </a:lnSpc>
+              <a:spcBef>
+                <a:spcPct val="0"/>
+              </a:spcBef>
+              <a:spcAft>
+                <a:spcPct val="0"/>
+              </a:spcAft>
+              <a:defRPr sz="3300" kern="1200">
+                <a:solidFill>
+                  <a:srgbClr val="101C32"/>
+                </a:solidFill>
+                <a:latin typeface="+mn-lt"/>
+                <a:ea typeface="+mj-ea"/>
+                <a:cs typeface="+mj-cs"/>
+              </a:defRPr>
+            </a:lvl1pPr>
+            <a:lvl2pPr algn="l" defTabSz="685800" rtl="0" eaLnBrk="1" fontAlgn="base" hangingPunct="1">
+              <a:lnSpc>
+                <a:spcPct val="90000"/>
+              </a:lnSpc>
+              <a:spcBef>
+                <a:spcPct val="0"/>
+              </a:spcBef>
+              <a:spcAft>
+                <a:spcPct val="0"/>
+              </a:spcAft>
+              <a:defRPr sz="3300">
+                <a:solidFill>
+                  <a:srgbClr val="101C32"/>
+                </a:solidFill>
+                <a:latin typeface="Arial" panose="020B0604020202020204" pitchFamily="34" charset="0"/>
+              </a:defRPr>
+            </a:lvl2pPr>
+            <a:lvl3pPr algn="l" defTabSz="685800" rtl="0" eaLnBrk="1" fontAlgn="base" hangingPunct="1">
+              <a:lnSpc>
+                <a:spcPct val="90000"/>
+              </a:lnSpc>
+              <a:spcBef>
+                <a:spcPct val="0"/>
+              </a:spcBef>
+              <a:spcAft>
+                <a:spcPct val="0"/>
+              </a:spcAft>
+              <a:defRPr sz="3300">
+                <a:solidFill>
+                  <a:srgbClr val="101C32"/>
+                </a:solidFill>
+                <a:latin typeface="Arial" panose="020B0604020202020204" pitchFamily="34" charset="0"/>
+              </a:defRPr>
+            </a:lvl3pPr>
+            <a:lvl4pPr algn="l" defTabSz="685800" rtl="0" eaLnBrk="1" fontAlgn="base" hangingPunct="1">
+              <a:lnSpc>
+                <a:spcPct val="90000"/>
+              </a:lnSpc>
+              <a:spcBef>
+                <a:spcPct val="0"/>
+              </a:spcBef>
+              <a:spcAft>
+                <a:spcPct val="0"/>
+              </a:spcAft>
+              <a:defRPr sz="3300">
+                <a:solidFill>
+                  <a:srgbClr val="101C32"/>
+                </a:solidFill>
+                <a:latin typeface="Arial" panose="020B0604020202020204" pitchFamily="34" charset="0"/>
+              </a:defRPr>
+            </a:lvl4pPr>
+            <a:lvl5pPr algn="l" defTabSz="685800" rtl="0" eaLnBrk="1" fontAlgn="base" hangingPunct="1">
+              <a:lnSpc>
+                <a:spcPct val="90000"/>
+              </a:lnSpc>
+              <a:spcBef>
+                <a:spcPct val="0"/>
+              </a:spcBef>
+              <a:spcAft>
+                <a:spcPct val="0"/>
+              </a:spcAft>
+              <a:defRPr sz="3300">
+                <a:solidFill>
+                  <a:srgbClr val="101C32"/>
+                </a:solidFill>
+                <a:latin typeface="Arial" panose="020B0604020202020204" pitchFamily="34" charset="0"/>
+              </a:defRPr>
+            </a:lvl5pPr>
+            <a:lvl6pPr marL="457200" algn="l" defTabSz="685800" rtl="0" eaLnBrk="1" fontAlgn="base" hangingPunct="1">
+              <a:lnSpc>
+                <a:spcPct val="90000"/>
+              </a:lnSpc>
+              <a:spcBef>
+                <a:spcPct val="0"/>
+              </a:spcBef>
+              <a:spcAft>
+                <a:spcPct val="0"/>
+              </a:spcAft>
+              <a:defRPr sz="3300">
+                <a:solidFill>
+                  <a:srgbClr val="101C32"/>
+                </a:solidFill>
+                <a:latin typeface="Arial" panose="020B0604020202020204" pitchFamily="34" charset="0"/>
+              </a:defRPr>
+            </a:lvl6pPr>
+            <a:lvl7pPr marL="914400" algn="l" defTabSz="685800" rtl="0" eaLnBrk="1" fontAlgn="base" hangingPunct="1">
+              <a:lnSpc>
+                <a:spcPct val="90000"/>
+              </a:lnSpc>
+              <a:spcBef>
+                <a:spcPct val="0"/>
+              </a:spcBef>
+              <a:spcAft>
+                <a:spcPct val="0"/>
+              </a:spcAft>
+              <a:defRPr sz="3300">
+                <a:solidFill>
+                  <a:srgbClr val="101C32"/>
+                </a:solidFill>
+                <a:latin typeface="Arial" panose="020B0604020202020204" pitchFamily="34" charset="0"/>
+              </a:defRPr>
+            </a:lvl7pPr>
+            <a:lvl8pPr marL="1371600" algn="l" defTabSz="685800" rtl="0" eaLnBrk="1" fontAlgn="base" hangingPunct="1">
+              <a:lnSpc>
+                <a:spcPct val="90000"/>
+              </a:lnSpc>
+              <a:spcBef>
+                <a:spcPct val="0"/>
+              </a:spcBef>
+              <a:spcAft>
+                <a:spcPct val="0"/>
+              </a:spcAft>
+              <a:defRPr sz="3300">
+                <a:solidFill>
+                  <a:srgbClr val="101C32"/>
+                </a:solidFill>
+                <a:latin typeface="Arial" panose="020B0604020202020204" pitchFamily="34" charset="0"/>
+              </a:defRPr>
+            </a:lvl8pPr>
+            <a:lvl9pPr marL="1828800" algn="l" defTabSz="685800" rtl="0" eaLnBrk="1" fontAlgn="base" hangingPunct="1">
+              <a:lnSpc>
+                <a:spcPct val="90000"/>
+              </a:lnSpc>
+              <a:spcBef>
+                <a:spcPct val="0"/>
+              </a:spcBef>
+              <a:spcAft>
+                <a:spcPct val="0"/>
+              </a:spcAft>
+              <a:defRPr sz="3300">
+                <a:solidFill>
+                  <a:srgbClr val="101C32"/>
+                </a:solidFill>
+                <a:latin typeface="Arial" panose="020B0604020202020204" pitchFamily="34" charset="0"/>
+              </a:defRPr>
+            </a:lvl9pPr>
+          </a:lstStyle>
+          <a:p>
+            <a:pPr algn="r"/>
+            <a:r>
+              <a:rPr lang="en-US" sz="2000" dirty="0">
+                <a:solidFill>
+                  <a:schemeClr val="bg1"/>
+                </a:solidFill>
+              </a:rPr>
+              <a:t>The Solution</a:t>
+            </a:r>
+            <a:endParaRPr lang="en-US" sz="1800" dirty="0">
+              <a:solidFill>
+                <a:schemeClr val="bg1"/>
+              </a:solidFill>
+            </a:endParaRPr>
+          </a:p>
+        </p:txBody>
+      </p:sp>
+      <p:sp>
+        <p:nvSpPr>
+          <p:cNvPr id="4" name="TextBox 3">
+            <a:extLst>
+              <a:ext uri="{FF2B5EF4-FFF2-40B4-BE49-F238E27FC236}">
+                <a16:creationId xmlns:a16="http://schemas.microsoft.com/office/drawing/2014/main" id="{351E314F-7837-8F40-BE70-413121A53EC8}"/>
+              </a:ext>
+            </a:extLst>
+          </p:cNvPr>
+          <p:cNvSpPr txBox="1"/>
+          <p:nvPr/>
+        </p:nvSpPr>
+        <p:spPr>
+          <a:xfrm>
             <a:off x="3778823" y="2672834"/>
             <a:ext cx="1586354" cy="369332"/>
           </a:xfrm>
@@ -29120,7 +29958,7 @@
 </p:sld>
 </file>
 
-<file path=ppt/slides/slide13.xml><?xml version="1.0" encoding="utf-8"?>
+<file path=ppt/slides/slide15.xml><?xml version="1.0" encoding="utf-8"?>
 <p:sld xmlns:a="http://schemas.openxmlformats.org/drawingml/2006/main" xmlns:r="http://schemas.openxmlformats.org/officeDocument/2006/relationships" xmlns:p="http://schemas.openxmlformats.org/presentationml/2006/main">
   <p:cSld>
     <p:spTree>
@@ -29514,7 +30352,7 @@
 </p:sld>
 </file>
 
-<file path=ppt/slides/slide14.xml><?xml version="1.0" encoding="utf-8"?>
+<file path=ppt/slides/slide16.xml><?xml version="1.0" encoding="utf-8"?>
 <p:sld xmlns:a="http://schemas.openxmlformats.org/drawingml/2006/main" xmlns:r="http://schemas.openxmlformats.org/officeDocument/2006/relationships" xmlns:p="http://schemas.openxmlformats.org/presentationml/2006/main">
   <p:cSld>
     <p:spTree>
@@ -29914,7 +30752,7 @@
 </p:sld>
 </file>
 
-<file path=ppt/slides/slide15.xml><?xml version="1.0" encoding="utf-8"?>
+<file path=ppt/slides/slide17.xml><?xml version="1.0" encoding="utf-8"?>
 <p:sld xmlns:a="http://schemas.openxmlformats.org/drawingml/2006/main" xmlns:r="http://schemas.openxmlformats.org/officeDocument/2006/relationships" xmlns:p="http://schemas.openxmlformats.org/presentationml/2006/main">
   <p:cSld>
     <p:spTree>
@@ -30287,7 +31125,7 @@
 </p:sld>
 </file>
 
-<file path=ppt/slides/slide16.xml><?xml version="1.0" encoding="utf-8"?>
+<file path=ppt/slides/slide18.xml><?xml version="1.0" encoding="utf-8"?>
 <p:sld xmlns:a="http://schemas.openxmlformats.org/drawingml/2006/main" xmlns:r="http://schemas.openxmlformats.org/officeDocument/2006/relationships" xmlns:p="http://schemas.openxmlformats.org/presentationml/2006/main">
   <p:cSld>
     <p:spTree>
@@ -30555,7 +31393,7 @@
 </p:sld>
 </file>
 
-<file path=ppt/slides/slide17.xml><?xml version="1.0" encoding="utf-8"?>
+<file path=ppt/slides/slide19.xml><?xml version="1.0" encoding="utf-8"?>
 <p:sld xmlns:a="http://schemas.openxmlformats.org/drawingml/2006/main" xmlns:r="http://schemas.openxmlformats.org/officeDocument/2006/relationships" xmlns:p="http://schemas.openxmlformats.org/presentationml/2006/main">
   <p:cSld>
     <p:spTree>
@@ -30964,607 +31802,6 @@
 </p:sld>
 </file>
 
-<file path=ppt/slides/slide18.xml><?xml version="1.0" encoding="utf-8"?>
-<p:sld xmlns:a="http://schemas.openxmlformats.org/drawingml/2006/main" xmlns:r="http://schemas.openxmlformats.org/officeDocument/2006/relationships" xmlns:p="http://schemas.openxmlformats.org/presentationml/2006/main">
-  <p:cSld>
-    <p:spTree>
-      <p:nvGrpSpPr>
-        <p:cNvPr id="1" name=""/>
-        <p:cNvGrpSpPr/>
-        <p:nvPr/>
-      </p:nvGrpSpPr>
-      <p:grpSpPr>
-        <a:xfrm>
-          <a:off x="0" y="0"/>
-          <a:ext cx="0" cy="0"/>
-          <a:chOff x="0" y="0"/>
-          <a:chExt cx="0" cy="0"/>
-        </a:xfrm>
-      </p:grpSpPr>
-      <p:sp>
-        <p:nvSpPr>
-          <p:cNvPr id="6" name="Title 2">
-            <a:extLst>
-              <a:ext uri="{FF2B5EF4-FFF2-40B4-BE49-F238E27FC236}">
-                <a16:creationId xmlns:a16="http://schemas.microsoft.com/office/drawing/2014/main" id="{1197155A-0D4A-1C4F-9B36-DF485A991274}"/>
-              </a:ext>
-            </a:extLst>
-          </p:cNvPr>
-          <p:cNvSpPr txBox="1">
-            <a:spLocks/>
-          </p:cNvSpPr>
-          <p:nvPr/>
-        </p:nvSpPr>
-        <p:spPr>
-          <a:xfrm>
-            <a:off x="2983229" y="22860"/>
-            <a:ext cx="6063399" cy="366470"/>
-          </a:xfrm>
-          <a:prstGeom prst="rect">
-            <a:avLst/>
-          </a:prstGeom>
-        </p:spPr>
-        <p:txBody>
-          <a:bodyPr/>
-          <a:lstStyle>
-            <a:lvl1pPr algn="l" defTabSz="685800" rtl="0" eaLnBrk="1" fontAlgn="base" hangingPunct="1">
-              <a:lnSpc>
-                <a:spcPct val="90000"/>
-              </a:lnSpc>
-              <a:spcBef>
-                <a:spcPct val="0"/>
-              </a:spcBef>
-              <a:spcAft>
-                <a:spcPct val="0"/>
-              </a:spcAft>
-              <a:defRPr sz="3300" kern="1200">
-                <a:solidFill>
-                  <a:srgbClr val="101C32"/>
-                </a:solidFill>
-                <a:latin typeface="+mn-lt"/>
-                <a:ea typeface="+mj-ea"/>
-                <a:cs typeface="+mj-cs"/>
-              </a:defRPr>
-            </a:lvl1pPr>
-            <a:lvl2pPr algn="l" defTabSz="685800" rtl="0" eaLnBrk="1" fontAlgn="base" hangingPunct="1">
-              <a:lnSpc>
-                <a:spcPct val="90000"/>
-              </a:lnSpc>
-              <a:spcBef>
-                <a:spcPct val="0"/>
-              </a:spcBef>
-              <a:spcAft>
-                <a:spcPct val="0"/>
-              </a:spcAft>
-              <a:defRPr sz="3300">
-                <a:solidFill>
-                  <a:srgbClr val="101C32"/>
-                </a:solidFill>
-                <a:latin typeface="Arial" panose="020B0604020202020204" pitchFamily="34" charset="0"/>
-              </a:defRPr>
-            </a:lvl2pPr>
-            <a:lvl3pPr algn="l" defTabSz="685800" rtl="0" eaLnBrk="1" fontAlgn="base" hangingPunct="1">
-              <a:lnSpc>
-                <a:spcPct val="90000"/>
-              </a:lnSpc>
-              <a:spcBef>
-                <a:spcPct val="0"/>
-              </a:spcBef>
-              <a:spcAft>
-                <a:spcPct val="0"/>
-              </a:spcAft>
-              <a:defRPr sz="3300">
-                <a:solidFill>
-                  <a:srgbClr val="101C32"/>
-                </a:solidFill>
-                <a:latin typeface="Arial" panose="020B0604020202020204" pitchFamily="34" charset="0"/>
-              </a:defRPr>
-            </a:lvl3pPr>
-            <a:lvl4pPr algn="l" defTabSz="685800" rtl="0" eaLnBrk="1" fontAlgn="base" hangingPunct="1">
-              <a:lnSpc>
-                <a:spcPct val="90000"/>
-              </a:lnSpc>
-              <a:spcBef>
-                <a:spcPct val="0"/>
-              </a:spcBef>
-              <a:spcAft>
-                <a:spcPct val="0"/>
-              </a:spcAft>
-              <a:defRPr sz="3300">
-                <a:solidFill>
-                  <a:srgbClr val="101C32"/>
-                </a:solidFill>
-                <a:latin typeface="Arial" panose="020B0604020202020204" pitchFamily="34" charset="0"/>
-              </a:defRPr>
-            </a:lvl4pPr>
-            <a:lvl5pPr algn="l" defTabSz="685800" rtl="0" eaLnBrk="1" fontAlgn="base" hangingPunct="1">
-              <a:lnSpc>
-                <a:spcPct val="90000"/>
-              </a:lnSpc>
-              <a:spcBef>
-                <a:spcPct val="0"/>
-              </a:spcBef>
-              <a:spcAft>
-                <a:spcPct val="0"/>
-              </a:spcAft>
-              <a:defRPr sz="3300">
-                <a:solidFill>
-                  <a:srgbClr val="101C32"/>
-                </a:solidFill>
-                <a:latin typeface="Arial" panose="020B0604020202020204" pitchFamily="34" charset="0"/>
-              </a:defRPr>
-            </a:lvl5pPr>
-            <a:lvl6pPr marL="457200" algn="l" defTabSz="685800" rtl="0" eaLnBrk="1" fontAlgn="base" hangingPunct="1">
-              <a:lnSpc>
-                <a:spcPct val="90000"/>
-              </a:lnSpc>
-              <a:spcBef>
-                <a:spcPct val="0"/>
-              </a:spcBef>
-              <a:spcAft>
-                <a:spcPct val="0"/>
-              </a:spcAft>
-              <a:defRPr sz="3300">
-                <a:solidFill>
-                  <a:srgbClr val="101C32"/>
-                </a:solidFill>
-                <a:latin typeface="Arial" panose="020B0604020202020204" pitchFamily="34" charset="0"/>
-              </a:defRPr>
-            </a:lvl6pPr>
-            <a:lvl7pPr marL="914400" algn="l" defTabSz="685800" rtl="0" eaLnBrk="1" fontAlgn="base" hangingPunct="1">
-              <a:lnSpc>
-                <a:spcPct val="90000"/>
-              </a:lnSpc>
-              <a:spcBef>
-                <a:spcPct val="0"/>
-              </a:spcBef>
-              <a:spcAft>
-                <a:spcPct val="0"/>
-              </a:spcAft>
-              <a:defRPr sz="3300">
-                <a:solidFill>
-                  <a:srgbClr val="101C32"/>
-                </a:solidFill>
-                <a:latin typeface="Arial" panose="020B0604020202020204" pitchFamily="34" charset="0"/>
-              </a:defRPr>
-            </a:lvl7pPr>
-            <a:lvl8pPr marL="1371600" algn="l" defTabSz="685800" rtl="0" eaLnBrk="1" fontAlgn="base" hangingPunct="1">
-              <a:lnSpc>
-                <a:spcPct val="90000"/>
-              </a:lnSpc>
-              <a:spcBef>
-                <a:spcPct val="0"/>
-              </a:spcBef>
-              <a:spcAft>
-                <a:spcPct val="0"/>
-              </a:spcAft>
-              <a:defRPr sz="3300">
-                <a:solidFill>
-                  <a:srgbClr val="101C32"/>
-                </a:solidFill>
-                <a:latin typeface="Arial" panose="020B0604020202020204" pitchFamily="34" charset="0"/>
-              </a:defRPr>
-            </a:lvl8pPr>
-            <a:lvl9pPr marL="1828800" algn="l" defTabSz="685800" rtl="0" eaLnBrk="1" fontAlgn="base" hangingPunct="1">
-              <a:lnSpc>
-                <a:spcPct val="90000"/>
-              </a:lnSpc>
-              <a:spcBef>
-                <a:spcPct val="0"/>
-              </a:spcBef>
-              <a:spcAft>
-                <a:spcPct val="0"/>
-              </a:spcAft>
-              <a:defRPr sz="3300">
-                <a:solidFill>
-                  <a:srgbClr val="101C32"/>
-                </a:solidFill>
-                <a:latin typeface="Arial" panose="020B0604020202020204" pitchFamily="34" charset="0"/>
-              </a:defRPr>
-            </a:lvl9pPr>
-          </a:lstStyle>
-          <a:p>
-            <a:pPr algn="r"/>
-            <a:r>
-              <a:rPr lang="en-US" sz="2000" dirty="0">
-                <a:solidFill>
-                  <a:schemeClr val="bg1"/>
-                </a:solidFill>
-              </a:rPr>
-              <a:t>The Recap</a:t>
-            </a:r>
-            <a:endParaRPr lang="en-US" sz="1800" dirty="0">
-              <a:solidFill>
-                <a:schemeClr val="bg1"/>
-              </a:solidFill>
-            </a:endParaRPr>
-          </a:p>
-        </p:txBody>
-      </p:sp>
-      <p:sp>
-        <p:nvSpPr>
-          <p:cNvPr id="4" name="TextBox 3">
-            <a:extLst>
-              <a:ext uri="{FF2B5EF4-FFF2-40B4-BE49-F238E27FC236}">
-                <a16:creationId xmlns:a16="http://schemas.microsoft.com/office/drawing/2014/main" id="{351E314F-7837-8F40-BE70-413121A53EC8}"/>
-              </a:ext>
-            </a:extLst>
-          </p:cNvPr>
-          <p:cNvSpPr txBox="1"/>
-          <p:nvPr/>
-        </p:nvSpPr>
-        <p:spPr>
-          <a:xfrm>
-            <a:off x="314294" y="593701"/>
-            <a:ext cx="8515409" cy="4524315"/>
-          </a:xfrm>
-          <a:prstGeom prst="rect">
-            <a:avLst/>
-          </a:prstGeom>
-          <a:noFill/>
-        </p:spPr>
-        <p:txBody>
-          <a:bodyPr wrap="square" rtlCol="0">
-            <a:spAutoFit/>
-          </a:bodyPr>
-          <a:lstStyle/>
-          <a:p>
-            <a:r>
-              <a:rPr lang="en-US" b="1" dirty="0"/>
-              <a:t>Recap</a:t>
-            </a:r>
-          </a:p>
-          <a:p>
-            <a:endParaRPr lang="en-US" dirty="0"/>
-          </a:p>
-          <a:p>
-            <a:endParaRPr lang="en-US" dirty="0"/>
-          </a:p>
-          <a:p>
-            <a:r>
-              <a:rPr lang="en-US" dirty="0"/>
-              <a:t>Docker Compose: Awesome, great for getting a project up and going quickly</a:t>
-            </a:r>
-          </a:p>
-          <a:p>
-            <a:endParaRPr lang="en-US" dirty="0"/>
-          </a:p>
-          <a:p>
-            <a:r>
-              <a:rPr lang="en-US" dirty="0"/>
-              <a:t>NGINX: Simple and easy to get started and use</a:t>
-            </a:r>
-          </a:p>
-          <a:p>
-            <a:endParaRPr lang="en-US" dirty="0"/>
-          </a:p>
-          <a:p>
-            <a:r>
-              <a:rPr lang="en-US" dirty="0"/>
-              <a:t>Certificates: Frustrating, but necessary.</a:t>
-            </a:r>
-          </a:p>
-          <a:p>
-            <a:endParaRPr lang="en-US" dirty="0"/>
-          </a:p>
-          <a:p>
-            <a:r>
-              <a:rPr lang="en-US" dirty="0"/>
-              <a:t>OpenSSL: Need to know more, lots of commands &amp; configuration to learn</a:t>
-            </a:r>
-          </a:p>
-          <a:p>
-            <a:endParaRPr lang="en-US" dirty="0"/>
-          </a:p>
-          <a:p>
-            <a:r>
-              <a:rPr lang="en-US" dirty="0"/>
-              <a:t>Proof of Concept: </a:t>
-            </a:r>
-            <a:r>
-              <a:rPr lang="en-US" b="1" dirty="0"/>
-              <a:t>Necessary</a:t>
-            </a:r>
-            <a:r>
-              <a:rPr lang="en-US" dirty="0"/>
-              <a:t>. Docker build times for Identity API are 10x longer 					than working with a bare bones project. Iteration time is much 					quicker</a:t>
-            </a:r>
-          </a:p>
-          <a:p>
-            <a:endParaRPr lang="en-US" dirty="0"/>
-          </a:p>
-          <a:p>
-            <a:endParaRPr lang="en-US" dirty="0"/>
-          </a:p>
-        </p:txBody>
-      </p:sp>
-    </p:spTree>
-    <p:extLst>
-      <p:ext uri="{BB962C8B-B14F-4D97-AF65-F5344CB8AC3E}">
-        <p14:creationId xmlns:p14="http://schemas.microsoft.com/office/powerpoint/2010/main" val="3445725652"/>
-      </p:ext>
-    </p:extLst>
-  </p:cSld>
-  <p:clrMapOvr>
-    <a:masterClrMapping/>
-  </p:clrMapOvr>
-  <p:transition spd="slow">
-    <p:push dir="u"/>
-  </p:transition>
-</p:sld>
-</file>
-
-<file path=ppt/slides/slide19.xml><?xml version="1.0" encoding="utf-8"?>
-<p:sld xmlns:a="http://schemas.openxmlformats.org/drawingml/2006/main" xmlns:r="http://schemas.openxmlformats.org/officeDocument/2006/relationships" xmlns:p="http://schemas.openxmlformats.org/presentationml/2006/main">
-  <p:cSld>
-    <p:spTree>
-      <p:nvGrpSpPr>
-        <p:cNvPr id="1" name=""/>
-        <p:cNvGrpSpPr/>
-        <p:nvPr/>
-      </p:nvGrpSpPr>
-      <p:grpSpPr>
-        <a:xfrm>
-          <a:off x="0" y="0"/>
-          <a:ext cx="0" cy="0"/>
-          <a:chOff x="0" y="0"/>
-          <a:chExt cx="0" cy="0"/>
-        </a:xfrm>
-      </p:grpSpPr>
-      <p:sp>
-        <p:nvSpPr>
-          <p:cNvPr id="6" name="Title 2">
-            <a:extLst>
-              <a:ext uri="{FF2B5EF4-FFF2-40B4-BE49-F238E27FC236}">
-                <a16:creationId xmlns:a16="http://schemas.microsoft.com/office/drawing/2014/main" id="{1197155A-0D4A-1C4F-9B36-DF485A991274}"/>
-              </a:ext>
-            </a:extLst>
-          </p:cNvPr>
-          <p:cNvSpPr txBox="1">
-            <a:spLocks/>
-          </p:cNvSpPr>
-          <p:nvPr/>
-        </p:nvSpPr>
-        <p:spPr>
-          <a:xfrm>
-            <a:off x="2983229" y="22860"/>
-            <a:ext cx="6063399" cy="366470"/>
-          </a:xfrm>
-          <a:prstGeom prst="rect">
-            <a:avLst/>
-          </a:prstGeom>
-        </p:spPr>
-        <p:txBody>
-          <a:bodyPr/>
-          <a:lstStyle>
-            <a:lvl1pPr algn="l" defTabSz="685800" rtl="0" eaLnBrk="1" fontAlgn="base" hangingPunct="1">
-              <a:lnSpc>
-                <a:spcPct val="90000"/>
-              </a:lnSpc>
-              <a:spcBef>
-                <a:spcPct val="0"/>
-              </a:spcBef>
-              <a:spcAft>
-                <a:spcPct val="0"/>
-              </a:spcAft>
-              <a:defRPr sz="3300" kern="1200">
-                <a:solidFill>
-                  <a:srgbClr val="101C32"/>
-                </a:solidFill>
-                <a:latin typeface="+mn-lt"/>
-                <a:ea typeface="+mj-ea"/>
-                <a:cs typeface="+mj-cs"/>
-              </a:defRPr>
-            </a:lvl1pPr>
-            <a:lvl2pPr algn="l" defTabSz="685800" rtl="0" eaLnBrk="1" fontAlgn="base" hangingPunct="1">
-              <a:lnSpc>
-                <a:spcPct val="90000"/>
-              </a:lnSpc>
-              <a:spcBef>
-                <a:spcPct val="0"/>
-              </a:spcBef>
-              <a:spcAft>
-                <a:spcPct val="0"/>
-              </a:spcAft>
-              <a:defRPr sz="3300">
-                <a:solidFill>
-                  <a:srgbClr val="101C32"/>
-                </a:solidFill>
-                <a:latin typeface="Arial" panose="020B0604020202020204" pitchFamily="34" charset="0"/>
-              </a:defRPr>
-            </a:lvl2pPr>
-            <a:lvl3pPr algn="l" defTabSz="685800" rtl="0" eaLnBrk="1" fontAlgn="base" hangingPunct="1">
-              <a:lnSpc>
-                <a:spcPct val="90000"/>
-              </a:lnSpc>
-              <a:spcBef>
-                <a:spcPct val="0"/>
-              </a:spcBef>
-              <a:spcAft>
-                <a:spcPct val="0"/>
-              </a:spcAft>
-              <a:defRPr sz="3300">
-                <a:solidFill>
-                  <a:srgbClr val="101C32"/>
-                </a:solidFill>
-                <a:latin typeface="Arial" panose="020B0604020202020204" pitchFamily="34" charset="0"/>
-              </a:defRPr>
-            </a:lvl3pPr>
-            <a:lvl4pPr algn="l" defTabSz="685800" rtl="0" eaLnBrk="1" fontAlgn="base" hangingPunct="1">
-              <a:lnSpc>
-                <a:spcPct val="90000"/>
-              </a:lnSpc>
-              <a:spcBef>
-                <a:spcPct val="0"/>
-              </a:spcBef>
-              <a:spcAft>
-                <a:spcPct val="0"/>
-              </a:spcAft>
-              <a:defRPr sz="3300">
-                <a:solidFill>
-                  <a:srgbClr val="101C32"/>
-                </a:solidFill>
-                <a:latin typeface="Arial" panose="020B0604020202020204" pitchFamily="34" charset="0"/>
-              </a:defRPr>
-            </a:lvl4pPr>
-            <a:lvl5pPr algn="l" defTabSz="685800" rtl="0" eaLnBrk="1" fontAlgn="base" hangingPunct="1">
-              <a:lnSpc>
-                <a:spcPct val="90000"/>
-              </a:lnSpc>
-              <a:spcBef>
-                <a:spcPct val="0"/>
-              </a:spcBef>
-              <a:spcAft>
-                <a:spcPct val="0"/>
-              </a:spcAft>
-              <a:defRPr sz="3300">
-                <a:solidFill>
-                  <a:srgbClr val="101C32"/>
-                </a:solidFill>
-                <a:latin typeface="Arial" panose="020B0604020202020204" pitchFamily="34" charset="0"/>
-              </a:defRPr>
-            </a:lvl5pPr>
-            <a:lvl6pPr marL="457200" algn="l" defTabSz="685800" rtl="0" eaLnBrk="1" fontAlgn="base" hangingPunct="1">
-              <a:lnSpc>
-                <a:spcPct val="90000"/>
-              </a:lnSpc>
-              <a:spcBef>
-                <a:spcPct val="0"/>
-              </a:spcBef>
-              <a:spcAft>
-                <a:spcPct val="0"/>
-              </a:spcAft>
-              <a:defRPr sz="3300">
-                <a:solidFill>
-                  <a:srgbClr val="101C32"/>
-                </a:solidFill>
-                <a:latin typeface="Arial" panose="020B0604020202020204" pitchFamily="34" charset="0"/>
-              </a:defRPr>
-            </a:lvl6pPr>
-            <a:lvl7pPr marL="914400" algn="l" defTabSz="685800" rtl="0" eaLnBrk="1" fontAlgn="base" hangingPunct="1">
-              <a:lnSpc>
-                <a:spcPct val="90000"/>
-              </a:lnSpc>
-              <a:spcBef>
-                <a:spcPct val="0"/>
-              </a:spcBef>
-              <a:spcAft>
-                <a:spcPct val="0"/>
-              </a:spcAft>
-              <a:defRPr sz="3300">
-                <a:solidFill>
-                  <a:srgbClr val="101C32"/>
-                </a:solidFill>
-                <a:latin typeface="Arial" panose="020B0604020202020204" pitchFamily="34" charset="0"/>
-              </a:defRPr>
-            </a:lvl7pPr>
-            <a:lvl8pPr marL="1371600" algn="l" defTabSz="685800" rtl="0" eaLnBrk="1" fontAlgn="base" hangingPunct="1">
-              <a:lnSpc>
-                <a:spcPct val="90000"/>
-              </a:lnSpc>
-              <a:spcBef>
-                <a:spcPct val="0"/>
-              </a:spcBef>
-              <a:spcAft>
-                <a:spcPct val="0"/>
-              </a:spcAft>
-              <a:defRPr sz="3300">
-                <a:solidFill>
-                  <a:srgbClr val="101C32"/>
-                </a:solidFill>
-                <a:latin typeface="Arial" panose="020B0604020202020204" pitchFamily="34" charset="0"/>
-              </a:defRPr>
-            </a:lvl8pPr>
-            <a:lvl9pPr marL="1828800" algn="l" defTabSz="685800" rtl="0" eaLnBrk="1" fontAlgn="base" hangingPunct="1">
-              <a:lnSpc>
-                <a:spcPct val="90000"/>
-              </a:lnSpc>
-              <a:spcBef>
-                <a:spcPct val="0"/>
-              </a:spcBef>
-              <a:spcAft>
-                <a:spcPct val="0"/>
-              </a:spcAft>
-              <a:defRPr sz="3300">
-                <a:solidFill>
-                  <a:srgbClr val="101C32"/>
-                </a:solidFill>
-                <a:latin typeface="Arial" panose="020B0604020202020204" pitchFamily="34" charset="0"/>
-              </a:defRPr>
-            </a:lvl9pPr>
-          </a:lstStyle>
-          <a:p>
-            <a:pPr algn="r"/>
-            <a:r>
-              <a:rPr lang="en-US" sz="2000" dirty="0">
-                <a:solidFill>
-                  <a:schemeClr val="bg1"/>
-                </a:solidFill>
-              </a:rPr>
-              <a:t>Questions?</a:t>
-            </a:r>
-            <a:endParaRPr lang="en-US" sz="1800" dirty="0">
-              <a:solidFill>
-                <a:schemeClr val="bg1"/>
-              </a:solidFill>
-            </a:endParaRPr>
-          </a:p>
-        </p:txBody>
-      </p:sp>
-      <p:sp>
-        <p:nvSpPr>
-          <p:cNvPr id="4" name="TextBox 3">
-            <a:extLst>
-              <a:ext uri="{FF2B5EF4-FFF2-40B4-BE49-F238E27FC236}">
-                <a16:creationId xmlns:a16="http://schemas.microsoft.com/office/drawing/2014/main" id="{351E314F-7837-8F40-BE70-413121A53EC8}"/>
-              </a:ext>
-            </a:extLst>
-          </p:cNvPr>
-          <p:cNvSpPr txBox="1"/>
-          <p:nvPr/>
-        </p:nvSpPr>
-        <p:spPr>
-          <a:xfrm>
-            <a:off x="3880061" y="2674427"/>
-            <a:ext cx="1783621" cy="646331"/>
-          </a:xfrm>
-          <a:prstGeom prst="rect">
-            <a:avLst/>
-          </a:prstGeom>
-          <a:noFill/>
-        </p:spPr>
-        <p:txBody>
-          <a:bodyPr wrap="square" rtlCol="0">
-            <a:spAutoFit/>
-          </a:bodyPr>
-          <a:lstStyle/>
-          <a:p>
-            <a:r>
-              <a:rPr lang="en-US" b="1" dirty="0"/>
-              <a:t>Questions?</a:t>
-            </a:r>
-          </a:p>
-          <a:p>
-            <a:endParaRPr lang="en-US" dirty="0"/>
-          </a:p>
-        </p:txBody>
-      </p:sp>
-    </p:spTree>
-    <p:extLst>
-      <p:ext uri="{BB962C8B-B14F-4D97-AF65-F5344CB8AC3E}">
-        <p14:creationId xmlns:p14="http://schemas.microsoft.com/office/powerpoint/2010/main" val="1944912061"/>
-      </p:ext>
-    </p:extLst>
-  </p:cSld>
-  <p:clrMapOvr>
-    <a:masterClrMapping/>
-  </p:clrMapOvr>
-  <p:transition spd="slow">
-    <p:push dir="u"/>
-  </p:transition>
-</p:sld>
-</file>
-
 <file path=ppt/slides/slide2.xml><?xml version="1.0" encoding="utf-8"?>
 <p:sld xmlns:a="http://schemas.openxmlformats.org/drawingml/2006/main" xmlns:r="http://schemas.openxmlformats.org/officeDocument/2006/relationships" xmlns:p="http://schemas.openxmlformats.org/presentationml/2006/main">
   <p:cSld>
@@ -31812,7 +32049,7 @@
           <a:p>
             <a:r>
               <a:rPr lang="en-US" b="1" dirty="0"/>
-              <a:t>Bring to light a developer problem and demonstrate the learning process taken to achieve a desired solution.</a:t>
+              <a:t>Propose a developer problem and demonstrate the learning process taken to achieve a solution.</a:t>
             </a:r>
           </a:p>
           <a:p>
@@ -31880,6 +32117,607 @@
     <p:extLst>
       <p:ext uri="{BB962C8B-B14F-4D97-AF65-F5344CB8AC3E}">
         <p14:creationId xmlns:p14="http://schemas.microsoft.com/office/powerpoint/2010/main" val="3846190750"/>
+      </p:ext>
+    </p:extLst>
+  </p:cSld>
+  <p:clrMapOvr>
+    <a:masterClrMapping/>
+  </p:clrMapOvr>
+  <p:transition spd="slow">
+    <p:push dir="u"/>
+  </p:transition>
+</p:sld>
+</file>
+
+<file path=ppt/slides/slide20.xml><?xml version="1.0" encoding="utf-8"?>
+<p:sld xmlns:a="http://schemas.openxmlformats.org/drawingml/2006/main" xmlns:r="http://schemas.openxmlformats.org/officeDocument/2006/relationships" xmlns:p="http://schemas.openxmlformats.org/presentationml/2006/main">
+  <p:cSld>
+    <p:spTree>
+      <p:nvGrpSpPr>
+        <p:cNvPr id="1" name=""/>
+        <p:cNvGrpSpPr/>
+        <p:nvPr/>
+      </p:nvGrpSpPr>
+      <p:grpSpPr>
+        <a:xfrm>
+          <a:off x="0" y="0"/>
+          <a:ext cx="0" cy="0"/>
+          <a:chOff x="0" y="0"/>
+          <a:chExt cx="0" cy="0"/>
+        </a:xfrm>
+      </p:grpSpPr>
+      <p:sp>
+        <p:nvSpPr>
+          <p:cNvPr id="6" name="Title 2">
+            <a:extLst>
+              <a:ext uri="{FF2B5EF4-FFF2-40B4-BE49-F238E27FC236}">
+                <a16:creationId xmlns:a16="http://schemas.microsoft.com/office/drawing/2014/main" id="{1197155A-0D4A-1C4F-9B36-DF485A991274}"/>
+              </a:ext>
+            </a:extLst>
+          </p:cNvPr>
+          <p:cNvSpPr txBox="1">
+            <a:spLocks/>
+          </p:cNvSpPr>
+          <p:nvPr/>
+        </p:nvSpPr>
+        <p:spPr>
+          <a:xfrm>
+            <a:off x="2983229" y="22860"/>
+            <a:ext cx="6063399" cy="366470"/>
+          </a:xfrm>
+          <a:prstGeom prst="rect">
+            <a:avLst/>
+          </a:prstGeom>
+        </p:spPr>
+        <p:txBody>
+          <a:bodyPr/>
+          <a:lstStyle>
+            <a:lvl1pPr algn="l" defTabSz="685800" rtl="0" eaLnBrk="1" fontAlgn="base" hangingPunct="1">
+              <a:lnSpc>
+                <a:spcPct val="90000"/>
+              </a:lnSpc>
+              <a:spcBef>
+                <a:spcPct val="0"/>
+              </a:spcBef>
+              <a:spcAft>
+                <a:spcPct val="0"/>
+              </a:spcAft>
+              <a:defRPr sz="3300" kern="1200">
+                <a:solidFill>
+                  <a:srgbClr val="101C32"/>
+                </a:solidFill>
+                <a:latin typeface="+mn-lt"/>
+                <a:ea typeface="+mj-ea"/>
+                <a:cs typeface="+mj-cs"/>
+              </a:defRPr>
+            </a:lvl1pPr>
+            <a:lvl2pPr algn="l" defTabSz="685800" rtl="0" eaLnBrk="1" fontAlgn="base" hangingPunct="1">
+              <a:lnSpc>
+                <a:spcPct val="90000"/>
+              </a:lnSpc>
+              <a:spcBef>
+                <a:spcPct val="0"/>
+              </a:spcBef>
+              <a:spcAft>
+                <a:spcPct val="0"/>
+              </a:spcAft>
+              <a:defRPr sz="3300">
+                <a:solidFill>
+                  <a:srgbClr val="101C32"/>
+                </a:solidFill>
+                <a:latin typeface="Arial" panose="020B0604020202020204" pitchFamily="34" charset="0"/>
+              </a:defRPr>
+            </a:lvl2pPr>
+            <a:lvl3pPr algn="l" defTabSz="685800" rtl="0" eaLnBrk="1" fontAlgn="base" hangingPunct="1">
+              <a:lnSpc>
+                <a:spcPct val="90000"/>
+              </a:lnSpc>
+              <a:spcBef>
+                <a:spcPct val="0"/>
+              </a:spcBef>
+              <a:spcAft>
+                <a:spcPct val="0"/>
+              </a:spcAft>
+              <a:defRPr sz="3300">
+                <a:solidFill>
+                  <a:srgbClr val="101C32"/>
+                </a:solidFill>
+                <a:latin typeface="Arial" panose="020B0604020202020204" pitchFamily="34" charset="0"/>
+              </a:defRPr>
+            </a:lvl3pPr>
+            <a:lvl4pPr algn="l" defTabSz="685800" rtl="0" eaLnBrk="1" fontAlgn="base" hangingPunct="1">
+              <a:lnSpc>
+                <a:spcPct val="90000"/>
+              </a:lnSpc>
+              <a:spcBef>
+                <a:spcPct val="0"/>
+              </a:spcBef>
+              <a:spcAft>
+                <a:spcPct val="0"/>
+              </a:spcAft>
+              <a:defRPr sz="3300">
+                <a:solidFill>
+                  <a:srgbClr val="101C32"/>
+                </a:solidFill>
+                <a:latin typeface="Arial" panose="020B0604020202020204" pitchFamily="34" charset="0"/>
+              </a:defRPr>
+            </a:lvl4pPr>
+            <a:lvl5pPr algn="l" defTabSz="685800" rtl="0" eaLnBrk="1" fontAlgn="base" hangingPunct="1">
+              <a:lnSpc>
+                <a:spcPct val="90000"/>
+              </a:lnSpc>
+              <a:spcBef>
+                <a:spcPct val="0"/>
+              </a:spcBef>
+              <a:spcAft>
+                <a:spcPct val="0"/>
+              </a:spcAft>
+              <a:defRPr sz="3300">
+                <a:solidFill>
+                  <a:srgbClr val="101C32"/>
+                </a:solidFill>
+                <a:latin typeface="Arial" panose="020B0604020202020204" pitchFamily="34" charset="0"/>
+              </a:defRPr>
+            </a:lvl5pPr>
+            <a:lvl6pPr marL="457200" algn="l" defTabSz="685800" rtl="0" eaLnBrk="1" fontAlgn="base" hangingPunct="1">
+              <a:lnSpc>
+                <a:spcPct val="90000"/>
+              </a:lnSpc>
+              <a:spcBef>
+                <a:spcPct val="0"/>
+              </a:spcBef>
+              <a:spcAft>
+                <a:spcPct val="0"/>
+              </a:spcAft>
+              <a:defRPr sz="3300">
+                <a:solidFill>
+                  <a:srgbClr val="101C32"/>
+                </a:solidFill>
+                <a:latin typeface="Arial" panose="020B0604020202020204" pitchFamily="34" charset="0"/>
+              </a:defRPr>
+            </a:lvl6pPr>
+            <a:lvl7pPr marL="914400" algn="l" defTabSz="685800" rtl="0" eaLnBrk="1" fontAlgn="base" hangingPunct="1">
+              <a:lnSpc>
+                <a:spcPct val="90000"/>
+              </a:lnSpc>
+              <a:spcBef>
+                <a:spcPct val="0"/>
+              </a:spcBef>
+              <a:spcAft>
+                <a:spcPct val="0"/>
+              </a:spcAft>
+              <a:defRPr sz="3300">
+                <a:solidFill>
+                  <a:srgbClr val="101C32"/>
+                </a:solidFill>
+                <a:latin typeface="Arial" panose="020B0604020202020204" pitchFamily="34" charset="0"/>
+              </a:defRPr>
+            </a:lvl7pPr>
+            <a:lvl8pPr marL="1371600" algn="l" defTabSz="685800" rtl="0" eaLnBrk="1" fontAlgn="base" hangingPunct="1">
+              <a:lnSpc>
+                <a:spcPct val="90000"/>
+              </a:lnSpc>
+              <a:spcBef>
+                <a:spcPct val="0"/>
+              </a:spcBef>
+              <a:spcAft>
+                <a:spcPct val="0"/>
+              </a:spcAft>
+              <a:defRPr sz="3300">
+                <a:solidFill>
+                  <a:srgbClr val="101C32"/>
+                </a:solidFill>
+                <a:latin typeface="Arial" panose="020B0604020202020204" pitchFamily="34" charset="0"/>
+              </a:defRPr>
+            </a:lvl8pPr>
+            <a:lvl9pPr marL="1828800" algn="l" defTabSz="685800" rtl="0" eaLnBrk="1" fontAlgn="base" hangingPunct="1">
+              <a:lnSpc>
+                <a:spcPct val="90000"/>
+              </a:lnSpc>
+              <a:spcBef>
+                <a:spcPct val="0"/>
+              </a:spcBef>
+              <a:spcAft>
+                <a:spcPct val="0"/>
+              </a:spcAft>
+              <a:defRPr sz="3300">
+                <a:solidFill>
+                  <a:srgbClr val="101C32"/>
+                </a:solidFill>
+                <a:latin typeface="Arial" panose="020B0604020202020204" pitchFamily="34" charset="0"/>
+              </a:defRPr>
+            </a:lvl9pPr>
+          </a:lstStyle>
+          <a:p>
+            <a:pPr algn="r"/>
+            <a:r>
+              <a:rPr lang="en-US" sz="2000" dirty="0">
+                <a:solidFill>
+                  <a:schemeClr val="bg1"/>
+                </a:solidFill>
+              </a:rPr>
+              <a:t>The Recap</a:t>
+            </a:r>
+            <a:endParaRPr lang="en-US" sz="1800" dirty="0">
+              <a:solidFill>
+                <a:schemeClr val="bg1"/>
+              </a:solidFill>
+            </a:endParaRPr>
+          </a:p>
+        </p:txBody>
+      </p:sp>
+      <p:sp>
+        <p:nvSpPr>
+          <p:cNvPr id="4" name="TextBox 3">
+            <a:extLst>
+              <a:ext uri="{FF2B5EF4-FFF2-40B4-BE49-F238E27FC236}">
+                <a16:creationId xmlns:a16="http://schemas.microsoft.com/office/drawing/2014/main" id="{351E314F-7837-8F40-BE70-413121A53EC8}"/>
+              </a:ext>
+            </a:extLst>
+          </p:cNvPr>
+          <p:cNvSpPr txBox="1"/>
+          <p:nvPr/>
+        </p:nvSpPr>
+        <p:spPr>
+          <a:xfrm>
+            <a:off x="314294" y="593701"/>
+            <a:ext cx="8515409" cy="4524315"/>
+          </a:xfrm>
+          <a:prstGeom prst="rect">
+            <a:avLst/>
+          </a:prstGeom>
+          <a:noFill/>
+        </p:spPr>
+        <p:txBody>
+          <a:bodyPr wrap="square" rtlCol="0">
+            <a:spAutoFit/>
+          </a:bodyPr>
+          <a:lstStyle/>
+          <a:p>
+            <a:r>
+              <a:rPr lang="en-US" b="1" dirty="0"/>
+              <a:t>Recap</a:t>
+            </a:r>
+          </a:p>
+          <a:p>
+            <a:endParaRPr lang="en-US" dirty="0"/>
+          </a:p>
+          <a:p>
+            <a:endParaRPr lang="en-US" dirty="0"/>
+          </a:p>
+          <a:p>
+            <a:r>
+              <a:rPr lang="en-US" dirty="0"/>
+              <a:t>Docker Compose: Awesome, great for getting a project up and going quickly</a:t>
+            </a:r>
+          </a:p>
+          <a:p>
+            <a:endParaRPr lang="en-US" dirty="0"/>
+          </a:p>
+          <a:p>
+            <a:r>
+              <a:rPr lang="en-US" dirty="0"/>
+              <a:t>NGINX: Simple and easy to get started and use</a:t>
+            </a:r>
+          </a:p>
+          <a:p>
+            <a:endParaRPr lang="en-US" dirty="0"/>
+          </a:p>
+          <a:p>
+            <a:r>
+              <a:rPr lang="en-US" dirty="0"/>
+              <a:t>Certificates: Frustrating, but necessary.</a:t>
+            </a:r>
+          </a:p>
+          <a:p>
+            <a:endParaRPr lang="en-US" dirty="0"/>
+          </a:p>
+          <a:p>
+            <a:r>
+              <a:rPr lang="en-US" dirty="0"/>
+              <a:t>OpenSSL: Need to know more, lots of commands &amp; configuration to learn</a:t>
+            </a:r>
+          </a:p>
+          <a:p>
+            <a:endParaRPr lang="en-US" dirty="0"/>
+          </a:p>
+          <a:p>
+            <a:r>
+              <a:rPr lang="en-US" dirty="0"/>
+              <a:t>Proof of Concept: </a:t>
+            </a:r>
+            <a:r>
+              <a:rPr lang="en-US" b="1" dirty="0"/>
+              <a:t>Necessary</a:t>
+            </a:r>
+            <a:r>
+              <a:rPr lang="en-US" dirty="0"/>
+              <a:t>. Docker build times for Identity API are 10x longer 					than working with a bare bones project. Iteration time is much 					quicker</a:t>
+            </a:r>
+          </a:p>
+          <a:p>
+            <a:endParaRPr lang="en-US" dirty="0"/>
+          </a:p>
+          <a:p>
+            <a:endParaRPr lang="en-US" dirty="0"/>
+          </a:p>
+        </p:txBody>
+      </p:sp>
+    </p:spTree>
+    <p:extLst>
+      <p:ext uri="{BB962C8B-B14F-4D97-AF65-F5344CB8AC3E}">
+        <p14:creationId xmlns:p14="http://schemas.microsoft.com/office/powerpoint/2010/main" val="3445725652"/>
+      </p:ext>
+    </p:extLst>
+  </p:cSld>
+  <p:clrMapOvr>
+    <a:masterClrMapping/>
+  </p:clrMapOvr>
+  <p:transition spd="slow">
+    <p:push dir="u"/>
+  </p:transition>
+</p:sld>
+</file>
+
+<file path=ppt/slides/slide21.xml><?xml version="1.0" encoding="utf-8"?>
+<p:sld xmlns:a="http://schemas.openxmlformats.org/drawingml/2006/main" xmlns:r="http://schemas.openxmlformats.org/officeDocument/2006/relationships" xmlns:p="http://schemas.openxmlformats.org/presentationml/2006/main">
+  <p:cSld>
+    <p:spTree>
+      <p:nvGrpSpPr>
+        <p:cNvPr id="1" name=""/>
+        <p:cNvGrpSpPr/>
+        <p:nvPr/>
+      </p:nvGrpSpPr>
+      <p:grpSpPr>
+        <a:xfrm>
+          <a:off x="0" y="0"/>
+          <a:ext cx="0" cy="0"/>
+          <a:chOff x="0" y="0"/>
+          <a:chExt cx="0" cy="0"/>
+        </a:xfrm>
+      </p:grpSpPr>
+      <p:sp>
+        <p:nvSpPr>
+          <p:cNvPr id="6" name="Title 2">
+            <a:extLst>
+              <a:ext uri="{FF2B5EF4-FFF2-40B4-BE49-F238E27FC236}">
+                <a16:creationId xmlns:a16="http://schemas.microsoft.com/office/drawing/2014/main" id="{1197155A-0D4A-1C4F-9B36-DF485A991274}"/>
+              </a:ext>
+            </a:extLst>
+          </p:cNvPr>
+          <p:cNvSpPr txBox="1">
+            <a:spLocks/>
+          </p:cNvSpPr>
+          <p:nvPr/>
+        </p:nvSpPr>
+        <p:spPr>
+          <a:xfrm>
+            <a:off x="2983229" y="22860"/>
+            <a:ext cx="6063399" cy="366470"/>
+          </a:xfrm>
+          <a:prstGeom prst="rect">
+            <a:avLst/>
+          </a:prstGeom>
+        </p:spPr>
+        <p:txBody>
+          <a:bodyPr/>
+          <a:lstStyle>
+            <a:lvl1pPr algn="l" defTabSz="685800" rtl="0" eaLnBrk="1" fontAlgn="base" hangingPunct="1">
+              <a:lnSpc>
+                <a:spcPct val="90000"/>
+              </a:lnSpc>
+              <a:spcBef>
+                <a:spcPct val="0"/>
+              </a:spcBef>
+              <a:spcAft>
+                <a:spcPct val="0"/>
+              </a:spcAft>
+              <a:defRPr sz="3300" kern="1200">
+                <a:solidFill>
+                  <a:srgbClr val="101C32"/>
+                </a:solidFill>
+                <a:latin typeface="+mn-lt"/>
+                <a:ea typeface="+mj-ea"/>
+                <a:cs typeface="+mj-cs"/>
+              </a:defRPr>
+            </a:lvl1pPr>
+            <a:lvl2pPr algn="l" defTabSz="685800" rtl="0" eaLnBrk="1" fontAlgn="base" hangingPunct="1">
+              <a:lnSpc>
+                <a:spcPct val="90000"/>
+              </a:lnSpc>
+              <a:spcBef>
+                <a:spcPct val="0"/>
+              </a:spcBef>
+              <a:spcAft>
+                <a:spcPct val="0"/>
+              </a:spcAft>
+              <a:defRPr sz="3300">
+                <a:solidFill>
+                  <a:srgbClr val="101C32"/>
+                </a:solidFill>
+                <a:latin typeface="Arial" panose="020B0604020202020204" pitchFamily="34" charset="0"/>
+              </a:defRPr>
+            </a:lvl2pPr>
+            <a:lvl3pPr algn="l" defTabSz="685800" rtl="0" eaLnBrk="1" fontAlgn="base" hangingPunct="1">
+              <a:lnSpc>
+                <a:spcPct val="90000"/>
+              </a:lnSpc>
+              <a:spcBef>
+                <a:spcPct val="0"/>
+              </a:spcBef>
+              <a:spcAft>
+                <a:spcPct val="0"/>
+              </a:spcAft>
+              <a:defRPr sz="3300">
+                <a:solidFill>
+                  <a:srgbClr val="101C32"/>
+                </a:solidFill>
+                <a:latin typeface="Arial" panose="020B0604020202020204" pitchFamily="34" charset="0"/>
+              </a:defRPr>
+            </a:lvl3pPr>
+            <a:lvl4pPr algn="l" defTabSz="685800" rtl="0" eaLnBrk="1" fontAlgn="base" hangingPunct="1">
+              <a:lnSpc>
+                <a:spcPct val="90000"/>
+              </a:lnSpc>
+              <a:spcBef>
+                <a:spcPct val="0"/>
+              </a:spcBef>
+              <a:spcAft>
+                <a:spcPct val="0"/>
+              </a:spcAft>
+              <a:defRPr sz="3300">
+                <a:solidFill>
+                  <a:srgbClr val="101C32"/>
+                </a:solidFill>
+                <a:latin typeface="Arial" panose="020B0604020202020204" pitchFamily="34" charset="0"/>
+              </a:defRPr>
+            </a:lvl4pPr>
+            <a:lvl5pPr algn="l" defTabSz="685800" rtl="0" eaLnBrk="1" fontAlgn="base" hangingPunct="1">
+              <a:lnSpc>
+                <a:spcPct val="90000"/>
+              </a:lnSpc>
+              <a:spcBef>
+                <a:spcPct val="0"/>
+              </a:spcBef>
+              <a:spcAft>
+                <a:spcPct val="0"/>
+              </a:spcAft>
+              <a:defRPr sz="3300">
+                <a:solidFill>
+                  <a:srgbClr val="101C32"/>
+                </a:solidFill>
+                <a:latin typeface="Arial" panose="020B0604020202020204" pitchFamily="34" charset="0"/>
+              </a:defRPr>
+            </a:lvl5pPr>
+            <a:lvl6pPr marL="457200" algn="l" defTabSz="685800" rtl="0" eaLnBrk="1" fontAlgn="base" hangingPunct="1">
+              <a:lnSpc>
+                <a:spcPct val="90000"/>
+              </a:lnSpc>
+              <a:spcBef>
+                <a:spcPct val="0"/>
+              </a:spcBef>
+              <a:spcAft>
+                <a:spcPct val="0"/>
+              </a:spcAft>
+              <a:defRPr sz="3300">
+                <a:solidFill>
+                  <a:srgbClr val="101C32"/>
+                </a:solidFill>
+                <a:latin typeface="Arial" panose="020B0604020202020204" pitchFamily="34" charset="0"/>
+              </a:defRPr>
+            </a:lvl6pPr>
+            <a:lvl7pPr marL="914400" algn="l" defTabSz="685800" rtl="0" eaLnBrk="1" fontAlgn="base" hangingPunct="1">
+              <a:lnSpc>
+                <a:spcPct val="90000"/>
+              </a:lnSpc>
+              <a:spcBef>
+                <a:spcPct val="0"/>
+              </a:spcBef>
+              <a:spcAft>
+                <a:spcPct val="0"/>
+              </a:spcAft>
+              <a:defRPr sz="3300">
+                <a:solidFill>
+                  <a:srgbClr val="101C32"/>
+                </a:solidFill>
+                <a:latin typeface="Arial" panose="020B0604020202020204" pitchFamily="34" charset="0"/>
+              </a:defRPr>
+            </a:lvl7pPr>
+            <a:lvl8pPr marL="1371600" algn="l" defTabSz="685800" rtl="0" eaLnBrk="1" fontAlgn="base" hangingPunct="1">
+              <a:lnSpc>
+                <a:spcPct val="90000"/>
+              </a:lnSpc>
+              <a:spcBef>
+                <a:spcPct val="0"/>
+              </a:spcBef>
+              <a:spcAft>
+                <a:spcPct val="0"/>
+              </a:spcAft>
+              <a:defRPr sz="3300">
+                <a:solidFill>
+                  <a:srgbClr val="101C32"/>
+                </a:solidFill>
+                <a:latin typeface="Arial" panose="020B0604020202020204" pitchFamily="34" charset="0"/>
+              </a:defRPr>
+            </a:lvl8pPr>
+            <a:lvl9pPr marL="1828800" algn="l" defTabSz="685800" rtl="0" eaLnBrk="1" fontAlgn="base" hangingPunct="1">
+              <a:lnSpc>
+                <a:spcPct val="90000"/>
+              </a:lnSpc>
+              <a:spcBef>
+                <a:spcPct val="0"/>
+              </a:spcBef>
+              <a:spcAft>
+                <a:spcPct val="0"/>
+              </a:spcAft>
+              <a:defRPr sz="3300">
+                <a:solidFill>
+                  <a:srgbClr val="101C32"/>
+                </a:solidFill>
+                <a:latin typeface="Arial" panose="020B0604020202020204" pitchFamily="34" charset="0"/>
+              </a:defRPr>
+            </a:lvl9pPr>
+          </a:lstStyle>
+          <a:p>
+            <a:pPr algn="r"/>
+            <a:r>
+              <a:rPr lang="en-US" sz="2000" dirty="0">
+                <a:solidFill>
+                  <a:schemeClr val="bg1"/>
+                </a:solidFill>
+              </a:rPr>
+              <a:t>Questions?</a:t>
+            </a:r>
+            <a:endParaRPr lang="en-US" sz="1800" dirty="0">
+              <a:solidFill>
+                <a:schemeClr val="bg1"/>
+              </a:solidFill>
+            </a:endParaRPr>
+          </a:p>
+        </p:txBody>
+      </p:sp>
+      <p:sp>
+        <p:nvSpPr>
+          <p:cNvPr id="4" name="TextBox 3">
+            <a:extLst>
+              <a:ext uri="{FF2B5EF4-FFF2-40B4-BE49-F238E27FC236}">
+                <a16:creationId xmlns:a16="http://schemas.microsoft.com/office/drawing/2014/main" id="{351E314F-7837-8F40-BE70-413121A53EC8}"/>
+              </a:ext>
+            </a:extLst>
+          </p:cNvPr>
+          <p:cNvSpPr txBox="1"/>
+          <p:nvPr/>
+        </p:nvSpPr>
+        <p:spPr>
+          <a:xfrm>
+            <a:off x="3880061" y="2674427"/>
+            <a:ext cx="1783621" cy="646331"/>
+          </a:xfrm>
+          <a:prstGeom prst="rect">
+            <a:avLst/>
+          </a:prstGeom>
+          <a:noFill/>
+        </p:spPr>
+        <p:txBody>
+          <a:bodyPr wrap="square" rtlCol="0">
+            <a:spAutoFit/>
+          </a:bodyPr>
+          <a:lstStyle/>
+          <a:p>
+            <a:r>
+              <a:rPr lang="en-US" b="1" dirty="0"/>
+              <a:t>Questions?</a:t>
+            </a:r>
+          </a:p>
+          <a:p>
+            <a:endParaRPr lang="en-US" dirty="0"/>
+          </a:p>
+        </p:txBody>
+      </p:sp>
+    </p:spTree>
+    <p:extLst>
+      <p:ext uri="{BB962C8B-B14F-4D97-AF65-F5344CB8AC3E}">
+        <p14:creationId xmlns:p14="http://schemas.microsoft.com/office/powerpoint/2010/main" val="1944912061"/>
       </p:ext>
     </p:extLst>
   </p:cSld>
@@ -32124,7 +32962,7 @@
         <p:spPr>
           <a:xfrm>
             <a:off x="334229" y="961568"/>
-            <a:ext cx="8515409" cy="2862322"/>
+            <a:ext cx="8515409" cy="923330"/>
           </a:xfrm>
           <a:prstGeom prst="rect">
             <a:avLst/>
@@ -32139,48 +32977,44 @@
           <a:p>
             <a:r>
               <a:rPr lang="en-US" b="1" dirty="0"/>
-              <a:t>Ensure Identity API is enforcing HSTS headers</a:t>
+              <a:t>Ensure Identity API is adding HSTS header and respecting headers forwarded through Application Load Balancer</a:t>
             </a:r>
           </a:p>
           <a:p>
             <a:endParaRPr lang="en-US" b="1" dirty="0"/>
-          </a:p>
-          <a:p>
-            <a:endParaRPr lang="en-US" b="1" dirty="0"/>
-          </a:p>
-          <a:p>
-            <a:endParaRPr lang="en-US" b="1" dirty="0"/>
-          </a:p>
-          <a:p>
-            <a:endParaRPr lang="en-US" b="1" dirty="0"/>
-          </a:p>
-          <a:p>
-            <a:r>
-              <a:rPr lang="en-US" dirty="0"/>
-              <a:t>Insert diagram to show current https -&gt; http traffic flow through load balancer</a:t>
-            </a:r>
-          </a:p>
-          <a:p>
-            <a:endParaRPr lang="en-US" dirty="0"/>
-          </a:p>
-          <a:p>
-            <a:endParaRPr lang="en-US" dirty="0"/>
-          </a:p>
-          <a:p>
-            <a:r>
-              <a:rPr lang="en-US" dirty="0"/>
-              <a:t>Check to see if load balancers are listening on ports other than 443</a:t>
-            </a:r>
-          </a:p>
-          <a:p>
-            <a:pPr marL="285750" indent="-285750">
-              <a:buFont typeface="Arial" panose="020B0604020202020204" pitchFamily="34" charset="0"/>
-              <a:buChar char="•"/>
-            </a:pPr>
-            <a:endParaRPr lang="en-US" dirty="0"/>
           </a:p>
         </p:txBody>
       </p:sp>
+      <p:pic>
+        <p:nvPicPr>
+          <p:cNvPr id="7" name="Picture 6" descr="Graphical user interface, diagram, application, Teams&#10;&#10;Description automatically generated">
+            <a:extLst>
+              <a:ext uri="{FF2B5EF4-FFF2-40B4-BE49-F238E27FC236}">
+                <a16:creationId xmlns:a16="http://schemas.microsoft.com/office/drawing/2014/main" id="{E077F78E-8F0A-48A9-ABC9-917984B77460}"/>
+              </a:ext>
+            </a:extLst>
+          </p:cNvPr>
+          <p:cNvPicPr>
+            <a:picLocks noChangeAspect="1"/>
+          </p:cNvPicPr>
+          <p:nvPr/>
+        </p:nvPicPr>
+        <p:blipFill>
+          <a:blip r:embed="rId2"/>
+          <a:stretch>
+            <a:fillRect/>
+          </a:stretch>
+        </p:blipFill>
+        <p:spPr>
+          <a:xfrm>
+            <a:off x="423862" y="2115051"/>
+            <a:ext cx="8296275" cy="2495550"/>
+          </a:xfrm>
+          <a:prstGeom prst="rect">
+            <a:avLst/>
+          </a:prstGeom>
+        </p:spPr>
+      </p:pic>
     </p:spTree>
     <p:extLst>
       <p:ext uri="{BB962C8B-B14F-4D97-AF65-F5344CB8AC3E}">
@@ -32429,7 +33263,7 @@
         <p:spPr>
           <a:xfrm>
             <a:off x="334229" y="952237"/>
-            <a:ext cx="8515409" cy="3970318"/>
+            <a:ext cx="8515409" cy="4247317"/>
           </a:xfrm>
           <a:prstGeom prst="rect">
             <a:avLst/>
@@ -32444,7 +33278,7 @@
           <a:p>
             <a:r>
               <a:rPr lang="en-US" b="1" dirty="0"/>
-              <a:t>Ensure Identity API is enforcing HSTS headers</a:t>
+              <a:t>Ensure Identity API is adding HSTS header and respecting headers forwarded through Application Load Balancer</a:t>
             </a:r>
           </a:p>
           <a:p>
@@ -35173,6 +36007,15 @@
 </file>
 
 <file path=customXml/item1.xml><?xml version="1.0" encoding="utf-8"?>
+<?mso-contentType ?>
+<FormTemplates xmlns="http://schemas.microsoft.com/sharepoint/v3/contenttype/forms">
+  <Display>DocumentLibraryForm</Display>
+  <Edit>DocumentLibraryForm</Edit>
+  <New>DocumentLibraryForm</New>
+</FormTemplates>
+</file>
+
+<file path=customXml/item2.xml><?xml version="1.0" encoding="utf-8"?>
 <ct:contentTypeSchema xmlns:ct="http://schemas.microsoft.com/office/2006/metadata/contentType" xmlns:ma="http://schemas.microsoft.com/office/2006/metadata/properties/metaAttributes" ct:_="" ma:_="" ma:contentTypeName="Document" ma:contentTypeID="0x01010025E19AE8BB01E547B9C94554E9602BAB" ma:contentTypeVersion="2" ma:contentTypeDescription="Create a new document." ma:contentTypeScope="" ma:versionID="81eb4f3333a95e1d0157c3fcf5afc7e3">
   <xsd:schema xmlns:xsd="http://www.w3.org/2001/XMLSchema" xmlns:xs="http://www.w3.org/2001/XMLSchema" xmlns:p="http://schemas.microsoft.com/office/2006/metadata/properties" xmlns:ns2="e794b067-c88c-4f69-971d-4e5f07b2fc26" targetNamespace="http://schemas.microsoft.com/office/2006/metadata/properties" ma:root="true" ma:fieldsID="d5a45a0f398227f31e7c66f9880980ab" ns2:_="">
     <xsd:import namespace="e794b067-c88c-4f69-971d-4e5f07b2fc26"/>
@@ -35304,15 +36147,6 @@
 </ct:contentTypeSchema>
 </file>
 
-<file path=customXml/item2.xml><?xml version="1.0" encoding="utf-8"?>
-<?mso-contentType ?>
-<FormTemplates xmlns="http://schemas.microsoft.com/sharepoint/v3/contenttype/forms">
-  <Display>DocumentLibraryForm</Display>
-  <Edit>DocumentLibraryForm</Edit>
-  <New>DocumentLibraryForm</New>
-</FormTemplates>
-</file>
-
 <file path=customXml/item3.xml><?xml version="1.0" encoding="utf-8"?>
 <p:properties xmlns:p="http://schemas.microsoft.com/office/2006/metadata/properties" xmlns:xsi="http://www.w3.org/2001/XMLSchema-instance" xmlns:pc="http://schemas.microsoft.com/office/infopath/2007/PartnerControls">
   <documentManagement/>
@@ -35320,6 +36154,14 @@
 </file>
 
 <file path=customXml/itemProps1.xml><?xml version="1.0" encoding="utf-8"?>
+<ds:datastoreItem xmlns:ds="http://schemas.openxmlformats.org/officeDocument/2006/customXml" ds:itemID="{C9D629DA-1682-46D9-99F5-A3E36C5BAC70}">
+  <ds:schemaRefs>
+    <ds:schemaRef ds:uri="http://schemas.microsoft.com/sharepoint/v3/contenttype/forms"/>
+  </ds:schemaRefs>
+</ds:datastoreItem>
+</file>
+
+<file path=customXml/itemProps2.xml><?xml version="1.0" encoding="utf-8"?>
 <ds:datastoreItem xmlns:ds="http://schemas.openxmlformats.org/officeDocument/2006/customXml" ds:itemID="{107F0371-BB02-4AD4-8649-0CB5196935CE}">
   <ds:schemaRefs>
     <ds:schemaRef ds:uri="e794b067-c88c-4f69-971d-4e5f07b2fc26"/>
@@ -35333,14 +36175,6 @@
     <ds:schemaRef ds:uri="http://schemas.microsoft.com/office/infopath/2007/PartnerControls"/>
     <ds:schemaRef ds:uri="http://schemas.openxmlformats.org/package/2006/metadata/core-properties"/>
     <ds:schemaRef ds:uri="http://www.w3.org/2001/XMLSchema"/>
-  </ds:schemaRefs>
-</ds:datastoreItem>
-</file>
-
-<file path=customXml/itemProps2.xml><?xml version="1.0" encoding="utf-8"?>
-<ds:datastoreItem xmlns:ds="http://schemas.openxmlformats.org/officeDocument/2006/customXml" ds:itemID="{C9D629DA-1682-46D9-99F5-A3E36C5BAC70}">
-  <ds:schemaRefs>
-    <ds:schemaRef ds:uri="http://schemas.microsoft.com/sharepoint/v3/contenttype/forms"/>
   </ds:schemaRefs>
 </ds:datastoreItem>
 </file>
